--- a/image/1.UCOS分析与深入解读.pptx
+++ b/image/1.UCOS分析与深入解读.pptx
@@ -6195,7 +6195,7 @@
           <a:p>
             <a:fld id="{16754228-772C-4F87-B467-91EA4980387A}" type="datetimeFigureOut">
               <a:rPr lang="zh-CN" altLang="en-US" smtClean="0"/>
-              <a:t>2019/7/24</a:t>
+              <a:t>2019/7/26</a:t>
             </a:fld>
             <a:endParaRPr lang="zh-CN" altLang="en-US"/>
           </a:p>
@@ -6365,7 +6365,7 @@
           <a:p>
             <a:fld id="{16754228-772C-4F87-B467-91EA4980387A}" type="datetimeFigureOut">
               <a:rPr lang="zh-CN" altLang="en-US" smtClean="0"/>
-              <a:t>2019/7/24</a:t>
+              <a:t>2019/7/26</a:t>
             </a:fld>
             <a:endParaRPr lang="zh-CN" altLang="en-US"/>
           </a:p>
@@ -6545,7 +6545,7 @@
           <a:p>
             <a:fld id="{16754228-772C-4F87-B467-91EA4980387A}" type="datetimeFigureOut">
               <a:rPr lang="zh-CN" altLang="en-US" smtClean="0"/>
-              <a:t>2019/7/24</a:t>
+              <a:t>2019/7/26</a:t>
             </a:fld>
             <a:endParaRPr lang="zh-CN" altLang="en-US"/>
           </a:p>
@@ -6715,7 +6715,7 @@
           <a:p>
             <a:fld id="{16754228-772C-4F87-B467-91EA4980387A}" type="datetimeFigureOut">
               <a:rPr lang="zh-CN" altLang="en-US" smtClean="0"/>
-              <a:t>2019/7/24</a:t>
+              <a:t>2019/7/26</a:t>
             </a:fld>
             <a:endParaRPr lang="zh-CN" altLang="en-US"/>
           </a:p>
@@ -6961,7 +6961,7 @@
           <a:p>
             <a:fld id="{16754228-772C-4F87-B467-91EA4980387A}" type="datetimeFigureOut">
               <a:rPr lang="zh-CN" altLang="en-US" smtClean="0"/>
-              <a:t>2019/7/24</a:t>
+              <a:t>2019/7/26</a:t>
             </a:fld>
             <a:endParaRPr lang="zh-CN" altLang="en-US"/>
           </a:p>
@@ -7193,7 +7193,7 @@
           <a:p>
             <a:fld id="{16754228-772C-4F87-B467-91EA4980387A}" type="datetimeFigureOut">
               <a:rPr lang="zh-CN" altLang="en-US" smtClean="0"/>
-              <a:t>2019/7/24</a:t>
+              <a:t>2019/7/26</a:t>
             </a:fld>
             <a:endParaRPr lang="zh-CN" altLang="en-US"/>
           </a:p>
@@ -7560,7 +7560,7 @@
           <a:p>
             <a:fld id="{16754228-772C-4F87-B467-91EA4980387A}" type="datetimeFigureOut">
               <a:rPr lang="zh-CN" altLang="en-US" smtClean="0"/>
-              <a:t>2019/7/24</a:t>
+              <a:t>2019/7/26</a:t>
             </a:fld>
             <a:endParaRPr lang="zh-CN" altLang="en-US"/>
           </a:p>
@@ -7678,7 +7678,7 @@
           <a:p>
             <a:fld id="{16754228-772C-4F87-B467-91EA4980387A}" type="datetimeFigureOut">
               <a:rPr lang="zh-CN" altLang="en-US" smtClean="0"/>
-              <a:t>2019/7/24</a:t>
+              <a:t>2019/7/26</a:t>
             </a:fld>
             <a:endParaRPr lang="zh-CN" altLang="en-US"/>
           </a:p>
@@ -7773,7 +7773,7 @@
           <a:p>
             <a:fld id="{16754228-772C-4F87-B467-91EA4980387A}" type="datetimeFigureOut">
               <a:rPr lang="zh-CN" altLang="en-US" smtClean="0"/>
-              <a:t>2019/7/24</a:t>
+              <a:t>2019/7/26</a:t>
             </a:fld>
             <a:endParaRPr lang="zh-CN" altLang="en-US"/>
           </a:p>
@@ -8050,7 +8050,7 @@
           <a:p>
             <a:fld id="{16754228-772C-4F87-B467-91EA4980387A}" type="datetimeFigureOut">
               <a:rPr lang="zh-CN" altLang="en-US" smtClean="0"/>
-              <a:t>2019/7/24</a:t>
+              <a:t>2019/7/26</a:t>
             </a:fld>
             <a:endParaRPr lang="zh-CN" altLang="en-US"/>
           </a:p>
@@ -8303,7 +8303,7 @@
           <a:p>
             <a:fld id="{16754228-772C-4F87-B467-91EA4980387A}" type="datetimeFigureOut">
               <a:rPr lang="zh-CN" altLang="en-US" smtClean="0"/>
-              <a:t>2019/7/24</a:t>
+              <a:t>2019/7/26</a:t>
             </a:fld>
             <a:endParaRPr lang="zh-CN" altLang="en-US"/>
           </a:p>
@@ -8516,7 +8516,7 @@
           <a:p>
             <a:fld id="{16754228-772C-4F87-B467-91EA4980387A}" type="datetimeFigureOut">
               <a:rPr lang="zh-CN" altLang="en-US" smtClean="0"/>
-              <a:t>2019/7/24</a:t>
+              <a:t>2019/7/26</a:t>
             </a:fld>
             <a:endParaRPr lang="zh-CN" altLang="en-US"/>
           </a:p>
@@ -14293,15 +14293,7 @@
                   <a:schemeClr val="accent1"/>
                 </a:solidFill>
               </a:rPr>
-              <a:t>状态</a:t>
-            </a:r>
-            <a:r>
-              <a:rPr lang="zh-CN" altLang="en-US" b="1" dirty="0" smtClean="0">
-                <a:solidFill>
-                  <a:schemeClr val="accent1"/>
-                </a:solidFill>
-              </a:rPr>
-              <a:t>。</a:t>
+              <a:t>状态。</a:t>
             </a:r>
             <a:endParaRPr lang="en-US" altLang="zh-CN" b="1" dirty="0" smtClean="0">
               <a:solidFill>
@@ -14535,11 +14527,7 @@
           <a:p>
             <a:r>
               <a:rPr lang="zh-CN" altLang="en-US" sz="3600" dirty="0" smtClean="0"/>
-              <a:t>任务控制块结构体</a:t>
-            </a:r>
-            <a:r>
-              <a:rPr lang="zh-CN" altLang="en-US" sz="3600" dirty="0" smtClean="0"/>
-              <a:t>分析</a:t>
+              <a:t>任务控制块结构体分析</a:t>
             </a:r>
             <a:endParaRPr lang="zh-CN" altLang="en-US" sz="3600" dirty="0"/>
           </a:p>
@@ -17846,7 +17834,7 @@
         </p:nvSpPr>
         <p:spPr>
           <a:xfrm>
-            <a:off x="838200" y="2259724"/>
+            <a:off x="838200" y="1880789"/>
             <a:ext cx="10515600" cy="1754326"/>
           </a:xfrm>
           <a:prstGeom prst="rect">
@@ -18109,6 +18097,570 @@
           </a:p>
         </p:txBody>
       </p:sp>
+      <p:sp>
+        <p:nvSpPr>
+          <p:cNvPr id="3" name="文本框 2"/>
+          <p:cNvSpPr txBox="1"/>
+          <p:nvPr/>
+        </p:nvSpPr>
+        <p:spPr>
+          <a:xfrm>
+            <a:off x="3791943" y="3804638"/>
+            <a:ext cx="5202621" cy="465640"/>
+          </a:xfrm>
+          <a:prstGeom prst="rect">
+            <a:avLst/>
+          </a:prstGeom>
+          <a:noFill/>
+        </p:spPr>
+        <p:txBody>
+          <a:bodyPr wrap="square" rtlCol="0">
+            <a:spAutoFit/>
+          </a:bodyPr>
+          <a:lstStyle/>
+          <a:p>
+            <a:pPr>
+              <a:lnSpc>
+                <a:spcPct val="150000"/>
+              </a:lnSpc>
+            </a:pPr>
+            <a:r>
+              <a:rPr lang="zh-CN" altLang="en-US" dirty="0" smtClean="0"/>
+              <a:t>但是节拍服务函数同时管理这两块区域</a:t>
+            </a:r>
+            <a:endParaRPr lang="zh-CN" altLang="en-US" dirty="0" smtClean="0"/>
+          </a:p>
+        </p:txBody>
+      </p:sp>
+      <p:grpSp>
+        <p:nvGrpSpPr>
+          <p:cNvPr id="12" name="组合 11"/>
+          <p:cNvGrpSpPr/>
+          <p:nvPr/>
+        </p:nvGrpSpPr>
+        <p:grpSpPr>
+          <a:xfrm>
+            <a:off x="9392613" y="5048948"/>
+            <a:ext cx="2522483" cy="1135118"/>
+            <a:chOff x="8429297" y="5360275"/>
+            <a:chExt cx="2522483" cy="1135118"/>
+          </a:xfrm>
+        </p:grpSpPr>
+        <p:sp>
+          <p:nvSpPr>
+            <p:cNvPr id="7" name="椭圆 6"/>
+            <p:cNvSpPr/>
+            <p:nvPr/>
+          </p:nvSpPr>
+          <p:spPr>
+            <a:xfrm>
+              <a:off x="8429297" y="5360275"/>
+              <a:ext cx="2522483" cy="1135118"/>
+            </a:xfrm>
+            <a:prstGeom prst="ellipse">
+              <a:avLst/>
+            </a:prstGeom>
+          </p:spPr>
+          <p:style>
+            <a:lnRef idx="2">
+              <a:schemeClr val="accent1">
+                <a:shade val="50000"/>
+              </a:schemeClr>
+            </a:lnRef>
+            <a:fillRef idx="1">
+              <a:schemeClr val="accent1"/>
+            </a:fillRef>
+            <a:effectRef idx="0">
+              <a:schemeClr val="accent1"/>
+            </a:effectRef>
+            <a:fontRef idx="minor">
+              <a:schemeClr val="lt1"/>
+            </a:fontRef>
+          </p:style>
+          <p:txBody>
+            <a:bodyPr rtlCol="0" anchor="ctr"/>
+            <a:lstStyle/>
+            <a:p>
+              <a:pPr algn="ctr"/>
+              <a:endParaRPr lang="zh-CN" altLang="en-US"/>
+            </a:p>
+          </p:txBody>
+        </p:sp>
+        <p:sp>
+          <p:nvSpPr>
+            <p:cNvPr id="11" name="文本框 10"/>
+            <p:cNvSpPr txBox="1"/>
+            <p:nvPr/>
+          </p:nvSpPr>
+          <p:spPr>
+            <a:xfrm>
+              <a:off x="8965325" y="5695014"/>
+              <a:ext cx="1702676" cy="465640"/>
+            </a:xfrm>
+            <a:prstGeom prst="rect">
+              <a:avLst/>
+            </a:prstGeom>
+            <a:noFill/>
+          </p:spPr>
+          <p:txBody>
+            <a:bodyPr wrap="square" rtlCol="0">
+              <a:spAutoFit/>
+            </a:bodyPr>
+            <a:lstStyle/>
+            <a:p>
+              <a:pPr>
+                <a:lnSpc>
+                  <a:spcPct val="150000"/>
+                </a:lnSpc>
+              </a:pPr>
+              <a:r>
+                <a:rPr lang="zh-CN" altLang="en-US" dirty="0" smtClean="0"/>
+                <a:t>睡眠</a:t>
+              </a:r>
+              <a:endParaRPr lang="zh-CN" altLang="en-US" dirty="0" smtClean="0"/>
+            </a:p>
+          </p:txBody>
+        </p:sp>
+      </p:grpSp>
+      <p:grpSp>
+        <p:nvGrpSpPr>
+          <p:cNvPr id="21" name="组合 20"/>
+          <p:cNvGrpSpPr/>
+          <p:nvPr/>
+        </p:nvGrpSpPr>
+        <p:grpSpPr>
+          <a:xfrm>
+            <a:off x="1239915" y="4270278"/>
+            <a:ext cx="7879460" cy="2531827"/>
+            <a:chOff x="1313487" y="4463816"/>
+            <a:chExt cx="7879460" cy="2531827"/>
+          </a:xfrm>
+        </p:grpSpPr>
+        <p:sp>
+          <p:nvSpPr>
+            <p:cNvPr id="18" name="圆角矩形 17"/>
+            <p:cNvSpPr/>
+            <p:nvPr/>
+          </p:nvSpPr>
+          <p:spPr>
+            <a:xfrm>
+              <a:off x="1313487" y="4463816"/>
+              <a:ext cx="7879460" cy="2531827"/>
+            </a:xfrm>
+            <a:prstGeom prst="roundRect">
+              <a:avLst/>
+            </a:prstGeom>
+          </p:spPr>
+          <p:style>
+            <a:lnRef idx="2">
+              <a:schemeClr val="accent1">
+                <a:shade val="50000"/>
+              </a:schemeClr>
+            </a:lnRef>
+            <a:fillRef idx="1">
+              <a:schemeClr val="accent1"/>
+            </a:fillRef>
+            <a:effectRef idx="0">
+              <a:schemeClr val="accent1"/>
+            </a:effectRef>
+            <a:fontRef idx="minor">
+              <a:schemeClr val="lt1"/>
+            </a:fontRef>
+          </p:style>
+          <p:txBody>
+            <a:bodyPr rtlCol="0" anchor="ctr"/>
+            <a:lstStyle/>
+            <a:p>
+              <a:pPr algn="ctr"/>
+              <a:endParaRPr lang="zh-CN" altLang="en-US"/>
+            </a:p>
+          </p:txBody>
+        </p:sp>
+        <p:sp>
+          <p:nvSpPr>
+            <p:cNvPr id="8" name="椭圆 7"/>
+            <p:cNvSpPr/>
+            <p:nvPr/>
+          </p:nvSpPr>
+          <p:spPr>
+            <a:xfrm rot="20644890">
+              <a:off x="1445172" y="4714898"/>
+              <a:ext cx="5644055" cy="2029664"/>
+            </a:xfrm>
+            <a:prstGeom prst="ellipse">
+              <a:avLst/>
+            </a:prstGeom>
+          </p:spPr>
+          <p:style>
+            <a:lnRef idx="2">
+              <a:schemeClr val="accent1">
+                <a:shade val="50000"/>
+              </a:schemeClr>
+            </a:lnRef>
+            <a:fillRef idx="1">
+              <a:schemeClr val="accent1"/>
+            </a:fillRef>
+            <a:effectRef idx="0">
+              <a:schemeClr val="accent1"/>
+            </a:effectRef>
+            <a:fontRef idx="minor">
+              <a:schemeClr val="lt1"/>
+            </a:fontRef>
+          </p:style>
+          <p:txBody>
+            <a:bodyPr rtlCol="0" anchor="ctr"/>
+            <a:lstStyle/>
+            <a:p>
+              <a:pPr algn="ctr"/>
+              <a:endParaRPr lang="zh-CN" altLang="en-US"/>
+            </a:p>
+          </p:txBody>
+        </p:sp>
+        <p:grpSp>
+          <p:nvGrpSpPr>
+            <p:cNvPr id="14" name="组合 13"/>
+            <p:cNvGrpSpPr/>
+            <p:nvPr/>
+          </p:nvGrpSpPr>
+          <p:grpSpPr>
+            <a:xfrm>
+              <a:off x="1923393" y="5496910"/>
+              <a:ext cx="2522483" cy="1135118"/>
+              <a:chOff x="1923393" y="5496910"/>
+              <a:chExt cx="2522483" cy="1135118"/>
+            </a:xfrm>
+          </p:grpSpPr>
+          <p:sp>
+            <p:nvSpPr>
+              <p:cNvPr id="5" name="椭圆 4"/>
+              <p:cNvSpPr/>
+              <p:nvPr/>
+            </p:nvSpPr>
+            <p:spPr>
+              <a:xfrm>
+                <a:off x="1923393" y="5496910"/>
+                <a:ext cx="2522483" cy="1135118"/>
+              </a:xfrm>
+              <a:prstGeom prst="ellipse">
+                <a:avLst/>
+              </a:prstGeom>
+            </p:spPr>
+            <p:style>
+              <a:lnRef idx="2">
+                <a:schemeClr val="accent1">
+                  <a:shade val="50000"/>
+                </a:schemeClr>
+              </a:lnRef>
+              <a:fillRef idx="1">
+                <a:schemeClr val="accent1"/>
+              </a:fillRef>
+              <a:effectRef idx="0">
+                <a:schemeClr val="accent1"/>
+              </a:effectRef>
+              <a:fontRef idx="minor">
+                <a:schemeClr val="lt1"/>
+              </a:fontRef>
+            </p:style>
+            <p:txBody>
+              <a:bodyPr rtlCol="0" anchor="ctr"/>
+              <a:lstStyle/>
+              <a:p>
+                <a:pPr algn="ctr"/>
+                <a:endParaRPr lang="zh-CN" altLang="en-US"/>
+              </a:p>
+            </p:txBody>
+          </p:sp>
+          <p:sp>
+            <p:nvSpPr>
+              <p:cNvPr id="9" name="文本框 8"/>
+              <p:cNvSpPr txBox="1"/>
+              <p:nvPr/>
+            </p:nvSpPr>
+            <p:spPr>
+              <a:xfrm>
+                <a:off x="2564524" y="5810045"/>
+                <a:ext cx="1702676" cy="465640"/>
+              </a:xfrm>
+              <a:prstGeom prst="rect">
+                <a:avLst/>
+              </a:prstGeom>
+              <a:noFill/>
+            </p:spPr>
+            <p:txBody>
+              <a:bodyPr wrap="square" rtlCol="0">
+                <a:spAutoFit/>
+              </a:bodyPr>
+              <a:lstStyle/>
+              <a:p>
+                <a:pPr>
+                  <a:lnSpc>
+                    <a:spcPct val="150000"/>
+                  </a:lnSpc>
+                </a:pPr>
+                <a:r>
+                  <a:rPr lang="zh-CN" altLang="en-US" dirty="0" smtClean="0"/>
+                  <a:t>等待</a:t>
+                </a:r>
+                <a:r>
+                  <a:rPr lang="en-US" altLang="zh-CN" dirty="0" smtClean="0"/>
+                  <a:t>CPU</a:t>
+                </a:r>
+                <a:endParaRPr lang="zh-CN" altLang="en-US" dirty="0" smtClean="0"/>
+              </a:p>
+            </p:txBody>
+          </p:sp>
+        </p:grpSp>
+        <p:grpSp>
+          <p:nvGrpSpPr>
+            <p:cNvPr id="13" name="组合 12"/>
+            <p:cNvGrpSpPr/>
+            <p:nvPr/>
+          </p:nvGrpSpPr>
+          <p:grpSpPr>
+            <a:xfrm>
+              <a:off x="3869120" y="4653748"/>
+              <a:ext cx="2522483" cy="1135118"/>
+              <a:chOff x="5023945" y="5496910"/>
+              <a:chExt cx="2522483" cy="1135118"/>
+            </a:xfrm>
+          </p:grpSpPr>
+          <p:sp>
+            <p:nvSpPr>
+              <p:cNvPr id="6" name="椭圆 5"/>
+              <p:cNvSpPr/>
+              <p:nvPr/>
+            </p:nvSpPr>
+            <p:spPr>
+              <a:xfrm>
+                <a:off x="5023945" y="5496910"/>
+                <a:ext cx="2522483" cy="1135118"/>
+              </a:xfrm>
+              <a:prstGeom prst="ellipse">
+                <a:avLst/>
+              </a:prstGeom>
+            </p:spPr>
+            <p:style>
+              <a:lnRef idx="2">
+                <a:schemeClr val="accent1">
+                  <a:shade val="50000"/>
+                </a:schemeClr>
+              </a:lnRef>
+              <a:fillRef idx="1">
+                <a:schemeClr val="accent1"/>
+              </a:fillRef>
+              <a:effectRef idx="0">
+                <a:schemeClr val="accent1"/>
+              </a:effectRef>
+              <a:fontRef idx="minor">
+                <a:schemeClr val="lt1"/>
+              </a:fontRef>
+            </p:style>
+            <p:txBody>
+              <a:bodyPr rtlCol="0" anchor="ctr"/>
+              <a:lstStyle/>
+              <a:p>
+                <a:pPr algn="ctr"/>
+                <a:endParaRPr lang="zh-CN" altLang="en-US"/>
+              </a:p>
+            </p:txBody>
+          </p:sp>
+          <p:sp>
+            <p:nvSpPr>
+              <p:cNvPr id="10" name="文本框 9"/>
+              <p:cNvSpPr txBox="1"/>
+              <p:nvPr/>
+            </p:nvSpPr>
+            <p:spPr>
+              <a:xfrm>
+                <a:off x="5764924" y="5831649"/>
+                <a:ext cx="1702676" cy="465640"/>
+              </a:xfrm>
+              <a:prstGeom prst="rect">
+                <a:avLst/>
+              </a:prstGeom>
+              <a:noFill/>
+            </p:spPr>
+            <p:txBody>
+              <a:bodyPr wrap="square" rtlCol="0">
+                <a:spAutoFit/>
+              </a:bodyPr>
+              <a:lstStyle/>
+              <a:p>
+                <a:pPr>
+                  <a:lnSpc>
+                    <a:spcPct val="150000"/>
+                  </a:lnSpc>
+                </a:pPr>
+                <a:r>
+                  <a:rPr lang="zh-CN" altLang="en-US" dirty="0" smtClean="0"/>
+                  <a:t>等待资源</a:t>
+                </a:r>
+                <a:endParaRPr lang="zh-CN" altLang="en-US" dirty="0" smtClean="0"/>
+              </a:p>
+            </p:txBody>
+          </p:sp>
+        </p:grpSp>
+        <p:grpSp>
+          <p:nvGrpSpPr>
+            <p:cNvPr id="15" name="组合 14"/>
+            <p:cNvGrpSpPr/>
+            <p:nvPr/>
+          </p:nvGrpSpPr>
+          <p:grpSpPr>
+            <a:xfrm>
+              <a:off x="6312775" y="5642888"/>
+              <a:ext cx="2522483" cy="1135118"/>
+              <a:chOff x="8429297" y="5360275"/>
+              <a:chExt cx="2522483" cy="1135118"/>
+            </a:xfrm>
+          </p:grpSpPr>
+          <p:sp>
+            <p:nvSpPr>
+              <p:cNvPr id="16" name="椭圆 15"/>
+              <p:cNvSpPr/>
+              <p:nvPr/>
+            </p:nvSpPr>
+            <p:spPr>
+              <a:xfrm>
+                <a:off x="8429297" y="5360275"/>
+                <a:ext cx="2522483" cy="1135118"/>
+              </a:xfrm>
+              <a:prstGeom prst="ellipse">
+                <a:avLst/>
+              </a:prstGeom>
+            </p:spPr>
+            <p:style>
+              <a:lnRef idx="2">
+                <a:schemeClr val="accent1">
+                  <a:shade val="50000"/>
+                </a:schemeClr>
+              </a:lnRef>
+              <a:fillRef idx="1">
+                <a:schemeClr val="accent1"/>
+              </a:fillRef>
+              <a:effectRef idx="0">
+                <a:schemeClr val="accent1"/>
+              </a:effectRef>
+              <a:fontRef idx="minor">
+                <a:schemeClr val="lt1"/>
+              </a:fontRef>
+            </p:style>
+            <p:txBody>
+              <a:bodyPr rtlCol="0" anchor="ctr"/>
+              <a:lstStyle/>
+              <a:p>
+                <a:pPr algn="ctr"/>
+                <a:endParaRPr lang="zh-CN" altLang="en-US"/>
+              </a:p>
+            </p:txBody>
+          </p:sp>
+          <p:sp>
+            <p:nvSpPr>
+              <p:cNvPr id="17" name="文本框 16"/>
+              <p:cNvSpPr txBox="1"/>
+              <p:nvPr/>
+            </p:nvSpPr>
+            <p:spPr>
+              <a:xfrm>
+                <a:off x="8965325" y="5695014"/>
+                <a:ext cx="1702676" cy="465640"/>
+              </a:xfrm>
+              <a:prstGeom prst="rect">
+                <a:avLst/>
+              </a:prstGeom>
+              <a:noFill/>
+            </p:spPr>
+            <p:txBody>
+              <a:bodyPr wrap="square" rtlCol="0">
+                <a:spAutoFit/>
+              </a:bodyPr>
+              <a:lstStyle/>
+              <a:p>
+                <a:pPr>
+                  <a:lnSpc>
+                    <a:spcPct val="150000"/>
+                  </a:lnSpc>
+                </a:pPr>
+                <a:r>
+                  <a:rPr lang="zh-CN" altLang="en-US" dirty="0" smtClean="0"/>
+                  <a:t>挂起</a:t>
+                </a:r>
+                <a:endParaRPr lang="zh-CN" altLang="en-US" dirty="0" smtClean="0"/>
+              </a:p>
+            </p:txBody>
+          </p:sp>
+        </p:grpSp>
+        <p:sp>
+          <p:nvSpPr>
+            <p:cNvPr id="19" name="文本框 18"/>
+            <p:cNvSpPr txBox="1"/>
+            <p:nvPr/>
+          </p:nvSpPr>
+          <p:spPr>
+            <a:xfrm>
+              <a:off x="4616012" y="5890785"/>
+              <a:ext cx="763313" cy="465640"/>
+            </a:xfrm>
+            <a:prstGeom prst="rect">
+              <a:avLst/>
+            </a:prstGeom>
+            <a:noFill/>
+          </p:spPr>
+          <p:txBody>
+            <a:bodyPr wrap="square" rtlCol="0">
+              <a:spAutoFit/>
+            </a:bodyPr>
+            <a:lstStyle/>
+            <a:p>
+              <a:pPr>
+                <a:lnSpc>
+                  <a:spcPct val="150000"/>
+                </a:lnSpc>
+              </a:pPr>
+              <a:r>
+                <a:rPr lang="zh-CN" altLang="en-US" dirty="0" smtClean="0"/>
+                <a:t>节拍</a:t>
+              </a:r>
+              <a:endParaRPr lang="zh-CN" altLang="en-US" dirty="0" smtClean="0"/>
+            </a:p>
+          </p:txBody>
+        </p:sp>
+        <p:sp>
+          <p:nvSpPr>
+            <p:cNvPr id="20" name="文本框 19"/>
+            <p:cNvSpPr txBox="1"/>
+            <p:nvPr/>
+          </p:nvSpPr>
+          <p:spPr>
+            <a:xfrm>
+              <a:off x="7825273" y="4786615"/>
+              <a:ext cx="763313" cy="465640"/>
+            </a:xfrm>
+            <a:prstGeom prst="rect">
+              <a:avLst/>
+            </a:prstGeom>
+            <a:noFill/>
+          </p:spPr>
+          <p:txBody>
+            <a:bodyPr wrap="square" rtlCol="0">
+              <a:spAutoFit/>
+            </a:bodyPr>
+            <a:lstStyle/>
+            <a:p>
+              <a:pPr>
+                <a:lnSpc>
+                  <a:spcPct val="150000"/>
+                </a:lnSpc>
+              </a:pPr>
+              <a:r>
+                <a:rPr lang="en-US" altLang="zh-CN" dirty="0" smtClean="0"/>
+                <a:t>TCB</a:t>
+              </a:r>
+              <a:endParaRPr lang="zh-CN" altLang="en-US" dirty="0" smtClean="0"/>
+            </a:p>
+          </p:txBody>
+        </p:sp>
+      </p:grpSp>
     </p:spTree>
     <p:extLst>
       <p:ext uri="{BB962C8B-B14F-4D97-AF65-F5344CB8AC3E}">
@@ -18680,6 +19232,30 @@
           <a:chExt cx="0" cy="0"/>
         </a:xfrm>
       </p:grpSpPr>
+      <p:pic>
+        <p:nvPicPr>
+          <p:cNvPr id="5" name="图片 4"/>
+          <p:cNvPicPr>
+            <a:picLocks noChangeAspect="1"/>
+          </p:cNvPicPr>
+          <p:nvPr/>
+        </p:nvPicPr>
+        <p:blipFill>
+          <a:blip r:embed="rId2"/>
+          <a:stretch>
+            <a:fillRect/>
+          </a:stretch>
+        </p:blipFill>
+        <p:spPr>
+          <a:xfrm>
+            <a:off x="5323491" y="50020"/>
+            <a:ext cx="6637282" cy="1602636"/>
+          </a:xfrm>
+          <a:prstGeom prst="rect">
+            <a:avLst/>
+          </a:prstGeom>
+        </p:spPr>
+      </p:pic>
       <p:sp>
         <p:nvSpPr>
           <p:cNvPr id="2" name="标题 1"/>
@@ -18718,8 +19294,8 @@
         </p:nvSpPr>
         <p:spPr>
           <a:xfrm>
-            <a:off x="578069" y="998483"/>
-            <a:ext cx="8198069" cy="923330"/>
+            <a:off x="578070" y="998483"/>
+            <a:ext cx="6453352" cy="923330"/>
           </a:xfrm>
           <a:prstGeom prst="rect">
             <a:avLst/>
@@ -18811,7 +19387,7 @@
             <p:nvPr/>
           </p:nvPicPr>
           <p:blipFill>
-            <a:blip r:embed="rId2"/>
+            <a:blip r:embed="rId3"/>
             <a:stretch>
               <a:fillRect/>
             </a:stretch>

--- a/image/1.UCOS分析与深入解读.pptx
+++ b/image/1.UCOS分析与深入解读.pptx
@@ -12,11 +12,12 @@
     <p:sldId id="261" r:id="rId6"/>
     <p:sldId id="264" r:id="rId7"/>
     <p:sldId id="266" r:id="rId8"/>
-    <p:sldId id="267" r:id="rId9"/>
+    <p:sldId id="269" r:id="rId9"/>
     <p:sldId id="268" r:id="rId10"/>
-    <p:sldId id="258" r:id="rId11"/>
-    <p:sldId id="259" r:id="rId12"/>
-    <p:sldId id="265" r:id="rId13"/>
+    <p:sldId id="267" r:id="rId11"/>
+    <p:sldId id="258" r:id="rId12"/>
+    <p:sldId id="259" r:id="rId13"/>
+    <p:sldId id="265" r:id="rId14"/>
   </p:sldIdLst>
   <p:sldSz cx="12192000" cy="6858000"/>
   <p:notesSz cx="6858000" cy="9144000"/>
@@ -6195,7 +6196,7 @@
           <a:p>
             <a:fld id="{16754228-772C-4F87-B467-91EA4980387A}" type="datetimeFigureOut">
               <a:rPr lang="zh-CN" altLang="en-US" smtClean="0"/>
-              <a:t>2019/7/26</a:t>
+              <a:t>2019/8/5</a:t>
             </a:fld>
             <a:endParaRPr lang="zh-CN" altLang="en-US"/>
           </a:p>
@@ -6365,7 +6366,7 @@
           <a:p>
             <a:fld id="{16754228-772C-4F87-B467-91EA4980387A}" type="datetimeFigureOut">
               <a:rPr lang="zh-CN" altLang="en-US" smtClean="0"/>
-              <a:t>2019/7/26</a:t>
+              <a:t>2019/8/5</a:t>
             </a:fld>
             <a:endParaRPr lang="zh-CN" altLang="en-US"/>
           </a:p>
@@ -6545,7 +6546,7 @@
           <a:p>
             <a:fld id="{16754228-772C-4F87-B467-91EA4980387A}" type="datetimeFigureOut">
               <a:rPr lang="zh-CN" altLang="en-US" smtClean="0"/>
-              <a:t>2019/7/26</a:t>
+              <a:t>2019/8/5</a:t>
             </a:fld>
             <a:endParaRPr lang="zh-CN" altLang="en-US"/>
           </a:p>
@@ -6715,7 +6716,7 @@
           <a:p>
             <a:fld id="{16754228-772C-4F87-B467-91EA4980387A}" type="datetimeFigureOut">
               <a:rPr lang="zh-CN" altLang="en-US" smtClean="0"/>
-              <a:t>2019/7/26</a:t>
+              <a:t>2019/8/5</a:t>
             </a:fld>
             <a:endParaRPr lang="zh-CN" altLang="en-US"/>
           </a:p>
@@ -6961,7 +6962,7 @@
           <a:p>
             <a:fld id="{16754228-772C-4F87-B467-91EA4980387A}" type="datetimeFigureOut">
               <a:rPr lang="zh-CN" altLang="en-US" smtClean="0"/>
-              <a:t>2019/7/26</a:t>
+              <a:t>2019/8/5</a:t>
             </a:fld>
             <a:endParaRPr lang="zh-CN" altLang="en-US"/>
           </a:p>
@@ -7193,7 +7194,7 @@
           <a:p>
             <a:fld id="{16754228-772C-4F87-B467-91EA4980387A}" type="datetimeFigureOut">
               <a:rPr lang="zh-CN" altLang="en-US" smtClean="0"/>
-              <a:t>2019/7/26</a:t>
+              <a:t>2019/8/5</a:t>
             </a:fld>
             <a:endParaRPr lang="zh-CN" altLang="en-US"/>
           </a:p>
@@ -7560,7 +7561,7 @@
           <a:p>
             <a:fld id="{16754228-772C-4F87-B467-91EA4980387A}" type="datetimeFigureOut">
               <a:rPr lang="zh-CN" altLang="en-US" smtClean="0"/>
-              <a:t>2019/7/26</a:t>
+              <a:t>2019/8/5</a:t>
             </a:fld>
             <a:endParaRPr lang="zh-CN" altLang="en-US"/>
           </a:p>
@@ -7678,7 +7679,7 @@
           <a:p>
             <a:fld id="{16754228-772C-4F87-B467-91EA4980387A}" type="datetimeFigureOut">
               <a:rPr lang="zh-CN" altLang="en-US" smtClean="0"/>
-              <a:t>2019/7/26</a:t>
+              <a:t>2019/8/5</a:t>
             </a:fld>
             <a:endParaRPr lang="zh-CN" altLang="en-US"/>
           </a:p>
@@ -7773,7 +7774,7 @@
           <a:p>
             <a:fld id="{16754228-772C-4F87-B467-91EA4980387A}" type="datetimeFigureOut">
               <a:rPr lang="zh-CN" altLang="en-US" smtClean="0"/>
-              <a:t>2019/7/26</a:t>
+              <a:t>2019/8/5</a:t>
             </a:fld>
             <a:endParaRPr lang="zh-CN" altLang="en-US"/>
           </a:p>
@@ -8050,7 +8051,7 @@
           <a:p>
             <a:fld id="{16754228-772C-4F87-B467-91EA4980387A}" type="datetimeFigureOut">
               <a:rPr lang="zh-CN" altLang="en-US" smtClean="0"/>
-              <a:t>2019/7/26</a:t>
+              <a:t>2019/8/5</a:t>
             </a:fld>
             <a:endParaRPr lang="zh-CN" altLang="en-US"/>
           </a:p>
@@ -8303,7 +8304,7 @@
           <a:p>
             <a:fld id="{16754228-772C-4F87-B467-91EA4980387A}" type="datetimeFigureOut">
               <a:rPr lang="zh-CN" altLang="en-US" smtClean="0"/>
-              <a:t>2019/7/26</a:t>
+              <a:t>2019/8/5</a:t>
             </a:fld>
             <a:endParaRPr lang="zh-CN" altLang="en-US"/>
           </a:p>
@@ -8516,7 +8517,7 @@
           <a:p>
             <a:fld id="{16754228-772C-4F87-B467-91EA4980387A}" type="datetimeFigureOut">
               <a:rPr lang="zh-CN" altLang="en-US" smtClean="0"/>
-              <a:t>2019/7/26</a:t>
+              <a:t>2019/8/5</a:t>
             </a:fld>
             <a:endParaRPr lang="zh-CN" altLang="en-US"/>
           </a:p>
@@ -10009,6 +10010,303 @@
 </file>
 
 <file path=ppt/slides/slide10.xml><?xml version="1.0" encoding="utf-8"?>
+<p:sld xmlns:a="http://schemas.openxmlformats.org/drawingml/2006/main" xmlns:r="http://schemas.openxmlformats.org/officeDocument/2006/relationships" xmlns:p="http://schemas.openxmlformats.org/presentationml/2006/main">
+  <p:cSld>
+    <p:spTree>
+      <p:nvGrpSpPr>
+        <p:cNvPr id="1" name=""/>
+        <p:cNvGrpSpPr/>
+        <p:nvPr/>
+      </p:nvGrpSpPr>
+      <p:grpSpPr>
+        <a:xfrm>
+          <a:off x="0" y="0"/>
+          <a:ext cx="0" cy="0"/>
+          <a:chOff x="0" y="0"/>
+          <a:chExt cx="0" cy="0"/>
+        </a:xfrm>
+      </p:grpSpPr>
+      <p:sp>
+        <p:nvSpPr>
+          <p:cNvPr id="2" name="标题 1"/>
+          <p:cNvSpPr>
+            <a:spLocks noGrp="1"/>
+          </p:cNvSpPr>
+          <p:nvPr>
+            <p:ph type="title"/>
+          </p:nvPr>
+        </p:nvSpPr>
+        <p:spPr>
+          <a:xfrm>
+            <a:off x="3163614" y="934161"/>
+            <a:ext cx="6810704" cy="726473"/>
+          </a:xfrm>
+        </p:spPr>
+        <p:txBody>
+          <a:bodyPr>
+            <a:normAutofit/>
+          </a:bodyPr>
+          <a:lstStyle/>
+          <a:p>
+            <a:r>
+              <a:rPr lang="zh-CN" altLang="en-US" sz="2400" b="1" i="1" dirty="0" smtClean="0"/>
+              <a:t>邮箱结构</a:t>
+            </a:r>
+            <a:endParaRPr lang="zh-CN" altLang="en-US" sz="2400" dirty="0"/>
+          </a:p>
+        </p:txBody>
+      </p:sp>
+      <p:sp>
+        <p:nvSpPr>
+          <p:cNvPr id="4" name="文本框 3"/>
+          <p:cNvSpPr txBox="1"/>
+          <p:nvPr/>
+        </p:nvSpPr>
+        <p:spPr>
+          <a:xfrm>
+            <a:off x="3090042" y="1807779"/>
+            <a:ext cx="6043449" cy="923330"/>
+          </a:xfrm>
+          <a:prstGeom prst="rect">
+            <a:avLst/>
+          </a:prstGeom>
+          <a:noFill/>
+        </p:spPr>
+        <p:txBody>
+          <a:bodyPr wrap="square" rtlCol="0">
+            <a:spAutoFit/>
+          </a:bodyPr>
+          <a:lstStyle/>
+          <a:p>
+            <a:pPr marL="285750" indent="-285750">
+              <a:lnSpc>
+                <a:spcPct val="150000"/>
+              </a:lnSpc>
+              <a:buFont typeface="Arial" panose="020B0604020202020204" pitchFamily="34" charset="0"/>
+              <a:buChar char="•"/>
+            </a:pPr>
+            <a:r>
+              <a:rPr lang="zh-CN" altLang="en-US" dirty="0" smtClean="0"/>
+              <a:t>信号的数量</a:t>
+            </a:r>
+            <a:r>
+              <a:rPr lang="en-US" altLang="zh-CN" dirty="0" smtClean="0"/>
+              <a:t>(0/1/2/3/…)</a:t>
+            </a:r>
+          </a:p>
+          <a:p>
+            <a:pPr marL="285750" indent="-285750">
+              <a:lnSpc>
+                <a:spcPct val="150000"/>
+              </a:lnSpc>
+              <a:buFont typeface="Arial" panose="020B0604020202020204" pitchFamily="34" charset="0"/>
+              <a:buChar char="•"/>
+            </a:pPr>
+            <a:r>
+              <a:rPr lang="zh-CN" altLang="en-US" dirty="0" smtClean="0"/>
+              <a:t>等待它的任务 </a:t>
+            </a:r>
+            <a:r>
+              <a:rPr lang="en-US" altLang="zh-CN" dirty="0" smtClean="0"/>
+              <a:t>—— TCB</a:t>
+            </a:r>
+            <a:r>
+              <a:rPr lang="zh-CN" altLang="en-US" dirty="0" smtClean="0"/>
+              <a:t>链表或者其他代替</a:t>
+            </a:r>
+            <a:r>
+              <a:rPr lang="en-US" altLang="zh-CN" dirty="0" smtClean="0"/>
+              <a:t>TCB</a:t>
+            </a:r>
+            <a:r>
+              <a:rPr lang="zh-CN" altLang="en-US" dirty="0" smtClean="0"/>
+              <a:t>的形式</a:t>
+            </a:r>
+            <a:endParaRPr lang="en-US" altLang="zh-CN" dirty="0" smtClean="0"/>
+          </a:p>
+        </p:txBody>
+      </p:sp>
+      <p:sp>
+        <p:nvSpPr>
+          <p:cNvPr id="5" name="标题 1"/>
+          <p:cNvSpPr txBox="1">
+            <a:spLocks/>
+          </p:cNvSpPr>
+          <p:nvPr/>
+        </p:nvSpPr>
+        <p:spPr>
+          <a:xfrm>
+            <a:off x="3090042" y="4202878"/>
+            <a:ext cx="3142593" cy="726473"/>
+          </a:xfrm>
+          <a:prstGeom prst="rect">
+            <a:avLst/>
+          </a:prstGeom>
+        </p:spPr>
+        <p:txBody>
+          <a:bodyPr vert="horz" lIns="91440" tIns="45720" rIns="91440" bIns="45720" rtlCol="0" anchor="ctr">
+            <a:normAutofit/>
+          </a:bodyPr>
+          <a:lstStyle>
+            <a:lvl1pPr algn="l" defTabSz="914400" rtl="0" eaLnBrk="1" latinLnBrk="0" hangingPunct="1">
+              <a:lnSpc>
+                <a:spcPct val="90000"/>
+              </a:lnSpc>
+              <a:spcBef>
+                <a:spcPct val="0"/>
+              </a:spcBef>
+              <a:buNone/>
+              <a:defRPr sz="4400" kern="1200">
+                <a:solidFill>
+                  <a:schemeClr val="tx1"/>
+                </a:solidFill>
+                <a:latin typeface="+mj-lt"/>
+                <a:ea typeface="+mj-ea"/>
+                <a:cs typeface="+mj-cs"/>
+              </a:defRPr>
+            </a:lvl1pPr>
+          </a:lstStyle>
+          <a:p>
+            <a:r>
+              <a:rPr lang="zh-CN" altLang="en-US" sz="2400" b="1" i="1" dirty="0" smtClean="0"/>
+              <a:t>消息队列结构</a:t>
+            </a:r>
+            <a:endParaRPr lang="zh-CN" altLang="en-US" sz="2400" dirty="0"/>
+          </a:p>
+        </p:txBody>
+      </p:sp>
+      <p:sp>
+        <p:nvSpPr>
+          <p:cNvPr id="6" name="文本框 5"/>
+          <p:cNvSpPr txBox="1"/>
+          <p:nvPr/>
+        </p:nvSpPr>
+        <p:spPr>
+          <a:xfrm>
+            <a:off x="3016471" y="4981902"/>
+            <a:ext cx="6117020" cy="1338828"/>
+          </a:xfrm>
+          <a:prstGeom prst="rect">
+            <a:avLst/>
+          </a:prstGeom>
+          <a:noFill/>
+        </p:spPr>
+        <p:txBody>
+          <a:bodyPr wrap="square" rtlCol="0">
+            <a:spAutoFit/>
+          </a:bodyPr>
+          <a:lstStyle/>
+          <a:p>
+            <a:pPr marL="285750" indent="-285750">
+              <a:lnSpc>
+                <a:spcPct val="150000"/>
+              </a:lnSpc>
+              <a:buFont typeface="Arial" panose="020B0604020202020204" pitchFamily="34" charset="0"/>
+              <a:buChar char="•"/>
+            </a:pPr>
+            <a:r>
+              <a:rPr lang="zh-CN" altLang="en-US" dirty="0" smtClean="0"/>
+              <a:t>信号是否可用</a:t>
+            </a:r>
+            <a:r>
+              <a:rPr lang="en-US" altLang="zh-CN" dirty="0" smtClean="0"/>
+              <a:t>(0/1)</a:t>
+            </a:r>
+          </a:p>
+          <a:p>
+            <a:pPr marL="285750" indent="-285750">
+              <a:lnSpc>
+                <a:spcPct val="150000"/>
+              </a:lnSpc>
+              <a:buFont typeface="Arial" panose="020B0604020202020204" pitchFamily="34" charset="0"/>
+              <a:buChar char="•"/>
+            </a:pPr>
+            <a:r>
+              <a:rPr lang="zh-CN" altLang="en-US" dirty="0" smtClean="0"/>
+              <a:t>等待它的任务 </a:t>
+            </a:r>
+            <a:r>
+              <a:rPr lang="en-US" altLang="zh-CN" dirty="0" smtClean="0"/>
+              <a:t>—— TCB</a:t>
+            </a:r>
+            <a:r>
+              <a:rPr lang="zh-CN" altLang="en-US" dirty="0" smtClean="0"/>
+              <a:t>链表或者其他代替</a:t>
+            </a:r>
+            <a:r>
+              <a:rPr lang="en-US" altLang="zh-CN" dirty="0" smtClean="0"/>
+              <a:t>TCB</a:t>
+            </a:r>
+            <a:r>
+              <a:rPr lang="zh-CN" altLang="en-US" dirty="0" smtClean="0"/>
+              <a:t>的形式</a:t>
+            </a:r>
+            <a:endParaRPr lang="en-US" altLang="zh-CN" dirty="0" smtClean="0"/>
+          </a:p>
+          <a:p>
+            <a:pPr marL="285750" indent="-285750">
+              <a:lnSpc>
+                <a:spcPct val="150000"/>
+              </a:lnSpc>
+              <a:buFont typeface="Arial" panose="020B0604020202020204" pitchFamily="34" charset="0"/>
+              <a:buChar char="•"/>
+            </a:pPr>
+            <a:r>
+              <a:rPr lang="zh-CN" altLang="en-US" dirty="0" smtClean="0"/>
+              <a:t>防止任务优先级反转的临时优先级值</a:t>
+            </a:r>
+            <a:endParaRPr lang="en-US" altLang="zh-CN" dirty="0" smtClean="0"/>
+          </a:p>
+        </p:txBody>
+      </p:sp>
+      <p:sp>
+        <p:nvSpPr>
+          <p:cNvPr id="7" name="文本框 6"/>
+          <p:cNvSpPr txBox="1"/>
+          <p:nvPr/>
+        </p:nvSpPr>
+        <p:spPr>
+          <a:xfrm>
+            <a:off x="252248" y="114011"/>
+            <a:ext cx="3426372" cy="838884"/>
+          </a:xfrm>
+          <a:prstGeom prst="rect">
+            <a:avLst/>
+          </a:prstGeom>
+          <a:noFill/>
+        </p:spPr>
+        <p:txBody>
+          <a:bodyPr wrap="square" rtlCol="0">
+            <a:spAutoFit/>
+          </a:bodyPr>
+          <a:lstStyle/>
+          <a:p>
+            <a:pPr>
+              <a:lnSpc>
+                <a:spcPct val="150000"/>
+              </a:lnSpc>
+            </a:pPr>
+            <a:r>
+              <a:rPr lang="zh-CN" altLang="en-US" sz="3600" b="1" dirty="0" smtClean="0"/>
+              <a:t>任务通讯</a:t>
+            </a:r>
+          </a:p>
+        </p:txBody>
+      </p:sp>
+    </p:spTree>
+    <p:extLst>
+      <p:ext uri="{BB962C8B-B14F-4D97-AF65-F5344CB8AC3E}">
+        <p14:creationId xmlns:p14="http://schemas.microsoft.com/office/powerpoint/2010/main" val="425901504"/>
+      </p:ext>
+    </p:extLst>
+  </p:cSld>
+  <p:clrMapOvr>
+    <a:masterClrMapping/>
+  </p:clrMapOvr>
+</p:sld>
+</file>
+
+<file path=ppt/slides/slide11.xml><?xml version="1.0" encoding="utf-8"?>
 <p:sld xmlns:a="http://schemas.openxmlformats.org/drawingml/2006/main" xmlns:r="http://schemas.openxmlformats.org/officeDocument/2006/relationships" xmlns:p="http://schemas.openxmlformats.org/presentationml/2006/main">
   <p:cSld>
     <p:spTree>
@@ -11596,8 +11894,8 @@
         </p:nvSpPr>
         <p:spPr>
           <a:xfrm>
-            <a:off x="5040021" y="1418182"/>
-            <a:ext cx="1336001" cy="400110"/>
+            <a:off x="4281300" y="1380355"/>
+            <a:ext cx="2908017" cy="400110"/>
           </a:xfrm>
           <a:prstGeom prst="rect">
             <a:avLst/>
@@ -11610,9 +11908,18 @@
           <a:lstStyle/>
           <a:p>
             <a:r>
+              <a:rPr lang="zh-CN" altLang="en-US" sz="2000" b="1" dirty="0" smtClean="0"/>
+              <a:t>一维数</a:t>
+            </a:r>
+            <a:r>
               <a:rPr lang="zh-CN" altLang="en-US" sz="2000" b="1" dirty="0"/>
+              <a:t>组</a:t>
+            </a:r>
+            <a:r>
+              <a:rPr lang="zh-CN" altLang="en-US" sz="2000" b="1" dirty="0" smtClean="0"/>
               <a:t>OSRdyTbl</a:t>
             </a:r>
+            <a:endParaRPr lang="zh-CN" altLang="en-US" sz="2000" b="1" dirty="0"/>
           </a:p>
         </p:txBody>
       </p:sp>
@@ -11948,8 +12255,8 @@
         </p:nvSpPr>
         <p:spPr>
           <a:xfrm>
-            <a:off x="3762703" y="210207"/>
-            <a:ext cx="8303173" cy="369332"/>
+            <a:off x="4005301" y="215361"/>
+            <a:ext cx="3310759" cy="369332"/>
           </a:xfrm>
           <a:prstGeom prst="rect">
             <a:avLst/>
@@ -11967,6 +12274,41 @@
               <a:t>内核从这里选择任务进行执行</a:t>
             </a:r>
             <a:endParaRPr lang="zh-CN" altLang="en-US" dirty="0"/>
+          </a:p>
+        </p:txBody>
+      </p:sp>
+      <p:sp>
+        <p:nvSpPr>
+          <p:cNvPr id="6" name="文本框 5"/>
+          <p:cNvSpPr txBox="1"/>
+          <p:nvPr/>
+        </p:nvSpPr>
+        <p:spPr>
+          <a:xfrm>
+            <a:off x="411793" y="5424619"/>
+            <a:ext cx="1754198" cy="382669"/>
+          </a:xfrm>
+          <a:prstGeom prst="rect">
+            <a:avLst/>
+          </a:prstGeom>
+          <a:noFill/>
+        </p:spPr>
+        <p:txBody>
+          <a:bodyPr wrap="square" rtlCol="0">
+            <a:spAutoFit/>
+          </a:bodyPr>
+          <a:lstStyle/>
+          <a:p>
+            <a:pPr>
+              <a:lnSpc>
+                <a:spcPct val="150000"/>
+              </a:lnSpc>
+            </a:pPr>
+            <a:r>
+              <a:rPr lang="en-US" altLang="zh-CN" sz="1400" b="1" dirty="0" smtClean="0"/>
+              <a:t>OSRdyTbl[OSTCBX]</a:t>
+            </a:r>
+            <a:endParaRPr lang="zh-CN" altLang="en-US" sz="1400" b="1" dirty="0" smtClean="0"/>
           </a:p>
         </p:txBody>
       </p:sp>
@@ -11983,7 +12325,7 @@
 </p:sld>
 </file>
 
-<file path=ppt/slides/slide11.xml><?xml version="1.0" encoding="utf-8"?>
+<file path=ppt/slides/slide12.xml><?xml version="1.0" encoding="utf-8"?>
 <p:sld xmlns:a="http://schemas.openxmlformats.org/drawingml/2006/main" xmlns:r="http://schemas.openxmlformats.org/officeDocument/2006/relationships" xmlns:p="http://schemas.openxmlformats.org/presentationml/2006/main">
   <p:cSld>
     <p:spTree>
@@ -13949,8 +14291,8 @@
         </p:nvSpPr>
         <p:spPr>
           <a:xfrm>
-            <a:off x="3762703" y="210207"/>
-            <a:ext cx="8303173" cy="369332"/>
+            <a:off x="3762704" y="210207"/>
+            <a:ext cx="3584028" cy="369332"/>
           </a:xfrm>
           <a:prstGeom prst="rect">
             <a:avLst/>
@@ -13965,7 +14307,15 @@
           <a:p>
             <a:r>
               <a:rPr lang="zh-CN" altLang="en-US" dirty="0" smtClean="0"/>
-              <a:t>内核从这里选择任务进行执行</a:t>
+              <a:t>内核从这里选择任务</a:t>
+            </a:r>
+            <a:r>
+              <a:rPr lang="zh-CN" altLang="en-US" dirty="0" smtClean="0"/>
+              <a:t>进行</a:t>
+            </a:r>
+            <a:r>
+              <a:rPr lang="zh-CN" altLang="en-US" dirty="0"/>
+              <a:t>就绪表</a:t>
             </a:r>
             <a:endParaRPr lang="zh-CN" altLang="en-US" dirty="0"/>
           </a:p>
@@ -13984,7 +14334,7 @@
 </p:sld>
 </file>
 
-<file path=ppt/slides/slide12.xml><?xml version="1.0" encoding="utf-8"?>
+<file path=ppt/slides/slide13.xml><?xml version="1.0" encoding="utf-8"?>
 <p:sld xmlns:a="http://schemas.openxmlformats.org/drawingml/2006/main" xmlns:r="http://schemas.openxmlformats.org/officeDocument/2006/relationships" xmlns:p="http://schemas.openxmlformats.org/presentationml/2006/main">
   <p:cSld>
     <p:spTree>
@@ -14399,9 +14749,21 @@
             </a:r>
             <a:r>
               <a:rPr lang="zh-CN" altLang="en-US" dirty="0" smtClean="0"/>
-              <a:t>一些时间，此时任务处于延迟状态</a:t>
-            </a:r>
-            <a:endParaRPr lang="en-US" altLang="zh-CN" dirty="0" smtClean="0"/>
+              <a:t>一些时间，此时任务处于</a:t>
+            </a:r>
+            <a:r>
+              <a:rPr lang="zh-CN" altLang="en-US" b="1" dirty="0" smtClean="0">
+                <a:solidFill>
+                  <a:srgbClr val="00B0F0"/>
+                </a:solidFill>
+              </a:rPr>
+              <a:t>延迟状态</a:t>
+            </a:r>
+            <a:endParaRPr lang="en-US" altLang="zh-CN" b="1" dirty="0" smtClean="0">
+              <a:solidFill>
+                <a:srgbClr val="00B0F0"/>
+              </a:solidFill>
+            </a:endParaRPr>
           </a:p>
         </p:txBody>
       </p:sp>
@@ -14542,7 +14904,7 @@
         <p:spPr>
           <a:xfrm>
             <a:off x="291663" y="2199401"/>
-            <a:ext cx="11508828" cy="3416320"/>
+            <a:ext cx="11508828" cy="3831818"/>
           </a:xfrm>
           <a:prstGeom prst="rect">
             <a:avLst/>
@@ -14712,9 +15074,17 @@
                   <a:schemeClr val="accent1"/>
                 </a:solidFill>
               </a:rPr>
-              <a:t>运行状态</a:t>
-            </a:r>
-            <a:endParaRPr lang="en-US" altLang="zh-CN" b="1" dirty="0">
+              <a:t>运行</a:t>
+            </a:r>
+            <a:r>
+              <a:rPr lang="zh-CN" altLang="en-US" b="1" dirty="0" smtClean="0">
+                <a:solidFill>
+                  <a:schemeClr val="accent1"/>
+                </a:solidFill>
+              </a:rPr>
+              <a:t>状态</a:t>
+            </a:r>
+            <a:endParaRPr lang="en-US" altLang="zh-CN" b="1" dirty="0" smtClean="0">
               <a:solidFill>
                 <a:schemeClr val="accent1"/>
               </a:solidFill>
@@ -14730,7 +15100,7 @@
             </a:pPr>
             <a:r>
               <a:rPr lang="zh-CN" altLang="en-US" dirty="0" smtClean="0"/>
-              <a:t>任务临时变量存储 </a:t>
+              <a:t>任务挂起指示</a:t>
             </a:r>
             <a:r>
               <a:rPr lang="en-US" altLang="zh-CN" dirty="0" smtClean="0"/>
@@ -14738,9 +15108,9 @@
             </a:r>
             <a:r>
               <a:rPr lang="zh-CN" altLang="en-US" dirty="0" smtClean="0"/>
-              <a:t>编译器默认为栈</a:t>
-            </a:r>
-            <a:endParaRPr lang="en-US" altLang="zh-CN" dirty="0" smtClean="0"/>
+              <a:t>有时候我们不希望任务被删除，但是暂时不需要运行，可以挂起。其他任务中使之不挂起。当然这个任务可以用锁实现，但是锁是比较宝贵的资源。</a:t>
+            </a:r>
+            <a:endParaRPr lang="en-US" altLang="zh-CN" dirty="0"/>
           </a:p>
           <a:p>
             <a:pPr marL="285750" indent="-285750">
@@ -14752,7 +15122,7 @@
             </a:pPr>
             <a:r>
               <a:rPr lang="zh-CN" altLang="en-US" dirty="0" smtClean="0"/>
-              <a:t>指向其他任务控制块的指针 </a:t>
+              <a:t>任务临时变量存储 </a:t>
             </a:r>
             <a:r>
               <a:rPr lang="en-US" altLang="zh-CN" dirty="0" smtClean="0"/>
@@ -14760,7 +15130,7 @@
             </a:r>
             <a:r>
               <a:rPr lang="zh-CN" altLang="en-US" dirty="0" smtClean="0"/>
-              <a:t>便于操作系统遍历任务名片，更新状态</a:t>
+              <a:t>编译器默认为栈</a:t>
             </a:r>
             <a:endParaRPr lang="en-US" altLang="zh-CN" dirty="0" smtClean="0"/>
           </a:p>
@@ -14773,12 +15143,8 @@
               <a:buChar char="•"/>
             </a:pPr>
             <a:r>
-              <a:rPr lang="zh-CN" altLang="en-US" dirty="0"/>
-              <a:t>延迟</a:t>
-            </a:r>
-            <a:r>
               <a:rPr lang="zh-CN" altLang="en-US" dirty="0" smtClean="0"/>
-              <a:t>状态 </a:t>
+              <a:t>指向其他任务控制块的指针 </a:t>
             </a:r>
             <a:r>
               <a:rPr lang="en-US" altLang="zh-CN" dirty="0" smtClean="0"/>
@@ -14786,7 +15152,7 @@
             </a:r>
             <a:r>
               <a:rPr lang="zh-CN" altLang="en-US" dirty="0" smtClean="0"/>
-              <a:t>延迟时间节拍</a:t>
+              <a:t>便于操作系统遍历任务名片，更新状态</a:t>
             </a:r>
             <a:endParaRPr lang="en-US" altLang="zh-CN" dirty="0" smtClean="0"/>
           </a:p>
@@ -14798,6 +15164,22 @@
               <a:buFont typeface="Arial" panose="020B0604020202020204" pitchFamily="34" charset="0"/>
               <a:buChar char="•"/>
             </a:pPr>
+            <a:r>
+              <a:rPr lang="zh-CN" altLang="en-US" dirty="0"/>
+              <a:t>延迟</a:t>
+            </a:r>
+            <a:r>
+              <a:rPr lang="zh-CN" altLang="en-US" dirty="0" smtClean="0"/>
+              <a:t>状态 </a:t>
+            </a:r>
+            <a:r>
+              <a:rPr lang="en-US" altLang="zh-CN" dirty="0" smtClean="0"/>
+              <a:t>—— </a:t>
+            </a:r>
+            <a:r>
+              <a:rPr lang="zh-CN" altLang="en-US" dirty="0" smtClean="0"/>
+              <a:t>延迟时间节拍。便于延迟结束之后调度回来。</a:t>
+            </a:r>
             <a:endParaRPr lang="en-US" altLang="zh-CN" dirty="0" smtClean="0"/>
           </a:p>
         </p:txBody>
@@ -18128,7 +18510,6 @@
               <a:rPr lang="zh-CN" altLang="en-US" dirty="0" smtClean="0"/>
               <a:t>但是节拍服务函数同时管理这两块区域</a:t>
             </a:r>
-            <a:endParaRPr lang="zh-CN" altLang="en-US" dirty="0" smtClean="0"/>
           </a:p>
         </p:txBody>
       </p:sp>
@@ -18217,7 +18598,6 @@
                 <a:rPr lang="zh-CN" altLang="en-US" dirty="0" smtClean="0"/>
                 <a:t>睡眠</a:t>
               </a:r>
-              <a:endParaRPr lang="zh-CN" altLang="en-US" dirty="0" smtClean="0"/>
             </a:p>
           </p:txBody>
         </p:sp>
@@ -18495,7 +18875,6 @@
                   <a:rPr lang="zh-CN" altLang="en-US" dirty="0" smtClean="0"/>
                   <a:t>等待资源</a:t>
                 </a:r>
-                <a:endParaRPr lang="zh-CN" altLang="en-US" dirty="0" smtClean="0"/>
               </a:p>
             </p:txBody>
           </p:sp>
@@ -18585,7 +18964,6 @@
                   <a:rPr lang="zh-CN" altLang="en-US" dirty="0" smtClean="0"/>
                   <a:t>挂起</a:t>
                 </a:r>
-                <a:endParaRPr lang="zh-CN" altLang="en-US" dirty="0" smtClean="0"/>
               </a:p>
             </p:txBody>
           </p:sp>
@@ -18621,7 +18999,6 @@
                 <a:rPr lang="zh-CN" altLang="en-US" dirty="0" smtClean="0"/>
                 <a:t>节拍</a:t>
               </a:r>
-              <a:endParaRPr lang="zh-CN" altLang="en-US" dirty="0" smtClean="0"/>
             </a:p>
           </p:txBody>
         </p:sp>
@@ -18703,7 +19080,7 @@
         </p:nvSpPr>
         <p:spPr>
           <a:xfrm>
-            <a:off x="651641" y="124865"/>
+            <a:off x="3142593" y="145886"/>
             <a:ext cx="6810704" cy="726473"/>
           </a:xfrm>
         </p:spPr>
@@ -18714,10 +19091,10 @@
           <a:lstStyle/>
           <a:p>
             <a:r>
-              <a:rPr lang="zh-CN" altLang="en-US" sz="3600" b="1" i="1" dirty="0" smtClean="0"/>
+              <a:rPr lang="zh-CN" altLang="en-US" sz="2400" b="1" i="1" dirty="0" smtClean="0"/>
               <a:t>信号量结构</a:t>
             </a:r>
-            <a:endParaRPr lang="zh-CN" altLang="en-US" sz="3600" dirty="0"/>
+            <a:endParaRPr lang="zh-CN" altLang="en-US" sz="2400" dirty="0"/>
           </a:p>
         </p:txBody>
       </p:sp>
@@ -18729,8 +19106,8 @@
         </p:nvSpPr>
         <p:spPr>
           <a:xfrm>
-            <a:off x="578069" y="998483"/>
-            <a:ext cx="10321159" cy="923330"/>
+            <a:off x="3069021" y="1019504"/>
+            <a:ext cx="8965325" cy="923330"/>
           </a:xfrm>
           <a:prstGeom prst="rect">
             <a:avLst/>
@@ -18808,63 +19185,14 @@
       </p:sp>
       <p:sp>
         <p:nvSpPr>
-          <p:cNvPr id="5" name="标题 1"/>
-          <p:cNvSpPr txBox="1">
-            <a:spLocks/>
-          </p:cNvSpPr>
-          <p:nvPr/>
-        </p:nvSpPr>
-        <p:spPr>
-          <a:xfrm>
-            <a:off x="578069" y="3393582"/>
-            <a:ext cx="6810704" cy="726473"/>
-          </a:xfrm>
-          <a:prstGeom prst="rect">
-            <a:avLst/>
-          </a:prstGeom>
-        </p:spPr>
-        <p:txBody>
-          <a:bodyPr vert="horz" lIns="91440" tIns="45720" rIns="91440" bIns="45720" rtlCol="0" anchor="ctr">
-            <a:normAutofit/>
-          </a:bodyPr>
-          <a:lstStyle>
-            <a:lvl1pPr algn="l" defTabSz="914400" rtl="0" eaLnBrk="1" latinLnBrk="0" hangingPunct="1">
-              <a:lnSpc>
-                <a:spcPct val="90000"/>
-              </a:lnSpc>
-              <a:spcBef>
-                <a:spcPct val="0"/>
-              </a:spcBef>
-              <a:buNone/>
-              <a:defRPr sz="4400" kern="1200">
-                <a:solidFill>
-                  <a:schemeClr val="tx1"/>
-                </a:solidFill>
-                <a:latin typeface="+mj-lt"/>
-                <a:ea typeface="+mj-ea"/>
-                <a:cs typeface="+mj-cs"/>
-              </a:defRPr>
-            </a:lvl1pPr>
-          </a:lstStyle>
-          <a:p>
-            <a:r>
-              <a:rPr lang="zh-CN" altLang="en-US" sz="3600" b="1" i="1" dirty="0" smtClean="0"/>
-              <a:t>互斥信号量结构</a:t>
-            </a:r>
-            <a:endParaRPr lang="zh-CN" altLang="en-US" sz="3600" dirty="0"/>
-          </a:p>
-        </p:txBody>
-      </p:sp>
-      <p:sp>
-        <p:nvSpPr>
-          <p:cNvPr id="6" name="文本框 5"/>
+          <p:cNvPr id="3" name="文本框 2"/>
           <p:cNvSpPr txBox="1"/>
           <p:nvPr/>
         </p:nvSpPr>
         <p:spPr>
           <a:xfrm>
-            <a:off x="504497" y="4267200"/>
-            <a:ext cx="11424745" cy="1338828"/>
+            <a:off x="220717" y="0"/>
+            <a:ext cx="3426372" cy="838884"/>
           </a:xfrm>
           <a:prstGeom prst="rect">
             <a:avLst/>
@@ -18877,65 +19205,74 @@
           </a:bodyPr>
           <a:lstStyle/>
           <a:p>
-            <a:pPr marL="285750" indent="-285750">
+            <a:pPr>
               <a:lnSpc>
                 <a:spcPct val="150000"/>
               </a:lnSpc>
-              <a:buFont typeface="Arial" panose="020B0604020202020204" pitchFamily="34" charset="0"/>
-              <a:buChar char="•"/>
             </a:pPr>
             <a:r>
-              <a:rPr lang="zh-CN" altLang="en-US" dirty="0" smtClean="0"/>
-              <a:t>信号是否可用</a:t>
-            </a:r>
-            <a:r>
-              <a:rPr lang="en-US" altLang="zh-CN" dirty="0" smtClean="0"/>
-              <a:t>(0/1)</a:t>
-            </a:r>
-          </a:p>
-          <a:p>
-            <a:pPr marL="285750" indent="-285750">
+              <a:rPr lang="zh-CN" altLang="en-US" sz="3600" b="1" dirty="0" smtClean="0"/>
+              <a:t>任务同步</a:t>
+            </a:r>
+          </a:p>
+        </p:txBody>
+      </p:sp>
+      <p:sp>
+        <p:nvSpPr>
+          <p:cNvPr id="7" name="文本框 6"/>
+          <p:cNvSpPr txBox="1"/>
+          <p:nvPr/>
+        </p:nvSpPr>
+        <p:spPr>
+          <a:xfrm>
+            <a:off x="3069021" y="2217053"/>
+            <a:ext cx="8965325" cy="923330"/>
+          </a:xfrm>
+          <a:prstGeom prst="rect">
+            <a:avLst/>
+          </a:prstGeom>
+          <a:noFill/>
+        </p:spPr>
+        <p:txBody>
+          <a:bodyPr wrap="square" rtlCol="0">
+            <a:spAutoFit/>
+          </a:bodyPr>
+          <a:lstStyle/>
+          <a:p>
+            <a:pPr>
               <a:lnSpc>
                 <a:spcPct val="150000"/>
               </a:lnSpc>
-              <a:buFont typeface="Arial" panose="020B0604020202020204" pitchFamily="34" charset="0"/>
-              <a:buChar char="•"/>
             </a:pPr>
             <a:r>
-              <a:rPr lang="zh-CN" altLang="en-US" dirty="0" smtClean="0"/>
-              <a:t>等待它的任务 </a:t>
-            </a:r>
-            <a:r>
-              <a:rPr lang="en-US" altLang="zh-CN" dirty="0" smtClean="0"/>
-              <a:t>—— TCB</a:t>
-            </a:r>
-            <a:r>
-              <a:rPr lang="zh-CN" altLang="en-US" dirty="0" smtClean="0"/>
-              <a:t>链表或者其他代替</a:t>
-            </a:r>
-            <a:r>
-              <a:rPr lang="en-US" altLang="zh-CN" dirty="0" smtClean="0"/>
-              <a:t>TCB</a:t>
-            </a:r>
-            <a:r>
-              <a:rPr lang="zh-CN" altLang="en-US" dirty="0" smtClean="0"/>
-              <a:t>的形式</a:t>
-            </a:r>
-            <a:endParaRPr lang="en-US" altLang="zh-CN" dirty="0" smtClean="0"/>
-          </a:p>
-          <a:p>
-            <a:pPr marL="285750" indent="-285750">
-              <a:lnSpc>
-                <a:spcPct val="150000"/>
-              </a:lnSpc>
-              <a:buFont typeface="Arial" panose="020B0604020202020204" pitchFamily="34" charset="0"/>
-              <a:buChar char="•"/>
-            </a:pPr>
-            <a:r>
-              <a:rPr lang="zh-CN" altLang="en-US" dirty="0" smtClean="0"/>
-              <a:t>防止任务优先级反转的临时优先级值</a:t>
-            </a:r>
-            <a:endParaRPr lang="en-US" altLang="zh-CN" dirty="0" smtClean="0"/>
+              <a:rPr lang="zh-CN" altLang="en-US" dirty="0" smtClean="0">
+                <a:solidFill>
+                  <a:srgbClr val="C00000"/>
+                </a:solidFill>
+              </a:rPr>
+              <a:t>操作：新建信号量，删除信号量，获取信号量，释放信号</a:t>
+            </a:r>
+            <a:r>
+              <a:rPr lang="zh-CN" altLang="en-US" smtClean="0">
+                <a:solidFill>
+                  <a:srgbClr val="C00000"/>
+                </a:solidFill>
+              </a:rPr>
+              <a:t>量，重设信号量</a:t>
+            </a:r>
+            <a:r>
+              <a:rPr lang="zh-CN" altLang="en-US" dirty="0" smtClean="0">
+                <a:solidFill>
+                  <a:srgbClr val="C00000"/>
+                </a:solidFill>
+              </a:rPr>
+              <a:t>，中止等待信号量，信号状态查询</a:t>
+            </a:r>
+            <a:endParaRPr lang="en-US" altLang="zh-CN" dirty="0" smtClean="0">
+              <a:solidFill>
+                <a:srgbClr val="C00000"/>
+              </a:solidFill>
+            </a:endParaRPr>
           </a:p>
         </p:txBody>
       </p:sp>
@@ -18971,106 +19308,6 @@
       </p:grpSpPr>
       <p:sp>
         <p:nvSpPr>
-          <p:cNvPr id="2" name="标题 1"/>
-          <p:cNvSpPr>
-            <a:spLocks noGrp="1"/>
-          </p:cNvSpPr>
-          <p:nvPr>
-            <p:ph type="title"/>
-          </p:nvPr>
-        </p:nvSpPr>
-        <p:spPr>
-          <a:xfrm>
-            <a:off x="651641" y="124865"/>
-            <a:ext cx="6810704" cy="726473"/>
-          </a:xfrm>
-        </p:spPr>
-        <p:txBody>
-          <a:bodyPr>
-            <a:normAutofit/>
-          </a:bodyPr>
-          <a:lstStyle/>
-          <a:p>
-            <a:r>
-              <a:rPr lang="zh-CN" altLang="en-US" sz="3600" b="1" i="1" dirty="0" smtClean="0"/>
-              <a:t>信号量结构</a:t>
-            </a:r>
-            <a:endParaRPr lang="zh-CN" altLang="en-US" sz="3600" dirty="0"/>
-          </a:p>
-        </p:txBody>
-      </p:sp>
-      <p:sp>
-        <p:nvSpPr>
-          <p:cNvPr id="4" name="文本框 3"/>
-          <p:cNvSpPr txBox="1"/>
-          <p:nvPr/>
-        </p:nvSpPr>
-        <p:spPr>
-          <a:xfrm>
-            <a:off x="578069" y="998483"/>
-            <a:ext cx="11424745" cy="923330"/>
-          </a:xfrm>
-          <a:prstGeom prst="rect">
-            <a:avLst/>
-          </a:prstGeom>
-          <a:noFill/>
-        </p:spPr>
-        <p:txBody>
-          <a:bodyPr wrap="square" rtlCol="0">
-            <a:spAutoFit/>
-          </a:bodyPr>
-          <a:lstStyle/>
-          <a:p>
-            <a:pPr marL="285750" indent="-285750">
-              <a:lnSpc>
-                <a:spcPct val="150000"/>
-              </a:lnSpc>
-              <a:buFont typeface="Arial" panose="020B0604020202020204" pitchFamily="34" charset="0"/>
-              <a:buChar char="•"/>
-            </a:pPr>
-            <a:r>
-              <a:rPr lang="zh-CN" altLang="en-US" dirty="0" smtClean="0"/>
-              <a:t>信号的数量</a:t>
-            </a:r>
-            <a:r>
-              <a:rPr lang="en-US" altLang="zh-CN" dirty="0" smtClean="0"/>
-              <a:t>(0/1/2/3/…)</a:t>
-            </a:r>
-          </a:p>
-          <a:p>
-            <a:pPr marL="285750" indent="-285750">
-              <a:lnSpc>
-                <a:spcPct val="150000"/>
-              </a:lnSpc>
-              <a:buFont typeface="Arial" panose="020B0604020202020204" pitchFamily="34" charset="0"/>
-              <a:buChar char="•"/>
-            </a:pPr>
-            <a:r>
-              <a:rPr lang="zh-CN" altLang="en-US" dirty="0" smtClean="0"/>
-              <a:t>等待它的任务 </a:t>
-            </a:r>
-            <a:r>
-              <a:rPr lang="en-US" altLang="zh-CN" dirty="0" smtClean="0"/>
-              <a:t>—— TCB</a:t>
-            </a:r>
-            <a:r>
-              <a:rPr lang="zh-CN" altLang="en-US" dirty="0" smtClean="0"/>
-              <a:t>链表或者其他代替</a:t>
-            </a:r>
-            <a:r>
-              <a:rPr lang="en-US" altLang="zh-CN" dirty="0" smtClean="0"/>
-              <a:t>TCB</a:t>
-            </a:r>
-            <a:r>
-              <a:rPr lang="zh-CN" altLang="en-US" dirty="0" smtClean="0"/>
-              <a:t>的形式</a:t>
-            </a:r>
-            <a:endParaRPr lang="en-US" altLang="zh-CN" dirty="0" smtClean="0"/>
-          </a:p>
-        </p:txBody>
-      </p:sp>
-      <p:sp>
-        <p:nvSpPr>
           <p:cNvPr id="5" name="标题 1"/>
           <p:cNvSpPr txBox="1">
             <a:spLocks/>
@@ -19079,8 +19316,8 @@
         </p:nvSpPr>
         <p:spPr>
           <a:xfrm>
-            <a:off x="578069" y="3393582"/>
-            <a:ext cx="6810704" cy="726473"/>
+            <a:off x="3563006" y="239378"/>
+            <a:ext cx="3153104" cy="726473"/>
           </a:xfrm>
           <a:prstGeom prst="rect">
             <a:avLst/>
@@ -19111,10 +19348,10 @@
           </a:lstStyle>
           <a:p>
             <a:r>
-              <a:rPr lang="zh-CN" altLang="en-US" sz="3600" b="1" i="1" dirty="0" smtClean="0"/>
+              <a:rPr lang="zh-CN" altLang="en-US" sz="2400" b="1" i="1" dirty="0" smtClean="0"/>
               <a:t>互斥信号量结构</a:t>
             </a:r>
-            <a:endParaRPr lang="zh-CN" altLang="en-US" sz="3600" dirty="0"/>
+            <a:endParaRPr lang="zh-CN" altLang="en-US" sz="2400" dirty="0"/>
           </a:p>
         </p:txBody>
       </p:sp>
@@ -19126,8 +19363,8 @@
         </p:nvSpPr>
         <p:spPr>
           <a:xfrm>
-            <a:off x="504497" y="4267200"/>
-            <a:ext cx="11424745" cy="1338828"/>
+            <a:off x="3489435" y="1112996"/>
+            <a:ext cx="6050942" cy="1338828"/>
           </a:xfrm>
           <a:prstGeom prst="rect">
             <a:avLst/>
@@ -19165,16 +19402,20 @@
               <a:buChar char="•"/>
             </a:pPr>
             <a:r>
+              <a:rPr lang="zh-CN" altLang="en-US" dirty="0"/>
+              <a:t>占有</a:t>
+            </a:r>
+            <a:r>
               <a:rPr lang="zh-CN" altLang="en-US" dirty="0" smtClean="0"/>
-              <a:t>等待它的任务 </a:t>
+              <a:t>它</a:t>
+            </a:r>
+            <a:r>
+              <a:rPr lang="zh-CN" altLang="en-US" dirty="0" smtClean="0"/>
+              <a:t>的任务 </a:t>
             </a:r>
             <a:r>
               <a:rPr lang="en-US" altLang="zh-CN" dirty="0" smtClean="0"/>
-              <a:t>—— TCB</a:t>
-            </a:r>
-            <a:r>
-              <a:rPr lang="zh-CN" altLang="en-US" dirty="0" smtClean="0"/>
-              <a:t>链表或者其他代替</a:t>
+              <a:t>—— </a:t>
             </a:r>
             <a:r>
               <a:rPr lang="en-US" altLang="zh-CN" dirty="0" smtClean="0"/>
@@ -19182,7 +19423,7 @@
             </a:r>
             <a:r>
               <a:rPr lang="zh-CN" altLang="en-US" dirty="0" smtClean="0"/>
-              <a:t>的形式</a:t>
+              <a:t>指针</a:t>
             </a:r>
             <a:endParaRPr lang="en-US" altLang="zh-CN" dirty="0" smtClean="0"/>
           </a:p>
@@ -19196,8 +19437,133 @@
             </a:pPr>
             <a:r>
               <a:rPr lang="zh-CN" altLang="en-US" dirty="0" smtClean="0"/>
-              <a:t>防止任务优先级反转的临时优先级值</a:t>
-            </a:r>
+              <a:t>防止</a:t>
+            </a:r>
+            <a:r>
+              <a:rPr lang="zh-CN" altLang="en-US" dirty="0" smtClean="0"/>
+              <a:t>任务优先级反转的临时优先级值</a:t>
+            </a:r>
+            <a:endParaRPr lang="en-US" altLang="zh-CN" dirty="0" smtClean="0"/>
+          </a:p>
+        </p:txBody>
+      </p:sp>
+      <p:sp>
+        <p:nvSpPr>
+          <p:cNvPr id="3" name="文本框 2"/>
+          <p:cNvSpPr txBox="1"/>
+          <p:nvPr/>
+        </p:nvSpPr>
+        <p:spPr>
+          <a:xfrm>
+            <a:off x="220717" y="0"/>
+            <a:ext cx="2133600" cy="923330"/>
+          </a:xfrm>
+          <a:prstGeom prst="rect">
+            <a:avLst/>
+          </a:prstGeom>
+          <a:noFill/>
+        </p:spPr>
+        <p:txBody>
+          <a:bodyPr wrap="square" rtlCol="0">
+            <a:spAutoFit/>
+          </a:bodyPr>
+          <a:lstStyle/>
+          <a:p>
+            <a:pPr>
+              <a:lnSpc>
+                <a:spcPct val="150000"/>
+              </a:lnSpc>
+            </a:pPr>
+            <a:r>
+              <a:rPr lang="zh-CN" altLang="en-US" sz="3600" b="1" dirty="0" smtClean="0"/>
+              <a:t>任务同步</a:t>
+            </a:r>
+          </a:p>
+        </p:txBody>
+      </p:sp>
+      <p:sp>
+        <p:nvSpPr>
+          <p:cNvPr id="8" name="文本框 7"/>
+          <p:cNvSpPr txBox="1"/>
+          <p:nvPr/>
+        </p:nvSpPr>
+        <p:spPr>
+          <a:xfrm>
+            <a:off x="3563006" y="3027660"/>
+            <a:ext cx="5239991" cy="1754326"/>
+          </a:xfrm>
+          <a:prstGeom prst="rect">
+            <a:avLst/>
+          </a:prstGeom>
+          <a:noFill/>
+        </p:spPr>
+        <p:txBody>
+          <a:bodyPr wrap="square" rtlCol="0">
+            <a:spAutoFit/>
+          </a:bodyPr>
+          <a:lstStyle/>
+          <a:p>
+            <a:pPr>
+              <a:lnSpc>
+                <a:spcPct val="150000"/>
+              </a:lnSpc>
+            </a:pPr>
+            <a:r>
+              <a:rPr lang="zh-CN" altLang="en-US" dirty="0" smtClean="0"/>
+              <a:t>操作</a:t>
+            </a:r>
+            <a:r>
+              <a:rPr lang="zh-CN" altLang="en-US" dirty="0" smtClean="0"/>
+              <a:t>：</a:t>
+            </a:r>
+            <a:endParaRPr lang="en-US" altLang="zh-CN" dirty="0" smtClean="0"/>
+          </a:p>
+          <a:p>
+            <a:pPr>
+              <a:lnSpc>
+                <a:spcPct val="150000"/>
+              </a:lnSpc>
+            </a:pPr>
+            <a:r>
+              <a:rPr lang="zh-CN" altLang="en-US" dirty="0" smtClean="0"/>
+              <a:t>获取</a:t>
+            </a:r>
+            <a:r>
+              <a:rPr lang="zh-CN" altLang="en-US" dirty="0"/>
+              <a:t>互斥</a:t>
+            </a:r>
+            <a:r>
+              <a:rPr lang="zh-CN" altLang="en-US" dirty="0" smtClean="0"/>
+              <a:t>信号量</a:t>
+            </a:r>
+            <a:endParaRPr lang="en-US" altLang="zh-CN" dirty="0" smtClean="0"/>
+          </a:p>
+          <a:p>
+            <a:pPr>
+              <a:lnSpc>
+                <a:spcPct val="150000"/>
+              </a:lnSpc>
+            </a:pPr>
+            <a:r>
+              <a:rPr lang="zh-CN" altLang="en-US" dirty="0" smtClean="0"/>
+              <a:t>释放</a:t>
+            </a:r>
+            <a:r>
+              <a:rPr lang="zh-CN" altLang="en-US" dirty="0" smtClean="0"/>
+              <a:t>互斥</a:t>
+            </a:r>
+            <a:r>
+              <a:rPr lang="zh-CN" altLang="en-US" dirty="0" smtClean="0"/>
+              <a:t>信号量</a:t>
+            </a:r>
+            <a:endParaRPr lang="en-US" altLang="zh-CN" dirty="0" smtClean="0"/>
+          </a:p>
+          <a:p>
+            <a:pPr>
+              <a:lnSpc>
+                <a:spcPct val="150000"/>
+              </a:lnSpc>
+            </a:pPr>
             <a:endParaRPr lang="en-US" altLang="zh-CN" dirty="0" smtClean="0"/>
           </a:p>
         </p:txBody>
@@ -19205,7 +19571,7 @@
     </p:spTree>
     <p:extLst>
       <p:ext uri="{BB962C8B-B14F-4D97-AF65-F5344CB8AC3E}">
-        <p14:creationId xmlns:p14="http://schemas.microsoft.com/office/powerpoint/2010/main" val="425901504"/>
+        <p14:creationId xmlns:p14="http://schemas.microsoft.com/office/powerpoint/2010/main" val="4199144925"/>
       </p:ext>
     </p:extLst>
   </p:cSld>
@@ -19268,8 +19634,8 @@
         </p:nvSpPr>
         <p:spPr>
           <a:xfrm>
-            <a:off x="651641" y="124865"/>
-            <a:ext cx="6810704" cy="726473"/>
+            <a:off x="800537" y="190992"/>
+            <a:ext cx="3825766" cy="726473"/>
           </a:xfrm>
         </p:spPr>
         <p:txBody>
@@ -19279,10 +19645,10 @@
           <a:lstStyle/>
           <a:p>
             <a:r>
-              <a:rPr lang="zh-CN" altLang="en-US" sz="3600" b="1" i="1" dirty="0" smtClean="0"/>
+              <a:rPr lang="zh-CN" altLang="en-US" sz="2800" b="1" i="1" dirty="0" smtClean="0"/>
               <a:t>信号量集结构</a:t>
             </a:r>
-            <a:endParaRPr lang="zh-CN" altLang="en-US" sz="3600" dirty="0"/>
+            <a:endParaRPr lang="zh-CN" altLang="en-US" sz="2800" dirty="0"/>
           </a:p>
         </p:txBody>
       </p:sp>

--- a/image/1.UCOS分析与深入解读.pptx
+++ b/image/1.UCOS分析与深入解读.pptx
@@ -5,19 +5,24 @@
     <p:sldMasterId id="2147483648" r:id="rId1"/>
   </p:sldMasterIdLst>
   <p:sldIdLst>
-    <p:sldId id="256" r:id="rId2"/>
-    <p:sldId id="262" r:id="rId3"/>
-    <p:sldId id="263" r:id="rId4"/>
-    <p:sldId id="257" r:id="rId5"/>
-    <p:sldId id="261" r:id="rId6"/>
-    <p:sldId id="264" r:id="rId7"/>
-    <p:sldId id="266" r:id="rId8"/>
-    <p:sldId id="269" r:id="rId9"/>
-    <p:sldId id="268" r:id="rId10"/>
-    <p:sldId id="267" r:id="rId11"/>
-    <p:sldId id="258" r:id="rId12"/>
-    <p:sldId id="259" r:id="rId13"/>
-    <p:sldId id="265" r:id="rId14"/>
+    <p:sldId id="275" r:id="rId2"/>
+    <p:sldId id="256" r:id="rId3"/>
+    <p:sldId id="262" r:id="rId4"/>
+    <p:sldId id="263" r:id="rId5"/>
+    <p:sldId id="270" r:id="rId6"/>
+    <p:sldId id="257" r:id="rId7"/>
+    <p:sldId id="261" r:id="rId8"/>
+    <p:sldId id="264" r:id="rId9"/>
+    <p:sldId id="271" r:id="rId10"/>
+    <p:sldId id="266" r:id="rId11"/>
+    <p:sldId id="269" r:id="rId12"/>
+    <p:sldId id="268" r:id="rId13"/>
+    <p:sldId id="267" r:id="rId14"/>
+    <p:sldId id="272" r:id="rId15"/>
+    <p:sldId id="274" r:id="rId16"/>
+    <p:sldId id="258" r:id="rId17"/>
+    <p:sldId id="259" r:id="rId18"/>
+    <p:sldId id="265" r:id="rId19"/>
   </p:sldIdLst>
   <p:sldSz cx="12192000" cy="6858000"/>
   <p:notesSz cx="6858000" cy="9144000"/>
@@ -117,6 +122,40 @@
     </a:lvl9pPr>
   </p:defaultTextStyle>
   <p:extLst>
+    <p:ext uri="{521415D9-36F7-43E2-AB2F-B90AF26B5E84}">
+      <p14:sectionLst xmlns:p14="http://schemas.microsoft.com/office/powerpoint/2010/main">
+        <p14:section name="默认节" id="{FC001583-F62D-4787-845B-BB17C46A8D47}">
+          <p14:sldIdLst>
+            <p14:sldId id="275"/>
+            <p14:sldId id="256"/>
+            <p14:sldId id="262"/>
+            <p14:sldId id="263"/>
+            <p14:sldId id="270"/>
+            <p14:sldId id="257"/>
+            <p14:sldId id="261"/>
+            <p14:sldId id="264"/>
+            <p14:sldId id="271"/>
+          </p14:sldIdLst>
+        </p14:section>
+        <p14:section name="任务同步" id="{F2A877F8-E4F8-4097-9E46-660B9A2CB012}">
+          <p14:sldIdLst>
+            <p14:sldId id="266"/>
+            <p14:sldId id="269"/>
+            <p14:sldId id="268"/>
+          </p14:sldIdLst>
+        </p14:section>
+        <p14:section name="任务通讯" id="{7C25F074-69D3-48C8-979C-0CDCD3067742}">
+          <p14:sldIdLst>
+            <p14:sldId id="267"/>
+            <p14:sldId id="272"/>
+            <p14:sldId id="274"/>
+            <p14:sldId id="258"/>
+            <p14:sldId id="259"/>
+            <p14:sldId id="265"/>
+          </p14:sldIdLst>
+        </p14:section>
+      </p14:sectionLst>
+    </p:ext>
     <p:ext uri="{EFAFB233-063F-42B5-8137-9DF3F51BA10A}">
       <p15:sldGuideLst xmlns:p15="http://schemas.microsoft.com/office/powerpoint/2012/main"/>
     </p:ext>
@@ -6196,7 +6235,7 @@
           <a:p>
             <a:fld id="{16754228-772C-4F87-B467-91EA4980387A}" type="datetimeFigureOut">
               <a:rPr lang="zh-CN" altLang="en-US" smtClean="0"/>
-              <a:t>2019/8/5</a:t>
+              <a:t>2019/8/9</a:t>
             </a:fld>
             <a:endParaRPr lang="zh-CN" altLang="en-US"/>
           </a:p>
@@ -6366,7 +6405,7 @@
           <a:p>
             <a:fld id="{16754228-772C-4F87-B467-91EA4980387A}" type="datetimeFigureOut">
               <a:rPr lang="zh-CN" altLang="en-US" smtClean="0"/>
-              <a:t>2019/8/5</a:t>
+              <a:t>2019/8/9</a:t>
             </a:fld>
             <a:endParaRPr lang="zh-CN" altLang="en-US"/>
           </a:p>
@@ -6546,7 +6585,7 @@
           <a:p>
             <a:fld id="{16754228-772C-4F87-B467-91EA4980387A}" type="datetimeFigureOut">
               <a:rPr lang="zh-CN" altLang="en-US" smtClean="0"/>
-              <a:t>2019/8/5</a:t>
+              <a:t>2019/8/9</a:t>
             </a:fld>
             <a:endParaRPr lang="zh-CN" altLang="en-US"/>
           </a:p>
@@ -6716,7 +6755,7 @@
           <a:p>
             <a:fld id="{16754228-772C-4F87-B467-91EA4980387A}" type="datetimeFigureOut">
               <a:rPr lang="zh-CN" altLang="en-US" smtClean="0"/>
-              <a:t>2019/8/5</a:t>
+              <a:t>2019/8/9</a:t>
             </a:fld>
             <a:endParaRPr lang="zh-CN" altLang="en-US"/>
           </a:p>
@@ -6962,7 +7001,7 @@
           <a:p>
             <a:fld id="{16754228-772C-4F87-B467-91EA4980387A}" type="datetimeFigureOut">
               <a:rPr lang="zh-CN" altLang="en-US" smtClean="0"/>
-              <a:t>2019/8/5</a:t>
+              <a:t>2019/8/9</a:t>
             </a:fld>
             <a:endParaRPr lang="zh-CN" altLang="en-US"/>
           </a:p>
@@ -7194,7 +7233,7 @@
           <a:p>
             <a:fld id="{16754228-772C-4F87-B467-91EA4980387A}" type="datetimeFigureOut">
               <a:rPr lang="zh-CN" altLang="en-US" smtClean="0"/>
-              <a:t>2019/8/5</a:t>
+              <a:t>2019/8/9</a:t>
             </a:fld>
             <a:endParaRPr lang="zh-CN" altLang="en-US"/>
           </a:p>
@@ -7561,7 +7600,7 @@
           <a:p>
             <a:fld id="{16754228-772C-4F87-B467-91EA4980387A}" type="datetimeFigureOut">
               <a:rPr lang="zh-CN" altLang="en-US" smtClean="0"/>
-              <a:t>2019/8/5</a:t>
+              <a:t>2019/8/9</a:t>
             </a:fld>
             <a:endParaRPr lang="zh-CN" altLang="en-US"/>
           </a:p>
@@ -7679,7 +7718,7 @@
           <a:p>
             <a:fld id="{16754228-772C-4F87-B467-91EA4980387A}" type="datetimeFigureOut">
               <a:rPr lang="zh-CN" altLang="en-US" smtClean="0"/>
-              <a:t>2019/8/5</a:t>
+              <a:t>2019/8/9</a:t>
             </a:fld>
             <a:endParaRPr lang="zh-CN" altLang="en-US"/>
           </a:p>
@@ -7774,7 +7813,7 @@
           <a:p>
             <a:fld id="{16754228-772C-4F87-B467-91EA4980387A}" type="datetimeFigureOut">
               <a:rPr lang="zh-CN" altLang="en-US" smtClean="0"/>
-              <a:t>2019/8/5</a:t>
+              <a:t>2019/8/9</a:t>
             </a:fld>
             <a:endParaRPr lang="zh-CN" altLang="en-US"/>
           </a:p>
@@ -8051,7 +8090,7 @@
           <a:p>
             <a:fld id="{16754228-772C-4F87-B467-91EA4980387A}" type="datetimeFigureOut">
               <a:rPr lang="zh-CN" altLang="en-US" smtClean="0"/>
-              <a:t>2019/8/5</a:t>
+              <a:t>2019/8/9</a:t>
             </a:fld>
             <a:endParaRPr lang="zh-CN" altLang="en-US"/>
           </a:p>
@@ -8304,7 +8343,7 @@
           <a:p>
             <a:fld id="{16754228-772C-4F87-B467-91EA4980387A}" type="datetimeFigureOut">
               <a:rPr lang="zh-CN" altLang="en-US" smtClean="0"/>
-              <a:t>2019/8/5</a:t>
+              <a:t>2019/8/9</a:t>
             </a:fld>
             <a:endParaRPr lang="zh-CN" altLang="en-US"/>
           </a:p>
@@ -8517,7 +8556,7 @@
           <a:p>
             <a:fld id="{16754228-772C-4F87-B467-91EA4980387A}" type="datetimeFigureOut">
               <a:rPr lang="zh-CN" altLang="en-US" smtClean="0"/>
-              <a:t>2019/8/5</a:t>
+              <a:t>2019/8/9</a:t>
             </a:fld>
             <a:endParaRPr lang="zh-CN" altLang="en-US"/>
           </a:p>
@@ -8922,435 +8961,16 @@
           <a:chExt cx="0" cy="0"/>
         </a:xfrm>
       </p:grpSpPr>
-      <p:grpSp>
-        <p:nvGrpSpPr>
-          <p:cNvPr id="12" name="组合 11"/>
-          <p:cNvGrpSpPr/>
-          <p:nvPr/>
-        </p:nvGrpSpPr>
-        <p:grpSpPr>
-          <a:xfrm>
-            <a:off x="536028" y="294291"/>
-            <a:ext cx="5486400" cy="6358758"/>
-            <a:chOff x="262759" y="409904"/>
-            <a:chExt cx="5486400" cy="6358758"/>
-          </a:xfrm>
-        </p:grpSpPr>
-        <p:grpSp>
-          <p:nvGrpSpPr>
-            <p:cNvPr id="10" name="组合 9"/>
-            <p:cNvGrpSpPr/>
-            <p:nvPr/>
-          </p:nvGrpSpPr>
-          <p:grpSpPr>
-            <a:xfrm>
-              <a:off x="819808" y="409904"/>
-              <a:ext cx="4929351" cy="6358758"/>
-              <a:chOff x="819808" y="409904"/>
-              <a:chExt cx="4929351" cy="6358758"/>
-            </a:xfrm>
-          </p:grpSpPr>
-          <p:sp>
-            <p:nvSpPr>
-              <p:cNvPr id="4" name="圆角矩形 3"/>
-              <p:cNvSpPr/>
-              <p:nvPr/>
-            </p:nvSpPr>
-            <p:spPr>
-              <a:xfrm>
-                <a:off x="819808" y="409904"/>
-                <a:ext cx="4929351" cy="6358758"/>
-              </a:xfrm>
-              <a:prstGeom prst="roundRect">
-                <a:avLst/>
-              </a:prstGeom>
-              <a:solidFill>
-                <a:schemeClr val="accent2">
-                  <a:lumMod val="60000"/>
-                  <a:lumOff val="40000"/>
-                </a:schemeClr>
-              </a:solidFill>
-              <a:ln>
-                <a:noFill/>
-              </a:ln>
-            </p:spPr>
-            <p:style>
-              <a:lnRef idx="2">
-                <a:schemeClr val="accent1">
-                  <a:shade val="50000"/>
-                </a:schemeClr>
-              </a:lnRef>
-              <a:fillRef idx="1">
-                <a:schemeClr val="accent1"/>
-              </a:fillRef>
-              <a:effectRef idx="0">
-                <a:schemeClr val="accent1"/>
-              </a:effectRef>
-              <a:fontRef idx="minor">
-                <a:schemeClr val="lt1"/>
-              </a:fontRef>
-            </p:style>
-            <p:txBody>
-              <a:bodyPr rtlCol="0" anchor="ctr"/>
-              <a:lstStyle/>
-              <a:p>
-                <a:pPr algn="ctr"/>
-                <a:endParaRPr lang="zh-CN" altLang="en-US"/>
-              </a:p>
-            </p:txBody>
-          </p:sp>
-          <p:sp>
-            <p:nvSpPr>
-              <p:cNvPr id="5" name="文本框 4"/>
-              <p:cNvSpPr txBox="1"/>
-              <p:nvPr/>
-            </p:nvSpPr>
-            <p:spPr>
-              <a:xfrm>
-                <a:off x="2228193" y="693682"/>
-                <a:ext cx="1313793" cy="400110"/>
-              </a:xfrm>
-              <a:prstGeom prst="rect">
-                <a:avLst/>
-              </a:prstGeom>
-              <a:noFill/>
-            </p:spPr>
-            <p:txBody>
-              <a:bodyPr wrap="square" rtlCol="0">
-                <a:spAutoFit/>
-              </a:bodyPr>
-              <a:lstStyle/>
-              <a:p>
-                <a:r>
-                  <a:rPr lang="en-US" altLang="zh-CN" sz="2000" dirty="0" smtClean="0">
-                    <a:solidFill>
-                      <a:schemeClr val="bg1"/>
-                    </a:solidFill>
-                  </a:rPr>
-                  <a:t>UCOS-II</a:t>
-                </a:r>
-                <a:endParaRPr lang="zh-CN" altLang="en-US" sz="2000" dirty="0">
-                  <a:solidFill>
-                    <a:schemeClr val="bg1"/>
-                  </a:solidFill>
-                </a:endParaRPr>
-              </a:p>
-            </p:txBody>
-          </p:sp>
-        </p:grpSp>
-        <p:sp>
-          <p:nvSpPr>
-            <p:cNvPr id="11" name="圆角矩形 10"/>
-            <p:cNvSpPr/>
-            <p:nvPr/>
-          </p:nvSpPr>
-          <p:spPr>
-            <a:xfrm>
-              <a:off x="1460939" y="2033571"/>
-              <a:ext cx="3941378" cy="4629987"/>
-            </a:xfrm>
-            <a:prstGeom prst="roundRect">
-              <a:avLst/>
-            </a:prstGeom>
-            <a:solidFill>
-              <a:schemeClr val="accent5">
-                <a:lumMod val="60000"/>
-                <a:lumOff val="40000"/>
-              </a:schemeClr>
-            </a:solidFill>
-            <a:ln>
-              <a:noFill/>
-            </a:ln>
-          </p:spPr>
-          <p:style>
-            <a:lnRef idx="2">
-              <a:schemeClr val="accent1">
-                <a:shade val="50000"/>
-              </a:schemeClr>
-            </a:lnRef>
-            <a:fillRef idx="1">
-              <a:schemeClr val="accent1"/>
-            </a:fillRef>
-            <a:effectRef idx="0">
-              <a:schemeClr val="accent1"/>
-            </a:effectRef>
-            <a:fontRef idx="minor">
-              <a:schemeClr val="lt1"/>
-            </a:fontRef>
-          </p:style>
-          <p:txBody>
-            <a:bodyPr rtlCol="0" anchor="ctr"/>
-            <a:lstStyle/>
-            <a:p>
-              <a:pPr algn="ctr"/>
-              <a:endParaRPr lang="zh-CN" altLang="en-US"/>
-            </a:p>
-          </p:txBody>
-        </p:sp>
-        <p:sp>
-          <p:nvSpPr>
-            <p:cNvPr id="6" name="文本框 5"/>
-            <p:cNvSpPr txBox="1"/>
-            <p:nvPr/>
-          </p:nvSpPr>
-          <p:spPr>
-            <a:xfrm>
-              <a:off x="2370082" y="2332936"/>
-              <a:ext cx="1313793" cy="400110"/>
-            </a:xfrm>
-            <a:prstGeom prst="rect">
-              <a:avLst/>
-            </a:prstGeom>
-            <a:noFill/>
-          </p:spPr>
-          <p:txBody>
-            <a:bodyPr wrap="square" rtlCol="0">
-              <a:spAutoFit/>
-            </a:bodyPr>
-            <a:lstStyle/>
-            <a:p>
-              <a:r>
-                <a:rPr lang="zh-CN" altLang="en-US" sz="2000" dirty="0" smtClean="0">
-                  <a:solidFill>
-                    <a:schemeClr val="bg1"/>
-                  </a:solidFill>
-                </a:rPr>
-                <a:t>系统任务</a:t>
-              </a:r>
-              <a:endParaRPr lang="zh-CN" altLang="en-US" sz="2000" dirty="0">
-                <a:solidFill>
-                  <a:schemeClr val="bg1"/>
-                </a:solidFill>
-              </a:endParaRPr>
-            </a:p>
-          </p:txBody>
-        </p:sp>
-        <p:sp>
-          <p:nvSpPr>
-            <p:cNvPr id="7" name="文本框 6"/>
-            <p:cNvSpPr txBox="1"/>
-            <p:nvPr/>
-          </p:nvSpPr>
-          <p:spPr>
-            <a:xfrm>
-              <a:off x="2354318" y="4529598"/>
-              <a:ext cx="1313793" cy="400110"/>
-            </a:xfrm>
-            <a:prstGeom prst="rect">
-              <a:avLst/>
-            </a:prstGeom>
-            <a:noFill/>
-          </p:spPr>
-          <p:txBody>
-            <a:bodyPr wrap="square" rtlCol="0">
-              <a:spAutoFit/>
-            </a:bodyPr>
-            <a:lstStyle/>
-            <a:p>
-              <a:r>
-                <a:rPr lang="zh-CN" altLang="en-US" sz="2000" dirty="0" smtClean="0">
-                  <a:solidFill>
-                    <a:schemeClr val="bg1"/>
-                  </a:solidFill>
-                </a:rPr>
-                <a:t>用户任务</a:t>
-              </a:r>
-              <a:endParaRPr lang="zh-CN" altLang="en-US" sz="2000" dirty="0">
-                <a:solidFill>
-                  <a:schemeClr val="bg1"/>
-                </a:solidFill>
-              </a:endParaRPr>
-            </a:p>
-          </p:txBody>
-        </p:sp>
-        <p:sp>
-          <p:nvSpPr>
-            <p:cNvPr id="9" name="文本框 8"/>
-            <p:cNvSpPr txBox="1"/>
-            <p:nvPr/>
-          </p:nvSpPr>
-          <p:spPr>
-            <a:xfrm>
-              <a:off x="966952" y="2611997"/>
-              <a:ext cx="1261241" cy="400110"/>
-            </a:xfrm>
-            <a:prstGeom prst="rect">
-              <a:avLst/>
-            </a:prstGeom>
-            <a:solidFill>
-              <a:srgbClr val="FFC000"/>
-            </a:solidFill>
-          </p:spPr>
-          <p:txBody>
-            <a:bodyPr wrap="square" rtlCol="0">
-              <a:spAutoFit/>
-            </a:bodyPr>
-            <a:lstStyle/>
-            <a:p>
-              <a:r>
-                <a:rPr lang="zh-CN" altLang="en-US" sz="2000" dirty="0"/>
-                <a:t>线程</a:t>
-              </a:r>
-            </a:p>
-          </p:txBody>
-        </p:sp>
-        <p:sp>
-          <p:nvSpPr>
-            <p:cNvPr id="8" name="文本框 7"/>
-            <p:cNvSpPr txBox="1"/>
-            <p:nvPr/>
-          </p:nvSpPr>
-          <p:spPr>
-            <a:xfrm>
-              <a:off x="262759" y="788275"/>
-              <a:ext cx="1261241" cy="400110"/>
-            </a:xfrm>
-            <a:prstGeom prst="rect">
-              <a:avLst/>
-            </a:prstGeom>
-            <a:solidFill>
-              <a:srgbClr val="FFFF00"/>
-            </a:solidFill>
-          </p:spPr>
-          <p:txBody>
-            <a:bodyPr wrap="square" rtlCol="0">
-              <a:spAutoFit/>
-            </a:bodyPr>
-            <a:lstStyle/>
-            <a:p>
-              <a:r>
-                <a:rPr lang="zh-CN" altLang="en-US" sz="2000" dirty="0" smtClean="0"/>
-                <a:t>进程</a:t>
-              </a:r>
-              <a:endParaRPr lang="zh-CN" altLang="en-US" sz="2000" dirty="0"/>
-            </a:p>
-          </p:txBody>
-        </p:sp>
-        <p:sp>
-          <p:nvSpPr>
-            <p:cNvPr id="14" name="文本框 13"/>
-            <p:cNvSpPr txBox="1"/>
-            <p:nvPr/>
-          </p:nvSpPr>
-          <p:spPr>
-            <a:xfrm>
-              <a:off x="3757447" y="2332936"/>
-              <a:ext cx="1313793" cy="400110"/>
-            </a:xfrm>
-            <a:prstGeom prst="rect">
-              <a:avLst/>
-            </a:prstGeom>
-            <a:noFill/>
-          </p:spPr>
-          <p:txBody>
-            <a:bodyPr wrap="square" rtlCol="0">
-              <a:spAutoFit/>
-            </a:bodyPr>
-            <a:lstStyle/>
-            <a:p>
-              <a:r>
-                <a:rPr lang="zh-CN" altLang="en-US" sz="2000" dirty="0" smtClean="0">
-                  <a:solidFill>
-                    <a:schemeClr val="bg1"/>
-                  </a:solidFill>
-                </a:rPr>
-                <a:t>空闲任务</a:t>
-              </a:r>
-              <a:endParaRPr lang="zh-CN" altLang="en-US" sz="2000" dirty="0">
-                <a:solidFill>
-                  <a:schemeClr val="bg1"/>
-                </a:solidFill>
-              </a:endParaRPr>
-            </a:p>
-          </p:txBody>
-        </p:sp>
-        <p:sp>
-          <p:nvSpPr>
-            <p:cNvPr id="15" name="文本框 14"/>
-            <p:cNvSpPr txBox="1"/>
-            <p:nvPr/>
-          </p:nvSpPr>
-          <p:spPr>
-            <a:xfrm>
-              <a:off x="3767958" y="2812052"/>
-              <a:ext cx="1313793" cy="400110"/>
-            </a:xfrm>
-            <a:prstGeom prst="rect">
-              <a:avLst/>
-            </a:prstGeom>
-            <a:noFill/>
-          </p:spPr>
-          <p:txBody>
-            <a:bodyPr wrap="square" rtlCol="0">
-              <a:spAutoFit/>
-            </a:bodyPr>
-            <a:lstStyle/>
-            <a:p>
-              <a:r>
-                <a:rPr lang="zh-CN" altLang="en-US" sz="2000" dirty="0" smtClean="0">
-                  <a:solidFill>
-                    <a:schemeClr val="bg1"/>
-                  </a:solidFill>
-                </a:rPr>
-                <a:t>统计任务</a:t>
-              </a:r>
-              <a:endParaRPr lang="zh-CN" altLang="en-US" sz="2000" dirty="0">
-                <a:solidFill>
-                  <a:schemeClr val="bg1"/>
-                </a:solidFill>
-              </a:endParaRPr>
-            </a:p>
-          </p:txBody>
-        </p:sp>
-        <p:sp>
-          <p:nvSpPr>
-            <p:cNvPr id="35" name="文本框 34"/>
-            <p:cNvSpPr txBox="1"/>
-            <p:nvPr/>
-          </p:nvSpPr>
-          <p:spPr>
-            <a:xfrm>
-              <a:off x="3810001" y="4067860"/>
-              <a:ext cx="1313793" cy="400110"/>
-            </a:xfrm>
-            <a:prstGeom prst="rect">
-              <a:avLst/>
-            </a:prstGeom>
-            <a:noFill/>
-          </p:spPr>
-          <p:txBody>
-            <a:bodyPr wrap="square" rtlCol="0">
-              <a:spAutoFit/>
-            </a:bodyPr>
-            <a:lstStyle/>
-            <a:p>
-              <a:r>
-                <a:rPr lang="zh-CN" altLang="en-US" sz="2000" dirty="0" smtClean="0">
-                  <a:solidFill>
-                    <a:schemeClr val="bg1"/>
-                  </a:solidFill>
-                </a:rPr>
-                <a:t>空闲任务</a:t>
-              </a:r>
-              <a:endParaRPr lang="zh-CN" altLang="en-US" sz="2000" dirty="0">
-                <a:solidFill>
-                  <a:schemeClr val="bg1"/>
-                </a:solidFill>
-              </a:endParaRPr>
-            </a:p>
-          </p:txBody>
-        </p:sp>
-      </p:grpSp>
       <p:sp>
         <p:nvSpPr>
-          <p:cNvPr id="13" name="文本框 12"/>
+          <p:cNvPr id="4" name="文本框 3"/>
           <p:cNvSpPr txBox="1"/>
           <p:nvPr/>
         </p:nvSpPr>
         <p:spPr>
           <a:xfrm>
-            <a:off x="6463862" y="399034"/>
-            <a:ext cx="5255172" cy="1477328"/>
+            <a:off x="544530" y="349322"/>
+            <a:ext cx="9754456" cy="1338828"/>
           </a:xfrm>
           <a:prstGeom prst="rect">
             <a:avLst/>
@@ -9363,85 +8983,57 @@
           </a:bodyPr>
           <a:lstStyle/>
           <a:p>
+            <a:pPr>
+              <a:lnSpc>
+                <a:spcPct val="150000"/>
+              </a:lnSpc>
+            </a:pPr>
             <a:r>
               <a:rPr lang="zh-CN" altLang="en-US" dirty="0" smtClean="0"/>
-              <a:t>由于每个任务都可以访问全局变量，都在同一个内存空间下，所以，每个任务都没有自己的私有空间，但是有自己的私有数据。因此 </a:t>
-            </a:r>
-            <a:r>
-              <a:rPr lang="en-US" altLang="zh-CN" dirty="0" err="1" smtClean="0"/>
-              <a:t>ucos</a:t>
+              <a:t>大量的结构体的管理方式</a:t>
             </a:r>
             <a:r>
               <a:rPr lang="en-US" altLang="zh-CN" dirty="0" smtClean="0"/>
-              <a:t> </a:t>
+              <a:t>——</a:t>
             </a:r>
             <a:r>
               <a:rPr lang="zh-CN" altLang="en-US" dirty="0" smtClean="0"/>
-              <a:t>所有的任务都是线程。归根结底是</a:t>
-            </a:r>
-            <a:r>
-              <a:rPr lang="en-US" altLang="zh-CN" dirty="0" smtClean="0"/>
-              <a:t>stm32</a:t>
-            </a:r>
+              <a:t>我们不可能用一个全局变量表示一个结构体</a:t>
+            </a:r>
+            <a:endParaRPr lang="en-US" altLang="zh-CN" dirty="0" smtClean="0"/>
+          </a:p>
+          <a:p>
+            <a:pPr>
+              <a:lnSpc>
+                <a:spcPct val="150000"/>
+              </a:lnSpc>
+            </a:pPr>
+            <a:endParaRPr lang="en-US" altLang="zh-CN" dirty="0" smtClean="0"/>
+          </a:p>
+          <a:p>
+            <a:pPr>
+              <a:lnSpc>
+                <a:spcPct val="150000"/>
+              </a:lnSpc>
+            </a:pPr>
             <a:r>
               <a:rPr lang="zh-CN" altLang="en-US" dirty="0" smtClean="0"/>
-              <a:t>没有虚拟内存</a:t>
-            </a:r>
-            <a:r>
-              <a:rPr lang="en-US" altLang="zh-CN" dirty="0" smtClean="0"/>
-              <a:t>/MMU</a:t>
-            </a:r>
-            <a:r>
-              <a:rPr lang="zh-CN" altLang="en-US" dirty="0" smtClean="0"/>
-              <a:t>的原因。</a:t>
-            </a:r>
-            <a:endParaRPr lang="zh-CN" altLang="en-US" dirty="0"/>
+              <a:t>我们必须另一种合理的方式，能够获取所有的结构体。</a:t>
+            </a:r>
+            <a:endParaRPr lang="zh-CN" altLang="en-US" dirty="0" smtClean="0"/>
           </a:p>
         </p:txBody>
       </p:sp>
-      <p:cxnSp>
-        <p:nvCxnSpPr>
-          <p:cNvPr id="3" name="直接箭头连接符 2"/>
-          <p:cNvCxnSpPr/>
-          <p:nvPr/>
-        </p:nvCxnSpPr>
-        <p:spPr>
-          <a:xfrm>
-            <a:off x="5223641" y="2496384"/>
-            <a:ext cx="2417380" cy="0"/>
-          </a:xfrm>
-          <a:prstGeom prst="straightConnector1">
-            <a:avLst/>
-          </a:prstGeom>
-          <a:ln w="76200">
-            <a:tailEnd type="triangle"/>
-          </a:ln>
-        </p:spPr>
-        <p:style>
-          <a:lnRef idx="1">
-            <a:schemeClr val="accent1"/>
-          </a:lnRef>
-          <a:fillRef idx="0">
-            <a:schemeClr val="accent1"/>
-          </a:fillRef>
-          <a:effectRef idx="0">
-            <a:schemeClr val="accent1"/>
-          </a:effectRef>
-          <a:fontRef idx="minor">
-            <a:schemeClr val="tx1"/>
-          </a:fontRef>
-        </p:style>
-      </p:cxnSp>
       <p:sp>
         <p:nvSpPr>
-          <p:cNvPr id="16" name="文本框 15"/>
+          <p:cNvPr id="5" name="文本框 4"/>
           <p:cNvSpPr txBox="1"/>
           <p:nvPr/>
         </p:nvSpPr>
         <p:spPr>
           <a:xfrm>
-            <a:off x="7851227" y="2279989"/>
-            <a:ext cx="4340773" cy="369332"/>
+            <a:off x="544530" y="2054831"/>
+            <a:ext cx="11013897" cy="923330"/>
           </a:xfrm>
           <a:prstGeom prst="rect">
             <a:avLst/>
@@ -9454,61 +9046,37 @@
           </a:bodyPr>
           <a:lstStyle/>
           <a:p>
+            <a:pPr>
+              <a:lnSpc>
+                <a:spcPct val="150000"/>
+              </a:lnSpc>
+            </a:pPr>
+            <a:r>
+              <a:rPr lang="zh-CN" altLang="en-US" b="1" dirty="0" smtClean="0">
+                <a:solidFill>
+                  <a:srgbClr val="FF0000"/>
+                </a:solidFill>
+              </a:rPr>
+              <a:t>单向链表</a:t>
+            </a:r>
             <a:r>
               <a:rPr lang="zh-CN" altLang="en-US" dirty="0" smtClean="0"/>
-              <a:t>操作系统必须使用的，可自定义</a:t>
-            </a:r>
-            <a:r>
-              <a:rPr lang="en-US" altLang="zh-CN" dirty="0" smtClean="0"/>
-              <a:t>OSdleCtr</a:t>
-            </a:r>
-            <a:endParaRPr lang="zh-CN" altLang="en-US" dirty="0"/>
+              <a:t>：可以方便的将结构体串联起来，依次的获取所有的结构体。但是修改这个链表有些限制，必须从头部开始获取或者添加结构体</a:t>
+            </a:r>
+            <a:endParaRPr lang="zh-CN" altLang="en-US" dirty="0" smtClean="0"/>
           </a:p>
         </p:txBody>
       </p:sp>
-      <p:cxnSp>
-        <p:nvCxnSpPr>
-          <p:cNvPr id="17" name="直接箭头连接符 16"/>
-          <p:cNvCxnSpPr/>
-          <p:nvPr/>
-        </p:nvCxnSpPr>
-        <p:spPr>
-          <a:xfrm>
-            <a:off x="5255172" y="2896494"/>
-            <a:ext cx="2417380" cy="0"/>
-          </a:xfrm>
-          <a:prstGeom prst="straightConnector1">
-            <a:avLst/>
-          </a:prstGeom>
-          <a:ln w="76200">
-            <a:tailEnd type="triangle"/>
-          </a:ln>
-        </p:spPr>
-        <p:style>
-          <a:lnRef idx="1">
-            <a:schemeClr val="accent1"/>
-          </a:lnRef>
-          <a:fillRef idx="0">
-            <a:schemeClr val="accent1"/>
-          </a:fillRef>
-          <a:effectRef idx="0">
-            <a:schemeClr val="accent1"/>
-          </a:effectRef>
-          <a:fontRef idx="minor">
-            <a:schemeClr val="tx1"/>
-          </a:fontRef>
-        </p:style>
-      </p:cxnSp>
       <p:sp>
         <p:nvSpPr>
-          <p:cNvPr id="18" name="文本框 17"/>
+          <p:cNvPr id="6" name="文本框 5"/>
           <p:cNvSpPr txBox="1"/>
           <p:nvPr/>
         </p:nvSpPr>
         <p:spPr>
           <a:xfrm>
-            <a:off x="7851227" y="2727217"/>
-            <a:ext cx="1418897" cy="369332"/>
+            <a:off x="544530" y="3344842"/>
+            <a:ext cx="11013897" cy="507831"/>
           </a:xfrm>
           <a:prstGeom prst="rect">
             <a:avLst/>
@@ -9521,24 +9089,45 @@
           </a:bodyPr>
           <a:lstStyle/>
           <a:p>
+            <a:pPr>
+              <a:lnSpc>
+                <a:spcPct val="150000"/>
+              </a:lnSpc>
+            </a:pPr>
+            <a:r>
+              <a:rPr lang="zh-CN" altLang="en-US" b="1" dirty="0" smtClean="0">
+                <a:solidFill>
+                  <a:srgbClr val="FF0000"/>
+                </a:solidFill>
+              </a:rPr>
+              <a:t>双</a:t>
+            </a:r>
+            <a:r>
+              <a:rPr lang="zh-CN" altLang="en-US" b="1" dirty="0" smtClean="0">
+                <a:solidFill>
+                  <a:srgbClr val="FF0000"/>
+                </a:solidFill>
+              </a:rPr>
+              <a:t>向链表</a:t>
+            </a:r>
             <a:r>
               <a:rPr lang="zh-CN" altLang="en-US" dirty="0" smtClean="0"/>
-              <a:t>可选</a:t>
-            </a:r>
-            <a:endParaRPr lang="zh-CN" altLang="en-US" dirty="0"/>
+              <a:t>：可以在任何地方开始插入结构体，或者获取一个结构体，同时保证链表的稳定。</a:t>
+            </a:r>
+            <a:endParaRPr lang="zh-CN" altLang="en-US" dirty="0" smtClean="0"/>
           </a:p>
         </p:txBody>
       </p:sp>
       <p:sp>
         <p:nvSpPr>
-          <p:cNvPr id="19" name="文本框 18"/>
+          <p:cNvPr id="7" name="文本框 6"/>
           <p:cNvSpPr txBox="1"/>
           <p:nvPr/>
         </p:nvSpPr>
         <p:spPr>
           <a:xfrm>
-            <a:off x="5612524" y="2113787"/>
-            <a:ext cx="1807782" cy="369332"/>
+            <a:off x="636998" y="4130211"/>
+            <a:ext cx="10921429" cy="2169825"/>
           </a:xfrm>
           <a:prstGeom prst="rect">
             <a:avLst/>
@@ -9551,461 +9140,89 @@
           </a:bodyPr>
           <a:lstStyle/>
           <a:p>
-            <a:r>
-              <a:rPr lang="en-US" altLang="zh-CN" dirty="0" smtClean="0"/>
-              <a:t>Os_lowest_prio</a:t>
-            </a:r>
-            <a:endParaRPr lang="zh-CN" altLang="en-US" dirty="0"/>
+            <a:pPr>
+              <a:lnSpc>
+                <a:spcPct val="150000"/>
+              </a:lnSpc>
+            </a:pPr>
+            <a:r>
+              <a:rPr lang="zh-CN" altLang="en-US" dirty="0" smtClean="0"/>
+              <a:t>从复杂程度看。</a:t>
+            </a:r>
+            <a:endParaRPr lang="en-US" altLang="zh-CN" dirty="0" smtClean="0"/>
+          </a:p>
+          <a:p>
+            <a:pPr marL="285750" indent="-285750">
+              <a:lnSpc>
+                <a:spcPct val="150000"/>
+              </a:lnSpc>
+              <a:buFont typeface="Arial" panose="020B0604020202020204" pitchFamily="34" charset="0"/>
+              <a:buChar char="•"/>
+            </a:pPr>
+            <a:r>
+              <a:rPr lang="zh-CN" altLang="en-US" dirty="0" smtClean="0"/>
+              <a:t>空白的结构体不需要复杂的操作，所以用</a:t>
+            </a:r>
+            <a:r>
+              <a:rPr lang="zh-CN" altLang="en-US" b="1" dirty="0" smtClean="0">
+                <a:solidFill>
+                  <a:srgbClr val="FF0000"/>
+                </a:solidFill>
+              </a:rPr>
+              <a:t>单向链表</a:t>
+            </a:r>
+            <a:r>
+              <a:rPr lang="zh-CN" altLang="en-US" dirty="0" smtClean="0"/>
+              <a:t>就可以管理</a:t>
+            </a:r>
+            <a:endParaRPr lang="en-US" altLang="zh-CN" dirty="0" smtClean="0"/>
+          </a:p>
+          <a:p>
+            <a:pPr>
+              <a:lnSpc>
+                <a:spcPct val="150000"/>
+              </a:lnSpc>
+            </a:pPr>
+            <a:endParaRPr lang="en-US" altLang="zh-CN" dirty="0" smtClean="0"/>
+          </a:p>
+          <a:p>
+            <a:pPr marL="285750" indent="-285750">
+              <a:lnSpc>
+                <a:spcPct val="150000"/>
+              </a:lnSpc>
+              <a:buFont typeface="Arial" panose="020B0604020202020204" pitchFamily="34" charset="0"/>
+              <a:buChar char="•"/>
+            </a:pPr>
+            <a:r>
+              <a:rPr lang="zh-CN" altLang="en-US" dirty="0" smtClean="0"/>
+              <a:t>但是等待的任务这种需要查找最高优先级任务，即从不同的位置获取任务块的功能，就必须使用</a:t>
+            </a:r>
+            <a:r>
+              <a:rPr lang="zh-CN" altLang="en-US" b="1" dirty="0" smtClean="0">
+                <a:solidFill>
+                  <a:srgbClr val="FF0000"/>
+                </a:solidFill>
+              </a:rPr>
+              <a:t>双向链表</a:t>
+            </a:r>
+            <a:r>
+              <a:rPr lang="zh-CN" altLang="en-US" dirty="0" smtClean="0"/>
+              <a:t>了</a:t>
+            </a:r>
+            <a:endParaRPr lang="zh-CN" altLang="en-US" dirty="0" smtClean="0"/>
           </a:p>
         </p:txBody>
       </p:sp>
-      <p:sp>
-        <p:nvSpPr>
-          <p:cNvPr id="32" name="文本框 31"/>
-          <p:cNvSpPr txBox="1"/>
-          <p:nvPr/>
-        </p:nvSpPr>
-        <p:spPr>
-          <a:xfrm>
-            <a:off x="5449613" y="2853698"/>
-            <a:ext cx="2028498" cy="369332"/>
-          </a:xfrm>
-          <a:prstGeom prst="rect">
-            <a:avLst/>
-          </a:prstGeom>
-          <a:noFill/>
-        </p:spPr>
-        <p:txBody>
-          <a:bodyPr wrap="square" rtlCol="0">
-            <a:spAutoFit/>
-          </a:bodyPr>
-          <a:lstStyle/>
-          <a:p>
-            <a:r>
-              <a:rPr lang="en-US" altLang="zh-CN" dirty="0" smtClean="0"/>
-              <a:t>Os_lowest_prio+1</a:t>
-            </a:r>
-            <a:endParaRPr lang="zh-CN" altLang="en-US" dirty="0"/>
-          </a:p>
-        </p:txBody>
-      </p:sp>
-      <p:sp>
-        <p:nvSpPr>
-          <p:cNvPr id="33" name="文本框 32"/>
-          <p:cNvSpPr txBox="1"/>
-          <p:nvPr/>
-        </p:nvSpPr>
-        <p:spPr>
-          <a:xfrm>
-            <a:off x="6621516" y="3793834"/>
-            <a:ext cx="5297215" cy="369332"/>
-          </a:xfrm>
-          <a:prstGeom prst="rect">
-            <a:avLst/>
-          </a:prstGeom>
-          <a:noFill/>
-        </p:spPr>
-        <p:txBody>
-          <a:bodyPr wrap="square" rtlCol="0">
-            <a:spAutoFit/>
-          </a:bodyPr>
-          <a:lstStyle/>
-          <a:p>
-            <a:r>
-              <a:rPr lang="zh-CN" altLang="en-US" dirty="0" smtClean="0"/>
-              <a:t>一般</a:t>
-            </a:r>
-            <a:r>
-              <a:rPr lang="en-US" altLang="zh-CN" dirty="0" smtClean="0"/>
-              <a:t>C</a:t>
-            </a:r>
-            <a:r>
-              <a:rPr lang="zh-CN" altLang="en-US" dirty="0" smtClean="0"/>
-              <a:t>语言，</a:t>
-            </a:r>
-            <a:r>
-              <a:rPr lang="en-US" altLang="zh-CN" dirty="0" smtClean="0"/>
-              <a:t>a[0]=*a </a:t>
-            </a:r>
-            <a:r>
-              <a:rPr lang="zh-CN" altLang="en-US" dirty="0" smtClean="0"/>
-              <a:t>地址都是低于</a:t>
-            </a:r>
-            <a:r>
-              <a:rPr lang="en-US" altLang="zh-CN" dirty="0" smtClean="0"/>
-              <a:t>a[1]=(*p+1)</a:t>
-            </a:r>
-            <a:r>
-              <a:rPr lang="zh-CN" altLang="en-US" dirty="0" smtClean="0"/>
-              <a:t>的</a:t>
-            </a:r>
-            <a:endParaRPr lang="zh-CN" altLang="en-US" dirty="0"/>
-          </a:p>
-        </p:txBody>
-      </p:sp>
-      <p:grpSp>
-        <p:nvGrpSpPr>
-          <p:cNvPr id="46" name="组合 45"/>
-          <p:cNvGrpSpPr/>
-          <p:nvPr/>
-        </p:nvGrpSpPr>
-        <p:grpSpPr>
-          <a:xfrm>
-            <a:off x="3815255" y="3793834"/>
-            <a:ext cx="2102069" cy="2685036"/>
-            <a:chOff x="3815255" y="3793834"/>
-            <a:chExt cx="2102069" cy="2685036"/>
-          </a:xfrm>
-        </p:grpSpPr>
-        <p:sp>
-          <p:nvSpPr>
-            <p:cNvPr id="34" name="圆角矩形 33"/>
-            <p:cNvSpPr/>
-            <p:nvPr/>
-          </p:nvSpPr>
-          <p:spPr>
-            <a:xfrm>
-              <a:off x="3815255" y="3793834"/>
-              <a:ext cx="1740995" cy="2685036"/>
-            </a:xfrm>
-            <a:prstGeom prst="roundRect">
-              <a:avLst/>
-            </a:prstGeom>
-            <a:ln>
-              <a:noFill/>
-            </a:ln>
-          </p:spPr>
-          <p:style>
-            <a:lnRef idx="2">
-              <a:schemeClr val="accent1">
-                <a:shade val="50000"/>
-              </a:schemeClr>
-            </a:lnRef>
-            <a:fillRef idx="1">
-              <a:schemeClr val="accent1"/>
-            </a:fillRef>
-            <a:effectRef idx="0">
-              <a:schemeClr val="accent1"/>
-            </a:effectRef>
-            <a:fontRef idx="minor">
-              <a:schemeClr val="lt1"/>
-            </a:fontRef>
-          </p:style>
-          <p:txBody>
-            <a:bodyPr rtlCol="0" anchor="ctr"/>
-            <a:lstStyle/>
-            <a:p>
-              <a:pPr algn="ctr"/>
-              <a:endParaRPr lang="zh-CN" altLang="en-US"/>
-            </a:p>
-          </p:txBody>
-        </p:sp>
-        <p:sp>
-          <p:nvSpPr>
-            <p:cNvPr id="37" name="文本框 36"/>
-            <p:cNvSpPr txBox="1"/>
-            <p:nvPr/>
-          </p:nvSpPr>
-          <p:spPr>
-            <a:xfrm>
-              <a:off x="3852041" y="3901735"/>
-              <a:ext cx="2065283" cy="369332"/>
-            </a:xfrm>
-            <a:prstGeom prst="rect">
-              <a:avLst/>
-            </a:prstGeom>
-            <a:noFill/>
-          </p:spPr>
-          <p:txBody>
-            <a:bodyPr wrap="square" rtlCol="0">
-              <a:spAutoFit/>
-            </a:bodyPr>
-            <a:lstStyle/>
-            <a:p>
-              <a:r>
-                <a:rPr lang="zh-CN" altLang="en-US" dirty="0" smtClean="0">
-                  <a:solidFill>
-                    <a:schemeClr val="bg1"/>
-                  </a:solidFill>
-                </a:rPr>
-                <a:t>事件控制块指针</a:t>
-              </a:r>
-              <a:endParaRPr lang="zh-CN" altLang="en-US" dirty="0">
-                <a:solidFill>
-                  <a:schemeClr val="bg1"/>
-                </a:solidFill>
-              </a:endParaRPr>
-            </a:p>
-          </p:txBody>
-        </p:sp>
-        <p:sp>
-          <p:nvSpPr>
-            <p:cNvPr id="38" name="文本框 37"/>
-            <p:cNvSpPr txBox="1"/>
-            <p:nvPr/>
-          </p:nvSpPr>
-          <p:spPr>
-            <a:xfrm>
-              <a:off x="3852041" y="4334755"/>
-              <a:ext cx="1313793" cy="369332"/>
-            </a:xfrm>
-            <a:prstGeom prst="rect">
-              <a:avLst/>
-            </a:prstGeom>
-            <a:noFill/>
-          </p:spPr>
-          <p:txBody>
-            <a:bodyPr wrap="square" rtlCol="0">
-              <a:spAutoFit/>
-            </a:bodyPr>
-            <a:lstStyle/>
-            <a:p>
-              <a:r>
-                <a:rPr lang="zh-CN" altLang="en-US" dirty="0" smtClean="0">
-                  <a:solidFill>
-                    <a:schemeClr val="bg1"/>
-                  </a:solidFill>
-                </a:rPr>
-                <a:t>消息</a:t>
-              </a:r>
-              <a:r>
-                <a:rPr lang="zh-CN" altLang="en-US" dirty="0">
-                  <a:solidFill>
-                    <a:schemeClr val="bg1"/>
-                  </a:solidFill>
-                </a:rPr>
-                <a:t>指针</a:t>
-              </a:r>
-            </a:p>
-          </p:txBody>
-        </p:sp>
-        <p:sp>
-          <p:nvSpPr>
-            <p:cNvPr id="39" name="文本框 38"/>
-            <p:cNvSpPr txBox="1"/>
-            <p:nvPr/>
-          </p:nvSpPr>
-          <p:spPr>
-            <a:xfrm>
-              <a:off x="3852041" y="4784340"/>
-              <a:ext cx="1313793" cy="369332"/>
-            </a:xfrm>
-            <a:prstGeom prst="rect">
-              <a:avLst/>
-            </a:prstGeom>
-            <a:noFill/>
-          </p:spPr>
-          <p:txBody>
-            <a:bodyPr wrap="square" rtlCol="0">
-              <a:spAutoFit/>
-            </a:bodyPr>
-            <a:lstStyle/>
-            <a:p>
-              <a:r>
-                <a:rPr lang="zh-CN" altLang="en-US" dirty="0" smtClean="0">
-                  <a:solidFill>
-                    <a:schemeClr val="bg1"/>
-                  </a:solidFill>
-                </a:rPr>
-                <a:t>删除标志</a:t>
-              </a:r>
-              <a:endParaRPr lang="zh-CN" altLang="en-US" dirty="0">
-                <a:solidFill>
-                  <a:schemeClr val="bg1"/>
-                </a:solidFill>
-              </a:endParaRPr>
-            </a:p>
-          </p:txBody>
-        </p:sp>
-        <p:sp>
-          <p:nvSpPr>
-            <p:cNvPr id="40" name="文本框 39"/>
-            <p:cNvSpPr txBox="1"/>
-            <p:nvPr/>
-          </p:nvSpPr>
-          <p:spPr>
-            <a:xfrm>
-              <a:off x="3852042" y="5204754"/>
-              <a:ext cx="1502978" cy="369332"/>
-            </a:xfrm>
-            <a:prstGeom prst="rect">
-              <a:avLst/>
-            </a:prstGeom>
-            <a:noFill/>
-          </p:spPr>
-          <p:txBody>
-            <a:bodyPr wrap="square" rtlCol="0">
-              <a:spAutoFit/>
-            </a:bodyPr>
-            <a:lstStyle/>
-            <a:p>
-              <a:r>
-                <a:rPr lang="zh-CN" altLang="en-US" dirty="0" smtClean="0">
-                  <a:solidFill>
-                    <a:schemeClr val="bg1"/>
-                  </a:solidFill>
-                </a:rPr>
-                <a:t>就绪表访问</a:t>
-              </a:r>
-              <a:endParaRPr lang="zh-CN" altLang="en-US" dirty="0">
-                <a:solidFill>
-                  <a:schemeClr val="bg1"/>
-                </a:solidFill>
-              </a:endParaRPr>
-            </a:p>
-          </p:txBody>
-        </p:sp>
-        <p:sp>
-          <p:nvSpPr>
-            <p:cNvPr id="41" name="文本框 40"/>
-            <p:cNvSpPr txBox="1"/>
-            <p:nvPr/>
-          </p:nvSpPr>
-          <p:spPr>
-            <a:xfrm>
-              <a:off x="3852040" y="5601431"/>
-              <a:ext cx="1313793" cy="369332"/>
-            </a:xfrm>
-            <a:prstGeom prst="rect">
-              <a:avLst/>
-            </a:prstGeom>
-            <a:noFill/>
-          </p:spPr>
-          <p:txBody>
-            <a:bodyPr wrap="square" rtlCol="0">
-              <a:spAutoFit/>
-            </a:bodyPr>
-            <a:lstStyle/>
-            <a:p>
-              <a:r>
-                <a:rPr lang="zh-CN" altLang="en-US" dirty="0" smtClean="0">
-                  <a:solidFill>
-                    <a:schemeClr val="bg1"/>
-                  </a:solidFill>
-                </a:rPr>
-                <a:t>任务状态</a:t>
-              </a:r>
-              <a:endParaRPr lang="zh-CN" altLang="en-US" dirty="0">
-                <a:solidFill>
-                  <a:schemeClr val="bg1"/>
-                </a:solidFill>
-              </a:endParaRPr>
-            </a:p>
-          </p:txBody>
-        </p:sp>
-        <p:sp>
-          <p:nvSpPr>
-            <p:cNvPr id="49" name="文本框 48"/>
-            <p:cNvSpPr txBox="1"/>
-            <p:nvPr/>
-          </p:nvSpPr>
-          <p:spPr>
-            <a:xfrm>
-              <a:off x="3852042" y="6051227"/>
-              <a:ext cx="1502978" cy="369332"/>
-            </a:xfrm>
-            <a:prstGeom prst="rect">
-              <a:avLst/>
-            </a:prstGeom>
-            <a:noFill/>
-          </p:spPr>
-          <p:txBody>
-            <a:bodyPr wrap="square" rtlCol="0">
-              <a:spAutoFit/>
-            </a:bodyPr>
-            <a:lstStyle/>
-            <a:p>
-              <a:r>
-                <a:rPr lang="zh-CN" altLang="en-US" dirty="0" smtClean="0">
-                  <a:solidFill>
-                    <a:schemeClr val="bg1"/>
-                  </a:solidFill>
-                </a:rPr>
-                <a:t>等待时间</a:t>
-              </a:r>
-              <a:endParaRPr lang="zh-CN" altLang="en-US" dirty="0">
-                <a:solidFill>
-                  <a:schemeClr val="bg1"/>
-                </a:solidFill>
-              </a:endParaRPr>
-            </a:p>
-          </p:txBody>
-        </p:sp>
-      </p:grpSp>
-      <p:cxnSp>
-        <p:nvCxnSpPr>
-          <p:cNvPr id="43" name="直接箭头连接符 42"/>
-          <p:cNvCxnSpPr/>
-          <p:nvPr/>
-        </p:nvCxnSpPr>
-        <p:spPr>
-          <a:xfrm>
-            <a:off x="5460123" y="5862505"/>
-            <a:ext cx="1581808" cy="0"/>
-          </a:xfrm>
-          <a:prstGeom prst="straightConnector1">
-            <a:avLst/>
-          </a:prstGeom>
-          <a:ln w="76200">
-            <a:tailEnd type="triangle"/>
-          </a:ln>
-        </p:spPr>
-        <p:style>
-          <a:lnRef idx="1">
-            <a:schemeClr val="accent1"/>
-          </a:lnRef>
-          <a:fillRef idx="0">
-            <a:schemeClr val="accent1"/>
-          </a:fillRef>
-          <a:effectRef idx="0">
-            <a:schemeClr val="accent1"/>
-          </a:effectRef>
-          <a:fontRef idx="minor">
-            <a:schemeClr val="tx1"/>
-          </a:fontRef>
-        </p:style>
-      </p:cxnSp>
-      <p:pic>
-        <p:nvPicPr>
-          <p:cNvPr id="44" name="图片 43"/>
-          <p:cNvPicPr>
-            <a:picLocks noChangeAspect="1"/>
-          </p:cNvPicPr>
-          <p:nvPr/>
-        </p:nvPicPr>
-        <p:blipFill>
-          <a:blip r:embed="rId2"/>
-          <a:stretch>
-            <a:fillRect/>
-          </a:stretch>
-        </p:blipFill>
-        <p:spPr>
-          <a:xfrm>
-            <a:off x="7210096" y="4595829"/>
-            <a:ext cx="4941015" cy="2087753"/>
-          </a:xfrm>
-          <a:prstGeom prst="rect">
-            <a:avLst/>
-          </a:prstGeom>
-        </p:spPr>
-      </p:pic>
     </p:spTree>
     <p:extLst>
       <p:ext uri="{BB962C8B-B14F-4D97-AF65-F5344CB8AC3E}">
-        <p14:creationId xmlns:p14="http://schemas.microsoft.com/office/powerpoint/2010/main" val="1740599858"/>
+        <p14:creationId xmlns:p14="http://schemas.microsoft.com/office/powerpoint/2010/main" val="600910757"/>
       </p:ext>
     </p:extLst>
   </p:cSld>
   <p:clrMapOvr>
     <a:masterClrMapping/>
   </p:clrMapOvr>
-  <p:timing>
-    <p:tnLst>
-      <p:par>
-        <p:cTn id="1" dur="indefinite" restart="never" nodeType="tmRoot"/>
-      </p:par>
-    </p:tnLst>
-  </p:timing>
 </p:sld>
 </file>
 
@@ -10038,7 +9255,7 @@
         </p:nvSpPr>
         <p:spPr>
           <a:xfrm>
-            <a:off x="3163614" y="934161"/>
+            <a:off x="2469931" y="312941"/>
             <a:ext cx="6810704" cy="726473"/>
           </a:xfrm>
         </p:spPr>
@@ -10050,7 +9267,23 @@
           <a:p>
             <a:r>
               <a:rPr lang="zh-CN" altLang="en-US" sz="2400" b="1" i="1" dirty="0" smtClean="0"/>
-              <a:t>邮箱结构</a:t>
+              <a:t>信号量结构</a:t>
+            </a:r>
+            <a:r>
+              <a:rPr lang="en-US" altLang="zh-CN" sz="2400" b="1" i="1" dirty="0" smtClean="0"/>
+              <a:t>(</a:t>
+            </a:r>
+            <a:r>
+              <a:rPr lang="zh-CN" altLang="en-US" sz="2400" dirty="0">
+                <a:solidFill>
+                  <a:srgbClr val="00B050"/>
+                </a:solidFill>
+              </a:rPr>
+              <a:t>获取信号量之后不一定要释放</a:t>
+            </a:r>
+            <a:r>
+              <a:rPr lang="en-US" altLang="zh-CN" sz="2400" b="1" i="1" dirty="0" smtClean="0"/>
+              <a:t>)</a:t>
             </a:r>
             <a:endParaRPr lang="zh-CN" altLang="en-US" sz="2400" dirty="0"/>
           </a:p>
@@ -10064,8 +9297,8 @@
         </p:nvSpPr>
         <p:spPr>
           <a:xfrm>
-            <a:off x="3090042" y="1807779"/>
-            <a:ext cx="6043449" cy="923330"/>
+            <a:off x="2272126" y="1039414"/>
+            <a:ext cx="8681544" cy="923330"/>
           </a:xfrm>
           <a:prstGeom prst="rect">
             <a:avLst/>
@@ -10086,6 +9319,10 @@
               <a:buChar char="•"/>
             </a:pPr>
             <a:r>
+              <a:rPr lang="en-US" altLang="zh-CN" dirty="0" smtClean="0"/>
+              <a:t>a</a:t>
+            </a:r>
+            <a:r>
               <a:rPr lang="zh-CN" altLang="en-US" dirty="0" smtClean="0"/>
               <a:t>信号的数量</a:t>
             </a:r>
@@ -10103,6 +9340,10 @@
               <a:buChar char="•"/>
             </a:pPr>
             <a:r>
+              <a:rPr lang="en-US" altLang="zh-CN" dirty="0" smtClean="0"/>
+              <a:t>b</a:t>
+            </a:r>
+            <a:r>
               <a:rPr lang="zh-CN" altLang="en-US" dirty="0" smtClean="0"/>
               <a:t>等待它的任务 </a:t>
             </a:r>
@@ -10122,10 +9363,770 @@
               <a:rPr lang="zh-CN" altLang="en-US" dirty="0" smtClean="0"/>
               <a:t>的形式</a:t>
             </a:r>
-            <a:endParaRPr lang="en-US" altLang="zh-CN" dirty="0" smtClean="0"/>
+            <a:r>
+              <a:rPr lang="en-US" altLang="zh-CN" dirty="0" smtClean="0"/>
+              <a:t>(UCOS</a:t>
+            </a:r>
+            <a:r>
+              <a:rPr lang="zh-CN" altLang="en-US" dirty="0" smtClean="0"/>
+              <a:t>使用的是</a:t>
+            </a:r>
+            <a:r>
+              <a:rPr lang="zh-CN" altLang="en-US" dirty="0"/>
+              <a:t>任务等待表</a:t>
+            </a:r>
+            <a:r>
+              <a:rPr lang="en-US" altLang="zh-CN" dirty="0" smtClean="0"/>
+              <a:t>)</a:t>
+            </a:r>
           </a:p>
         </p:txBody>
       </p:sp>
+      <p:sp>
+        <p:nvSpPr>
+          <p:cNvPr id="3" name="文本框 2"/>
+          <p:cNvSpPr txBox="1"/>
+          <p:nvPr/>
+        </p:nvSpPr>
+        <p:spPr>
+          <a:xfrm>
+            <a:off x="220717" y="0"/>
+            <a:ext cx="3426372" cy="838884"/>
+          </a:xfrm>
+          <a:prstGeom prst="rect">
+            <a:avLst/>
+          </a:prstGeom>
+          <a:noFill/>
+        </p:spPr>
+        <p:txBody>
+          <a:bodyPr wrap="square" rtlCol="0">
+            <a:spAutoFit/>
+          </a:bodyPr>
+          <a:lstStyle/>
+          <a:p>
+            <a:pPr>
+              <a:lnSpc>
+                <a:spcPct val="150000"/>
+              </a:lnSpc>
+            </a:pPr>
+            <a:r>
+              <a:rPr lang="zh-CN" altLang="en-US" sz="3600" b="1" dirty="0" smtClean="0"/>
+              <a:t>任务同步</a:t>
+            </a:r>
+          </a:p>
+        </p:txBody>
+      </p:sp>
+      <p:sp>
+        <p:nvSpPr>
+          <p:cNvPr id="7" name="文本框 6"/>
+          <p:cNvSpPr txBox="1"/>
+          <p:nvPr/>
+        </p:nvSpPr>
+        <p:spPr>
+          <a:xfrm>
+            <a:off x="966951" y="2260112"/>
+            <a:ext cx="10237075" cy="4524315"/>
+          </a:xfrm>
+          <a:prstGeom prst="rect">
+            <a:avLst/>
+          </a:prstGeom>
+          <a:noFill/>
+        </p:spPr>
+        <p:txBody>
+          <a:bodyPr wrap="square" rtlCol="0">
+            <a:spAutoFit/>
+          </a:bodyPr>
+          <a:lstStyle/>
+          <a:p>
+            <a:pPr>
+              <a:lnSpc>
+                <a:spcPct val="150000"/>
+              </a:lnSpc>
+            </a:pPr>
+            <a:r>
+              <a:rPr lang="zh-CN" altLang="en-US" sz="1600" dirty="0" smtClean="0">
+                <a:solidFill>
+                  <a:srgbClr val="C00000"/>
+                </a:solidFill>
+              </a:rPr>
+              <a:t>操作：</a:t>
+            </a:r>
+            <a:endParaRPr lang="en-US" altLang="zh-CN" sz="1600" dirty="0" smtClean="0">
+              <a:solidFill>
+                <a:srgbClr val="C00000"/>
+              </a:solidFill>
+            </a:endParaRPr>
+          </a:p>
+          <a:p>
+            <a:pPr>
+              <a:lnSpc>
+                <a:spcPct val="150000"/>
+              </a:lnSpc>
+            </a:pPr>
+            <a:r>
+              <a:rPr lang="zh-CN" altLang="en-US" sz="1600" dirty="0" smtClean="0">
+                <a:solidFill>
+                  <a:srgbClr val="C00000"/>
+                </a:solidFill>
+              </a:rPr>
+              <a:t>新建信号量：从信号量链表获取空白信号量</a:t>
+            </a:r>
+            <a:r>
+              <a:rPr lang="en-US" altLang="zh-CN" sz="1600" dirty="0" smtClean="0">
+                <a:solidFill>
+                  <a:srgbClr val="C00000"/>
+                </a:solidFill>
+              </a:rPr>
+              <a:t>-</a:t>
+            </a:r>
+            <a:r>
+              <a:rPr lang="zh-CN" altLang="en-US" sz="1600" dirty="0" smtClean="0">
+                <a:solidFill>
+                  <a:srgbClr val="C00000"/>
+                </a:solidFill>
+              </a:rPr>
+              <a:t>信号数量设定</a:t>
+            </a:r>
+            <a:endParaRPr lang="en-US" altLang="zh-CN" sz="1600" dirty="0" smtClean="0">
+              <a:solidFill>
+                <a:srgbClr val="C00000"/>
+              </a:solidFill>
+            </a:endParaRPr>
+          </a:p>
+          <a:p>
+            <a:pPr>
+              <a:lnSpc>
+                <a:spcPct val="150000"/>
+              </a:lnSpc>
+            </a:pPr>
+            <a:r>
+              <a:rPr lang="zh-CN" altLang="en-US" sz="1600" dirty="0" smtClean="0">
+                <a:solidFill>
+                  <a:srgbClr val="C00000"/>
+                </a:solidFill>
+              </a:rPr>
+              <a:t>删除信号量：使所有等待任务进入等待</a:t>
+            </a:r>
+            <a:r>
+              <a:rPr lang="en-US" altLang="zh-CN" sz="1600" dirty="0" smtClean="0">
+                <a:solidFill>
+                  <a:srgbClr val="C00000"/>
+                </a:solidFill>
+              </a:rPr>
+              <a:t>CPU</a:t>
+            </a:r>
+            <a:r>
+              <a:rPr lang="zh-CN" altLang="en-US" sz="1600" dirty="0" smtClean="0">
+                <a:solidFill>
+                  <a:srgbClr val="C00000"/>
+                </a:solidFill>
+              </a:rPr>
+              <a:t>状态</a:t>
+            </a:r>
+            <a:r>
+              <a:rPr lang="en-US" altLang="zh-CN" sz="1600" dirty="0" smtClean="0">
+                <a:solidFill>
+                  <a:srgbClr val="C00000"/>
+                </a:solidFill>
+              </a:rPr>
+              <a:t>-</a:t>
+            </a:r>
+            <a:r>
+              <a:rPr lang="zh-CN" altLang="en-US" sz="1600" dirty="0" smtClean="0">
+                <a:solidFill>
+                  <a:srgbClr val="C00000"/>
+                </a:solidFill>
+              </a:rPr>
+              <a:t>信号数值设零</a:t>
+            </a:r>
+            <a:r>
+              <a:rPr lang="en-US" altLang="zh-CN" sz="1600" dirty="0" smtClean="0">
+                <a:solidFill>
+                  <a:srgbClr val="C00000"/>
+                </a:solidFill>
+              </a:rPr>
+              <a:t>-</a:t>
+            </a:r>
+            <a:r>
+              <a:rPr lang="zh-CN" altLang="en-US" sz="1600" dirty="0" smtClean="0">
+                <a:solidFill>
+                  <a:srgbClr val="C00000"/>
+                </a:solidFill>
+              </a:rPr>
+              <a:t>归还空白信号量</a:t>
+            </a:r>
+            <a:r>
+              <a:rPr lang="en-US" altLang="zh-CN" sz="1600" dirty="0" smtClean="0">
+                <a:solidFill>
+                  <a:srgbClr val="C00000"/>
+                </a:solidFill>
+              </a:rPr>
+              <a:t>/</a:t>
+            </a:r>
+            <a:r>
+              <a:rPr lang="zh-CN" altLang="en-US" sz="1600" dirty="0" smtClean="0">
+                <a:solidFill>
+                  <a:srgbClr val="C00000"/>
+                </a:solidFill>
+              </a:rPr>
+              <a:t>释放内存</a:t>
+            </a:r>
+            <a:endParaRPr lang="en-US" altLang="zh-CN" sz="1600" dirty="0" smtClean="0">
+              <a:solidFill>
+                <a:srgbClr val="C00000"/>
+              </a:solidFill>
+            </a:endParaRPr>
+          </a:p>
+          <a:p>
+            <a:pPr>
+              <a:lnSpc>
+                <a:spcPct val="150000"/>
+              </a:lnSpc>
+            </a:pPr>
+            <a:r>
+              <a:rPr lang="zh-CN" altLang="en-US" sz="1600" dirty="0" smtClean="0">
+                <a:solidFill>
+                  <a:srgbClr val="C00000"/>
+                </a:solidFill>
+              </a:rPr>
+              <a:t>获取信号量：情景</a:t>
+            </a:r>
+            <a:r>
+              <a:rPr lang="en-US" altLang="zh-CN" sz="1600" dirty="0" smtClean="0">
+                <a:solidFill>
+                  <a:srgbClr val="C00000"/>
+                </a:solidFill>
+              </a:rPr>
+              <a:t>1 – </a:t>
+            </a:r>
+            <a:r>
+              <a:rPr lang="zh-CN" altLang="en-US" sz="1600" dirty="0" smtClean="0">
+                <a:solidFill>
+                  <a:srgbClr val="C00000"/>
+                </a:solidFill>
+              </a:rPr>
+              <a:t>信号量不可取</a:t>
+            </a:r>
+            <a:r>
+              <a:rPr lang="en-US" altLang="zh-CN" sz="1600" dirty="0" smtClean="0">
+                <a:solidFill>
+                  <a:srgbClr val="C00000"/>
+                </a:solidFill>
+              </a:rPr>
+              <a:t>: </a:t>
+            </a:r>
+            <a:r>
+              <a:rPr lang="zh-CN" altLang="en-US" sz="1600" dirty="0">
+                <a:solidFill>
+                  <a:srgbClr val="C00000"/>
+                </a:solidFill>
+              </a:rPr>
+              <a:t>进入等待</a:t>
+            </a:r>
+            <a:r>
+              <a:rPr lang="zh-CN" altLang="en-US" sz="1600" dirty="0" smtClean="0">
+                <a:solidFill>
+                  <a:srgbClr val="C00000"/>
+                </a:solidFill>
+              </a:rPr>
+              <a:t>资源状态</a:t>
+            </a:r>
+            <a:r>
+              <a:rPr lang="en-US" altLang="zh-CN" sz="1600" dirty="0" smtClean="0">
+                <a:solidFill>
+                  <a:srgbClr val="C00000"/>
+                </a:solidFill>
+              </a:rPr>
+              <a:t>-</a:t>
+            </a:r>
+            <a:r>
+              <a:rPr lang="zh-CN" altLang="en-US" sz="1600" dirty="0" smtClean="0">
+                <a:solidFill>
+                  <a:srgbClr val="C00000"/>
+                </a:solidFill>
+              </a:rPr>
+              <a:t>设置等待时间</a:t>
+            </a:r>
+            <a:r>
+              <a:rPr lang="zh-CN" altLang="en-US" sz="1600" dirty="0">
+                <a:solidFill>
+                  <a:srgbClr val="C00000"/>
+                </a:solidFill>
+              </a:rPr>
+              <a:t>，</a:t>
+            </a:r>
+            <a:r>
+              <a:rPr lang="zh-CN" altLang="en-US" sz="1600" dirty="0" smtClean="0">
+                <a:solidFill>
+                  <a:srgbClr val="C00000"/>
+                </a:solidFill>
+              </a:rPr>
+              <a:t>等待结果标志</a:t>
+            </a:r>
+            <a:r>
+              <a:rPr lang="en-US" altLang="zh-CN" sz="1600" dirty="0" smtClean="0">
+                <a:solidFill>
+                  <a:srgbClr val="C00000"/>
+                </a:solidFill>
+              </a:rPr>
+              <a:t>(</a:t>
+            </a:r>
+            <a:r>
+              <a:rPr lang="zh-CN" altLang="en-US" sz="1600" dirty="0" smtClean="0">
+                <a:solidFill>
+                  <a:srgbClr val="C00000"/>
+                </a:solidFill>
+              </a:rPr>
+              <a:t>等待失败，成功等</a:t>
+            </a:r>
+            <a:r>
+              <a:rPr lang="en-US" altLang="zh-CN" sz="1600" dirty="0" smtClean="0">
+                <a:solidFill>
+                  <a:srgbClr val="C00000"/>
+                </a:solidFill>
+              </a:rPr>
+              <a:t>) – </a:t>
+            </a:r>
+            <a:r>
+              <a:rPr lang="zh-CN" altLang="en-US" sz="1600" dirty="0" smtClean="0">
+                <a:solidFill>
+                  <a:srgbClr val="C00000"/>
+                </a:solidFill>
+              </a:rPr>
+              <a:t>加入信号量的等待任务队列</a:t>
+            </a:r>
+            <a:endParaRPr lang="zh-CN" altLang="en-US" sz="1600" dirty="0">
+              <a:solidFill>
+                <a:srgbClr val="C00000"/>
+              </a:solidFill>
+            </a:endParaRPr>
+          </a:p>
+          <a:p>
+            <a:pPr>
+              <a:lnSpc>
+                <a:spcPct val="150000"/>
+              </a:lnSpc>
+            </a:pPr>
+            <a:r>
+              <a:rPr lang="en-US" altLang="zh-CN" sz="1600" dirty="0">
+                <a:solidFill>
+                  <a:srgbClr val="C00000"/>
+                </a:solidFill>
+              </a:rPr>
+              <a:t>	</a:t>
+            </a:r>
+            <a:r>
+              <a:rPr lang="zh-CN" altLang="en-US" sz="1600" dirty="0" smtClean="0">
+                <a:solidFill>
+                  <a:srgbClr val="C00000"/>
+                </a:solidFill>
+              </a:rPr>
+              <a:t>情景</a:t>
+            </a:r>
+            <a:r>
+              <a:rPr lang="en-US" altLang="zh-CN" sz="1600" dirty="0" smtClean="0">
+                <a:solidFill>
+                  <a:srgbClr val="C00000"/>
+                </a:solidFill>
+              </a:rPr>
+              <a:t>2-</a:t>
+            </a:r>
+            <a:r>
+              <a:rPr lang="zh-CN" altLang="en-US" sz="1600" dirty="0" smtClean="0">
+                <a:solidFill>
+                  <a:srgbClr val="C00000"/>
+                </a:solidFill>
+              </a:rPr>
+              <a:t>信号量可获取</a:t>
+            </a:r>
+            <a:r>
+              <a:rPr lang="en-US" altLang="zh-CN" sz="1600" dirty="0" smtClean="0">
+                <a:solidFill>
+                  <a:srgbClr val="C00000"/>
+                </a:solidFill>
+              </a:rPr>
+              <a:t>: </a:t>
+            </a:r>
+            <a:r>
+              <a:rPr lang="zh-CN" altLang="en-US" sz="1600" dirty="0" smtClean="0">
+                <a:solidFill>
+                  <a:srgbClr val="C00000"/>
+                </a:solidFill>
+              </a:rPr>
+              <a:t>信号数减一</a:t>
+            </a:r>
+            <a:r>
+              <a:rPr lang="en-US" altLang="zh-CN" sz="1600" dirty="0" smtClean="0">
+                <a:solidFill>
+                  <a:srgbClr val="C00000"/>
+                </a:solidFill>
+              </a:rPr>
+              <a:t>, </a:t>
+            </a:r>
+            <a:r>
+              <a:rPr lang="zh-CN" altLang="en-US" sz="1600" strike="sngStrike" dirty="0" smtClean="0">
+                <a:solidFill>
+                  <a:srgbClr val="00B050"/>
+                </a:solidFill>
+              </a:rPr>
+              <a:t>将任务添加到占用链表</a:t>
+            </a:r>
+            <a:endParaRPr lang="en-US" altLang="zh-CN" sz="1600" strike="sngStrike" dirty="0" smtClean="0">
+              <a:solidFill>
+                <a:srgbClr val="00B050"/>
+              </a:solidFill>
+            </a:endParaRPr>
+          </a:p>
+          <a:p>
+            <a:pPr>
+              <a:lnSpc>
+                <a:spcPct val="150000"/>
+              </a:lnSpc>
+            </a:pPr>
+            <a:r>
+              <a:rPr lang="zh-CN" altLang="en-US" sz="1600" dirty="0" smtClean="0">
+                <a:solidFill>
+                  <a:srgbClr val="C00000"/>
+                </a:solidFill>
+              </a:rPr>
+              <a:t>释放信号量：</a:t>
+            </a:r>
+            <a:r>
+              <a:rPr lang="zh-CN" altLang="en-US" sz="1600" strike="sngStrike" dirty="0" smtClean="0">
+                <a:solidFill>
+                  <a:srgbClr val="00B050"/>
+                </a:solidFill>
+              </a:rPr>
+              <a:t>将任务从占用链表删除（获取信号量之后不一定要释放，所以这条不合理）</a:t>
+            </a:r>
+            <a:endParaRPr lang="en-US" altLang="zh-CN" sz="1600" strike="sngStrike" dirty="0" smtClean="0">
+              <a:solidFill>
+                <a:srgbClr val="00B050"/>
+              </a:solidFill>
+            </a:endParaRPr>
+          </a:p>
+          <a:p>
+            <a:pPr>
+              <a:lnSpc>
+                <a:spcPct val="150000"/>
+              </a:lnSpc>
+            </a:pPr>
+            <a:r>
+              <a:rPr lang="en-US" altLang="zh-CN" sz="1600" dirty="0" smtClean="0">
+                <a:solidFill>
+                  <a:srgbClr val="C00000"/>
+                </a:solidFill>
+              </a:rPr>
+              <a:t>	</a:t>
+            </a:r>
+            <a:r>
+              <a:rPr lang="zh-CN" altLang="en-US" sz="1600" dirty="0" smtClean="0">
+                <a:solidFill>
+                  <a:srgbClr val="C00000"/>
+                </a:solidFill>
+              </a:rPr>
+              <a:t>情景</a:t>
+            </a:r>
+            <a:r>
+              <a:rPr lang="en-US" altLang="zh-CN" sz="1600" dirty="0" smtClean="0">
+                <a:solidFill>
+                  <a:srgbClr val="C00000"/>
+                </a:solidFill>
+              </a:rPr>
+              <a:t>1 – </a:t>
+            </a:r>
+            <a:r>
+              <a:rPr lang="zh-CN" altLang="en-US" sz="1600" dirty="0" smtClean="0">
+                <a:solidFill>
+                  <a:srgbClr val="C00000"/>
+                </a:solidFill>
+              </a:rPr>
+              <a:t>无等待任务，信号量</a:t>
+            </a:r>
+            <a:r>
+              <a:rPr lang="en-US" altLang="zh-CN" sz="1600" dirty="0" smtClean="0">
+                <a:solidFill>
+                  <a:srgbClr val="C00000"/>
+                </a:solidFill>
+              </a:rPr>
+              <a:t>++</a:t>
+            </a:r>
+          </a:p>
+          <a:p>
+            <a:pPr>
+              <a:lnSpc>
+                <a:spcPct val="150000"/>
+              </a:lnSpc>
+            </a:pPr>
+            <a:r>
+              <a:rPr lang="en-US" altLang="zh-CN" sz="1600" dirty="0" smtClean="0">
+                <a:solidFill>
+                  <a:srgbClr val="C00000"/>
+                </a:solidFill>
+              </a:rPr>
+              <a:t>	</a:t>
+            </a:r>
+            <a:r>
+              <a:rPr lang="zh-CN" altLang="en-US" sz="1600" dirty="0" smtClean="0">
+                <a:solidFill>
+                  <a:srgbClr val="C00000"/>
+                </a:solidFill>
+              </a:rPr>
+              <a:t>情景</a:t>
+            </a:r>
+            <a:r>
+              <a:rPr lang="en-US" altLang="zh-CN" sz="1600" dirty="0" smtClean="0">
+                <a:solidFill>
+                  <a:srgbClr val="C00000"/>
+                </a:solidFill>
+              </a:rPr>
+              <a:t>2 – </a:t>
+            </a:r>
+            <a:r>
+              <a:rPr lang="zh-CN" altLang="en-US" sz="1600" dirty="0" smtClean="0">
+                <a:solidFill>
+                  <a:srgbClr val="C00000"/>
+                </a:solidFill>
+              </a:rPr>
+              <a:t>有等待任务，从任务队列通过某种规则获取任务，变成等待</a:t>
+            </a:r>
+            <a:r>
+              <a:rPr lang="en-US" altLang="zh-CN" sz="1600" dirty="0" smtClean="0">
+                <a:solidFill>
+                  <a:srgbClr val="C00000"/>
+                </a:solidFill>
+              </a:rPr>
+              <a:t>CPU</a:t>
+            </a:r>
+            <a:r>
+              <a:rPr lang="zh-CN" altLang="en-US" sz="1600" dirty="0" smtClean="0">
+                <a:solidFill>
+                  <a:srgbClr val="C00000"/>
+                </a:solidFill>
+              </a:rPr>
+              <a:t>状态</a:t>
+            </a:r>
+            <a:endParaRPr lang="en-US" altLang="zh-CN" sz="1600" dirty="0" smtClean="0">
+              <a:solidFill>
+                <a:srgbClr val="C00000"/>
+              </a:solidFill>
+            </a:endParaRPr>
+          </a:p>
+          <a:p>
+            <a:pPr>
+              <a:lnSpc>
+                <a:spcPct val="150000"/>
+              </a:lnSpc>
+            </a:pPr>
+            <a:r>
+              <a:rPr lang="zh-CN" altLang="en-US" sz="1600" dirty="0" smtClean="0">
+                <a:solidFill>
+                  <a:srgbClr val="C00000"/>
+                </a:solidFill>
+              </a:rPr>
+              <a:t>重设</a:t>
+            </a:r>
+            <a:r>
+              <a:rPr lang="zh-CN" altLang="en-US" sz="1600" dirty="0">
+                <a:solidFill>
+                  <a:srgbClr val="C00000"/>
+                </a:solidFill>
+              </a:rPr>
+              <a:t>信号量：使所有等待任务进入等待</a:t>
+            </a:r>
+            <a:r>
+              <a:rPr lang="en-US" altLang="zh-CN" sz="1600" dirty="0">
+                <a:solidFill>
+                  <a:srgbClr val="C00000"/>
+                </a:solidFill>
+              </a:rPr>
+              <a:t>CPU</a:t>
+            </a:r>
+            <a:r>
+              <a:rPr lang="zh-CN" altLang="en-US" sz="1600" dirty="0" smtClean="0">
+                <a:solidFill>
+                  <a:srgbClr val="C00000"/>
+                </a:solidFill>
+              </a:rPr>
+              <a:t>状态 </a:t>
+            </a:r>
+            <a:r>
+              <a:rPr lang="en-US" altLang="zh-CN" sz="1600" dirty="0" smtClean="0">
+                <a:solidFill>
+                  <a:srgbClr val="C00000"/>
+                </a:solidFill>
+              </a:rPr>
+              <a:t>– </a:t>
+            </a:r>
+            <a:r>
+              <a:rPr lang="zh-CN" altLang="en-US" sz="1600" dirty="0">
+                <a:solidFill>
+                  <a:srgbClr val="C00000"/>
+                </a:solidFill>
+              </a:rPr>
+              <a:t>重</a:t>
+            </a:r>
+            <a:r>
+              <a:rPr lang="zh-CN" altLang="en-US" sz="1600" dirty="0" smtClean="0">
+                <a:solidFill>
+                  <a:srgbClr val="C00000"/>
+                </a:solidFill>
+              </a:rPr>
+              <a:t>设信号的数量</a:t>
+            </a:r>
+            <a:endParaRPr lang="en-US" altLang="zh-CN" sz="1600" dirty="0" smtClean="0">
+              <a:solidFill>
+                <a:srgbClr val="C00000"/>
+              </a:solidFill>
+            </a:endParaRPr>
+          </a:p>
+          <a:p>
+            <a:pPr>
+              <a:lnSpc>
+                <a:spcPct val="150000"/>
+              </a:lnSpc>
+            </a:pPr>
+            <a:r>
+              <a:rPr lang="zh-CN" altLang="en-US" sz="1600" dirty="0" smtClean="0">
+                <a:solidFill>
+                  <a:srgbClr val="C00000"/>
+                </a:solidFill>
+              </a:rPr>
+              <a:t>强制中止等待信号量</a:t>
+            </a:r>
+            <a:r>
+              <a:rPr lang="zh-CN" altLang="en-US" sz="1600" dirty="0">
+                <a:solidFill>
+                  <a:srgbClr val="C00000"/>
+                </a:solidFill>
+              </a:rPr>
+              <a:t>：使所有等待</a:t>
+            </a:r>
+            <a:r>
+              <a:rPr lang="zh-CN" altLang="en-US" sz="1600" dirty="0" smtClean="0">
+                <a:solidFill>
+                  <a:srgbClr val="C00000"/>
+                </a:solidFill>
+              </a:rPr>
+              <a:t>任务设置等待结果为失败，并进入</a:t>
+            </a:r>
+            <a:r>
+              <a:rPr lang="zh-CN" altLang="en-US" sz="1600" dirty="0">
+                <a:solidFill>
+                  <a:srgbClr val="C00000"/>
+                </a:solidFill>
+              </a:rPr>
+              <a:t>等待</a:t>
+            </a:r>
+            <a:r>
+              <a:rPr lang="en-US" altLang="zh-CN" sz="1600" dirty="0">
+                <a:solidFill>
+                  <a:srgbClr val="C00000"/>
+                </a:solidFill>
+              </a:rPr>
+              <a:t>CPU</a:t>
+            </a:r>
+            <a:r>
+              <a:rPr lang="zh-CN" altLang="en-US" sz="1600" dirty="0">
+                <a:solidFill>
+                  <a:srgbClr val="C00000"/>
+                </a:solidFill>
+              </a:rPr>
+              <a:t>状态 </a:t>
+            </a:r>
+            <a:r>
+              <a:rPr lang="en-US" altLang="zh-CN" sz="1600" dirty="0">
+                <a:solidFill>
+                  <a:srgbClr val="C00000"/>
+                </a:solidFill>
+              </a:rPr>
+              <a:t>– </a:t>
+            </a:r>
+            <a:r>
+              <a:rPr lang="zh-CN" altLang="en-US" sz="1600" dirty="0">
+                <a:solidFill>
+                  <a:srgbClr val="C00000"/>
+                </a:solidFill>
+              </a:rPr>
+              <a:t>重设信号的数量</a:t>
+            </a:r>
+            <a:endParaRPr lang="en-US" altLang="zh-CN" sz="1600" dirty="0">
+              <a:solidFill>
+                <a:srgbClr val="C00000"/>
+              </a:solidFill>
+            </a:endParaRPr>
+          </a:p>
+          <a:p>
+            <a:pPr>
+              <a:lnSpc>
+                <a:spcPct val="150000"/>
+              </a:lnSpc>
+            </a:pPr>
+            <a:r>
+              <a:rPr lang="zh-CN" altLang="en-US" sz="1600" dirty="0" smtClean="0">
+                <a:solidFill>
+                  <a:srgbClr val="C00000"/>
+                </a:solidFill>
+              </a:rPr>
+              <a:t>信号状态查询：返回信号数量、占有它的任务、等待它的任务；返回方式</a:t>
+            </a:r>
+            <a:r>
+              <a:rPr lang="en-US" altLang="zh-CN" sz="1600" dirty="0" smtClean="0">
+                <a:solidFill>
+                  <a:srgbClr val="C00000"/>
+                </a:solidFill>
+              </a:rPr>
+              <a:t>(</a:t>
+            </a:r>
+            <a:r>
+              <a:rPr lang="zh-CN" altLang="en-US" sz="1600" dirty="0" smtClean="0">
+                <a:solidFill>
+                  <a:srgbClr val="C00000"/>
+                </a:solidFill>
+              </a:rPr>
+              <a:t>传入指针，返回结构体等</a:t>
+            </a:r>
+            <a:r>
+              <a:rPr lang="en-US" altLang="zh-CN" sz="1600" dirty="0" smtClean="0">
+                <a:solidFill>
+                  <a:srgbClr val="C00000"/>
+                </a:solidFill>
+              </a:rPr>
+              <a:t>)</a:t>
+            </a:r>
+          </a:p>
+        </p:txBody>
+      </p:sp>
+    </p:spTree>
+    <p:extLst>
+      <p:ext uri="{BB962C8B-B14F-4D97-AF65-F5344CB8AC3E}">
+        <p14:creationId xmlns:p14="http://schemas.microsoft.com/office/powerpoint/2010/main" val="1677184369"/>
+      </p:ext>
+    </p:extLst>
+  </p:cSld>
+  <p:clrMapOvr>
+    <a:masterClrMapping/>
+  </p:clrMapOvr>
+</p:sld>
+</file>
+
+<file path=ppt/slides/slide11.xml><?xml version="1.0" encoding="utf-8"?>
+<p:sld xmlns:a="http://schemas.openxmlformats.org/drawingml/2006/main" xmlns:r="http://schemas.openxmlformats.org/officeDocument/2006/relationships" xmlns:p="http://schemas.openxmlformats.org/presentationml/2006/main">
+  <p:cSld>
+    <p:spTree>
+      <p:nvGrpSpPr>
+        <p:cNvPr id="1" name=""/>
+        <p:cNvGrpSpPr/>
+        <p:nvPr/>
+      </p:nvGrpSpPr>
+      <p:grpSpPr>
+        <a:xfrm>
+          <a:off x="0" y="0"/>
+          <a:ext cx="0" cy="0"/>
+          <a:chOff x="0" y="0"/>
+          <a:chExt cx="0" cy="0"/>
+        </a:xfrm>
+      </p:grpSpPr>
       <p:sp>
         <p:nvSpPr>
           <p:cNvPr id="5" name="标题 1"/>
@@ -10136,8 +10137,8 @@
         </p:nvSpPr>
         <p:spPr>
           <a:xfrm>
-            <a:off x="3090042" y="4202878"/>
-            <a:ext cx="3142593" cy="726473"/>
+            <a:off x="3563005" y="239378"/>
+            <a:ext cx="6587861" cy="726473"/>
           </a:xfrm>
           <a:prstGeom prst="rect">
             <a:avLst/>
@@ -10169,7 +10170,7 @@
           <a:p>
             <a:r>
               <a:rPr lang="zh-CN" altLang="en-US" sz="2400" b="1" i="1" dirty="0" smtClean="0"/>
-              <a:t>消息队列结构</a:t>
+              <a:t>互斥信号量结构（获取信号之后必须释放）</a:t>
             </a:r>
             <a:endParaRPr lang="zh-CN" altLang="en-US" sz="2400" dirty="0"/>
           </a:p>
@@ -10183,8 +10184,8 @@
         </p:nvSpPr>
         <p:spPr>
           <a:xfrm>
-            <a:off x="3016471" y="4981902"/>
-            <a:ext cx="6117020" cy="1338828"/>
+            <a:off x="2418887" y="965851"/>
+            <a:ext cx="8594446" cy="1985159"/>
           </a:xfrm>
           <a:prstGeom prst="rect">
             <a:avLst/>
@@ -10205,11 +10206,15 @@
               <a:buChar char="•"/>
             </a:pPr>
             <a:r>
-              <a:rPr lang="zh-CN" altLang="en-US" dirty="0" smtClean="0"/>
+              <a:rPr lang="en-US" altLang="zh-CN" sz="1600" dirty="0" smtClean="0"/>
+              <a:t>a</a:t>
+            </a:r>
+            <a:r>
+              <a:rPr lang="zh-CN" altLang="en-US" sz="1600" dirty="0" smtClean="0"/>
               <a:t>信号是否可用</a:t>
             </a:r>
             <a:r>
-              <a:rPr lang="en-US" altLang="zh-CN" dirty="0" smtClean="0"/>
+              <a:rPr lang="en-US" altLang="zh-CN" sz="1600" dirty="0" smtClean="0"/>
               <a:t>(0/1)</a:t>
             </a:r>
           </a:p>
@@ -10222,26 +10227,38 @@
               <a:buChar char="•"/>
             </a:pPr>
             <a:r>
-              <a:rPr lang="zh-CN" altLang="en-US" dirty="0" smtClean="0"/>
-              <a:t>等待它的任务 </a:t>
-            </a:r>
-            <a:r>
-              <a:rPr lang="en-US" altLang="zh-CN" dirty="0" smtClean="0"/>
+              <a:rPr lang="en-US" altLang="zh-CN" sz="1600" dirty="0" smtClean="0"/>
+              <a:t>b</a:t>
+            </a:r>
+            <a:r>
+              <a:rPr lang="zh-CN" altLang="en-US" sz="1600" dirty="0" smtClean="0"/>
+              <a:t>占有它的任务</a:t>
+            </a:r>
+            <a:r>
+              <a:rPr lang="en-US" altLang="zh-CN" sz="1600" dirty="0" smtClean="0"/>
+              <a:t>(</a:t>
+            </a:r>
+            <a:r>
+              <a:rPr lang="zh-CN" altLang="en-US" sz="1600" dirty="0"/>
+              <a:t>仅一个</a:t>
+            </a:r>
+            <a:r>
+              <a:rPr lang="en-US" altLang="zh-CN" sz="1600" dirty="0" smtClean="0"/>
+              <a:t>)</a:t>
+            </a:r>
+            <a:r>
+              <a:rPr lang="zh-CN" altLang="en-US" sz="1600" dirty="0" smtClean="0"/>
+              <a:t> </a:t>
+            </a:r>
+            <a:r>
+              <a:rPr lang="en-US" altLang="zh-CN" sz="1600" dirty="0" smtClean="0"/>
               <a:t>—— TCB</a:t>
             </a:r>
             <a:r>
-              <a:rPr lang="zh-CN" altLang="en-US" dirty="0" smtClean="0"/>
-              <a:t>链表或者其他代替</a:t>
-            </a:r>
-            <a:r>
-              <a:rPr lang="en-US" altLang="zh-CN" dirty="0" smtClean="0"/>
-              <a:t>TCB</a:t>
-            </a:r>
-            <a:r>
-              <a:rPr lang="zh-CN" altLang="en-US" dirty="0" smtClean="0"/>
-              <a:t>的形式</a:t>
-            </a:r>
-            <a:endParaRPr lang="en-US" altLang="zh-CN" dirty="0" smtClean="0"/>
+              <a:rPr lang="zh-CN" altLang="en-US" sz="1600" dirty="0" smtClean="0"/>
+              <a:t>指针</a:t>
+            </a:r>
+            <a:endParaRPr lang="en-US" altLang="zh-CN" sz="1600" dirty="0" smtClean="0"/>
           </a:p>
           <a:p>
             <a:pPr marL="285750" indent="-285750">
@@ -10252,8 +10269,1163 @@
               <a:buChar char="•"/>
             </a:pPr>
             <a:r>
+              <a:rPr lang="en-US" altLang="zh-CN" sz="1600" dirty="0" smtClean="0"/>
+              <a:t>c</a:t>
+            </a:r>
+            <a:r>
+              <a:rPr lang="zh-CN" altLang="en-US" sz="1600" dirty="0" smtClean="0"/>
+              <a:t>防止任务优先级反转的临时优先级值</a:t>
+            </a:r>
+            <a:endParaRPr lang="en-US" altLang="zh-CN" sz="1600" dirty="0" smtClean="0"/>
+          </a:p>
+          <a:p>
+            <a:pPr marL="285750" indent="-285750">
+              <a:lnSpc>
+                <a:spcPct val="150000"/>
+              </a:lnSpc>
+              <a:buFont typeface="Arial" panose="020B0604020202020204" pitchFamily="34" charset="0"/>
+              <a:buChar char="•"/>
+            </a:pPr>
+            <a:r>
+              <a:rPr lang="en-US" altLang="zh-CN" sz="1600" dirty="0" smtClean="0"/>
+              <a:t>d</a:t>
+            </a:r>
+            <a:r>
+              <a:rPr lang="zh-CN" altLang="en-US" sz="1600" dirty="0" smtClean="0"/>
+              <a:t>原始优先级暂存</a:t>
+            </a:r>
+            <a:endParaRPr lang="en-US" altLang="zh-CN" sz="1600" dirty="0" smtClean="0"/>
+          </a:p>
+          <a:p>
+            <a:pPr marL="285750" indent="-285750">
+              <a:lnSpc>
+                <a:spcPct val="150000"/>
+              </a:lnSpc>
+              <a:buFont typeface="Arial" panose="020B0604020202020204" pitchFamily="34" charset="0"/>
+              <a:buChar char="•"/>
+            </a:pPr>
+            <a:r>
+              <a:rPr lang="en-US" altLang="zh-CN" sz="1600" dirty="0" smtClean="0"/>
+              <a:t>e</a:t>
+            </a:r>
+            <a:r>
+              <a:rPr lang="zh-CN" altLang="en-US" sz="1600" dirty="0" smtClean="0"/>
+              <a:t>等待</a:t>
+            </a:r>
+            <a:r>
+              <a:rPr lang="zh-CN" altLang="en-US" sz="1600" dirty="0"/>
+              <a:t>它的任务 </a:t>
+            </a:r>
+            <a:r>
+              <a:rPr lang="en-US" altLang="zh-CN" sz="1600" dirty="0"/>
+              <a:t>—— TCB</a:t>
+            </a:r>
+            <a:r>
+              <a:rPr lang="zh-CN" altLang="en-US" sz="1600" dirty="0"/>
+              <a:t>链表或者其他代替</a:t>
+            </a:r>
+            <a:r>
+              <a:rPr lang="en-US" altLang="zh-CN" sz="1600" dirty="0"/>
+              <a:t>TCB</a:t>
+            </a:r>
+            <a:r>
+              <a:rPr lang="zh-CN" altLang="en-US" sz="1600" dirty="0"/>
+              <a:t>的形式</a:t>
+            </a:r>
+            <a:r>
+              <a:rPr lang="en-US" altLang="zh-CN" sz="1600" dirty="0"/>
+              <a:t>(UCOS</a:t>
+            </a:r>
+            <a:r>
+              <a:rPr lang="zh-CN" altLang="en-US" sz="1600" dirty="0"/>
+              <a:t>使用的是任务等待表</a:t>
+            </a:r>
+            <a:r>
+              <a:rPr lang="en-US" altLang="zh-CN" sz="1600" dirty="0" smtClean="0"/>
+              <a:t>)</a:t>
+            </a:r>
+            <a:endParaRPr lang="en-US" altLang="zh-CN" sz="1600" dirty="0"/>
+          </a:p>
+        </p:txBody>
+      </p:sp>
+      <p:sp>
+        <p:nvSpPr>
+          <p:cNvPr id="3" name="文本框 2"/>
+          <p:cNvSpPr txBox="1"/>
+          <p:nvPr/>
+        </p:nvSpPr>
+        <p:spPr>
+          <a:xfrm>
+            <a:off x="220717" y="0"/>
+            <a:ext cx="2133600" cy="923330"/>
+          </a:xfrm>
+          <a:prstGeom prst="rect">
+            <a:avLst/>
+          </a:prstGeom>
+          <a:noFill/>
+        </p:spPr>
+        <p:txBody>
+          <a:bodyPr wrap="square" rtlCol="0">
+            <a:spAutoFit/>
+          </a:bodyPr>
+          <a:lstStyle/>
+          <a:p>
+            <a:pPr>
+              <a:lnSpc>
+                <a:spcPct val="150000"/>
+              </a:lnSpc>
+            </a:pPr>
+            <a:r>
+              <a:rPr lang="zh-CN" altLang="en-US" sz="3600" b="1" dirty="0" smtClean="0"/>
+              <a:t>任务同步</a:t>
+            </a:r>
+          </a:p>
+        </p:txBody>
+      </p:sp>
+      <p:sp>
+        <p:nvSpPr>
+          <p:cNvPr id="8" name="文本框 7"/>
+          <p:cNvSpPr txBox="1"/>
+          <p:nvPr/>
+        </p:nvSpPr>
+        <p:spPr>
+          <a:xfrm>
+            <a:off x="1156611" y="2951010"/>
+            <a:ext cx="10520855" cy="3647152"/>
+          </a:xfrm>
+          <a:prstGeom prst="rect">
+            <a:avLst/>
+          </a:prstGeom>
+          <a:noFill/>
+        </p:spPr>
+        <p:txBody>
+          <a:bodyPr wrap="square" rtlCol="0">
+            <a:spAutoFit/>
+          </a:bodyPr>
+          <a:lstStyle/>
+          <a:p>
+            <a:pPr>
+              <a:lnSpc>
+                <a:spcPct val="150000"/>
+              </a:lnSpc>
+            </a:pPr>
+            <a:r>
+              <a:rPr lang="zh-CN" altLang="en-US" sz="1400" dirty="0">
+                <a:solidFill>
+                  <a:srgbClr val="C00000"/>
+                </a:solidFill>
+              </a:rPr>
+              <a:t>操作</a:t>
+            </a:r>
+            <a:r>
+              <a:rPr lang="zh-CN" altLang="en-US" sz="1400" dirty="0" smtClean="0">
+                <a:solidFill>
+                  <a:srgbClr val="C00000"/>
+                </a:solidFill>
+              </a:rPr>
+              <a:t>：</a:t>
+            </a:r>
+            <a:endParaRPr lang="en-US" altLang="zh-CN" sz="1400" dirty="0" smtClean="0">
+              <a:solidFill>
+                <a:srgbClr val="C00000"/>
+              </a:solidFill>
+            </a:endParaRPr>
+          </a:p>
+          <a:p>
+            <a:pPr>
+              <a:lnSpc>
+                <a:spcPct val="150000"/>
+              </a:lnSpc>
+            </a:pPr>
+            <a:r>
+              <a:rPr lang="zh-CN" altLang="en-US" sz="1400" dirty="0">
+                <a:solidFill>
+                  <a:srgbClr val="C00000"/>
+                </a:solidFill>
+              </a:rPr>
+              <a:t>新建信号量：从信号量链表获取空白信号量</a:t>
+            </a:r>
+            <a:r>
+              <a:rPr lang="en-US" altLang="zh-CN" sz="1400" dirty="0" smtClean="0">
+                <a:solidFill>
+                  <a:srgbClr val="C00000"/>
+                </a:solidFill>
+              </a:rPr>
+              <a:t>-</a:t>
+            </a:r>
+            <a:r>
+              <a:rPr lang="zh-CN" altLang="en-US" sz="1400" dirty="0" smtClean="0">
+                <a:solidFill>
+                  <a:srgbClr val="C00000"/>
+                </a:solidFill>
+              </a:rPr>
+              <a:t>初始化</a:t>
+            </a:r>
+            <a:r>
+              <a:rPr lang="en-US" altLang="zh-CN" sz="1400" dirty="0" err="1" smtClean="0">
+                <a:solidFill>
+                  <a:srgbClr val="C00000"/>
+                </a:solidFill>
+              </a:rPr>
+              <a:t>abcde</a:t>
+            </a:r>
+            <a:endParaRPr lang="en-US" altLang="zh-CN" sz="1400" dirty="0" smtClean="0">
+              <a:solidFill>
+                <a:srgbClr val="C00000"/>
+              </a:solidFill>
+            </a:endParaRPr>
+          </a:p>
+          <a:p>
+            <a:pPr>
+              <a:lnSpc>
+                <a:spcPct val="150000"/>
+              </a:lnSpc>
+            </a:pPr>
+            <a:r>
+              <a:rPr lang="zh-CN" altLang="en-US" sz="1400" dirty="0" smtClean="0">
+                <a:solidFill>
+                  <a:srgbClr val="C00000"/>
+                </a:solidFill>
+              </a:rPr>
+              <a:t>删除信号量：未占用，则初始化</a:t>
+            </a:r>
+            <a:r>
+              <a:rPr lang="en-US" altLang="zh-CN" sz="1400" dirty="0" err="1" smtClean="0">
+                <a:solidFill>
+                  <a:srgbClr val="C00000"/>
+                </a:solidFill>
+              </a:rPr>
+              <a:t>abcd</a:t>
+            </a:r>
+            <a:r>
+              <a:rPr lang="zh-CN" altLang="en-US" sz="1400" dirty="0" smtClean="0">
+                <a:solidFill>
+                  <a:srgbClr val="C00000"/>
+                </a:solidFill>
+              </a:rPr>
+              <a:t>；</a:t>
+            </a:r>
+            <a:endParaRPr lang="en-US" altLang="zh-CN" sz="1400" dirty="0" smtClean="0">
+              <a:solidFill>
+                <a:srgbClr val="C00000"/>
+              </a:solidFill>
+            </a:endParaRPr>
+          </a:p>
+          <a:p>
+            <a:pPr>
+              <a:lnSpc>
+                <a:spcPct val="150000"/>
+              </a:lnSpc>
+            </a:pPr>
+            <a:r>
+              <a:rPr lang="en-US" altLang="zh-CN" sz="1400" dirty="0">
+                <a:solidFill>
+                  <a:srgbClr val="C00000"/>
+                </a:solidFill>
+              </a:rPr>
+              <a:t>	</a:t>
+            </a:r>
+            <a:r>
+              <a:rPr lang="zh-CN" altLang="en-US" sz="1400" dirty="0" smtClean="0">
+                <a:solidFill>
+                  <a:srgbClr val="C00000"/>
+                </a:solidFill>
+              </a:rPr>
+              <a:t>占用则</a:t>
+            </a:r>
+            <a:r>
+              <a:rPr lang="en-US" altLang="zh-CN" sz="1400" dirty="0" smtClean="0">
+                <a:solidFill>
+                  <a:srgbClr val="C00000"/>
+                </a:solidFill>
+              </a:rPr>
+              <a:t>   </a:t>
+            </a:r>
+            <a:r>
+              <a:rPr lang="zh-CN" altLang="en-US" sz="1400" dirty="0" smtClean="0">
+                <a:solidFill>
+                  <a:srgbClr val="C00000"/>
+                </a:solidFill>
+              </a:rPr>
+              <a:t>返回原始优先级 </a:t>
+            </a:r>
+            <a:r>
+              <a:rPr lang="en-US" altLang="zh-CN" sz="1400" dirty="0" smtClean="0">
+                <a:solidFill>
+                  <a:srgbClr val="C00000"/>
+                </a:solidFill>
+              </a:rPr>
+              <a:t>– </a:t>
+            </a:r>
+            <a:r>
+              <a:rPr lang="zh-CN" altLang="en-US" sz="1400" dirty="0" smtClean="0">
+                <a:solidFill>
+                  <a:srgbClr val="C00000"/>
+                </a:solidFill>
+              </a:rPr>
+              <a:t>使任务进入等待</a:t>
+            </a:r>
+            <a:r>
+              <a:rPr lang="en-US" altLang="zh-CN" sz="1400" dirty="0" smtClean="0">
+                <a:solidFill>
+                  <a:srgbClr val="C00000"/>
+                </a:solidFill>
+              </a:rPr>
+              <a:t>CPU</a:t>
+            </a:r>
+            <a:r>
+              <a:rPr lang="zh-CN" altLang="en-US" sz="1400" dirty="0">
+                <a:solidFill>
+                  <a:srgbClr val="C00000"/>
+                </a:solidFill>
+              </a:rPr>
+              <a:t>状态</a:t>
+            </a:r>
+            <a:r>
+              <a:rPr lang="en-US" altLang="zh-CN" sz="1400" dirty="0" smtClean="0">
+                <a:solidFill>
+                  <a:srgbClr val="C00000"/>
+                </a:solidFill>
+              </a:rPr>
+              <a:t>– </a:t>
+            </a:r>
+            <a:r>
+              <a:rPr lang="zh-CN" altLang="en-US" sz="1400" dirty="0" smtClean="0">
+                <a:solidFill>
+                  <a:srgbClr val="C00000"/>
+                </a:solidFill>
+              </a:rPr>
+              <a:t>归还或者释放内存</a:t>
+            </a:r>
+            <a:endParaRPr lang="en-US" altLang="zh-CN" sz="1400" dirty="0" smtClean="0">
+              <a:solidFill>
+                <a:srgbClr val="C00000"/>
+              </a:solidFill>
+            </a:endParaRPr>
+          </a:p>
+          <a:p>
+            <a:pPr>
+              <a:lnSpc>
+                <a:spcPct val="150000"/>
+              </a:lnSpc>
+            </a:pPr>
+            <a:r>
+              <a:rPr lang="zh-CN" altLang="en-US" sz="1400" dirty="0" smtClean="0">
+                <a:solidFill>
+                  <a:srgbClr val="C00000"/>
+                </a:solidFill>
+              </a:rPr>
+              <a:t>获取</a:t>
+            </a:r>
+            <a:r>
+              <a:rPr lang="zh-CN" altLang="en-US" sz="1400" dirty="0">
+                <a:solidFill>
+                  <a:srgbClr val="C00000"/>
+                </a:solidFill>
+              </a:rPr>
+              <a:t>互斥</a:t>
+            </a:r>
+            <a:r>
+              <a:rPr lang="zh-CN" altLang="en-US" sz="1400" dirty="0" smtClean="0">
+                <a:solidFill>
+                  <a:srgbClr val="C00000"/>
+                </a:solidFill>
+              </a:rPr>
+              <a:t>信号量：</a:t>
+            </a:r>
+            <a:r>
+              <a:rPr lang="en-US" altLang="zh-CN" sz="1400" dirty="0" smtClean="0">
+                <a:solidFill>
+                  <a:srgbClr val="C00000"/>
+                </a:solidFill>
+              </a:rPr>
+              <a:t>1.available  </a:t>
+            </a:r>
+            <a:r>
+              <a:rPr lang="zh-CN" altLang="en-US" sz="1400" dirty="0" smtClean="0">
+                <a:solidFill>
+                  <a:srgbClr val="C00000"/>
+                </a:solidFill>
+              </a:rPr>
+              <a:t>设信号量不可用</a:t>
+            </a:r>
+            <a:r>
+              <a:rPr lang="en-US" altLang="zh-CN" sz="1400" dirty="0" smtClean="0">
+                <a:solidFill>
+                  <a:srgbClr val="C00000"/>
+                </a:solidFill>
+              </a:rPr>
+              <a:t>-</a:t>
+            </a:r>
+            <a:r>
+              <a:rPr lang="zh-CN" altLang="en-US" sz="1400" dirty="0" smtClean="0">
+                <a:solidFill>
+                  <a:srgbClr val="C00000"/>
+                </a:solidFill>
+              </a:rPr>
+              <a:t>存储该任务指针</a:t>
+            </a:r>
+            <a:r>
+              <a:rPr lang="en-US" altLang="zh-CN" sz="1400" dirty="0" smtClean="0">
+                <a:solidFill>
+                  <a:srgbClr val="C00000"/>
+                </a:solidFill>
+              </a:rPr>
+              <a:t>-</a:t>
+            </a:r>
+            <a:r>
+              <a:rPr lang="zh-CN" altLang="en-US" sz="1400" dirty="0" smtClean="0">
+                <a:solidFill>
+                  <a:srgbClr val="C00000"/>
+                </a:solidFill>
+              </a:rPr>
+              <a:t>提升优先级</a:t>
+            </a:r>
+            <a:endParaRPr lang="en-US" altLang="zh-CN" sz="1400" dirty="0" smtClean="0">
+              <a:solidFill>
+                <a:srgbClr val="C00000"/>
+              </a:solidFill>
+            </a:endParaRPr>
+          </a:p>
+          <a:p>
+            <a:pPr>
+              <a:lnSpc>
+                <a:spcPct val="150000"/>
+              </a:lnSpc>
+            </a:pPr>
+            <a:r>
+              <a:rPr lang="en-US" altLang="zh-CN" sz="1400" dirty="0">
+                <a:solidFill>
+                  <a:srgbClr val="C00000"/>
+                </a:solidFill>
+              </a:rPr>
+              <a:t>	</a:t>
+            </a:r>
+            <a:r>
+              <a:rPr lang="en-US" altLang="zh-CN" sz="1400" dirty="0" smtClean="0">
+                <a:solidFill>
+                  <a:srgbClr val="C00000"/>
+                </a:solidFill>
+              </a:rPr>
+              <a:t>2.unava 	</a:t>
+            </a:r>
+            <a:r>
+              <a:rPr lang="zh-CN" altLang="en-US" sz="1400" dirty="0" smtClean="0">
+                <a:solidFill>
+                  <a:srgbClr val="C00000"/>
+                </a:solidFill>
+              </a:rPr>
+              <a:t>任务进入等待</a:t>
+            </a:r>
+            <a:r>
+              <a:rPr lang="en-US" altLang="zh-CN" sz="1400" dirty="0" smtClean="0">
+                <a:solidFill>
+                  <a:srgbClr val="C00000"/>
+                </a:solidFill>
+              </a:rPr>
+              <a:t>CPU</a:t>
+            </a:r>
+            <a:r>
+              <a:rPr lang="zh-CN" altLang="en-US" sz="1400" dirty="0" smtClean="0">
+                <a:solidFill>
+                  <a:srgbClr val="C00000"/>
+                </a:solidFill>
+              </a:rPr>
+              <a:t>，登记到</a:t>
+            </a:r>
+            <a:r>
+              <a:rPr lang="en-US" altLang="zh-CN" sz="1400" dirty="0" smtClean="0">
+                <a:solidFill>
+                  <a:srgbClr val="C00000"/>
+                </a:solidFill>
+              </a:rPr>
+              <a:t>e-</a:t>
+            </a:r>
+            <a:endParaRPr lang="en-US" altLang="zh-CN" sz="1400" dirty="0">
+              <a:solidFill>
+                <a:srgbClr val="C00000"/>
+              </a:solidFill>
+            </a:endParaRPr>
+          </a:p>
+          <a:p>
+            <a:pPr>
+              <a:lnSpc>
+                <a:spcPct val="150000"/>
+              </a:lnSpc>
+            </a:pPr>
+            <a:r>
+              <a:rPr lang="zh-CN" altLang="en-US" sz="1400" dirty="0">
+                <a:solidFill>
+                  <a:srgbClr val="C00000"/>
+                </a:solidFill>
+              </a:rPr>
+              <a:t>释放互斥信号量：情景一、没有任务等待 修改信号可用</a:t>
+            </a:r>
+            <a:endParaRPr lang="en-US" altLang="zh-CN" sz="1400" dirty="0">
+              <a:solidFill>
+                <a:srgbClr val="C00000"/>
+              </a:solidFill>
+            </a:endParaRPr>
+          </a:p>
+          <a:p>
+            <a:pPr>
+              <a:lnSpc>
+                <a:spcPct val="150000"/>
+              </a:lnSpc>
+            </a:pPr>
+            <a:r>
+              <a:rPr lang="en-US" altLang="zh-CN" sz="1400" dirty="0">
+                <a:solidFill>
+                  <a:srgbClr val="C00000"/>
+                </a:solidFill>
+              </a:rPr>
+              <a:t>	</a:t>
+            </a:r>
+            <a:r>
+              <a:rPr lang="en-US" altLang="zh-CN" sz="1400" dirty="0" smtClean="0">
+                <a:solidFill>
+                  <a:srgbClr val="C00000"/>
+                </a:solidFill>
+              </a:rPr>
+              <a:t>          </a:t>
+            </a:r>
+            <a:r>
+              <a:rPr lang="zh-CN" altLang="en-US" sz="1400" dirty="0" smtClean="0">
+                <a:solidFill>
+                  <a:srgbClr val="C00000"/>
+                </a:solidFill>
+              </a:rPr>
+              <a:t>情景</a:t>
+            </a:r>
+            <a:r>
+              <a:rPr lang="zh-CN" altLang="en-US" sz="1400" dirty="0">
+                <a:solidFill>
+                  <a:srgbClr val="C00000"/>
+                </a:solidFill>
+              </a:rPr>
+              <a:t>二、有任务等待 </a:t>
+            </a:r>
+            <a:endParaRPr lang="en-US" altLang="zh-CN" sz="1400" dirty="0">
+              <a:solidFill>
+                <a:srgbClr val="C00000"/>
+              </a:solidFill>
+            </a:endParaRPr>
+          </a:p>
+          <a:p>
+            <a:pPr>
+              <a:lnSpc>
+                <a:spcPct val="150000"/>
+              </a:lnSpc>
+            </a:pPr>
+            <a:r>
+              <a:rPr lang="en-US" altLang="zh-CN" sz="1400" dirty="0">
+                <a:solidFill>
+                  <a:srgbClr val="C00000"/>
+                </a:solidFill>
+              </a:rPr>
+              <a:t>		</a:t>
+            </a:r>
+            <a:r>
+              <a:rPr lang="zh-CN" altLang="en-US" sz="1400" dirty="0">
+                <a:solidFill>
+                  <a:srgbClr val="C00000"/>
+                </a:solidFill>
+              </a:rPr>
+              <a:t>情景</a:t>
+            </a:r>
+            <a:r>
+              <a:rPr lang="en-US" altLang="zh-CN" sz="1400" dirty="0">
+                <a:solidFill>
+                  <a:srgbClr val="C00000"/>
+                </a:solidFill>
+              </a:rPr>
+              <a:t>1 </a:t>
+            </a:r>
+            <a:r>
+              <a:rPr lang="zh-CN" altLang="en-US" sz="1400" dirty="0">
+                <a:solidFill>
+                  <a:srgbClr val="C00000"/>
+                </a:solidFill>
+              </a:rPr>
+              <a:t>任务有提升优先级 任务返回原始优先级</a:t>
+            </a:r>
+            <a:r>
+              <a:rPr lang="en-US" altLang="zh-CN" sz="1400" dirty="0">
+                <a:solidFill>
+                  <a:srgbClr val="C00000"/>
+                </a:solidFill>
+              </a:rPr>
+              <a:t>-</a:t>
+            </a:r>
+            <a:r>
+              <a:rPr lang="zh-CN" altLang="en-US" sz="1400" dirty="0">
+                <a:solidFill>
+                  <a:srgbClr val="C00000"/>
+                </a:solidFill>
+              </a:rPr>
+              <a:t>获取最高等待优先级</a:t>
+            </a:r>
+            <a:r>
+              <a:rPr lang="en-US" altLang="zh-CN" sz="1400" dirty="0">
+                <a:solidFill>
+                  <a:srgbClr val="C00000"/>
+                </a:solidFill>
+              </a:rPr>
+              <a:t>-</a:t>
+            </a:r>
+            <a:r>
+              <a:rPr lang="zh-CN" altLang="en-US" sz="1400" dirty="0">
+                <a:solidFill>
+                  <a:srgbClr val="C00000"/>
+                </a:solidFill>
+              </a:rPr>
+              <a:t>修改器</a:t>
+            </a:r>
+            <a:r>
+              <a:rPr lang="en-US" altLang="zh-CN" sz="1400" dirty="0">
+                <a:solidFill>
+                  <a:srgbClr val="C00000"/>
+                </a:solidFill>
+              </a:rPr>
+              <a:t>pend</a:t>
+            </a:r>
+            <a:r>
+              <a:rPr lang="zh-CN" altLang="en-US" sz="1400" dirty="0">
+                <a:solidFill>
+                  <a:srgbClr val="C00000"/>
+                </a:solidFill>
+              </a:rPr>
+              <a:t>状态</a:t>
+            </a:r>
+            <a:r>
+              <a:rPr lang="en-US" altLang="zh-CN" sz="1400" dirty="0">
+                <a:solidFill>
+                  <a:srgbClr val="C00000"/>
+                </a:solidFill>
+              </a:rPr>
+              <a:t>-</a:t>
+            </a:r>
+            <a:r>
+              <a:rPr lang="zh-CN" altLang="en-US" sz="1400" dirty="0">
+                <a:solidFill>
+                  <a:srgbClr val="C00000"/>
+                </a:solidFill>
+              </a:rPr>
+              <a:t>进入就绪表 调度</a:t>
+            </a:r>
+            <a:endParaRPr lang="en-US" altLang="zh-CN" sz="1400" dirty="0">
+              <a:solidFill>
+                <a:srgbClr val="C00000"/>
+              </a:solidFill>
+            </a:endParaRPr>
+          </a:p>
+          <a:p>
+            <a:pPr>
+              <a:lnSpc>
+                <a:spcPct val="150000"/>
+              </a:lnSpc>
+            </a:pPr>
+            <a:r>
+              <a:rPr lang="zh-CN" altLang="en-US" sz="1400" dirty="0">
+                <a:solidFill>
+                  <a:srgbClr val="C00000"/>
+                </a:solidFill>
+              </a:rPr>
+              <a:t>强制中止互斥信号量：使所有等待任务设置等待结果为失败，并进入等待</a:t>
+            </a:r>
+            <a:r>
+              <a:rPr lang="en-US" altLang="zh-CN" sz="1400" dirty="0">
+                <a:solidFill>
+                  <a:srgbClr val="C00000"/>
+                </a:solidFill>
+              </a:rPr>
+              <a:t>CPU</a:t>
+            </a:r>
+            <a:r>
+              <a:rPr lang="zh-CN" altLang="en-US" sz="1400" dirty="0">
+                <a:solidFill>
+                  <a:srgbClr val="C00000"/>
+                </a:solidFill>
+              </a:rPr>
+              <a:t>状态 </a:t>
+            </a:r>
+            <a:r>
+              <a:rPr lang="en-US" altLang="zh-CN" sz="1400" dirty="0">
+                <a:solidFill>
+                  <a:srgbClr val="C00000"/>
+                </a:solidFill>
+              </a:rPr>
+              <a:t>– </a:t>
+            </a:r>
+            <a:r>
+              <a:rPr lang="zh-CN" altLang="en-US" sz="1400" dirty="0">
+                <a:solidFill>
+                  <a:srgbClr val="C00000"/>
+                </a:solidFill>
+              </a:rPr>
+              <a:t>重设信号的数量</a:t>
+            </a:r>
+            <a:endParaRPr lang="en-US" altLang="zh-CN" sz="1400" dirty="0">
+              <a:solidFill>
+                <a:srgbClr val="C00000"/>
+              </a:solidFill>
+            </a:endParaRPr>
+          </a:p>
+          <a:p>
+            <a:pPr>
+              <a:lnSpc>
+                <a:spcPct val="150000"/>
+              </a:lnSpc>
+            </a:pPr>
+            <a:r>
+              <a:rPr lang="zh-CN" altLang="en-US" sz="1400" dirty="0">
+                <a:solidFill>
+                  <a:srgbClr val="C00000"/>
+                </a:solidFill>
+              </a:rPr>
+              <a:t>信号状态查询：返回信号数量、占有它的任务、等待它的任务；返回方式</a:t>
+            </a:r>
+            <a:r>
+              <a:rPr lang="en-US" altLang="zh-CN" sz="1400" dirty="0">
+                <a:solidFill>
+                  <a:srgbClr val="C00000"/>
+                </a:solidFill>
+              </a:rPr>
+              <a:t>(</a:t>
+            </a:r>
+            <a:r>
+              <a:rPr lang="zh-CN" altLang="en-US" sz="1400" dirty="0">
+                <a:solidFill>
+                  <a:srgbClr val="C00000"/>
+                </a:solidFill>
+              </a:rPr>
+              <a:t>传入指针，返回结构体等</a:t>
+            </a:r>
+            <a:r>
+              <a:rPr lang="en-US" altLang="zh-CN" sz="1400" dirty="0" smtClean="0">
+                <a:solidFill>
+                  <a:srgbClr val="C00000"/>
+                </a:solidFill>
+              </a:rPr>
+              <a:t>)</a:t>
+            </a:r>
+            <a:endParaRPr lang="en-US" altLang="zh-CN" sz="1400" dirty="0">
+              <a:solidFill>
+                <a:srgbClr val="C00000"/>
+              </a:solidFill>
+            </a:endParaRPr>
+          </a:p>
+        </p:txBody>
+      </p:sp>
+    </p:spTree>
+    <p:extLst>
+      <p:ext uri="{BB962C8B-B14F-4D97-AF65-F5344CB8AC3E}">
+        <p14:creationId xmlns:p14="http://schemas.microsoft.com/office/powerpoint/2010/main" val="4199144925"/>
+      </p:ext>
+    </p:extLst>
+  </p:cSld>
+  <p:clrMapOvr>
+    <a:masterClrMapping/>
+  </p:clrMapOvr>
+</p:sld>
+</file>
+
+<file path=ppt/slides/slide12.xml><?xml version="1.0" encoding="utf-8"?>
+<p:sld xmlns:a="http://schemas.openxmlformats.org/drawingml/2006/main" xmlns:r="http://schemas.openxmlformats.org/officeDocument/2006/relationships" xmlns:p="http://schemas.openxmlformats.org/presentationml/2006/main">
+  <p:cSld>
+    <p:spTree>
+      <p:nvGrpSpPr>
+        <p:cNvPr id="1" name=""/>
+        <p:cNvGrpSpPr/>
+        <p:nvPr/>
+      </p:nvGrpSpPr>
+      <p:grpSpPr>
+        <a:xfrm>
+          <a:off x="0" y="0"/>
+          <a:ext cx="0" cy="0"/>
+          <a:chOff x="0" y="0"/>
+          <a:chExt cx="0" cy="0"/>
+        </a:xfrm>
+      </p:grpSpPr>
+      <p:pic>
+        <p:nvPicPr>
+          <p:cNvPr id="5" name="图片 4"/>
+          <p:cNvPicPr>
+            <a:picLocks noChangeAspect="1"/>
+          </p:cNvPicPr>
+          <p:nvPr/>
+        </p:nvPicPr>
+        <p:blipFill>
+          <a:blip r:embed="rId2"/>
+          <a:stretch>
+            <a:fillRect/>
+          </a:stretch>
+        </p:blipFill>
+        <p:spPr>
+          <a:xfrm>
+            <a:off x="5323491" y="50020"/>
+            <a:ext cx="6637282" cy="1602636"/>
+          </a:xfrm>
+          <a:prstGeom prst="rect">
+            <a:avLst/>
+          </a:prstGeom>
+        </p:spPr>
+      </p:pic>
+      <p:sp>
+        <p:nvSpPr>
+          <p:cNvPr id="2" name="标题 1"/>
+          <p:cNvSpPr>
+            <a:spLocks noGrp="1"/>
+          </p:cNvSpPr>
+          <p:nvPr>
+            <p:ph type="title"/>
+          </p:nvPr>
+        </p:nvSpPr>
+        <p:spPr>
+          <a:xfrm>
+            <a:off x="800537" y="190992"/>
+            <a:ext cx="3825766" cy="726473"/>
+          </a:xfrm>
+        </p:spPr>
+        <p:txBody>
+          <a:bodyPr>
+            <a:normAutofit/>
+          </a:bodyPr>
+          <a:lstStyle/>
+          <a:p>
+            <a:r>
+              <a:rPr lang="zh-CN" altLang="en-US" sz="2800" b="1" i="1" dirty="0" smtClean="0"/>
+              <a:t>信号量集结构</a:t>
+            </a:r>
+            <a:endParaRPr lang="zh-CN" altLang="en-US" sz="2800" dirty="0"/>
+          </a:p>
+        </p:txBody>
+      </p:sp>
+      <p:sp>
+        <p:nvSpPr>
+          <p:cNvPr id="4" name="文本框 3"/>
+          <p:cNvSpPr txBox="1"/>
+          <p:nvPr/>
+        </p:nvSpPr>
+        <p:spPr>
+          <a:xfrm>
+            <a:off x="578070" y="998483"/>
+            <a:ext cx="6453352" cy="923330"/>
+          </a:xfrm>
+          <a:prstGeom prst="rect">
+            <a:avLst/>
+          </a:prstGeom>
+          <a:noFill/>
+        </p:spPr>
+        <p:txBody>
+          <a:bodyPr wrap="square" rtlCol="0">
+            <a:spAutoFit/>
+          </a:bodyPr>
+          <a:lstStyle/>
+          <a:p>
+            <a:pPr marL="285750" indent="-285750">
+              <a:lnSpc>
+                <a:spcPct val="150000"/>
+              </a:lnSpc>
+              <a:buFont typeface="Arial" panose="020B0604020202020204" pitchFamily="34" charset="0"/>
+              <a:buChar char="•"/>
+            </a:pPr>
+            <a:r>
               <a:rPr lang="zh-CN" altLang="en-US" dirty="0" smtClean="0"/>
-              <a:t>防止任务优先级反转的临时优先级值</a:t>
+              <a:t>信号量集的数量 </a:t>
+            </a:r>
+            <a:r>
+              <a:rPr lang="en-US" altLang="zh-CN" dirty="0" smtClean="0"/>
+              <a:t>(8/16/32</a:t>
+            </a:r>
+            <a:r>
+              <a:rPr lang="zh-CN" altLang="en-US" dirty="0" smtClean="0"/>
+              <a:t>位变量</a:t>
+            </a:r>
+            <a:r>
+              <a:rPr lang="en-US" altLang="zh-CN" dirty="0" smtClean="0"/>
+              <a:t>)</a:t>
+            </a:r>
+          </a:p>
+          <a:p>
+            <a:pPr marL="285750" indent="-285750">
+              <a:lnSpc>
+                <a:spcPct val="150000"/>
+              </a:lnSpc>
+              <a:buFont typeface="Arial" panose="020B0604020202020204" pitchFamily="34" charset="0"/>
+              <a:buChar char="•"/>
+            </a:pPr>
+            <a:r>
+              <a:rPr lang="zh-CN" altLang="en-US" dirty="0" smtClean="0"/>
+              <a:t>等待它的任务 </a:t>
+            </a:r>
+            <a:r>
+              <a:rPr lang="en-US" altLang="zh-CN" dirty="0" smtClean="0"/>
+              <a:t>—— TCB</a:t>
+            </a:r>
+            <a:r>
+              <a:rPr lang="zh-CN" altLang="en-US" dirty="0" smtClean="0"/>
+              <a:t>链表或者其他代替</a:t>
+            </a:r>
+            <a:r>
+              <a:rPr lang="en-US" altLang="zh-CN" dirty="0" smtClean="0"/>
+              <a:t>TCB</a:t>
+            </a:r>
+            <a:r>
+              <a:rPr lang="zh-CN" altLang="en-US" dirty="0" smtClean="0"/>
+              <a:t>的形式</a:t>
+            </a:r>
+            <a:endParaRPr lang="en-US" altLang="zh-CN" dirty="0" smtClean="0"/>
+          </a:p>
+        </p:txBody>
+      </p:sp>
+      <p:grpSp>
+        <p:nvGrpSpPr>
+          <p:cNvPr id="9" name="组合 8"/>
+          <p:cNvGrpSpPr/>
+          <p:nvPr/>
+        </p:nvGrpSpPr>
+        <p:grpSpPr>
+          <a:xfrm>
+            <a:off x="333610" y="1858236"/>
+            <a:ext cx="11256821" cy="4878895"/>
+            <a:chOff x="333610" y="1858236"/>
+            <a:chExt cx="11256821" cy="4878895"/>
+          </a:xfrm>
+        </p:grpSpPr>
+        <p:pic>
+          <p:nvPicPr>
+            <p:cNvPr id="3" name="图片 2"/>
+            <p:cNvPicPr>
+              <a:picLocks noChangeAspect="1"/>
+            </p:cNvPicPr>
+            <p:nvPr/>
+          </p:nvPicPr>
+          <p:blipFill>
+            <a:blip r:embed="rId3"/>
+            <a:stretch>
+              <a:fillRect/>
+            </a:stretch>
+          </p:blipFill>
+          <p:spPr>
+            <a:xfrm>
+              <a:off x="333610" y="1921813"/>
+              <a:ext cx="11256821" cy="4815318"/>
+            </a:xfrm>
+            <a:prstGeom prst="rect">
+              <a:avLst/>
+            </a:prstGeom>
+          </p:spPr>
+        </p:pic>
+        <p:sp>
+          <p:nvSpPr>
+            <p:cNvPr id="7" name="左箭头 6"/>
+            <p:cNvSpPr/>
+            <p:nvPr/>
+          </p:nvSpPr>
+          <p:spPr>
+            <a:xfrm rot="16200000">
+              <a:off x="4851316" y="2237911"/>
+              <a:ext cx="408322" cy="536027"/>
+            </a:xfrm>
+            <a:prstGeom prst="leftArrow">
+              <a:avLst/>
+            </a:prstGeom>
+          </p:spPr>
+          <p:style>
+            <a:lnRef idx="2">
+              <a:schemeClr val="accent1">
+                <a:shade val="50000"/>
+              </a:schemeClr>
+            </a:lnRef>
+            <a:fillRef idx="1">
+              <a:schemeClr val="accent1"/>
+            </a:fillRef>
+            <a:effectRef idx="0">
+              <a:schemeClr val="accent1"/>
+            </a:effectRef>
+            <a:fontRef idx="minor">
+              <a:schemeClr val="lt1"/>
+            </a:fontRef>
+          </p:style>
+          <p:txBody>
+            <a:bodyPr rtlCol="0" anchor="ctr"/>
+            <a:lstStyle/>
+            <a:p>
+              <a:pPr algn="ctr"/>
+              <a:endParaRPr lang="zh-CN" altLang="en-US"/>
+            </a:p>
+          </p:txBody>
+        </p:sp>
+        <p:sp>
+          <p:nvSpPr>
+            <p:cNvPr id="8" name="文本框 7"/>
+            <p:cNvSpPr txBox="1"/>
+            <p:nvPr/>
+          </p:nvSpPr>
+          <p:spPr>
+            <a:xfrm>
+              <a:off x="4626303" y="1858236"/>
+              <a:ext cx="1016000" cy="507831"/>
+            </a:xfrm>
+            <a:prstGeom prst="rect">
+              <a:avLst/>
+            </a:prstGeom>
+            <a:noFill/>
+          </p:spPr>
+          <p:txBody>
+            <a:bodyPr wrap="square" rtlCol="0">
+              <a:spAutoFit/>
+            </a:bodyPr>
+            <a:lstStyle/>
+            <a:p>
+              <a:pPr>
+                <a:lnSpc>
+                  <a:spcPct val="150000"/>
+                </a:lnSpc>
+              </a:pPr>
+              <a:r>
+                <a:rPr lang="zh-CN" altLang="en-US" b="1" dirty="0" smtClean="0">
+                  <a:solidFill>
+                    <a:srgbClr val="FFC000"/>
+                  </a:solidFill>
+                </a:rPr>
+                <a:t>新加入</a:t>
+              </a:r>
+            </a:p>
+          </p:txBody>
+        </p:sp>
+      </p:grpSp>
+    </p:spTree>
+    <p:extLst>
+      <p:ext uri="{BB962C8B-B14F-4D97-AF65-F5344CB8AC3E}">
+        <p14:creationId xmlns:p14="http://schemas.microsoft.com/office/powerpoint/2010/main" val="4054714176"/>
+      </p:ext>
+    </p:extLst>
+  </p:cSld>
+  <p:clrMapOvr>
+    <a:masterClrMapping/>
+  </p:clrMapOvr>
+</p:sld>
+</file>
+
+<file path=ppt/slides/slide13.xml><?xml version="1.0" encoding="utf-8"?>
+<p:sld xmlns:a="http://schemas.openxmlformats.org/drawingml/2006/main" xmlns:r="http://schemas.openxmlformats.org/officeDocument/2006/relationships" xmlns:p="http://schemas.openxmlformats.org/presentationml/2006/main">
+  <p:cSld>
+    <p:spTree>
+      <p:nvGrpSpPr>
+        <p:cNvPr id="1" name=""/>
+        <p:cNvGrpSpPr/>
+        <p:nvPr/>
+      </p:nvGrpSpPr>
+      <p:grpSpPr>
+        <a:xfrm>
+          <a:off x="0" y="0"/>
+          <a:ext cx="0" cy="0"/>
+          <a:chOff x="0" y="0"/>
+          <a:chExt cx="0" cy="0"/>
+        </a:xfrm>
+      </p:grpSpPr>
+      <p:sp>
+        <p:nvSpPr>
+          <p:cNvPr id="2" name="标题 1"/>
+          <p:cNvSpPr>
+            <a:spLocks noGrp="1"/>
+          </p:cNvSpPr>
+          <p:nvPr>
+            <p:ph type="title"/>
+          </p:nvPr>
+        </p:nvSpPr>
+        <p:spPr>
+          <a:xfrm>
+            <a:off x="2999227" y="344793"/>
+            <a:ext cx="6810704" cy="726473"/>
+          </a:xfrm>
+        </p:spPr>
+        <p:txBody>
+          <a:bodyPr>
+            <a:normAutofit/>
+          </a:bodyPr>
+          <a:lstStyle/>
+          <a:p>
+            <a:r>
+              <a:rPr lang="zh-CN" altLang="en-US" sz="2400" b="1" i="1" dirty="0" smtClean="0"/>
+              <a:t>邮箱结构</a:t>
+            </a:r>
+            <a:endParaRPr lang="zh-CN" altLang="en-US" sz="2400" dirty="0"/>
+          </a:p>
+        </p:txBody>
+      </p:sp>
+      <p:sp>
+        <p:nvSpPr>
+          <p:cNvPr id="4" name="文本框 3"/>
+          <p:cNvSpPr txBox="1"/>
+          <p:nvPr/>
+        </p:nvSpPr>
+        <p:spPr>
+          <a:xfrm>
+            <a:off x="2925655" y="1218411"/>
+            <a:ext cx="6043449" cy="923330"/>
+          </a:xfrm>
+          <a:prstGeom prst="rect">
+            <a:avLst/>
+          </a:prstGeom>
+          <a:noFill/>
+        </p:spPr>
+        <p:txBody>
+          <a:bodyPr wrap="square" rtlCol="0">
+            <a:spAutoFit/>
+          </a:bodyPr>
+          <a:lstStyle/>
+          <a:p>
+            <a:pPr marL="285750" indent="-285750">
+              <a:lnSpc>
+                <a:spcPct val="150000"/>
+              </a:lnSpc>
+              <a:buFont typeface="Arial" panose="020B0604020202020204" pitchFamily="34" charset="0"/>
+              <a:buChar char="•"/>
+            </a:pPr>
+            <a:r>
+              <a:rPr lang="en-US" altLang="zh-CN" dirty="0" smtClean="0"/>
+              <a:t>a</a:t>
+            </a:r>
+            <a:r>
+              <a:rPr lang="zh-CN" altLang="en-US" dirty="0" smtClean="0"/>
+              <a:t>邮箱消息</a:t>
+            </a:r>
+            <a:endParaRPr lang="en-US" altLang="zh-CN" dirty="0" smtClean="0"/>
+          </a:p>
+          <a:p>
+            <a:pPr marL="285750" indent="-285750">
+              <a:lnSpc>
+                <a:spcPct val="150000"/>
+              </a:lnSpc>
+              <a:buFont typeface="Arial" panose="020B0604020202020204" pitchFamily="34" charset="0"/>
+              <a:buChar char="•"/>
+            </a:pPr>
+            <a:r>
+              <a:rPr lang="en-US" altLang="zh-CN" dirty="0" smtClean="0"/>
+              <a:t>b</a:t>
+            </a:r>
+            <a:r>
+              <a:rPr lang="zh-CN" altLang="en-US" dirty="0" smtClean="0"/>
+              <a:t>等待它的任务 </a:t>
+            </a:r>
+            <a:r>
+              <a:rPr lang="en-US" altLang="zh-CN" dirty="0" smtClean="0"/>
+              <a:t>—— TCB</a:t>
+            </a:r>
+            <a:r>
+              <a:rPr lang="zh-CN" altLang="en-US" dirty="0" smtClean="0"/>
+              <a:t>链表或者其他代替</a:t>
+            </a:r>
+            <a:r>
+              <a:rPr lang="en-US" altLang="zh-CN" dirty="0" smtClean="0"/>
+              <a:t>TCB</a:t>
+            </a:r>
+            <a:r>
+              <a:rPr lang="zh-CN" altLang="en-US" dirty="0" smtClean="0"/>
+              <a:t>的形式</a:t>
             </a:r>
             <a:endParaRPr lang="en-US" altLang="zh-CN" dirty="0" smtClean="0"/>
           </a:p>
@@ -10293,6 +11465,556 @@
           </a:p>
         </p:txBody>
       </p:sp>
+      <p:sp>
+        <p:nvSpPr>
+          <p:cNvPr id="8" name="文本框 7"/>
+          <p:cNvSpPr txBox="1"/>
+          <p:nvPr/>
+        </p:nvSpPr>
+        <p:spPr>
+          <a:xfrm>
+            <a:off x="997773" y="2141741"/>
+            <a:ext cx="10237075" cy="3785652"/>
+          </a:xfrm>
+          <a:prstGeom prst="rect">
+            <a:avLst/>
+          </a:prstGeom>
+          <a:noFill/>
+        </p:spPr>
+        <p:txBody>
+          <a:bodyPr wrap="square" rtlCol="0">
+            <a:spAutoFit/>
+          </a:bodyPr>
+          <a:lstStyle/>
+          <a:p>
+            <a:pPr>
+              <a:lnSpc>
+                <a:spcPct val="150000"/>
+              </a:lnSpc>
+            </a:pPr>
+            <a:r>
+              <a:rPr lang="zh-CN" altLang="en-US" sz="1600" dirty="0" smtClean="0">
+                <a:solidFill>
+                  <a:srgbClr val="C00000"/>
+                </a:solidFill>
+              </a:rPr>
+              <a:t>操作：</a:t>
+            </a:r>
+            <a:endParaRPr lang="en-US" altLang="zh-CN" sz="1600" dirty="0" smtClean="0">
+              <a:solidFill>
+                <a:srgbClr val="C00000"/>
+              </a:solidFill>
+            </a:endParaRPr>
+          </a:p>
+          <a:p>
+            <a:pPr>
+              <a:lnSpc>
+                <a:spcPct val="150000"/>
+              </a:lnSpc>
+            </a:pPr>
+            <a:r>
+              <a:rPr lang="zh-CN" altLang="en-US" sz="1600" dirty="0" smtClean="0">
+                <a:solidFill>
+                  <a:srgbClr val="C00000"/>
+                </a:solidFill>
+              </a:rPr>
+              <a:t>新建邮箱：初始化 </a:t>
+            </a:r>
+            <a:r>
+              <a:rPr lang="en-US" altLang="zh-CN" sz="1600" dirty="0" smtClean="0">
+                <a:solidFill>
+                  <a:srgbClr val="C00000"/>
+                </a:solidFill>
+              </a:rPr>
+              <a:t>a, b</a:t>
+            </a:r>
+          </a:p>
+          <a:p>
+            <a:pPr>
+              <a:lnSpc>
+                <a:spcPct val="150000"/>
+              </a:lnSpc>
+            </a:pPr>
+            <a:r>
+              <a:rPr lang="zh-CN" altLang="en-US" sz="1600" dirty="0" smtClean="0">
+                <a:solidFill>
+                  <a:srgbClr val="C00000"/>
+                </a:solidFill>
+              </a:rPr>
+              <a:t>删除邮箱：</a:t>
+            </a:r>
+            <a:r>
+              <a:rPr lang="en-US" altLang="zh-CN" sz="1600" dirty="0" smtClean="0">
+                <a:solidFill>
+                  <a:srgbClr val="C00000"/>
+                </a:solidFill>
+              </a:rPr>
+              <a:t>b</a:t>
+            </a:r>
+            <a:r>
+              <a:rPr lang="zh-CN" altLang="en-US" sz="1600" dirty="0" smtClean="0">
+                <a:solidFill>
+                  <a:srgbClr val="C00000"/>
+                </a:solidFill>
+              </a:rPr>
+              <a:t>全部进入等待</a:t>
+            </a:r>
+            <a:r>
+              <a:rPr lang="en-US" altLang="zh-CN" sz="1600" dirty="0" smtClean="0">
+                <a:solidFill>
+                  <a:srgbClr val="C00000"/>
+                </a:solidFill>
+              </a:rPr>
+              <a:t>CPU</a:t>
+            </a:r>
+            <a:r>
+              <a:rPr lang="zh-CN" altLang="en-US" sz="1600" dirty="0" smtClean="0">
+                <a:solidFill>
+                  <a:srgbClr val="C00000"/>
+                </a:solidFill>
+              </a:rPr>
+              <a:t>状态，并获取消息</a:t>
+            </a:r>
+            <a:r>
+              <a:rPr lang="en-US" altLang="zh-CN" sz="1600" dirty="0" smtClean="0">
+                <a:solidFill>
+                  <a:srgbClr val="C00000"/>
+                </a:solidFill>
+              </a:rPr>
+              <a:t>(</a:t>
+            </a:r>
+            <a:r>
+              <a:rPr lang="zh-CN" altLang="en-US" sz="1600" dirty="0" smtClean="0">
+                <a:solidFill>
+                  <a:srgbClr val="C00000"/>
+                </a:solidFill>
+              </a:rPr>
+              <a:t>没有消息就是</a:t>
+            </a:r>
+            <a:r>
+              <a:rPr lang="en-US" altLang="zh-CN" sz="1600" dirty="0" smtClean="0">
+                <a:solidFill>
+                  <a:srgbClr val="C00000"/>
+                </a:solidFill>
+              </a:rPr>
+              <a:t>NULL)</a:t>
+            </a:r>
+            <a:r>
+              <a:rPr lang="zh-CN" altLang="en-US" sz="1600" dirty="0">
+                <a:solidFill>
+                  <a:srgbClr val="C00000"/>
+                </a:solidFill>
+              </a:rPr>
+              <a:t> </a:t>
+            </a:r>
+            <a:r>
+              <a:rPr lang="en-US" altLang="zh-CN" sz="1600" dirty="0" smtClean="0">
+                <a:solidFill>
+                  <a:srgbClr val="C00000"/>
+                </a:solidFill>
+              </a:rPr>
+              <a:t>– </a:t>
+            </a:r>
+          </a:p>
+          <a:p>
+            <a:pPr>
+              <a:lnSpc>
+                <a:spcPct val="150000"/>
+              </a:lnSpc>
+            </a:pPr>
+            <a:r>
+              <a:rPr lang="zh-CN" altLang="en-US" sz="1600" dirty="0" smtClean="0">
+                <a:solidFill>
+                  <a:srgbClr val="C00000"/>
+                </a:solidFill>
+              </a:rPr>
+              <a:t>请求邮箱：如果有消息</a:t>
+            </a:r>
+            <a:r>
+              <a:rPr lang="en-US" altLang="zh-CN" sz="1600" dirty="0" smtClean="0">
+                <a:solidFill>
+                  <a:srgbClr val="C00000"/>
+                </a:solidFill>
+              </a:rPr>
+              <a:t>-</a:t>
+            </a:r>
+            <a:r>
+              <a:rPr lang="zh-CN" altLang="en-US" sz="1600" dirty="0" smtClean="0">
+                <a:solidFill>
+                  <a:srgbClr val="C00000"/>
+                </a:solidFill>
+              </a:rPr>
+              <a:t>获取消息</a:t>
+            </a:r>
+            <a:r>
+              <a:rPr lang="en-US" altLang="zh-CN" sz="1600" dirty="0" smtClean="0">
+                <a:solidFill>
+                  <a:srgbClr val="C00000"/>
+                </a:solidFill>
+              </a:rPr>
+              <a:t>-</a:t>
+            </a:r>
+            <a:r>
+              <a:rPr lang="zh-CN" altLang="en-US" sz="1600" dirty="0" smtClean="0">
+                <a:solidFill>
+                  <a:srgbClr val="C00000"/>
+                </a:solidFill>
+              </a:rPr>
+              <a:t>清空消息</a:t>
+            </a:r>
+            <a:endParaRPr lang="en-US" altLang="zh-CN" sz="1600" dirty="0" smtClean="0">
+              <a:solidFill>
+                <a:srgbClr val="C00000"/>
+              </a:solidFill>
+            </a:endParaRPr>
+          </a:p>
+          <a:p>
+            <a:pPr>
+              <a:lnSpc>
+                <a:spcPct val="150000"/>
+              </a:lnSpc>
+            </a:pPr>
+            <a:r>
+              <a:rPr lang="en-US" altLang="zh-CN" sz="1600" dirty="0">
+                <a:solidFill>
+                  <a:srgbClr val="C00000"/>
+                </a:solidFill>
+              </a:rPr>
+              <a:t>	</a:t>
+            </a:r>
+            <a:r>
+              <a:rPr lang="zh-CN" altLang="en-US" sz="1600" dirty="0" smtClean="0">
+                <a:solidFill>
+                  <a:srgbClr val="C00000"/>
+                </a:solidFill>
+              </a:rPr>
+              <a:t>没有消息 </a:t>
+            </a:r>
+            <a:r>
+              <a:rPr lang="en-US" altLang="zh-CN" sz="1600" dirty="0" smtClean="0">
+                <a:solidFill>
+                  <a:srgbClr val="C00000"/>
+                </a:solidFill>
+              </a:rPr>
+              <a:t>– </a:t>
+            </a:r>
+            <a:r>
+              <a:rPr lang="zh-CN" altLang="en-US" sz="1600" dirty="0" smtClean="0">
+                <a:solidFill>
+                  <a:srgbClr val="C00000"/>
+                </a:solidFill>
+              </a:rPr>
+              <a:t>进入等待资源状态，设置等待结果状态 </a:t>
+            </a:r>
+            <a:r>
+              <a:rPr lang="en-US" altLang="zh-CN" sz="1600" dirty="0" smtClean="0">
+                <a:solidFill>
+                  <a:srgbClr val="C00000"/>
+                </a:solidFill>
+              </a:rPr>
+              <a:t>– </a:t>
+            </a:r>
+            <a:r>
+              <a:rPr lang="zh-CN" altLang="en-US" sz="1600" dirty="0" smtClean="0">
+                <a:solidFill>
+                  <a:srgbClr val="C00000"/>
+                </a:solidFill>
+              </a:rPr>
+              <a:t>任务调度-查看等待结果返回错误</a:t>
+            </a:r>
+            <a:endParaRPr lang="en-US" altLang="zh-CN" sz="1600" dirty="0" smtClean="0">
+              <a:solidFill>
+                <a:srgbClr val="C00000"/>
+              </a:solidFill>
+            </a:endParaRPr>
+          </a:p>
+          <a:p>
+            <a:pPr>
+              <a:lnSpc>
+                <a:spcPct val="150000"/>
+              </a:lnSpc>
+            </a:pPr>
+            <a:r>
+              <a:rPr lang="zh-CN" altLang="en-US" sz="1600" dirty="0" smtClean="0">
+                <a:solidFill>
+                  <a:srgbClr val="C00000"/>
+                </a:solidFill>
+              </a:rPr>
+              <a:t>请求中止：使所有</a:t>
+            </a:r>
+            <a:r>
+              <a:rPr lang="en-US" altLang="zh-CN" sz="1600" dirty="0" smtClean="0">
+                <a:solidFill>
+                  <a:srgbClr val="C00000"/>
+                </a:solidFill>
+              </a:rPr>
+              <a:t>b</a:t>
+            </a:r>
+            <a:r>
+              <a:rPr lang="zh-CN" altLang="en-US" sz="1600" dirty="0" smtClean="0">
+                <a:solidFill>
+                  <a:srgbClr val="C00000"/>
+                </a:solidFill>
+              </a:rPr>
+              <a:t>进入等待</a:t>
+            </a:r>
+            <a:r>
+              <a:rPr lang="en-US" altLang="zh-CN" sz="1600" dirty="0" smtClean="0">
+                <a:solidFill>
+                  <a:srgbClr val="C00000"/>
+                </a:solidFill>
+              </a:rPr>
+              <a:t>CPU</a:t>
+            </a:r>
+            <a:r>
+              <a:rPr lang="zh-CN" altLang="en-US" sz="1600" dirty="0" smtClean="0">
+                <a:solidFill>
+                  <a:srgbClr val="C00000"/>
+                </a:solidFill>
+              </a:rPr>
+              <a:t>状态</a:t>
+            </a:r>
+            <a:r>
+              <a:rPr lang="en-US" altLang="zh-CN" sz="1600" dirty="0" smtClean="0">
+                <a:solidFill>
+                  <a:srgbClr val="C00000"/>
+                </a:solidFill>
+              </a:rPr>
+              <a:t>-</a:t>
+            </a:r>
+            <a:r>
+              <a:rPr lang="zh-CN" altLang="en-US" sz="1600" dirty="0" smtClean="0">
+                <a:solidFill>
+                  <a:srgbClr val="C00000"/>
+                </a:solidFill>
+              </a:rPr>
+              <a:t>等待结果为中止状态</a:t>
+            </a:r>
+            <a:endParaRPr lang="en-US" altLang="zh-CN" sz="1600" dirty="0" smtClean="0">
+              <a:solidFill>
+                <a:srgbClr val="C00000"/>
+              </a:solidFill>
+            </a:endParaRPr>
+          </a:p>
+          <a:p>
+            <a:pPr>
+              <a:lnSpc>
+                <a:spcPct val="150000"/>
+              </a:lnSpc>
+            </a:pPr>
+            <a:r>
+              <a:rPr lang="zh-CN" altLang="en-US" sz="1600" dirty="0" smtClean="0">
+                <a:solidFill>
+                  <a:srgbClr val="C00000"/>
+                </a:solidFill>
+              </a:rPr>
+              <a:t>发送邮箱：如果邮箱有邮件，邮件已满出错</a:t>
+            </a:r>
+            <a:endParaRPr lang="en-US" altLang="zh-CN" sz="1600" dirty="0" smtClean="0">
+              <a:solidFill>
+                <a:srgbClr val="C00000"/>
+              </a:solidFill>
+            </a:endParaRPr>
+          </a:p>
+          <a:p>
+            <a:pPr>
+              <a:lnSpc>
+                <a:spcPct val="150000"/>
+              </a:lnSpc>
+            </a:pPr>
+            <a:r>
+              <a:rPr lang="en-US" altLang="zh-CN" sz="1600" dirty="0">
+                <a:solidFill>
+                  <a:srgbClr val="C00000"/>
+                </a:solidFill>
+              </a:rPr>
+              <a:t>	</a:t>
+            </a:r>
+            <a:r>
+              <a:rPr lang="en-US" altLang="zh-CN" sz="1600" dirty="0" smtClean="0">
+                <a:solidFill>
+                  <a:srgbClr val="C00000"/>
+                </a:solidFill>
+              </a:rPr>
+              <a:t>  </a:t>
+            </a:r>
+            <a:r>
+              <a:rPr lang="zh-CN" altLang="en-US" sz="1600" dirty="0" smtClean="0">
+                <a:solidFill>
+                  <a:srgbClr val="C00000"/>
+                </a:solidFill>
+              </a:rPr>
+              <a:t>如果邮箱无邮件，  情景</a:t>
+            </a:r>
+            <a:r>
+              <a:rPr lang="en-US" altLang="zh-CN" sz="1600" dirty="0" smtClean="0">
+                <a:solidFill>
+                  <a:srgbClr val="C00000"/>
+                </a:solidFill>
+              </a:rPr>
+              <a:t>1-</a:t>
+            </a:r>
+            <a:r>
+              <a:rPr lang="zh-CN" altLang="en-US" sz="1600" dirty="0" smtClean="0">
+                <a:solidFill>
+                  <a:srgbClr val="C00000"/>
+                </a:solidFill>
+              </a:rPr>
+              <a:t>有</a:t>
+            </a:r>
+            <a:r>
+              <a:rPr lang="en-US" altLang="zh-CN" sz="1600" dirty="0" smtClean="0">
+                <a:solidFill>
+                  <a:srgbClr val="C00000"/>
+                </a:solidFill>
+              </a:rPr>
+              <a:t>b– </a:t>
+            </a:r>
+            <a:r>
+              <a:rPr lang="zh-CN" altLang="en-US" sz="1600" dirty="0" smtClean="0">
+                <a:solidFill>
+                  <a:srgbClr val="C00000"/>
+                </a:solidFill>
+              </a:rPr>
+              <a:t>使某个任务获取该邮件</a:t>
+            </a:r>
+            <a:endParaRPr lang="en-US" altLang="zh-CN" sz="1600" dirty="0" smtClean="0">
+              <a:solidFill>
+                <a:srgbClr val="C00000"/>
+              </a:solidFill>
+            </a:endParaRPr>
+          </a:p>
+          <a:p>
+            <a:pPr>
+              <a:lnSpc>
+                <a:spcPct val="150000"/>
+              </a:lnSpc>
+            </a:pPr>
+            <a:r>
+              <a:rPr lang="en-US" altLang="zh-CN" sz="1600" dirty="0">
+                <a:solidFill>
+                  <a:srgbClr val="C00000"/>
+                </a:solidFill>
+              </a:rPr>
+              <a:t>	</a:t>
+            </a:r>
+            <a:r>
+              <a:rPr lang="en-US" altLang="zh-CN" sz="1600" dirty="0" smtClean="0">
+                <a:solidFill>
+                  <a:srgbClr val="C00000"/>
+                </a:solidFill>
+              </a:rPr>
+              <a:t>		</a:t>
+            </a:r>
+            <a:r>
+              <a:rPr lang="zh-CN" altLang="en-US" sz="1600" dirty="0" smtClean="0">
+                <a:solidFill>
+                  <a:srgbClr val="C00000"/>
+                </a:solidFill>
+              </a:rPr>
+              <a:t>情景</a:t>
+            </a:r>
+            <a:r>
+              <a:rPr lang="en-US" altLang="zh-CN" sz="1600" dirty="0" smtClean="0">
+                <a:solidFill>
+                  <a:srgbClr val="C00000"/>
+                </a:solidFill>
+              </a:rPr>
+              <a:t>2-</a:t>
+            </a:r>
+            <a:r>
+              <a:rPr lang="zh-CN" altLang="en-US" sz="1600" dirty="0" smtClean="0">
+                <a:solidFill>
+                  <a:srgbClr val="C00000"/>
+                </a:solidFill>
+              </a:rPr>
+              <a:t>无</a:t>
+            </a:r>
+            <a:r>
+              <a:rPr lang="en-US" altLang="zh-CN" sz="1600" dirty="0" smtClean="0">
+                <a:solidFill>
+                  <a:srgbClr val="C00000"/>
+                </a:solidFill>
+              </a:rPr>
+              <a:t>b– </a:t>
+            </a:r>
+            <a:r>
+              <a:rPr lang="zh-CN" altLang="en-US" sz="1600" dirty="0" smtClean="0">
+                <a:solidFill>
+                  <a:srgbClr val="C00000"/>
+                </a:solidFill>
+              </a:rPr>
+              <a:t>设置</a:t>
+            </a:r>
+            <a:r>
+              <a:rPr lang="en-US" altLang="zh-CN" sz="1600" dirty="0" smtClean="0">
+                <a:solidFill>
+                  <a:srgbClr val="C00000"/>
+                </a:solidFill>
+              </a:rPr>
+              <a:t>a</a:t>
+            </a:r>
+          </a:p>
+          <a:p>
+            <a:pPr>
+              <a:lnSpc>
+                <a:spcPct val="150000"/>
+              </a:lnSpc>
+            </a:pPr>
+            <a:r>
+              <a:rPr lang="zh-CN" altLang="en-US" sz="1600" dirty="0" smtClean="0">
+                <a:solidFill>
+                  <a:srgbClr val="C00000"/>
+                </a:solidFill>
+              </a:rPr>
+              <a:t>查询邮箱：返回邮箱结构体</a:t>
+            </a:r>
+            <a:endParaRPr lang="en-US" altLang="zh-CN" sz="1600" dirty="0" smtClean="0">
+              <a:solidFill>
+                <a:srgbClr val="C00000"/>
+              </a:solidFill>
+            </a:endParaRPr>
+          </a:p>
+        </p:txBody>
+      </p:sp>
+      <p:sp>
+        <p:nvSpPr>
+          <p:cNvPr id="3" name="文本框 2"/>
+          <p:cNvSpPr txBox="1"/>
+          <p:nvPr/>
+        </p:nvSpPr>
+        <p:spPr>
+          <a:xfrm>
+            <a:off x="8722525" y="162323"/>
+            <a:ext cx="3222896" cy="881139"/>
+          </a:xfrm>
+          <a:prstGeom prst="rect">
+            <a:avLst/>
+          </a:prstGeom>
+          <a:noFill/>
+        </p:spPr>
+        <p:txBody>
+          <a:bodyPr wrap="square" rtlCol="0">
+            <a:spAutoFit/>
+          </a:bodyPr>
+          <a:lstStyle/>
+          <a:p>
+            <a:pPr>
+              <a:lnSpc>
+                <a:spcPct val="150000"/>
+              </a:lnSpc>
+            </a:pPr>
+            <a:r>
+              <a:rPr lang="zh-CN" altLang="en-US" dirty="0" smtClean="0">
+                <a:solidFill>
+                  <a:srgbClr val="FF0000"/>
+                </a:solidFill>
+              </a:rPr>
+              <a:t>任务控制块，必须增加存储消息的属性</a:t>
+            </a:r>
+          </a:p>
+        </p:txBody>
+      </p:sp>
     </p:spTree>
     <p:extLst>
       <p:ext uri="{BB962C8B-B14F-4D97-AF65-F5344CB8AC3E}">
@@ -10306,7 +12028,1204 @@
 </p:sld>
 </file>
 
-<file path=ppt/slides/slide11.xml><?xml version="1.0" encoding="utf-8"?>
+<file path=ppt/slides/slide14.xml><?xml version="1.0" encoding="utf-8"?>
+<p:sld xmlns:a="http://schemas.openxmlformats.org/drawingml/2006/main" xmlns:r="http://schemas.openxmlformats.org/officeDocument/2006/relationships" xmlns:p="http://schemas.openxmlformats.org/presentationml/2006/main">
+  <p:cSld>
+    <p:spTree>
+      <p:nvGrpSpPr>
+        <p:cNvPr id="1" name=""/>
+        <p:cNvGrpSpPr/>
+        <p:nvPr/>
+      </p:nvGrpSpPr>
+      <p:grpSpPr>
+        <a:xfrm>
+          <a:off x="0" y="0"/>
+          <a:ext cx="0" cy="0"/>
+          <a:chOff x="0" y="0"/>
+          <a:chExt cx="0" cy="0"/>
+        </a:xfrm>
+      </p:grpSpPr>
+      <p:sp>
+        <p:nvSpPr>
+          <p:cNvPr id="4" name="标题 1"/>
+          <p:cNvSpPr txBox="1">
+            <a:spLocks/>
+          </p:cNvSpPr>
+          <p:nvPr/>
+        </p:nvSpPr>
+        <p:spPr>
+          <a:xfrm>
+            <a:off x="1158620" y="73596"/>
+            <a:ext cx="3142593" cy="726473"/>
+          </a:xfrm>
+          <a:prstGeom prst="rect">
+            <a:avLst/>
+          </a:prstGeom>
+        </p:spPr>
+        <p:txBody>
+          <a:bodyPr vert="horz" lIns="91440" tIns="45720" rIns="91440" bIns="45720" rtlCol="0" anchor="ctr">
+            <a:normAutofit/>
+          </a:bodyPr>
+          <a:lstStyle>
+            <a:lvl1pPr algn="l" defTabSz="914400" rtl="0" eaLnBrk="1" latinLnBrk="0" hangingPunct="1">
+              <a:lnSpc>
+                <a:spcPct val="90000"/>
+              </a:lnSpc>
+              <a:spcBef>
+                <a:spcPct val="0"/>
+              </a:spcBef>
+              <a:buNone/>
+              <a:defRPr sz="4400" kern="1200">
+                <a:solidFill>
+                  <a:schemeClr val="tx1"/>
+                </a:solidFill>
+                <a:latin typeface="+mj-lt"/>
+                <a:ea typeface="+mj-ea"/>
+                <a:cs typeface="+mj-cs"/>
+              </a:defRPr>
+            </a:lvl1pPr>
+          </a:lstStyle>
+          <a:p>
+            <a:r>
+              <a:rPr lang="zh-CN" altLang="en-US" sz="2400" b="1" i="1" dirty="0" smtClean="0"/>
+              <a:t>消息队列结构</a:t>
+            </a:r>
+            <a:endParaRPr lang="zh-CN" altLang="en-US" sz="2400" dirty="0"/>
+          </a:p>
+        </p:txBody>
+      </p:sp>
+      <p:grpSp>
+        <p:nvGrpSpPr>
+          <p:cNvPr id="16" name="组合 15"/>
+          <p:cNvGrpSpPr/>
+          <p:nvPr/>
+        </p:nvGrpSpPr>
+        <p:grpSpPr>
+          <a:xfrm>
+            <a:off x="1220146" y="204013"/>
+            <a:ext cx="8233497" cy="2576663"/>
+            <a:chOff x="1146575" y="347852"/>
+            <a:chExt cx="8233497" cy="2576663"/>
+          </a:xfrm>
+        </p:grpSpPr>
+        <p:sp>
+          <p:nvSpPr>
+            <p:cNvPr id="5" name="文本框 4"/>
+            <p:cNvSpPr txBox="1"/>
+            <p:nvPr/>
+          </p:nvSpPr>
+          <p:spPr>
+            <a:xfrm>
+              <a:off x="1146575" y="1170189"/>
+              <a:ext cx="6117020" cy="1754326"/>
+            </a:xfrm>
+            <a:prstGeom prst="rect">
+              <a:avLst/>
+            </a:prstGeom>
+            <a:noFill/>
+          </p:spPr>
+          <p:txBody>
+            <a:bodyPr wrap="square" rtlCol="0">
+              <a:spAutoFit/>
+            </a:bodyPr>
+            <a:lstStyle/>
+            <a:p>
+              <a:pPr marL="285750" indent="-285750">
+                <a:lnSpc>
+                  <a:spcPct val="150000"/>
+                </a:lnSpc>
+                <a:buFont typeface="Arial" panose="020B0604020202020204" pitchFamily="34" charset="0"/>
+                <a:buChar char="•"/>
+              </a:pPr>
+              <a:r>
+                <a:rPr lang="en-US" altLang="zh-CN" dirty="0" smtClean="0"/>
+                <a:t>a</a:t>
+              </a:r>
+              <a:r>
+                <a:rPr lang="zh-CN" altLang="en-US" dirty="0" smtClean="0"/>
+                <a:t>消息队列</a:t>
+              </a:r>
+              <a:endParaRPr lang="en-US" altLang="zh-CN" dirty="0" smtClean="0"/>
+            </a:p>
+            <a:p>
+              <a:pPr marL="285750" indent="-285750">
+                <a:lnSpc>
+                  <a:spcPct val="150000"/>
+                </a:lnSpc>
+                <a:buFont typeface="Arial" panose="020B0604020202020204" pitchFamily="34" charset="0"/>
+                <a:buChar char="•"/>
+              </a:pPr>
+              <a:r>
+                <a:rPr lang="en-US" altLang="zh-CN" dirty="0" smtClean="0"/>
+                <a:t>b</a:t>
+              </a:r>
+              <a:r>
+                <a:rPr lang="zh-CN" altLang="en-US" dirty="0" smtClean="0"/>
+                <a:t>等待它的任务 </a:t>
+              </a:r>
+              <a:r>
+                <a:rPr lang="en-US" altLang="zh-CN" dirty="0" smtClean="0"/>
+                <a:t>—— TCB</a:t>
+              </a:r>
+              <a:r>
+                <a:rPr lang="zh-CN" altLang="en-US" dirty="0" smtClean="0"/>
+                <a:t>链表或者其他代替</a:t>
+              </a:r>
+              <a:r>
+                <a:rPr lang="en-US" altLang="zh-CN" dirty="0" smtClean="0"/>
+                <a:t>TCB</a:t>
+              </a:r>
+              <a:r>
+                <a:rPr lang="zh-CN" altLang="en-US" dirty="0" smtClean="0"/>
+                <a:t>的形式</a:t>
+              </a:r>
+              <a:endParaRPr lang="en-US" altLang="zh-CN" dirty="0" smtClean="0"/>
+            </a:p>
+            <a:p>
+              <a:pPr marL="285750" indent="-285750">
+                <a:lnSpc>
+                  <a:spcPct val="150000"/>
+                </a:lnSpc>
+                <a:buFont typeface="Arial" panose="020B0604020202020204" pitchFamily="34" charset="0"/>
+                <a:buChar char="•"/>
+              </a:pPr>
+              <a:r>
+                <a:rPr lang="en-US" altLang="zh-CN" dirty="0" smtClean="0"/>
+                <a:t>c</a:t>
+              </a:r>
+              <a:r>
+                <a:rPr lang="zh-CN" altLang="en-US" dirty="0" smtClean="0"/>
+                <a:t>消息数量</a:t>
+              </a:r>
+              <a:r>
+                <a:rPr lang="en-US" altLang="zh-CN" dirty="0" smtClean="0"/>
+                <a:t>(</a:t>
+              </a:r>
+              <a:r>
+                <a:rPr lang="zh-CN" altLang="en-US" dirty="0" smtClean="0"/>
+                <a:t>用于检测是否有可接收的消息</a:t>
+              </a:r>
+              <a:r>
+                <a:rPr lang="en-US" altLang="zh-CN" dirty="0" smtClean="0"/>
+                <a:t>)</a:t>
+              </a:r>
+              <a:endParaRPr lang="zh-CN" altLang="en-US" dirty="0"/>
+            </a:p>
+            <a:p>
+              <a:pPr marL="285750" indent="-285750">
+                <a:lnSpc>
+                  <a:spcPct val="150000"/>
+                </a:lnSpc>
+                <a:buFont typeface="Arial" panose="020B0604020202020204" pitchFamily="34" charset="0"/>
+                <a:buChar char="•"/>
+              </a:pPr>
+              <a:endParaRPr lang="en-US" altLang="zh-CN" dirty="0" smtClean="0"/>
+            </a:p>
+          </p:txBody>
+        </p:sp>
+        <p:sp>
+          <p:nvSpPr>
+            <p:cNvPr id="7" name="右箭头 6"/>
+            <p:cNvSpPr/>
+            <p:nvPr/>
+          </p:nvSpPr>
+          <p:spPr>
+            <a:xfrm>
+              <a:off x="2712378" y="1356189"/>
+              <a:ext cx="4171307" cy="174660"/>
+            </a:xfrm>
+            <a:prstGeom prst="rightArrow">
+              <a:avLst/>
+            </a:prstGeom>
+          </p:spPr>
+          <p:style>
+            <a:lnRef idx="2">
+              <a:schemeClr val="accent1">
+                <a:shade val="50000"/>
+              </a:schemeClr>
+            </a:lnRef>
+            <a:fillRef idx="1">
+              <a:schemeClr val="accent1"/>
+            </a:fillRef>
+            <a:effectRef idx="0">
+              <a:schemeClr val="accent1"/>
+            </a:effectRef>
+            <a:fontRef idx="minor">
+              <a:schemeClr val="lt1"/>
+            </a:fontRef>
+          </p:style>
+          <p:txBody>
+            <a:bodyPr rtlCol="0" anchor="ctr"/>
+            <a:lstStyle/>
+            <a:p>
+              <a:pPr algn="ctr"/>
+              <a:endParaRPr lang="zh-CN" altLang="en-US"/>
+            </a:p>
+          </p:txBody>
+        </p:sp>
+        <p:sp>
+          <p:nvSpPr>
+            <p:cNvPr id="8" name="左大括号 7"/>
+            <p:cNvSpPr/>
+            <p:nvPr/>
+          </p:nvSpPr>
+          <p:spPr>
+            <a:xfrm>
+              <a:off x="7047838" y="657546"/>
+              <a:ext cx="431514" cy="1243173"/>
+            </a:xfrm>
+            <a:prstGeom prst="leftBrace">
+              <a:avLst/>
+            </a:prstGeom>
+            <a:ln w="12700">
+              <a:solidFill>
+                <a:srgbClr val="FF0000"/>
+              </a:solidFill>
+              <a:headEnd type="none" w="med" len="med"/>
+              <a:tailEnd type="none" w="med" len="med"/>
+            </a:ln>
+          </p:spPr>
+          <p:style>
+            <a:lnRef idx="1">
+              <a:schemeClr val="accent1"/>
+            </a:lnRef>
+            <a:fillRef idx="0">
+              <a:schemeClr val="accent1"/>
+            </a:fillRef>
+            <a:effectRef idx="0">
+              <a:schemeClr val="accent1"/>
+            </a:effectRef>
+            <a:fontRef idx="minor">
+              <a:schemeClr val="tx1"/>
+            </a:fontRef>
+          </p:style>
+          <p:txBody>
+            <a:bodyPr rtlCol="0" anchor="ctr"/>
+            <a:lstStyle/>
+            <a:p>
+              <a:pPr algn="ctr"/>
+              <a:endParaRPr lang="zh-CN" altLang="en-US"/>
+            </a:p>
+          </p:txBody>
+        </p:sp>
+        <p:sp>
+          <p:nvSpPr>
+            <p:cNvPr id="9" name="文本框 8"/>
+            <p:cNvSpPr txBox="1"/>
+            <p:nvPr/>
+          </p:nvSpPr>
+          <p:spPr>
+            <a:xfrm>
+              <a:off x="7479353" y="347852"/>
+              <a:ext cx="1469205" cy="465640"/>
+            </a:xfrm>
+            <a:prstGeom prst="rect">
+              <a:avLst/>
+            </a:prstGeom>
+            <a:noFill/>
+          </p:spPr>
+          <p:txBody>
+            <a:bodyPr wrap="square" rtlCol="0">
+              <a:spAutoFit/>
+            </a:bodyPr>
+            <a:lstStyle/>
+            <a:p>
+              <a:pPr>
+                <a:lnSpc>
+                  <a:spcPct val="150000"/>
+                </a:lnSpc>
+              </a:pPr>
+              <a:r>
+                <a:rPr lang="en-US" altLang="zh-CN" dirty="0" smtClean="0"/>
+                <a:t>FIFO</a:t>
+              </a:r>
+              <a:r>
+                <a:rPr lang="zh-CN" altLang="en-US" dirty="0" smtClean="0"/>
+                <a:t>结构</a:t>
+              </a:r>
+            </a:p>
+          </p:txBody>
+        </p:sp>
+        <p:sp>
+          <p:nvSpPr>
+            <p:cNvPr id="12" name="文本框 11"/>
+            <p:cNvSpPr txBox="1"/>
+            <p:nvPr/>
+          </p:nvSpPr>
+          <p:spPr>
+            <a:xfrm>
+              <a:off x="7479353" y="813492"/>
+              <a:ext cx="1469205" cy="465640"/>
+            </a:xfrm>
+            <a:prstGeom prst="rect">
+              <a:avLst/>
+            </a:prstGeom>
+            <a:noFill/>
+          </p:spPr>
+          <p:txBody>
+            <a:bodyPr wrap="square" rtlCol="0">
+              <a:spAutoFit/>
+            </a:bodyPr>
+            <a:lstStyle/>
+            <a:p>
+              <a:pPr>
+                <a:lnSpc>
+                  <a:spcPct val="150000"/>
+                </a:lnSpc>
+              </a:pPr>
+              <a:r>
+                <a:rPr lang="zh-CN" altLang="en-US" dirty="0" smtClean="0"/>
+                <a:t>队列大小</a:t>
+              </a:r>
+            </a:p>
+          </p:txBody>
+        </p:sp>
+        <p:sp>
+          <p:nvSpPr>
+            <p:cNvPr id="13" name="文本框 12"/>
+            <p:cNvSpPr txBox="1"/>
+            <p:nvPr/>
+          </p:nvSpPr>
+          <p:spPr>
+            <a:xfrm>
+              <a:off x="7479352" y="1261350"/>
+              <a:ext cx="1900720" cy="507831"/>
+            </a:xfrm>
+            <a:prstGeom prst="rect">
+              <a:avLst/>
+            </a:prstGeom>
+            <a:noFill/>
+          </p:spPr>
+          <p:txBody>
+            <a:bodyPr wrap="square" rtlCol="0">
+              <a:spAutoFit/>
+            </a:bodyPr>
+            <a:lstStyle/>
+            <a:p>
+              <a:pPr>
+                <a:lnSpc>
+                  <a:spcPct val="150000"/>
+                </a:lnSpc>
+              </a:pPr>
+              <a:r>
+                <a:rPr lang="zh-CN" altLang="en-US" dirty="0" smtClean="0"/>
+                <a:t>队列起始和结束</a:t>
+              </a:r>
+            </a:p>
+          </p:txBody>
+        </p:sp>
+        <p:sp>
+          <p:nvSpPr>
+            <p:cNvPr id="14" name="文本框 13"/>
+            <p:cNvSpPr txBox="1"/>
+            <p:nvPr/>
+          </p:nvSpPr>
+          <p:spPr>
+            <a:xfrm>
+              <a:off x="7479352" y="1640803"/>
+              <a:ext cx="1900720" cy="465640"/>
+            </a:xfrm>
+            <a:prstGeom prst="rect">
+              <a:avLst/>
+            </a:prstGeom>
+            <a:noFill/>
+          </p:spPr>
+          <p:txBody>
+            <a:bodyPr wrap="square" rtlCol="0">
+              <a:spAutoFit/>
+            </a:bodyPr>
+            <a:lstStyle/>
+            <a:p>
+              <a:pPr>
+                <a:lnSpc>
+                  <a:spcPct val="150000"/>
+                </a:lnSpc>
+              </a:pPr>
+              <a:r>
+                <a:rPr lang="zh-CN" altLang="en-US" dirty="0" smtClean="0"/>
+                <a:t>读取指针</a:t>
+              </a:r>
+            </a:p>
+          </p:txBody>
+        </p:sp>
+      </p:grpSp>
+      <p:sp>
+        <p:nvSpPr>
+          <p:cNvPr id="15" name="文本框 14"/>
+          <p:cNvSpPr txBox="1"/>
+          <p:nvPr/>
+        </p:nvSpPr>
+        <p:spPr>
+          <a:xfrm>
+            <a:off x="655302" y="2468114"/>
+            <a:ext cx="11536698" cy="4154984"/>
+          </a:xfrm>
+          <a:prstGeom prst="rect">
+            <a:avLst/>
+          </a:prstGeom>
+          <a:noFill/>
+        </p:spPr>
+        <p:txBody>
+          <a:bodyPr wrap="square" rtlCol="0">
+            <a:spAutoFit/>
+          </a:bodyPr>
+          <a:lstStyle/>
+          <a:p>
+            <a:pPr>
+              <a:lnSpc>
+                <a:spcPct val="150000"/>
+              </a:lnSpc>
+            </a:pPr>
+            <a:r>
+              <a:rPr lang="zh-CN" altLang="en-US" sz="1600" dirty="0" smtClean="0">
+                <a:solidFill>
+                  <a:srgbClr val="C00000"/>
+                </a:solidFill>
+              </a:rPr>
+              <a:t>操作：</a:t>
+            </a:r>
+            <a:endParaRPr lang="en-US" altLang="zh-CN" sz="1600" dirty="0" smtClean="0">
+              <a:solidFill>
+                <a:srgbClr val="C00000"/>
+              </a:solidFill>
+            </a:endParaRPr>
+          </a:p>
+          <a:p>
+            <a:pPr>
+              <a:lnSpc>
+                <a:spcPct val="150000"/>
+              </a:lnSpc>
+            </a:pPr>
+            <a:r>
+              <a:rPr lang="zh-CN" altLang="en-US" sz="1600" dirty="0">
+                <a:solidFill>
+                  <a:srgbClr val="C00000"/>
+                </a:solidFill>
+              </a:rPr>
+              <a:t>新建消息队列：</a:t>
+            </a:r>
+            <a:r>
+              <a:rPr lang="zh-CN" altLang="en-US" sz="1600" dirty="0" smtClean="0">
+                <a:solidFill>
+                  <a:srgbClr val="C00000"/>
+                </a:solidFill>
+              </a:rPr>
+              <a:t>初始化 </a:t>
+            </a:r>
+            <a:r>
+              <a:rPr lang="en-US" altLang="zh-CN" sz="1600" dirty="0" smtClean="0">
+                <a:solidFill>
+                  <a:srgbClr val="C00000"/>
+                </a:solidFill>
+              </a:rPr>
+              <a:t>a, b, c</a:t>
+            </a:r>
+          </a:p>
+          <a:p>
+            <a:pPr>
+              <a:lnSpc>
+                <a:spcPct val="150000"/>
+              </a:lnSpc>
+            </a:pPr>
+            <a:r>
+              <a:rPr lang="zh-CN" altLang="en-US" sz="1600" dirty="0">
+                <a:solidFill>
+                  <a:srgbClr val="C00000"/>
+                </a:solidFill>
+              </a:rPr>
+              <a:t>删除消息队列：</a:t>
+            </a:r>
+            <a:r>
+              <a:rPr lang="en-US" altLang="zh-CN" sz="1600" dirty="0" smtClean="0">
+                <a:solidFill>
+                  <a:srgbClr val="C00000"/>
+                </a:solidFill>
+              </a:rPr>
+              <a:t>b</a:t>
+            </a:r>
+            <a:r>
+              <a:rPr lang="zh-CN" altLang="en-US" sz="1600" dirty="0" smtClean="0">
+                <a:solidFill>
+                  <a:srgbClr val="C00000"/>
+                </a:solidFill>
+              </a:rPr>
+              <a:t>全部进入等待</a:t>
+            </a:r>
+            <a:r>
+              <a:rPr lang="en-US" altLang="zh-CN" sz="1600" dirty="0" smtClean="0">
+                <a:solidFill>
+                  <a:srgbClr val="C00000"/>
+                </a:solidFill>
+              </a:rPr>
+              <a:t>CPU</a:t>
+            </a:r>
+            <a:r>
+              <a:rPr lang="zh-CN" altLang="en-US" sz="1600" dirty="0" smtClean="0">
+                <a:solidFill>
+                  <a:srgbClr val="C00000"/>
+                </a:solidFill>
+              </a:rPr>
+              <a:t>状态，并获取消息</a:t>
+            </a:r>
+            <a:r>
+              <a:rPr lang="en-US" altLang="zh-CN" sz="1600" dirty="0" smtClean="0">
+                <a:solidFill>
+                  <a:srgbClr val="C00000"/>
+                </a:solidFill>
+              </a:rPr>
+              <a:t>(</a:t>
+            </a:r>
+            <a:r>
+              <a:rPr lang="zh-CN" altLang="en-US" sz="1600" dirty="0" smtClean="0">
+                <a:solidFill>
+                  <a:srgbClr val="C00000"/>
+                </a:solidFill>
+              </a:rPr>
+              <a:t>没有消息就是</a:t>
+            </a:r>
+            <a:r>
+              <a:rPr lang="en-US" altLang="zh-CN" sz="1600" dirty="0" smtClean="0">
+                <a:solidFill>
+                  <a:srgbClr val="C00000"/>
+                </a:solidFill>
+              </a:rPr>
+              <a:t>NULL)</a:t>
+            </a:r>
+            <a:r>
+              <a:rPr lang="zh-CN" altLang="en-US" sz="1600" dirty="0">
+                <a:solidFill>
+                  <a:srgbClr val="C00000"/>
+                </a:solidFill>
+              </a:rPr>
+              <a:t> </a:t>
+            </a:r>
+            <a:r>
+              <a:rPr lang="en-US" altLang="zh-CN" sz="1600" dirty="0" smtClean="0">
+                <a:solidFill>
+                  <a:srgbClr val="C00000"/>
+                </a:solidFill>
+              </a:rPr>
+              <a:t>– </a:t>
+            </a:r>
+            <a:r>
+              <a:rPr lang="zh-CN" altLang="en-US" sz="1600" dirty="0" smtClean="0">
+                <a:solidFill>
+                  <a:srgbClr val="C00000"/>
+                </a:solidFill>
+              </a:rPr>
+              <a:t>释放内存或者归还内存到链表</a:t>
+            </a:r>
+            <a:endParaRPr lang="en-US" altLang="zh-CN" sz="1600" dirty="0" smtClean="0">
+              <a:solidFill>
+                <a:srgbClr val="C00000"/>
+              </a:solidFill>
+            </a:endParaRPr>
+          </a:p>
+          <a:p>
+            <a:pPr>
+              <a:lnSpc>
+                <a:spcPct val="150000"/>
+              </a:lnSpc>
+            </a:pPr>
+            <a:r>
+              <a:rPr lang="zh-CN" altLang="en-US" sz="1600" dirty="0">
+                <a:solidFill>
+                  <a:srgbClr val="C00000"/>
+                </a:solidFill>
+              </a:rPr>
+              <a:t>请求消息队列</a:t>
+            </a:r>
+            <a:r>
+              <a:rPr lang="zh-CN" altLang="en-US" sz="1600" dirty="0" smtClean="0">
+                <a:solidFill>
+                  <a:srgbClr val="C00000"/>
+                </a:solidFill>
+              </a:rPr>
+              <a:t>：检测</a:t>
+            </a:r>
+            <a:r>
+              <a:rPr lang="en-US" altLang="zh-CN" sz="1600" dirty="0" smtClean="0">
+                <a:solidFill>
+                  <a:srgbClr val="C00000"/>
+                </a:solidFill>
+              </a:rPr>
+              <a:t>c    </a:t>
+            </a:r>
+            <a:r>
+              <a:rPr lang="zh-CN" altLang="en-US" sz="1600" dirty="0" smtClean="0">
+                <a:solidFill>
+                  <a:srgbClr val="C00000"/>
+                </a:solidFill>
+              </a:rPr>
+              <a:t>如果有消息</a:t>
+            </a:r>
+            <a:r>
+              <a:rPr lang="en-US" altLang="zh-CN" sz="1600" dirty="0" smtClean="0">
+                <a:solidFill>
+                  <a:srgbClr val="C00000"/>
+                </a:solidFill>
+              </a:rPr>
+              <a:t>-</a:t>
+            </a:r>
+            <a:r>
+              <a:rPr lang="zh-CN" altLang="en-US" sz="1600" dirty="0" smtClean="0">
+                <a:solidFill>
+                  <a:srgbClr val="C00000"/>
+                </a:solidFill>
+              </a:rPr>
+              <a:t>获取消息</a:t>
+            </a:r>
+            <a:r>
+              <a:rPr lang="en-US" altLang="zh-CN" sz="1600" dirty="0" smtClean="0">
+                <a:solidFill>
+                  <a:srgbClr val="C00000"/>
+                </a:solidFill>
+              </a:rPr>
+              <a:t> - </a:t>
+            </a:r>
+          </a:p>
+          <a:p>
+            <a:pPr>
+              <a:lnSpc>
+                <a:spcPct val="150000"/>
+              </a:lnSpc>
+            </a:pPr>
+            <a:r>
+              <a:rPr lang="en-US" altLang="zh-CN" sz="1600" dirty="0" smtClean="0">
+                <a:solidFill>
+                  <a:srgbClr val="C00000"/>
+                </a:solidFill>
+              </a:rPr>
+              <a:t>                          </a:t>
+            </a:r>
+            <a:r>
+              <a:rPr lang="zh-CN" altLang="en-US" sz="1600" dirty="0" smtClean="0">
+                <a:solidFill>
+                  <a:srgbClr val="C00000"/>
+                </a:solidFill>
+              </a:rPr>
+              <a:t>没有消息 </a:t>
+            </a:r>
+            <a:r>
+              <a:rPr lang="en-US" altLang="zh-CN" sz="1600" dirty="0" smtClean="0">
+                <a:solidFill>
+                  <a:srgbClr val="C00000"/>
+                </a:solidFill>
+              </a:rPr>
+              <a:t>–</a:t>
+            </a:r>
+            <a:r>
+              <a:rPr lang="zh-CN" altLang="en-US" sz="1600" dirty="0" smtClean="0">
+                <a:solidFill>
+                  <a:srgbClr val="C00000"/>
+                </a:solidFill>
+              </a:rPr>
+              <a:t>设置任务状态、等待结果状态、请求时间 </a:t>
+            </a:r>
+            <a:r>
+              <a:rPr lang="en-US" altLang="zh-CN" sz="1600" dirty="0" smtClean="0">
+                <a:solidFill>
+                  <a:srgbClr val="C00000"/>
+                </a:solidFill>
+              </a:rPr>
+              <a:t>–</a:t>
+            </a:r>
+            <a:r>
+              <a:rPr lang="zh-CN" altLang="en-US" sz="1600" dirty="0">
+                <a:solidFill>
+                  <a:srgbClr val="C00000"/>
+                </a:solidFill>
+              </a:rPr>
+              <a:t>进入等待资源</a:t>
+            </a:r>
+            <a:r>
+              <a:rPr lang="zh-CN" altLang="en-US" sz="1600" dirty="0" smtClean="0">
+                <a:solidFill>
+                  <a:srgbClr val="C00000"/>
+                </a:solidFill>
+              </a:rPr>
+              <a:t>状态</a:t>
+            </a:r>
+            <a:r>
+              <a:rPr lang="en-US" altLang="zh-CN" sz="1600" dirty="0" smtClean="0">
+                <a:solidFill>
+                  <a:srgbClr val="C00000"/>
+                </a:solidFill>
+              </a:rPr>
+              <a:t>-</a:t>
+            </a:r>
+            <a:r>
+              <a:rPr lang="zh-CN" altLang="en-US" sz="1600" dirty="0" smtClean="0">
+                <a:solidFill>
+                  <a:srgbClr val="C00000"/>
+                </a:solidFill>
+              </a:rPr>
+              <a:t>任务调度-查看等待结果返回错误</a:t>
+            </a:r>
+            <a:endParaRPr lang="en-US" altLang="zh-CN" sz="1600" dirty="0" smtClean="0">
+              <a:solidFill>
+                <a:srgbClr val="C00000"/>
+              </a:solidFill>
+            </a:endParaRPr>
+          </a:p>
+          <a:p>
+            <a:pPr>
+              <a:lnSpc>
+                <a:spcPct val="150000"/>
+              </a:lnSpc>
+            </a:pPr>
+            <a:r>
+              <a:rPr lang="zh-CN" altLang="en-US" sz="1600" dirty="0" smtClean="0">
+                <a:solidFill>
+                  <a:srgbClr val="C00000"/>
+                </a:solidFill>
+              </a:rPr>
+              <a:t>发送</a:t>
+            </a:r>
+            <a:r>
+              <a:rPr lang="zh-CN" altLang="en-US" sz="1600" dirty="0">
+                <a:solidFill>
+                  <a:srgbClr val="C00000"/>
+                </a:solidFill>
+              </a:rPr>
+              <a:t>消息队列</a:t>
+            </a:r>
+            <a:r>
+              <a:rPr lang="zh-CN" altLang="en-US" sz="1600" dirty="0" smtClean="0">
+                <a:solidFill>
+                  <a:srgbClr val="C00000"/>
+                </a:solidFill>
+              </a:rPr>
+              <a:t>：如果消息队列满了，出错</a:t>
+            </a:r>
+            <a:endParaRPr lang="en-US" altLang="zh-CN" sz="1600" dirty="0" smtClean="0">
+              <a:solidFill>
+                <a:srgbClr val="C00000"/>
+              </a:solidFill>
+            </a:endParaRPr>
+          </a:p>
+          <a:p>
+            <a:pPr>
+              <a:lnSpc>
+                <a:spcPct val="150000"/>
+              </a:lnSpc>
+            </a:pPr>
+            <a:r>
+              <a:rPr lang="en-US" altLang="zh-CN" sz="1600" dirty="0" smtClean="0">
+                <a:solidFill>
+                  <a:srgbClr val="C00000"/>
+                </a:solidFill>
+              </a:rPr>
+              <a:t>	         </a:t>
+            </a:r>
+            <a:r>
+              <a:rPr lang="zh-CN" altLang="en-US" sz="1600" dirty="0" smtClean="0">
+                <a:solidFill>
+                  <a:srgbClr val="C00000"/>
+                </a:solidFill>
+              </a:rPr>
+              <a:t>如果有</a:t>
+            </a:r>
+            <a:r>
+              <a:rPr lang="en-US" altLang="zh-CN" sz="1600" dirty="0" smtClean="0">
+                <a:solidFill>
+                  <a:srgbClr val="C00000"/>
+                </a:solidFill>
+              </a:rPr>
+              <a:t>b – </a:t>
+            </a:r>
+            <a:r>
+              <a:rPr lang="zh-CN" altLang="en-US" sz="1600" dirty="0" smtClean="0">
+                <a:solidFill>
+                  <a:srgbClr val="C00000"/>
+                </a:solidFill>
+              </a:rPr>
+              <a:t>某个任务进入等待</a:t>
+            </a:r>
+            <a:r>
+              <a:rPr lang="en-US" altLang="zh-CN" sz="1600" dirty="0" smtClean="0">
+                <a:solidFill>
+                  <a:srgbClr val="C00000"/>
+                </a:solidFill>
+              </a:rPr>
+              <a:t>CPU</a:t>
+            </a:r>
+            <a:r>
+              <a:rPr lang="zh-CN" altLang="en-US" sz="1600" dirty="0" smtClean="0">
+                <a:solidFill>
+                  <a:srgbClr val="C00000"/>
+                </a:solidFill>
+              </a:rPr>
+              <a:t>状态</a:t>
+            </a:r>
+            <a:r>
+              <a:rPr lang="en-US" altLang="zh-CN" sz="1600" dirty="0" smtClean="0">
+                <a:solidFill>
+                  <a:srgbClr val="C00000"/>
+                </a:solidFill>
+              </a:rPr>
+              <a:t>(</a:t>
+            </a:r>
+            <a:r>
+              <a:rPr lang="zh-CN" altLang="en-US" sz="1600" dirty="0" smtClean="0">
+                <a:solidFill>
+                  <a:srgbClr val="C00000"/>
+                </a:solidFill>
+              </a:rPr>
+              <a:t>或者广播模式</a:t>
+            </a:r>
+            <a:r>
+              <a:rPr lang="en-US" altLang="zh-CN" sz="1600" dirty="0" smtClean="0">
+                <a:solidFill>
+                  <a:srgbClr val="C00000"/>
+                </a:solidFill>
+              </a:rPr>
+              <a:t>)</a:t>
+            </a:r>
+            <a:r>
+              <a:rPr lang="zh-CN" altLang="en-US" sz="1600" dirty="0" smtClean="0">
+                <a:solidFill>
+                  <a:srgbClr val="C00000"/>
+                </a:solidFill>
+              </a:rPr>
+              <a:t>，调度</a:t>
+            </a:r>
+            <a:endParaRPr lang="en-US" altLang="zh-CN" sz="1600" dirty="0" smtClean="0">
+              <a:solidFill>
+                <a:srgbClr val="C00000"/>
+              </a:solidFill>
+            </a:endParaRPr>
+          </a:p>
+          <a:p>
+            <a:pPr>
+              <a:lnSpc>
+                <a:spcPct val="150000"/>
+              </a:lnSpc>
+            </a:pPr>
+            <a:r>
+              <a:rPr lang="en-US" altLang="zh-CN" sz="1600" dirty="0">
+                <a:solidFill>
+                  <a:srgbClr val="C00000"/>
+                </a:solidFill>
+              </a:rPr>
+              <a:t>	</a:t>
+            </a:r>
+            <a:r>
+              <a:rPr lang="en-US" altLang="zh-CN" sz="1600" dirty="0" smtClean="0">
+                <a:solidFill>
+                  <a:srgbClr val="C00000"/>
+                </a:solidFill>
+              </a:rPr>
+              <a:t>         </a:t>
+            </a:r>
+            <a:r>
+              <a:rPr lang="zh-CN" altLang="en-US" sz="1600" dirty="0" smtClean="0">
+                <a:solidFill>
+                  <a:srgbClr val="C00000"/>
+                </a:solidFill>
+              </a:rPr>
+              <a:t>否则 ，存储消息到</a:t>
+            </a:r>
+            <a:r>
+              <a:rPr lang="en-US" altLang="zh-CN" sz="1600" dirty="0" smtClean="0">
+                <a:solidFill>
+                  <a:srgbClr val="C00000"/>
+                </a:solidFill>
+              </a:rPr>
+              <a:t>a(</a:t>
+            </a:r>
+            <a:r>
+              <a:rPr lang="zh-CN" altLang="en-US" sz="1600" dirty="0" smtClean="0">
+                <a:solidFill>
+                  <a:srgbClr val="C00000"/>
+                </a:solidFill>
+              </a:rPr>
+              <a:t>有多种存储方式</a:t>
+            </a:r>
+            <a:r>
+              <a:rPr lang="en-US" altLang="zh-CN" sz="1600" dirty="0" smtClean="0">
+                <a:solidFill>
+                  <a:srgbClr val="C00000"/>
+                </a:solidFill>
+              </a:rPr>
+              <a:t>)</a:t>
+            </a:r>
+          </a:p>
+          <a:p>
+            <a:pPr>
+              <a:lnSpc>
+                <a:spcPct val="150000"/>
+              </a:lnSpc>
+            </a:pPr>
+            <a:r>
+              <a:rPr lang="zh-CN" altLang="en-US" sz="1600" dirty="0" smtClean="0">
+                <a:solidFill>
+                  <a:srgbClr val="C00000"/>
+                </a:solidFill>
+              </a:rPr>
+              <a:t>查询</a:t>
+            </a:r>
+            <a:r>
+              <a:rPr lang="zh-CN" altLang="en-US" sz="1600" dirty="0">
+                <a:solidFill>
+                  <a:srgbClr val="C00000"/>
+                </a:solidFill>
+              </a:rPr>
+              <a:t>消息队列：</a:t>
+            </a:r>
+            <a:r>
+              <a:rPr lang="zh-CN" altLang="en-US" sz="1600" dirty="0" smtClean="0">
+                <a:solidFill>
+                  <a:srgbClr val="C00000"/>
+                </a:solidFill>
+              </a:rPr>
+              <a:t>返回消息结构体  ，和部分队列信息</a:t>
+            </a:r>
+            <a:endParaRPr lang="en-US" altLang="zh-CN" sz="1600" dirty="0" smtClean="0">
+              <a:solidFill>
+                <a:srgbClr val="C00000"/>
+              </a:solidFill>
+            </a:endParaRPr>
+          </a:p>
+          <a:p>
+            <a:pPr>
+              <a:lnSpc>
+                <a:spcPct val="150000"/>
+              </a:lnSpc>
+            </a:pPr>
+            <a:r>
+              <a:rPr lang="zh-CN" altLang="en-US" sz="1600" dirty="0">
+                <a:solidFill>
+                  <a:srgbClr val="C00000"/>
+                </a:solidFill>
+              </a:rPr>
+              <a:t>请求中止消息队列：使所有</a:t>
+            </a:r>
+            <a:r>
+              <a:rPr lang="en-US" altLang="zh-CN" sz="1600" dirty="0">
+                <a:solidFill>
+                  <a:srgbClr val="C00000"/>
+                </a:solidFill>
+              </a:rPr>
+              <a:t>b</a:t>
+            </a:r>
+            <a:r>
+              <a:rPr lang="zh-CN" altLang="en-US" sz="1600" dirty="0">
+                <a:solidFill>
+                  <a:srgbClr val="C00000"/>
+                </a:solidFill>
+              </a:rPr>
+              <a:t>进入等待</a:t>
+            </a:r>
+            <a:r>
+              <a:rPr lang="en-US" altLang="zh-CN" sz="1600" dirty="0">
+                <a:solidFill>
+                  <a:srgbClr val="C00000"/>
+                </a:solidFill>
+              </a:rPr>
+              <a:t>CPU</a:t>
+            </a:r>
+            <a:r>
+              <a:rPr lang="zh-CN" altLang="en-US" sz="1600" dirty="0">
+                <a:solidFill>
+                  <a:srgbClr val="C00000"/>
+                </a:solidFill>
+              </a:rPr>
+              <a:t>状态</a:t>
+            </a:r>
+            <a:r>
+              <a:rPr lang="en-US" altLang="zh-CN" sz="1600" dirty="0">
+                <a:solidFill>
+                  <a:srgbClr val="C00000"/>
+                </a:solidFill>
+              </a:rPr>
+              <a:t>-</a:t>
+            </a:r>
+            <a:r>
+              <a:rPr lang="zh-CN" altLang="en-US" sz="1600" dirty="0">
+                <a:solidFill>
+                  <a:srgbClr val="C00000"/>
+                </a:solidFill>
+              </a:rPr>
+              <a:t>等待结果为中止</a:t>
+            </a:r>
+            <a:r>
+              <a:rPr lang="zh-CN" altLang="en-US" sz="1600" dirty="0" smtClean="0">
+                <a:solidFill>
+                  <a:srgbClr val="C00000"/>
+                </a:solidFill>
+              </a:rPr>
+              <a:t>状态 </a:t>
+            </a:r>
+            <a:r>
+              <a:rPr lang="en-US" altLang="zh-CN" sz="1600" dirty="0" smtClean="0">
+                <a:solidFill>
+                  <a:srgbClr val="C00000"/>
+                </a:solidFill>
+              </a:rPr>
+              <a:t>– </a:t>
+            </a:r>
+            <a:r>
+              <a:rPr lang="zh-CN" altLang="en-US" sz="1600" dirty="0" smtClean="0">
+                <a:solidFill>
+                  <a:srgbClr val="C00000"/>
+                </a:solidFill>
+              </a:rPr>
+              <a:t>为便于调试返回中止的任务数</a:t>
+            </a:r>
+            <a:endParaRPr lang="en-US" altLang="zh-CN" sz="1600" dirty="0" smtClean="0">
+              <a:solidFill>
+                <a:srgbClr val="C00000"/>
+              </a:solidFill>
+            </a:endParaRPr>
+          </a:p>
+          <a:p>
+            <a:pPr>
+              <a:lnSpc>
+                <a:spcPct val="150000"/>
+              </a:lnSpc>
+            </a:pPr>
+            <a:r>
+              <a:rPr lang="zh-CN" altLang="en-US" sz="1600" dirty="0">
+                <a:solidFill>
+                  <a:srgbClr val="C00000"/>
+                </a:solidFill>
+              </a:rPr>
+              <a:t>清</a:t>
+            </a:r>
+            <a:r>
+              <a:rPr lang="zh-CN" altLang="en-US" sz="1600" dirty="0" smtClean="0">
+                <a:solidFill>
+                  <a:srgbClr val="C00000"/>
+                </a:solidFill>
+              </a:rPr>
+              <a:t>空消息队列：不管有没有等待，初始化</a:t>
+            </a:r>
+            <a:r>
+              <a:rPr lang="en-US" altLang="zh-CN" sz="1600" dirty="0" smtClean="0">
+                <a:solidFill>
+                  <a:srgbClr val="C00000"/>
+                </a:solidFill>
+              </a:rPr>
+              <a:t>a</a:t>
+            </a:r>
+            <a:r>
+              <a:rPr lang="zh-CN" altLang="en-US" sz="1600" dirty="0" smtClean="0">
+                <a:solidFill>
+                  <a:srgbClr val="C00000"/>
+                </a:solidFill>
+              </a:rPr>
+              <a:t>，</a:t>
+            </a:r>
+            <a:r>
+              <a:rPr lang="en-US" altLang="zh-CN" sz="1600" dirty="0" smtClean="0">
+                <a:solidFill>
+                  <a:srgbClr val="C00000"/>
+                </a:solidFill>
+              </a:rPr>
+              <a:t>b</a:t>
+            </a:r>
+            <a:r>
+              <a:rPr lang="zh-CN" altLang="en-US" sz="1600" dirty="0" smtClean="0">
+                <a:solidFill>
+                  <a:srgbClr val="C00000"/>
+                </a:solidFill>
+              </a:rPr>
+              <a:t>，</a:t>
+            </a:r>
+            <a:r>
+              <a:rPr lang="en-US" altLang="zh-CN" sz="1600" dirty="0">
+                <a:solidFill>
+                  <a:srgbClr val="C00000"/>
+                </a:solidFill>
+              </a:rPr>
+              <a:t>c</a:t>
+            </a:r>
+          </a:p>
+        </p:txBody>
+      </p:sp>
+    </p:spTree>
+    <p:extLst>
+      <p:ext uri="{BB962C8B-B14F-4D97-AF65-F5344CB8AC3E}">
+        <p14:creationId xmlns:p14="http://schemas.microsoft.com/office/powerpoint/2010/main" val="605866923"/>
+      </p:ext>
+    </p:extLst>
+  </p:cSld>
+  <p:clrMapOvr>
+    <a:masterClrMapping/>
+  </p:clrMapOvr>
+</p:sld>
+</file>
+
+<file path=ppt/slides/slide15.xml><?xml version="1.0" encoding="utf-8"?>
+<p:sld xmlns:a="http://schemas.openxmlformats.org/drawingml/2006/main" xmlns:r="http://schemas.openxmlformats.org/officeDocument/2006/relationships" xmlns:p="http://schemas.openxmlformats.org/presentationml/2006/main">
+  <p:cSld>
+    <p:spTree>
+      <p:nvGrpSpPr>
+        <p:cNvPr id="1" name=""/>
+        <p:cNvGrpSpPr/>
+        <p:nvPr/>
+      </p:nvGrpSpPr>
+      <p:grpSpPr>
+        <a:xfrm>
+          <a:off x="0" y="0"/>
+          <a:ext cx="0" cy="0"/>
+          <a:chOff x="0" y="0"/>
+          <a:chExt cx="0" cy="0"/>
+        </a:xfrm>
+      </p:grpSpPr>
+      <p:sp>
+        <p:nvSpPr>
+          <p:cNvPr id="2" name="标题 1"/>
+          <p:cNvSpPr>
+            <a:spLocks noGrp="1"/>
+          </p:cNvSpPr>
+          <p:nvPr>
+            <p:ph type="title"/>
+          </p:nvPr>
+        </p:nvSpPr>
+        <p:spPr/>
+        <p:txBody>
+          <a:bodyPr/>
+          <a:lstStyle/>
+          <a:p>
+            <a:endParaRPr lang="zh-CN" altLang="en-US"/>
+          </a:p>
+        </p:txBody>
+      </p:sp>
+      <p:sp>
+        <p:nvSpPr>
+          <p:cNvPr id="3" name="内容占位符 2"/>
+          <p:cNvSpPr>
+            <a:spLocks noGrp="1"/>
+          </p:cNvSpPr>
+          <p:nvPr>
+            <p:ph idx="1"/>
+          </p:nvPr>
+        </p:nvSpPr>
+        <p:spPr/>
+        <p:txBody>
+          <a:bodyPr/>
+          <a:lstStyle/>
+          <a:p>
+            <a:endParaRPr lang="zh-CN" altLang="en-US"/>
+          </a:p>
+        </p:txBody>
+      </p:sp>
+    </p:spTree>
+    <p:extLst>
+      <p:ext uri="{BB962C8B-B14F-4D97-AF65-F5344CB8AC3E}">
+        <p14:creationId xmlns:p14="http://schemas.microsoft.com/office/powerpoint/2010/main" val="4250523076"/>
+      </p:ext>
+    </p:extLst>
+  </p:cSld>
+  <p:clrMapOvr>
+    <a:masterClrMapping/>
+  </p:clrMapOvr>
+</p:sld>
+</file>
+
+<file path=ppt/slides/slide16.xml><?xml version="1.0" encoding="utf-8"?>
 <p:sld xmlns:a="http://schemas.openxmlformats.org/drawingml/2006/main" xmlns:r="http://schemas.openxmlformats.org/officeDocument/2006/relationships" xmlns:p="http://schemas.openxmlformats.org/presentationml/2006/main">
   <p:cSld>
     <p:spTree>
@@ -12325,7 +15244,7 @@
 </p:sld>
 </file>
 
-<file path=ppt/slides/slide12.xml><?xml version="1.0" encoding="utf-8"?>
+<file path=ppt/slides/slide17.xml><?xml version="1.0" encoding="utf-8"?>
 <p:sld xmlns:a="http://schemas.openxmlformats.org/drawingml/2006/main" xmlns:r="http://schemas.openxmlformats.org/officeDocument/2006/relationships" xmlns:p="http://schemas.openxmlformats.org/presentationml/2006/main">
   <p:cSld>
     <p:spTree>
@@ -14307,17 +17226,12 @@
           <a:p>
             <a:r>
               <a:rPr lang="zh-CN" altLang="en-US" dirty="0" smtClean="0"/>
-              <a:t>内核从这里选择任务</a:t>
-            </a:r>
-            <a:r>
-              <a:rPr lang="zh-CN" altLang="en-US" dirty="0" smtClean="0"/>
-              <a:t>进行</a:t>
+              <a:t>内核从这里选择任务进行</a:t>
             </a:r>
             <a:r>
               <a:rPr lang="zh-CN" altLang="en-US" dirty="0"/>
               <a:t>就绪表</a:t>
             </a:r>
-            <a:endParaRPr lang="zh-CN" altLang="en-US" dirty="0"/>
           </a:p>
         </p:txBody>
       </p:sp>
@@ -14334,7 +17248,7 @@
 </p:sld>
 </file>
 
-<file path=ppt/slides/slide13.xml><?xml version="1.0" encoding="utf-8"?>
+<file path=ppt/slides/slide18.xml><?xml version="1.0" encoding="utf-8"?>
 <p:sld xmlns:a="http://schemas.openxmlformats.org/drawingml/2006/main" xmlns:r="http://schemas.openxmlformats.org/officeDocument/2006/relationships" xmlns:p="http://schemas.openxmlformats.org/presentationml/2006/main">
   <p:cSld>
     <p:spTree>
@@ -14400,46 +17314,435 @@
           <a:chExt cx="0" cy="0"/>
         </a:xfrm>
       </p:grpSpPr>
+      <p:grpSp>
+        <p:nvGrpSpPr>
+          <p:cNvPr id="12" name="组合 11"/>
+          <p:cNvGrpSpPr/>
+          <p:nvPr/>
+        </p:nvGrpSpPr>
+        <p:grpSpPr>
+          <a:xfrm>
+            <a:off x="536028" y="294291"/>
+            <a:ext cx="5486400" cy="6358758"/>
+            <a:chOff x="262759" y="409904"/>
+            <a:chExt cx="5486400" cy="6358758"/>
+          </a:xfrm>
+        </p:grpSpPr>
+        <p:grpSp>
+          <p:nvGrpSpPr>
+            <p:cNvPr id="10" name="组合 9"/>
+            <p:cNvGrpSpPr/>
+            <p:nvPr/>
+          </p:nvGrpSpPr>
+          <p:grpSpPr>
+            <a:xfrm>
+              <a:off x="819808" y="409904"/>
+              <a:ext cx="4929351" cy="6358758"/>
+              <a:chOff x="819808" y="409904"/>
+              <a:chExt cx="4929351" cy="6358758"/>
+            </a:xfrm>
+          </p:grpSpPr>
+          <p:sp>
+            <p:nvSpPr>
+              <p:cNvPr id="4" name="圆角矩形 3"/>
+              <p:cNvSpPr/>
+              <p:nvPr/>
+            </p:nvSpPr>
+            <p:spPr>
+              <a:xfrm>
+                <a:off x="819808" y="409904"/>
+                <a:ext cx="4929351" cy="6358758"/>
+              </a:xfrm>
+              <a:prstGeom prst="roundRect">
+                <a:avLst/>
+              </a:prstGeom>
+              <a:solidFill>
+                <a:schemeClr val="accent2">
+                  <a:lumMod val="60000"/>
+                  <a:lumOff val="40000"/>
+                </a:schemeClr>
+              </a:solidFill>
+              <a:ln>
+                <a:noFill/>
+              </a:ln>
+            </p:spPr>
+            <p:style>
+              <a:lnRef idx="2">
+                <a:schemeClr val="accent1">
+                  <a:shade val="50000"/>
+                </a:schemeClr>
+              </a:lnRef>
+              <a:fillRef idx="1">
+                <a:schemeClr val="accent1"/>
+              </a:fillRef>
+              <a:effectRef idx="0">
+                <a:schemeClr val="accent1"/>
+              </a:effectRef>
+              <a:fontRef idx="minor">
+                <a:schemeClr val="lt1"/>
+              </a:fontRef>
+            </p:style>
+            <p:txBody>
+              <a:bodyPr rtlCol="0" anchor="ctr"/>
+              <a:lstStyle/>
+              <a:p>
+                <a:pPr algn="ctr"/>
+                <a:endParaRPr lang="zh-CN" altLang="en-US"/>
+              </a:p>
+            </p:txBody>
+          </p:sp>
+          <p:sp>
+            <p:nvSpPr>
+              <p:cNvPr id="5" name="文本框 4"/>
+              <p:cNvSpPr txBox="1"/>
+              <p:nvPr/>
+            </p:nvSpPr>
+            <p:spPr>
+              <a:xfrm>
+                <a:off x="2228193" y="693682"/>
+                <a:ext cx="1313793" cy="400110"/>
+              </a:xfrm>
+              <a:prstGeom prst="rect">
+                <a:avLst/>
+              </a:prstGeom>
+              <a:noFill/>
+            </p:spPr>
+            <p:txBody>
+              <a:bodyPr wrap="square" rtlCol="0">
+                <a:spAutoFit/>
+              </a:bodyPr>
+              <a:lstStyle/>
+              <a:p>
+                <a:r>
+                  <a:rPr lang="en-US" altLang="zh-CN" sz="2000" dirty="0" smtClean="0">
+                    <a:solidFill>
+                      <a:schemeClr val="bg1"/>
+                    </a:solidFill>
+                  </a:rPr>
+                  <a:t>UCOS-II</a:t>
+                </a:r>
+                <a:endParaRPr lang="zh-CN" altLang="en-US" sz="2000" dirty="0">
+                  <a:solidFill>
+                    <a:schemeClr val="bg1"/>
+                  </a:solidFill>
+                </a:endParaRPr>
+              </a:p>
+            </p:txBody>
+          </p:sp>
+        </p:grpSp>
+        <p:sp>
+          <p:nvSpPr>
+            <p:cNvPr id="11" name="圆角矩形 10"/>
+            <p:cNvSpPr/>
+            <p:nvPr/>
+          </p:nvSpPr>
+          <p:spPr>
+            <a:xfrm>
+              <a:off x="1460939" y="2033571"/>
+              <a:ext cx="3941378" cy="4629987"/>
+            </a:xfrm>
+            <a:prstGeom prst="roundRect">
+              <a:avLst/>
+            </a:prstGeom>
+            <a:solidFill>
+              <a:schemeClr val="accent5">
+                <a:lumMod val="60000"/>
+                <a:lumOff val="40000"/>
+              </a:schemeClr>
+            </a:solidFill>
+            <a:ln>
+              <a:noFill/>
+            </a:ln>
+          </p:spPr>
+          <p:style>
+            <a:lnRef idx="2">
+              <a:schemeClr val="accent1">
+                <a:shade val="50000"/>
+              </a:schemeClr>
+            </a:lnRef>
+            <a:fillRef idx="1">
+              <a:schemeClr val="accent1"/>
+            </a:fillRef>
+            <a:effectRef idx="0">
+              <a:schemeClr val="accent1"/>
+            </a:effectRef>
+            <a:fontRef idx="minor">
+              <a:schemeClr val="lt1"/>
+            </a:fontRef>
+          </p:style>
+          <p:txBody>
+            <a:bodyPr rtlCol="0" anchor="ctr"/>
+            <a:lstStyle/>
+            <a:p>
+              <a:pPr algn="ctr"/>
+              <a:endParaRPr lang="zh-CN" altLang="en-US"/>
+            </a:p>
+          </p:txBody>
+        </p:sp>
+        <p:sp>
+          <p:nvSpPr>
+            <p:cNvPr id="6" name="文本框 5"/>
+            <p:cNvSpPr txBox="1"/>
+            <p:nvPr/>
+          </p:nvSpPr>
+          <p:spPr>
+            <a:xfrm>
+              <a:off x="2370082" y="2332936"/>
+              <a:ext cx="1313793" cy="400110"/>
+            </a:xfrm>
+            <a:prstGeom prst="rect">
+              <a:avLst/>
+            </a:prstGeom>
+            <a:noFill/>
+          </p:spPr>
+          <p:txBody>
+            <a:bodyPr wrap="square" rtlCol="0">
+              <a:spAutoFit/>
+            </a:bodyPr>
+            <a:lstStyle/>
+            <a:p>
+              <a:r>
+                <a:rPr lang="zh-CN" altLang="en-US" sz="2000" dirty="0" smtClean="0">
+                  <a:solidFill>
+                    <a:schemeClr val="bg1"/>
+                  </a:solidFill>
+                </a:rPr>
+                <a:t>系统任务</a:t>
+              </a:r>
+              <a:endParaRPr lang="zh-CN" altLang="en-US" sz="2000" dirty="0">
+                <a:solidFill>
+                  <a:schemeClr val="bg1"/>
+                </a:solidFill>
+              </a:endParaRPr>
+            </a:p>
+          </p:txBody>
+        </p:sp>
+        <p:sp>
+          <p:nvSpPr>
+            <p:cNvPr id="7" name="文本框 6"/>
+            <p:cNvSpPr txBox="1"/>
+            <p:nvPr/>
+          </p:nvSpPr>
+          <p:spPr>
+            <a:xfrm>
+              <a:off x="2354318" y="4529598"/>
+              <a:ext cx="1313793" cy="400110"/>
+            </a:xfrm>
+            <a:prstGeom prst="rect">
+              <a:avLst/>
+            </a:prstGeom>
+            <a:noFill/>
+          </p:spPr>
+          <p:txBody>
+            <a:bodyPr wrap="square" rtlCol="0">
+              <a:spAutoFit/>
+            </a:bodyPr>
+            <a:lstStyle/>
+            <a:p>
+              <a:r>
+                <a:rPr lang="zh-CN" altLang="en-US" sz="2000" dirty="0" smtClean="0">
+                  <a:solidFill>
+                    <a:schemeClr val="bg1"/>
+                  </a:solidFill>
+                </a:rPr>
+                <a:t>用户任务</a:t>
+              </a:r>
+              <a:endParaRPr lang="zh-CN" altLang="en-US" sz="2000" dirty="0">
+                <a:solidFill>
+                  <a:schemeClr val="bg1"/>
+                </a:solidFill>
+              </a:endParaRPr>
+            </a:p>
+          </p:txBody>
+        </p:sp>
+        <p:sp>
+          <p:nvSpPr>
+            <p:cNvPr id="9" name="文本框 8"/>
+            <p:cNvSpPr txBox="1"/>
+            <p:nvPr/>
+          </p:nvSpPr>
+          <p:spPr>
+            <a:xfrm>
+              <a:off x="966952" y="2611997"/>
+              <a:ext cx="1261241" cy="400110"/>
+            </a:xfrm>
+            <a:prstGeom prst="rect">
+              <a:avLst/>
+            </a:prstGeom>
+            <a:solidFill>
+              <a:srgbClr val="FFC000"/>
+            </a:solidFill>
+          </p:spPr>
+          <p:txBody>
+            <a:bodyPr wrap="square" rtlCol="0">
+              <a:spAutoFit/>
+            </a:bodyPr>
+            <a:lstStyle/>
+            <a:p>
+              <a:r>
+                <a:rPr lang="zh-CN" altLang="en-US" sz="2000" dirty="0"/>
+                <a:t>线程</a:t>
+              </a:r>
+            </a:p>
+          </p:txBody>
+        </p:sp>
+        <p:sp>
+          <p:nvSpPr>
+            <p:cNvPr id="8" name="文本框 7"/>
+            <p:cNvSpPr txBox="1"/>
+            <p:nvPr/>
+          </p:nvSpPr>
+          <p:spPr>
+            <a:xfrm>
+              <a:off x="262759" y="788275"/>
+              <a:ext cx="1261241" cy="400110"/>
+            </a:xfrm>
+            <a:prstGeom prst="rect">
+              <a:avLst/>
+            </a:prstGeom>
+            <a:solidFill>
+              <a:srgbClr val="FFFF00"/>
+            </a:solidFill>
+          </p:spPr>
+          <p:txBody>
+            <a:bodyPr wrap="square" rtlCol="0">
+              <a:spAutoFit/>
+            </a:bodyPr>
+            <a:lstStyle/>
+            <a:p>
+              <a:r>
+                <a:rPr lang="zh-CN" altLang="en-US" sz="2000" dirty="0" smtClean="0"/>
+                <a:t>进程</a:t>
+              </a:r>
+              <a:endParaRPr lang="zh-CN" altLang="en-US" sz="2000" dirty="0"/>
+            </a:p>
+          </p:txBody>
+        </p:sp>
+        <p:sp>
+          <p:nvSpPr>
+            <p:cNvPr id="14" name="文本框 13"/>
+            <p:cNvSpPr txBox="1"/>
+            <p:nvPr/>
+          </p:nvSpPr>
+          <p:spPr>
+            <a:xfrm>
+              <a:off x="3757447" y="2332936"/>
+              <a:ext cx="1313793" cy="400110"/>
+            </a:xfrm>
+            <a:prstGeom prst="rect">
+              <a:avLst/>
+            </a:prstGeom>
+            <a:noFill/>
+          </p:spPr>
+          <p:txBody>
+            <a:bodyPr wrap="square" rtlCol="0">
+              <a:spAutoFit/>
+            </a:bodyPr>
+            <a:lstStyle/>
+            <a:p>
+              <a:r>
+                <a:rPr lang="zh-CN" altLang="en-US" sz="2000" dirty="0" smtClean="0">
+                  <a:solidFill>
+                    <a:schemeClr val="bg1"/>
+                  </a:solidFill>
+                </a:rPr>
+                <a:t>空闲任务</a:t>
+              </a:r>
+              <a:endParaRPr lang="zh-CN" altLang="en-US" sz="2000" dirty="0">
+                <a:solidFill>
+                  <a:schemeClr val="bg1"/>
+                </a:solidFill>
+              </a:endParaRPr>
+            </a:p>
+          </p:txBody>
+        </p:sp>
+        <p:sp>
+          <p:nvSpPr>
+            <p:cNvPr id="15" name="文本框 14"/>
+            <p:cNvSpPr txBox="1"/>
+            <p:nvPr/>
+          </p:nvSpPr>
+          <p:spPr>
+            <a:xfrm>
+              <a:off x="3767958" y="2812052"/>
+              <a:ext cx="1313793" cy="400110"/>
+            </a:xfrm>
+            <a:prstGeom prst="rect">
+              <a:avLst/>
+            </a:prstGeom>
+            <a:noFill/>
+          </p:spPr>
+          <p:txBody>
+            <a:bodyPr wrap="square" rtlCol="0">
+              <a:spAutoFit/>
+            </a:bodyPr>
+            <a:lstStyle/>
+            <a:p>
+              <a:r>
+                <a:rPr lang="zh-CN" altLang="en-US" sz="2000" dirty="0" smtClean="0">
+                  <a:solidFill>
+                    <a:schemeClr val="bg1"/>
+                  </a:solidFill>
+                </a:rPr>
+                <a:t>统计任务</a:t>
+              </a:r>
+              <a:endParaRPr lang="zh-CN" altLang="en-US" sz="2000" dirty="0">
+                <a:solidFill>
+                  <a:schemeClr val="bg1"/>
+                </a:solidFill>
+              </a:endParaRPr>
+            </a:p>
+          </p:txBody>
+        </p:sp>
+        <p:sp>
+          <p:nvSpPr>
+            <p:cNvPr id="35" name="文本框 34"/>
+            <p:cNvSpPr txBox="1"/>
+            <p:nvPr/>
+          </p:nvSpPr>
+          <p:spPr>
+            <a:xfrm>
+              <a:off x="3810001" y="4067860"/>
+              <a:ext cx="1313793" cy="400110"/>
+            </a:xfrm>
+            <a:prstGeom prst="rect">
+              <a:avLst/>
+            </a:prstGeom>
+            <a:noFill/>
+          </p:spPr>
+          <p:txBody>
+            <a:bodyPr wrap="square" rtlCol="0">
+              <a:spAutoFit/>
+            </a:bodyPr>
+            <a:lstStyle/>
+            <a:p>
+              <a:r>
+                <a:rPr lang="zh-CN" altLang="en-US" sz="2000" dirty="0" smtClean="0">
+                  <a:solidFill>
+                    <a:schemeClr val="bg1"/>
+                  </a:solidFill>
+                </a:rPr>
+                <a:t>空闲任务</a:t>
+              </a:r>
+              <a:endParaRPr lang="zh-CN" altLang="en-US" sz="2000" dirty="0">
+                <a:solidFill>
+                  <a:schemeClr val="bg1"/>
+                </a:solidFill>
+              </a:endParaRPr>
+            </a:p>
+          </p:txBody>
+        </p:sp>
+      </p:grpSp>
       <p:sp>
         <p:nvSpPr>
-          <p:cNvPr id="2" name="标题 1"/>
-          <p:cNvSpPr>
-            <a:spLocks noGrp="1"/>
-          </p:cNvSpPr>
-          <p:nvPr>
-            <p:ph type="title"/>
-          </p:nvPr>
-        </p:nvSpPr>
-        <p:spPr>
-          <a:xfrm>
-            <a:off x="291663" y="262759"/>
-            <a:ext cx="4763813" cy="483475"/>
-          </a:xfrm>
-        </p:spPr>
-        <p:txBody>
-          <a:bodyPr>
-            <a:normAutofit fontScale="90000"/>
-          </a:bodyPr>
-          <a:lstStyle/>
-          <a:p>
-            <a:r>
-              <a:rPr lang="zh-CN" altLang="en-US" sz="3600" dirty="0" smtClean="0"/>
-              <a:t>任务的状态分析</a:t>
-            </a:r>
-            <a:endParaRPr lang="zh-CN" altLang="en-US" sz="3600" dirty="0"/>
-          </a:p>
-        </p:txBody>
-      </p:sp>
-      <p:sp>
-        <p:nvSpPr>
-          <p:cNvPr id="4" name="文本框 3"/>
+          <p:cNvPr id="13" name="文本框 12"/>
           <p:cNvSpPr txBox="1"/>
           <p:nvPr/>
         </p:nvSpPr>
         <p:spPr>
           <a:xfrm>
-            <a:off x="291663" y="966951"/>
-            <a:ext cx="11477297" cy="5493812"/>
+            <a:off x="6463862" y="399034"/>
+            <a:ext cx="5255172" cy="1477328"/>
           </a:xfrm>
           <a:prstGeom prst="rect">
             <a:avLst/>
@@ -14452,386 +17755,636 @@
           </a:bodyPr>
           <a:lstStyle/>
           <a:p>
-            <a:pPr>
-              <a:lnSpc>
-                <a:spcPct val="150000"/>
-              </a:lnSpc>
-            </a:pPr>
             <a:r>
               <a:rPr lang="zh-CN" altLang="en-US" dirty="0" smtClean="0"/>
-              <a:t>任务首先需要有个定义，是能够</a:t>
-            </a:r>
-            <a:r>
-              <a:rPr lang="zh-CN" altLang="en-US" dirty="0" smtClean="0">
-                <a:solidFill>
-                  <a:schemeClr val="accent1"/>
-                </a:solidFill>
-              </a:rPr>
-              <a:t>执行某种功能的单元</a:t>
-            </a:r>
-            <a:r>
-              <a:rPr lang="zh-CN" altLang="en-US" dirty="0" smtClean="0"/>
-              <a:t>。</a:t>
-            </a:r>
-            <a:endParaRPr lang="en-US" altLang="zh-CN" dirty="0" smtClean="0"/>
-          </a:p>
-          <a:p>
-            <a:pPr>
-              <a:lnSpc>
-                <a:spcPct val="150000"/>
-              </a:lnSpc>
-            </a:pPr>
-            <a:r>
-              <a:rPr lang="zh-CN" altLang="en-US" dirty="0" smtClean="0"/>
-              <a:t>计算机术语中进程还是线程主要区分点是是否有私有空间</a:t>
-            </a:r>
-            <a:r>
-              <a:rPr lang="en-US" altLang="zh-CN" dirty="0" smtClean="0"/>
-              <a:t>(</a:t>
-            </a:r>
-            <a:r>
-              <a:rPr lang="zh-CN" altLang="en-US" dirty="0" smtClean="0"/>
-              <a:t>不是私有变量！！！</a:t>
-            </a:r>
-            <a:r>
-              <a:rPr lang="en-US" altLang="zh-CN" dirty="0" smtClean="0"/>
-              <a:t>)</a:t>
-            </a:r>
-            <a:r>
-              <a:rPr lang="zh-CN" altLang="en-US" dirty="0" smtClean="0"/>
-              <a:t>，比较简单的操作系统中任务被定义为线程即一个</a:t>
-            </a:r>
-            <a:r>
-              <a:rPr lang="zh-CN" altLang="en-US" b="1" dirty="0" smtClean="0">
-                <a:solidFill>
-                  <a:schemeClr val="accent1"/>
-                </a:solidFill>
-              </a:rPr>
-              <a:t>函数</a:t>
-            </a:r>
-            <a:r>
-              <a:rPr lang="zh-CN" altLang="en-US" dirty="0" smtClean="0"/>
-              <a:t>。</a:t>
-            </a:r>
-            <a:endParaRPr lang="en-US" altLang="zh-CN" dirty="0" smtClean="0"/>
-          </a:p>
-          <a:p>
-            <a:pPr>
-              <a:lnSpc>
-                <a:spcPct val="150000"/>
-              </a:lnSpc>
-            </a:pPr>
-            <a:endParaRPr lang="en-US" altLang="zh-CN" dirty="0"/>
-          </a:p>
-          <a:p>
-            <a:pPr marL="285750" indent="-285750">
-              <a:lnSpc>
-                <a:spcPct val="150000"/>
-              </a:lnSpc>
-              <a:buFont typeface="Arial" panose="020B0604020202020204" pitchFamily="34" charset="0"/>
-              <a:buChar char="•"/>
-            </a:pPr>
-            <a:r>
-              <a:rPr lang="zh-CN" altLang="en-US" dirty="0" smtClean="0"/>
-              <a:t>由于是操作系统的内核在自动的实现任务调度，所以操作系统如果不认识这个任务</a:t>
-            </a:r>
-            <a:r>
-              <a:rPr lang="en-US" altLang="zh-CN" dirty="0"/>
-              <a:t>(</a:t>
-            </a:r>
-            <a:r>
-              <a:rPr lang="zh-CN" altLang="en-US" dirty="0" smtClean="0"/>
-              <a:t>函数</a:t>
-            </a:r>
-            <a:r>
-              <a:rPr lang="en-US" altLang="zh-CN" dirty="0" smtClean="0"/>
-              <a:t>, </a:t>
-            </a:r>
-            <a:r>
-              <a:rPr lang="zh-CN" altLang="en-US" dirty="0" smtClean="0"/>
-              <a:t>下同</a:t>
-            </a:r>
-            <a:r>
-              <a:rPr lang="en-US" altLang="zh-CN" dirty="0"/>
-              <a:t>) </a:t>
-            </a:r>
-            <a:r>
-              <a:rPr lang="zh-CN" altLang="en-US" dirty="0" smtClean="0"/>
-              <a:t>，那么任务就不可能被调用，认识任务的方式一般都是人为在启动操作系统之前传递给操作系统的。</a:t>
-            </a:r>
-            <a:r>
-              <a:rPr lang="en-US" altLang="zh-CN" dirty="0" smtClean="0"/>
-              <a:t>(</a:t>
+              <a:t>由于每个任务都可以访问全局变量，都在同一个内存空间下，所以，每个任务都没有自己的私有空间，但是有自己的私有数据。因此 </a:t>
             </a:r>
             <a:r>
               <a:rPr lang="en-US" altLang="zh-CN" dirty="0" err="1" smtClean="0"/>
               <a:t>ucos</a:t>
             </a:r>
             <a:r>
+              <a:rPr lang="en-US" altLang="zh-CN" dirty="0" smtClean="0"/>
+              <a:t> </a:t>
+            </a:r>
+            <a:r>
               <a:rPr lang="zh-CN" altLang="en-US" dirty="0" smtClean="0"/>
-              <a:t>中的</a:t>
-            </a:r>
-            <a:r>
-              <a:rPr lang="en-US" altLang="zh-CN" dirty="0" err="1" smtClean="0"/>
-              <a:t>TaskCreate</a:t>
+              <a:t>所有的任务都是线程。归根结底是</a:t>
             </a:r>
             <a:r>
               <a:rPr lang="en-US" altLang="zh-CN" dirty="0" smtClean="0"/>
-              <a:t>)</a:t>
+              <a:t>stm32</a:t>
             </a:r>
             <a:r>
               <a:rPr lang="zh-CN" altLang="en-US" dirty="0" smtClean="0"/>
-              <a:t>，所以任务没有被认识之前的必须有一个状态，叫做</a:t>
-            </a:r>
-            <a:r>
-              <a:rPr lang="zh-CN" altLang="en-US" b="1" dirty="0" smtClean="0">
-                <a:solidFill>
-                  <a:schemeClr val="accent1"/>
-                </a:solidFill>
-              </a:rPr>
-              <a:t>睡眠状态</a:t>
+              <a:t>没有虚拟内存</a:t>
+            </a:r>
+            <a:r>
+              <a:rPr lang="en-US" altLang="zh-CN" dirty="0" smtClean="0"/>
+              <a:t>/MMU</a:t>
             </a:r>
             <a:r>
               <a:rPr lang="zh-CN" altLang="en-US" dirty="0" smtClean="0"/>
-              <a:t>，还没起来和操作系统打招呼呢。</a:t>
-            </a:r>
-            <a:endParaRPr lang="en-US" altLang="zh-CN" dirty="0" smtClean="0"/>
-          </a:p>
-          <a:p>
-            <a:pPr marL="285750" indent="-285750">
-              <a:lnSpc>
-                <a:spcPct val="150000"/>
-              </a:lnSpc>
-              <a:buFont typeface="Arial" panose="020B0604020202020204" pitchFamily="34" charset="0"/>
-              <a:buChar char="•"/>
-            </a:pPr>
+              <a:t>的原因。</a:t>
+            </a:r>
+            <a:endParaRPr lang="zh-CN" altLang="en-US" dirty="0"/>
+          </a:p>
+        </p:txBody>
+      </p:sp>
+      <p:cxnSp>
+        <p:nvCxnSpPr>
+          <p:cNvPr id="3" name="直接箭头连接符 2"/>
+          <p:cNvCxnSpPr/>
+          <p:nvPr/>
+        </p:nvCxnSpPr>
+        <p:spPr>
+          <a:xfrm>
+            <a:off x="5223641" y="2496384"/>
+            <a:ext cx="2417380" cy="0"/>
+          </a:xfrm>
+          <a:prstGeom prst="straightConnector1">
+            <a:avLst/>
+          </a:prstGeom>
+          <a:ln w="76200">
+            <a:tailEnd type="triangle"/>
+          </a:ln>
+        </p:spPr>
+        <p:style>
+          <a:lnRef idx="1">
+            <a:schemeClr val="accent1"/>
+          </a:lnRef>
+          <a:fillRef idx="0">
+            <a:schemeClr val="accent1"/>
+          </a:fillRef>
+          <a:effectRef idx="0">
+            <a:schemeClr val="accent1"/>
+          </a:effectRef>
+          <a:fontRef idx="minor">
+            <a:schemeClr val="tx1"/>
+          </a:fontRef>
+        </p:style>
+      </p:cxnSp>
+      <p:sp>
+        <p:nvSpPr>
+          <p:cNvPr id="16" name="文本框 15"/>
+          <p:cNvSpPr txBox="1"/>
+          <p:nvPr/>
+        </p:nvSpPr>
+        <p:spPr>
+          <a:xfrm>
+            <a:off x="7851227" y="2279989"/>
+            <a:ext cx="4340773" cy="369332"/>
+          </a:xfrm>
+          <a:prstGeom prst="rect">
+            <a:avLst/>
+          </a:prstGeom>
+          <a:noFill/>
+        </p:spPr>
+        <p:txBody>
+          <a:bodyPr wrap="square" rtlCol="0">
+            <a:spAutoFit/>
+          </a:bodyPr>
+          <a:lstStyle/>
+          <a:p>
             <a:r>
               <a:rPr lang="zh-CN" altLang="en-US" dirty="0" smtClean="0"/>
-              <a:t>对于认识的任务，操作系统</a:t>
-            </a:r>
-            <a:r>
-              <a:rPr lang="zh-CN" altLang="en-US" dirty="0"/>
-              <a:t>不可能同时调用几个</a:t>
-            </a:r>
+              <a:t>操作系统必须使用的，可自定义</a:t>
+            </a:r>
+            <a:r>
+              <a:rPr lang="en-US" altLang="zh-CN" dirty="0" smtClean="0"/>
+              <a:t>OSdleCtr</a:t>
+            </a:r>
+            <a:endParaRPr lang="zh-CN" altLang="en-US" dirty="0"/>
+          </a:p>
+        </p:txBody>
+      </p:sp>
+      <p:cxnSp>
+        <p:nvCxnSpPr>
+          <p:cNvPr id="17" name="直接箭头连接符 16"/>
+          <p:cNvCxnSpPr/>
+          <p:nvPr/>
+        </p:nvCxnSpPr>
+        <p:spPr>
+          <a:xfrm>
+            <a:off x="5255172" y="2896494"/>
+            <a:ext cx="2417380" cy="0"/>
+          </a:xfrm>
+          <a:prstGeom prst="straightConnector1">
+            <a:avLst/>
+          </a:prstGeom>
+          <a:ln w="76200">
+            <a:tailEnd type="triangle"/>
+          </a:ln>
+        </p:spPr>
+        <p:style>
+          <a:lnRef idx="1">
+            <a:schemeClr val="accent1"/>
+          </a:lnRef>
+          <a:fillRef idx="0">
+            <a:schemeClr val="accent1"/>
+          </a:fillRef>
+          <a:effectRef idx="0">
+            <a:schemeClr val="accent1"/>
+          </a:effectRef>
+          <a:fontRef idx="minor">
+            <a:schemeClr val="tx1"/>
+          </a:fontRef>
+        </p:style>
+      </p:cxnSp>
+      <p:sp>
+        <p:nvSpPr>
+          <p:cNvPr id="18" name="文本框 17"/>
+          <p:cNvSpPr txBox="1"/>
+          <p:nvPr/>
+        </p:nvSpPr>
+        <p:spPr>
+          <a:xfrm>
+            <a:off x="7851227" y="2727217"/>
+            <a:ext cx="1418897" cy="369332"/>
+          </a:xfrm>
+          <a:prstGeom prst="rect">
+            <a:avLst/>
+          </a:prstGeom>
+          <a:noFill/>
+        </p:spPr>
+        <p:txBody>
+          <a:bodyPr wrap="square" rtlCol="0">
+            <a:spAutoFit/>
+          </a:bodyPr>
+          <a:lstStyle/>
+          <a:p>
             <a:r>
               <a:rPr lang="zh-CN" altLang="en-US" dirty="0" smtClean="0"/>
-              <a:t>任务，</a:t>
-            </a:r>
-            <a:r>
-              <a:rPr lang="zh-CN" altLang="en-US" dirty="0"/>
-              <a:t>所以任务必须有</a:t>
-            </a:r>
-            <a:r>
-              <a:rPr lang="zh-CN" altLang="en-US" b="1" dirty="0" smtClean="0">
-                <a:solidFill>
-                  <a:schemeClr val="accent1"/>
-                </a:solidFill>
-              </a:rPr>
-              <a:t>等待</a:t>
-            </a:r>
-            <a:r>
-              <a:rPr lang="en-US" altLang="zh-CN" b="1" dirty="0" smtClean="0">
-                <a:solidFill>
-                  <a:schemeClr val="accent1"/>
-                </a:solidFill>
-              </a:rPr>
-              <a:t>CPU</a:t>
-            </a:r>
-            <a:r>
-              <a:rPr lang="zh-CN" altLang="en-US" b="1" dirty="0" smtClean="0">
-                <a:solidFill>
-                  <a:schemeClr val="accent1"/>
-                </a:solidFill>
-              </a:rPr>
-              <a:t>状态。</a:t>
-            </a:r>
-            <a:endParaRPr lang="en-US" altLang="zh-CN" b="1" dirty="0" smtClean="0">
-              <a:solidFill>
-                <a:schemeClr val="accent1"/>
-              </a:solidFill>
-            </a:endParaRPr>
-          </a:p>
-          <a:p>
-            <a:pPr marL="285750" indent="-285750">
-              <a:lnSpc>
-                <a:spcPct val="150000"/>
-              </a:lnSpc>
-              <a:buFont typeface="Arial" panose="020B0604020202020204" pitchFamily="34" charset="0"/>
-              <a:buChar char="•"/>
-            </a:pPr>
-            <a:r>
-              <a:rPr lang="zh-CN" altLang="en-US" dirty="0"/>
-              <a:t>任务有的时候需要调用系统的资源，但是如果其他任务之前也正在调用该资源，那么可能会违反可重入的代码原则，不同情况下代码的输出结果不同，就会出现致命的错误，所以无法得到资源的任务不能运行时，只能退出运行状态等待资源。这种</a:t>
-            </a:r>
-            <a:r>
-              <a:rPr lang="zh-CN" altLang="en-US" dirty="0" smtClean="0"/>
-              <a:t>状态叫</a:t>
-            </a:r>
-            <a:r>
-              <a:rPr lang="zh-CN" altLang="en-US" b="1" dirty="0" smtClean="0">
-                <a:solidFill>
-                  <a:schemeClr val="accent1"/>
-                </a:solidFill>
-              </a:rPr>
-              <a:t>等待资源和</a:t>
-            </a:r>
-            <a:r>
-              <a:rPr lang="en-US" altLang="zh-CN" b="1" dirty="0" smtClean="0">
-                <a:solidFill>
-                  <a:schemeClr val="accent1"/>
-                </a:solidFill>
-              </a:rPr>
-              <a:t>CPU</a:t>
-            </a:r>
-            <a:r>
-              <a:rPr lang="zh-CN" altLang="en-US" b="1" dirty="0" smtClean="0">
-                <a:solidFill>
-                  <a:schemeClr val="accent1"/>
-                </a:solidFill>
-              </a:rPr>
-              <a:t>状态</a:t>
-            </a:r>
-            <a:endParaRPr lang="en-US" altLang="zh-CN" b="1" dirty="0">
-              <a:solidFill>
-                <a:schemeClr val="accent1"/>
-              </a:solidFill>
-            </a:endParaRPr>
-          </a:p>
-          <a:p>
-            <a:pPr marL="285750" indent="-285750">
-              <a:lnSpc>
-                <a:spcPct val="150000"/>
-              </a:lnSpc>
-              <a:buFont typeface="Arial" panose="020B0604020202020204" pitchFamily="34" charset="0"/>
-              <a:buChar char="•"/>
-            </a:pPr>
-            <a:r>
-              <a:rPr lang="zh-CN" altLang="en-US" dirty="0" smtClean="0"/>
-              <a:t>任务正在执行时，也是一个状态，可以称为</a:t>
-            </a:r>
-            <a:r>
-              <a:rPr lang="zh-CN" altLang="en-US" b="1" dirty="0" smtClean="0">
-                <a:solidFill>
-                  <a:schemeClr val="accent1"/>
-                </a:solidFill>
-              </a:rPr>
-              <a:t>运行状态</a:t>
-            </a:r>
-            <a:r>
-              <a:rPr lang="zh-CN" altLang="en-US" dirty="0" smtClean="0"/>
-              <a:t>。</a:t>
-            </a:r>
-            <a:endParaRPr lang="en-US" altLang="zh-CN" dirty="0" smtClean="0"/>
-          </a:p>
-          <a:p>
-            <a:pPr marL="285750" indent="-285750">
-              <a:lnSpc>
-                <a:spcPct val="150000"/>
-              </a:lnSpc>
-              <a:buFont typeface="Arial" panose="020B0604020202020204" pitchFamily="34" charset="0"/>
-              <a:buChar char="•"/>
-            </a:pPr>
-            <a:r>
-              <a:rPr lang="zh-CN" altLang="en-US" dirty="0" smtClean="0"/>
-              <a:t>为了防止单个任务一直占据</a:t>
-            </a:r>
-            <a:r>
-              <a:rPr lang="en-US" altLang="zh-CN" dirty="0" smtClean="0"/>
-              <a:t>CPU</a:t>
-            </a:r>
-            <a:r>
-              <a:rPr lang="zh-CN" altLang="en-US" dirty="0" smtClean="0"/>
-              <a:t>，或者为了等待一定的时间，我们需要</a:t>
-            </a:r>
-            <a:r>
-              <a:rPr lang="en-US" altLang="zh-CN" dirty="0" smtClean="0"/>
-              <a:t>delay</a:t>
-            </a:r>
-            <a:r>
-              <a:rPr lang="zh-CN" altLang="en-US" dirty="0" smtClean="0"/>
-              <a:t>一些时间，此时任务处于</a:t>
-            </a:r>
-            <a:r>
-              <a:rPr lang="zh-CN" altLang="en-US" b="1" dirty="0" smtClean="0">
-                <a:solidFill>
-                  <a:srgbClr val="00B0F0"/>
-                </a:solidFill>
-              </a:rPr>
-              <a:t>延迟状态</a:t>
-            </a:r>
-            <a:endParaRPr lang="en-US" altLang="zh-CN" b="1" dirty="0" smtClean="0">
-              <a:solidFill>
-                <a:srgbClr val="00B0F0"/>
-              </a:solidFill>
-            </a:endParaRPr>
+              <a:t>可选</a:t>
+            </a:r>
+            <a:endParaRPr lang="zh-CN" altLang="en-US" dirty="0"/>
           </a:p>
         </p:txBody>
       </p:sp>
       <p:sp>
         <p:nvSpPr>
-          <p:cNvPr id="5" name="标题 1"/>
-          <p:cNvSpPr txBox="1">
-            <a:spLocks/>
-          </p:cNvSpPr>
+          <p:cNvPr id="19" name="文本框 18"/>
+          <p:cNvSpPr txBox="1"/>
           <p:nvPr/>
         </p:nvSpPr>
         <p:spPr>
-          <a:xfrm rot="21186925">
-            <a:off x="7538530" y="459470"/>
-            <a:ext cx="3311160" cy="483475"/>
+          <a:xfrm>
+            <a:off x="5612524" y="2113787"/>
+            <a:ext cx="1807782" cy="369332"/>
+          </a:xfrm>
+          <a:prstGeom prst="rect">
+            <a:avLst/>
+          </a:prstGeom>
+          <a:noFill/>
+        </p:spPr>
+        <p:txBody>
+          <a:bodyPr wrap="square" rtlCol="0">
+            <a:spAutoFit/>
+          </a:bodyPr>
+          <a:lstStyle/>
+          <a:p>
+            <a:r>
+              <a:rPr lang="en-US" altLang="zh-CN" dirty="0" smtClean="0"/>
+              <a:t>Os_lowest_prio</a:t>
+            </a:r>
+            <a:endParaRPr lang="zh-CN" altLang="en-US" dirty="0"/>
+          </a:p>
+        </p:txBody>
+      </p:sp>
+      <p:sp>
+        <p:nvSpPr>
+          <p:cNvPr id="32" name="文本框 31"/>
+          <p:cNvSpPr txBox="1"/>
+          <p:nvPr/>
+        </p:nvSpPr>
+        <p:spPr>
+          <a:xfrm>
+            <a:off x="5449613" y="2853698"/>
+            <a:ext cx="2028498" cy="369332"/>
+          </a:xfrm>
+          <a:prstGeom prst="rect">
+            <a:avLst/>
+          </a:prstGeom>
+          <a:noFill/>
+        </p:spPr>
+        <p:txBody>
+          <a:bodyPr wrap="square" rtlCol="0">
+            <a:spAutoFit/>
+          </a:bodyPr>
+          <a:lstStyle/>
+          <a:p>
+            <a:r>
+              <a:rPr lang="en-US" altLang="zh-CN" dirty="0" smtClean="0"/>
+              <a:t>Os_lowest_prio+1</a:t>
+            </a:r>
+            <a:endParaRPr lang="zh-CN" altLang="en-US" dirty="0"/>
+          </a:p>
+        </p:txBody>
+      </p:sp>
+      <p:sp>
+        <p:nvSpPr>
+          <p:cNvPr id="33" name="文本框 32"/>
+          <p:cNvSpPr txBox="1"/>
+          <p:nvPr/>
+        </p:nvSpPr>
+        <p:spPr>
+          <a:xfrm>
+            <a:off x="6621516" y="3793834"/>
+            <a:ext cx="5297215" cy="369332"/>
+          </a:xfrm>
+          <a:prstGeom prst="rect">
+            <a:avLst/>
+          </a:prstGeom>
+          <a:noFill/>
+        </p:spPr>
+        <p:txBody>
+          <a:bodyPr wrap="square" rtlCol="0">
+            <a:spAutoFit/>
+          </a:bodyPr>
+          <a:lstStyle/>
+          <a:p>
+            <a:r>
+              <a:rPr lang="zh-CN" altLang="en-US" dirty="0" smtClean="0"/>
+              <a:t>一般</a:t>
+            </a:r>
+            <a:r>
+              <a:rPr lang="en-US" altLang="zh-CN" dirty="0" smtClean="0"/>
+              <a:t>C</a:t>
+            </a:r>
+            <a:r>
+              <a:rPr lang="zh-CN" altLang="en-US" dirty="0" smtClean="0"/>
+              <a:t>语言，</a:t>
+            </a:r>
+            <a:r>
+              <a:rPr lang="en-US" altLang="zh-CN" dirty="0" smtClean="0"/>
+              <a:t>a[0]=*a </a:t>
+            </a:r>
+            <a:r>
+              <a:rPr lang="zh-CN" altLang="en-US" dirty="0" smtClean="0"/>
+              <a:t>地址都是低于</a:t>
+            </a:r>
+            <a:r>
+              <a:rPr lang="en-US" altLang="zh-CN" dirty="0" smtClean="0"/>
+              <a:t>a[1]=(*p+1)</a:t>
+            </a:r>
+            <a:r>
+              <a:rPr lang="zh-CN" altLang="en-US" dirty="0" smtClean="0"/>
+              <a:t>的</a:t>
+            </a:r>
+            <a:endParaRPr lang="zh-CN" altLang="en-US" dirty="0"/>
+          </a:p>
+        </p:txBody>
+      </p:sp>
+      <p:grpSp>
+        <p:nvGrpSpPr>
+          <p:cNvPr id="46" name="组合 45"/>
+          <p:cNvGrpSpPr/>
+          <p:nvPr/>
+        </p:nvGrpSpPr>
+        <p:grpSpPr>
+          <a:xfrm>
+            <a:off x="3815255" y="3793834"/>
+            <a:ext cx="2102069" cy="2685036"/>
+            <a:chOff x="3815255" y="3793834"/>
+            <a:chExt cx="2102069" cy="2685036"/>
+          </a:xfrm>
+        </p:grpSpPr>
+        <p:sp>
+          <p:nvSpPr>
+            <p:cNvPr id="34" name="圆角矩形 33"/>
+            <p:cNvSpPr/>
+            <p:nvPr/>
+          </p:nvSpPr>
+          <p:spPr>
+            <a:xfrm>
+              <a:off x="3815255" y="3793834"/>
+              <a:ext cx="1740995" cy="2685036"/>
+            </a:xfrm>
+            <a:prstGeom prst="roundRect">
+              <a:avLst/>
+            </a:prstGeom>
+            <a:ln>
+              <a:noFill/>
+            </a:ln>
+          </p:spPr>
+          <p:style>
+            <a:lnRef idx="2">
+              <a:schemeClr val="accent1">
+                <a:shade val="50000"/>
+              </a:schemeClr>
+            </a:lnRef>
+            <a:fillRef idx="1">
+              <a:schemeClr val="accent1"/>
+            </a:fillRef>
+            <a:effectRef idx="0">
+              <a:schemeClr val="accent1"/>
+            </a:effectRef>
+            <a:fontRef idx="minor">
+              <a:schemeClr val="lt1"/>
+            </a:fontRef>
+          </p:style>
+          <p:txBody>
+            <a:bodyPr rtlCol="0" anchor="ctr"/>
+            <a:lstStyle/>
+            <a:p>
+              <a:pPr algn="ctr"/>
+              <a:endParaRPr lang="zh-CN" altLang="en-US"/>
+            </a:p>
+          </p:txBody>
+        </p:sp>
+        <p:sp>
+          <p:nvSpPr>
+            <p:cNvPr id="37" name="文本框 36"/>
+            <p:cNvSpPr txBox="1"/>
+            <p:nvPr/>
+          </p:nvSpPr>
+          <p:spPr>
+            <a:xfrm>
+              <a:off x="3852041" y="3901735"/>
+              <a:ext cx="2065283" cy="369332"/>
+            </a:xfrm>
+            <a:prstGeom prst="rect">
+              <a:avLst/>
+            </a:prstGeom>
+            <a:noFill/>
+          </p:spPr>
+          <p:txBody>
+            <a:bodyPr wrap="square" rtlCol="0">
+              <a:spAutoFit/>
+            </a:bodyPr>
+            <a:lstStyle/>
+            <a:p>
+              <a:r>
+                <a:rPr lang="zh-CN" altLang="en-US" dirty="0" smtClean="0">
+                  <a:solidFill>
+                    <a:schemeClr val="bg1"/>
+                  </a:solidFill>
+                </a:rPr>
+                <a:t>事件控制块指针</a:t>
+              </a:r>
+              <a:endParaRPr lang="zh-CN" altLang="en-US" dirty="0">
+                <a:solidFill>
+                  <a:schemeClr val="bg1"/>
+                </a:solidFill>
+              </a:endParaRPr>
+            </a:p>
+          </p:txBody>
+        </p:sp>
+        <p:sp>
+          <p:nvSpPr>
+            <p:cNvPr id="38" name="文本框 37"/>
+            <p:cNvSpPr txBox="1"/>
+            <p:nvPr/>
+          </p:nvSpPr>
+          <p:spPr>
+            <a:xfrm>
+              <a:off x="3852041" y="4334755"/>
+              <a:ext cx="1313793" cy="369332"/>
+            </a:xfrm>
+            <a:prstGeom prst="rect">
+              <a:avLst/>
+            </a:prstGeom>
+            <a:noFill/>
+          </p:spPr>
+          <p:txBody>
+            <a:bodyPr wrap="square" rtlCol="0">
+              <a:spAutoFit/>
+            </a:bodyPr>
+            <a:lstStyle/>
+            <a:p>
+              <a:r>
+                <a:rPr lang="zh-CN" altLang="en-US" dirty="0" smtClean="0">
+                  <a:solidFill>
+                    <a:schemeClr val="bg1"/>
+                  </a:solidFill>
+                </a:rPr>
+                <a:t>消息</a:t>
+              </a:r>
+              <a:r>
+                <a:rPr lang="zh-CN" altLang="en-US" dirty="0">
+                  <a:solidFill>
+                    <a:schemeClr val="bg1"/>
+                  </a:solidFill>
+                </a:rPr>
+                <a:t>指针</a:t>
+              </a:r>
+            </a:p>
+          </p:txBody>
+        </p:sp>
+        <p:sp>
+          <p:nvSpPr>
+            <p:cNvPr id="39" name="文本框 38"/>
+            <p:cNvSpPr txBox="1"/>
+            <p:nvPr/>
+          </p:nvSpPr>
+          <p:spPr>
+            <a:xfrm>
+              <a:off x="3852041" y="4784340"/>
+              <a:ext cx="1313793" cy="369332"/>
+            </a:xfrm>
+            <a:prstGeom prst="rect">
+              <a:avLst/>
+            </a:prstGeom>
+            <a:noFill/>
+          </p:spPr>
+          <p:txBody>
+            <a:bodyPr wrap="square" rtlCol="0">
+              <a:spAutoFit/>
+            </a:bodyPr>
+            <a:lstStyle/>
+            <a:p>
+              <a:r>
+                <a:rPr lang="zh-CN" altLang="en-US" dirty="0" smtClean="0">
+                  <a:solidFill>
+                    <a:schemeClr val="bg1"/>
+                  </a:solidFill>
+                </a:rPr>
+                <a:t>删除标志</a:t>
+              </a:r>
+              <a:endParaRPr lang="zh-CN" altLang="en-US" dirty="0">
+                <a:solidFill>
+                  <a:schemeClr val="bg1"/>
+                </a:solidFill>
+              </a:endParaRPr>
+            </a:p>
+          </p:txBody>
+        </p:sp>
+        <p:sp>
+          <p:nvSpPr>
+            <p:cNvPr id="40" name="文本框 39"/>
+            <p:cNvSpPr txBox="1"/>
+            <p:nvPr/>
+          </p:nvSpPr>
+          <p:spPr>
+            <a:xfrm>
+              <a:off x="3852042" y="5204754"/>
+              <a:ext cx="1502978" cy="369332"/>
+            </a:xfrm>
+            <a:prstGeom prst="rect">
+              <a:avLst/>
+            </a:prstGeom>
+            <a:noFill/>
+          </p:spPr>
+          <p:txBody>
+            <a:bodyPr wrap="square" rtlCol="0">
+              <a:spAutoFit/>
+            </a:bodyPr>
+            <a:lstStyle/>
+            <a:p>
+              <a:r>
+                <a:rPr lang="zh-CN" altLang="en-US" dirty="0" smtClean="0">
+                  <a:solidFill>
+                    <a:schemeClr val="bg1"/>
+                  </a:solidFill>
+                </a:rPr>
+                <a:t>就绪表访问</a:t>
+              </a:r>
+              <a:endParaRPr lang="zh-CN" altLang="en-US" dirty="0">
+                <a:solidFill>
+                  <a:schemeClr val="bg1"/>
+                </a:solidFill>
+              </a:endParaRPr>
+            </a:p>
+          </p:txBody>
+        </p:sp>
+        <p:sp>
+          <p:nvSpPr>
+            <p:cNvPr id="41" name="文本框 40"/>
+            <p:cNvSpPr txBox="1"/>
+            <p:nvPr/>
+          </p:nvSpPr>
+          <p:spPr>
+            <a:xfrm>
+              <a:off x="3852040" y="5601431"/>
+              <a:ext cx="1313793" cy="369332"/>
+            </a:xfrm>
+            <a:prstGeom prst="rect">
+              <a:avLst/>
+            </a:prstGeom>
+            <a:noFill/>
+          </p:spPr>
+          <p:txBody>
+            <a:bodyPr wrap="square" rtlCol="0">
+              <a:spAutoFit/>
+            </a:bodyPr>
+            <a:lstStyle/>
+            <a:p>
+              <a:r>
+                <a:rPr lang="zh-CN" altLang="en-US" dirty="0" smtClean="0">
+                  <a:solidFill>
+                    <a:schemeClr val="bg1"/>
+                  </a:solidFill>
+                </a:rPr>
+                <a:t>任务状态</a:t>
+              </a:r>
+              <a:endParaRPr lang="zh-CN" altLang="en-US" dirty="0">
+                <a:solidFill>
+                  <a:schemeClr val="bg1"/>
+                </a:solidFill>
+              </a:endParaRPr>
+            </a:p>
+          </p:txBody>
+        </p:sp>
+        <p:sp>
+          <p:nvSpPr>
+            <p:cNvPr id="49" name="文本框 48"/>
+            <p:cNvSpPr txBox="1"/>
+            <p:nvPr/>
+          </p:nvSpPr>
+          <p:spPr>
+            <a:xfrm>
+              <a:off x="3852042" y="6051227"/>
+              <a:ext cx="1502978" cy="369332"/>
+            </a:xfrm>
+            <a:prstGeom prst="rect">
+              <a:avLst/>
+            </a:prstGeom>
+            <a:noFill/>
+          </p:spPr>
+          <p:txBody>
+            <a:bodyPr wrap="square" rtlCol="0">
+              <a:spAutoFit/>
+            </a:bodyPr>
+            <a:lstStyle/>
+            <a:p>
+              <a:r>
+                <a:rPr lang="zh-CN" altLang="en-US" dirty="0" smtClean="0">
+                  <a:solidFill>
+                    <a:schemeClr val="bg1"/>
+                  </a:solidFill>
+                </a:rPr>
+                <a:t>等待时间</a:t>
+              </a:r>
+              <a:endParaRPr lang="zh-CN" altLang="en-US" dirty="0">
+                <a:solidFill>
+                  <a:schemeClr val="bg1"/>
+                </a:solidFill>
+              </a:endParaRPr>
+            </a:p>
+          </p:txBody>
+        </p:sp>
+      </p:grpSp>
+      <p:cxnSp>
+        <p:nvCxnSpPr>
+          <p:cNvPr id="43" name="直接箭头连接符 42"/>
+          <p:cNvCxnSpPr/>
+          <p:nvPr/>
+        </p:nvCxnSpPr>
+        <p:spPr>
+          <a:xfrm>
+            <a:off x="5460123" y="5862505"/>
+            <a:ext cx="1581808" cy="0"/>
+          </a:xfrm>
+          <a:prstGeom prst="straightConnector1">
+            <a:avLst/>
+          </a:prstGeom>
+          <a:ln w="76200">
+            <a:tailEnd type="triangle"/>
+          </a:ln>
+        </p:spPr>
+        <p:style>
+          <a:lnRef idx="1">
+            <a:schemeClr val="accent1"/>
+          </a:lnRef>
+          <a:fillRef idx="0">
+            <a:schemeClr val="accent1"/>
+          </a:fillRef>
+          <a:effectRef idx="0">
+            <a:schemeClr val="accent1"/>
+          </a:effectRef>
+          <a:fontRef idx="minor">
+            <a:schemeClr val="tx1"/>
+          </a:fontRef>
+        </p:style>
+      </p:cxnSp>
+      <p:pic>
+        <p:nvPicPr>
+          <p:cNvPr id="44" name="图片 43"/>
+          <p:cNvPicPr>
+            <a:picLocks noChangeAspect="1"/>
+          </p:cNvPicPr>
+          <p:nvPr/>
+        </p:nvPicPr>
+        <p:blipFill>
+          <a:blip r:embed="rId2"/>
+          <a:stretch>
+            <a:fillRect/>
+          </a:stretch>
+        </p:blipFill>
+        <p:spPr>
+          <a:xfrm>
+            <a:off x="7210096" y="4595829"/>
+            <a:ext cx="4941015" cy="2087753"/>
           </a:xfrm>
           <a:prstGeom prst="rect">
             <a:avLst/>
           </a:prstGeom>
         </p:spPr>
-        <p:txBody>
-          <a:bodyPr vert="horz" lIns="91440" tIns="45720" rIns="91440" bIns="45720" rtlCol="0" anchor="ctr">
-            <a:normAutofit fontScale="90000" lnSpcReduction="10000"/>
-          </a:bodyPr>
-          <a:lstStyle>
-            <a:lvl1pPr algn="l" defTabSz="914400" rtl="0" eaLnBrk="1" latinLnBrk="0" hangingPunct="1">
-              <a:lnSpc>
-                <a:spcPct val="90000"/>
-              </a:lnSpc>
-              <a:spcBef>
-                <a:spcPct val="0"/>
-              </a:spcBef>
-              <a:buNone/>
-              <a:defRPr sz="4400" kern="1200">
-                <a:solidFill>
-                  <a:schemeClr val="tx1"/>
-                </a:solidFill>
-                <a:latin typeface="+mj-lt"/>
-                <a:ea typeface="+mj-ea"/>
-                <a:cs typeface="+mj-cs"/>
-              </a:defRPr>
-            </a:lvl1pPr>
-          </a:lstStyle>
-          <a:p>
-            <a:r>
-              <a:rPr lang="zh-CN" altLang="en-US" sz="3600" b="1" dirty="0" smtClean="0">
-                <a:solidFill>
-                  <a:srgbClr val="00B050"/>
-                </a:solidFill>
-                <a:latin typeface="华文行楷" panose="02010800040101010101" pitchFamily="2" charset="-122"/>
-                <a:ea typeface="华文行楷" panose="02010800040101010101" pitchFamily="2" charset="-122"/>
-              </a:rPr>
-              <a:t>假如你是设计师？</a:t>
-            </a:r>
-            <a:endParaRPr lang="zh-CN" altLang="en-US" sz="3600" b="1" dirty="0">
-              <a:solidFill>
-                <a:srgbClr val="00B050"/>
-              </a:solidFill>
-              <a:latin typeface="华文行楷" panose="02010800040101010101" pitchFamily="2" charset="-122"/>
-              <a:ea typeface="华文行楷" panose="02010800040101010101" pitchFamily="2" charset="-122"/>
-            </a:endParaRPr>
-          </a:p>
-        </p:txBody>
-      </p:sp>
+      </p:pic>
     </p:spTree>
     <p:extLst>
       <p:ext uri="{BB962C8B-B14F-4D97-AF65-F5344CB8AC3E}">
-        <p14:creationId xmlns:p14="http://schemas.microsoft.com/office/powerpoint/2010/main" val="2095362777"/>
+        <p14:creationId xmlns:p14="http://schemas.microsoft.com/office/powerpoint/2010/main" val="1740599858"/>
       </p:ext>
     </p:extLst>
   </p:cSld>
@@ -14889,6 +18442,471 @@
           <a:p>
             <a:r>
               <a:rPr lang="zh-CN" altLang="en-US" sz="3600" dirty="0" smtClean="0"/>
+              <a:t>任务的状态分析</a:t>
+            </a:r>
+            <a:endParaRPr lang="zh-CN" altLang="en-US" sz="3600" dirty="0"/>
+          </a:p>
+        </p:txBody>
+      </p:sp>
+      <p:sp>
+        <p:nvSpPr>
+          <p:cNvPr id="4" name="文本框 3"/>
+          <p:cNvSpPr txBox="1"/>
+          <p:nvPr/>
+        </p:nvSpPr>
+        <p:spPr>
+          <a:xfrm>
+            <a:off x="291663" y="966951"/>
+            <a:ext cx="11477297" cy="5493812"/>
+          </a:xfrm>
+          <a:prstGeom prst="rect">
+            <a:avLst/>
+          </a:prstGeom>
+          <a:noFill/>
+        </p:spPr>
+        <p:txBody>
+          <a:bodyPr wrap="square" rtlCol="0">
+            <a:spAutoFit/>
+          </a:bodyPr>
+          <a:lstStyle/>
+          <a:p>
+            <a:pPr>
+              <a:lnSpc>
+                <a:spcPct val="150000"/>
+              </a:lnSpc>
+            </a:pPr>
+            <a:r>
+              <a:rPr lang="zh-CN" altLang="en-US" dirty="0" smtClean="0"/>
+              <a:t>任务首先需要有个定义，是能够</a:t>
+            </a:r>
+            <a:r>
+              <a:rPr lang="zh-CN" altLang="en-US" dirty="0" smtClean="0">
+                <a:solidFill>
+                  <a:schemeClr val="accent1"/>
+                </a:solidFill>
+              </a:rPr>
+              <a:t>执行某种功能的单元</a:t>
+            </a:r>
+            <a:r>
+              <a:rPr lang="zh-CN" altLang="en-US" dirty="0" smtClean="0"/>
+              <a:t>。</a:t>
+            </a:r>
+            <a:endParaRPr lang="en-US" altLang="zh-CN" dirty="0" smtClean="0"/>
+          </a:p>
+          <a:p>
+            <a:pPr>
+              <a:lnSpc>
+                <a:spcPct val="150000"/>
+              </a:lnSpc>
+            </a:pPr>
+            <a:r>
+              <a:rPr lang="zh-CN" altLang="en-US" dirty="0" smtClean="0"/>
+              <a:t>计算机术语中进程还是线程主要区分点是是否有私有空间</a:t>
+            </a:r>
+            <a:r>
+              <a:rPr lang="en-US" altLang="zh-CN" dirty="0" smtClean="0"/>
+              <a:t>(</a:t>
+            </a:r>
+            <a:r>
+              <a:rPr lang="zh-CN" altLang="en-US" dirty="0" smtClean="0"/>
+              <a:t>不是私有变量！！！</a:t>
+            </a:r>
+            <a:r>
+              <a:rPr lang="en-US" altLang="zh-CN" dirty="0" smtClean="0"/>
+              <a:t>)</a:t>
+            </a:r>
+            <a:r>
+              <a:rPr lang="zh-CN" altLang="en-US" dirty="0" smtClean="0"/>
+              <a:t>，比较简单的操作系统中任务被定义为线程即一个</a:t>
+            </a:r>
+            <a:r>
+              <a:rPr lang="zh-CN" altLang="en-US" b="1" dirty="0" smtClean="0">
+                <a:solidFill>
+                  <a:schemeClr val="accent1"/>
+                </a:solidFill>
+              </a:rPr>
+              <a:t>函数</a:t>
+            </a:r>
+            <a:r>
+              <a:rPr lang="zh-CN" altLang="en-US" dirty="0" smtClean="0"/>
+              <a:t>。</a:t>
+            </a:r>
+            <a:endParaRPr lang="en-US" altLang="zh-CN" dirty="0" smtClean="0"/>
+          </a:p>
+          <a:p>
+            <a:pPr>
+              <a:lnSpc>
+                <a:spcPct val="150000"/>
+              </a:lnSpc>
+            </a:pPr>
+            <a:endParaRPr lang="en-US" altLang="zh-CN" dirty="0"/>
+          </a:p>
+          <a:p>
+            <a:pPr marL="285750" indent="-285750">
+              <a:lnSpc>
+                <a:spcPct val="150000"/>
+              </a:lnSpc>
+              <a:buFont typeface="Arial" panose="020B0604020202020204" pitchFamily="34" charset="0"/>
+              <a:buChar char="•"/>
+            </a:pPr>
+            <a:r>
+              <a:rPr lang="zh-CN" altLang="en-US" dirty="0" smtClean="0"/>
+              <a:t>由于是操作系统的内核在自动的实现任务调度，所以操作系统如果不认识这个任务</a:t>
+            </a:r>
+            <a:r>
+              <a:rPr lang="en-US" altLang="zh-CN" dirty="0"/>
+              <a:t>(</a:t>
+            </a:r>
+            <a:r>
+              <a:rPr lang="zh-CN" altLang="en-US" dirty="0" smtClean="0"/>
+              <a:t>函数</a:t>
+            </a:r>
+            <a:r>
+              <a:rPr lang="en-US" altLang="zh-CN" dirty="0" smtClean="0"/>
+              <a:t>, </a:t>
+            </a:r>
+            <a:r>
+              <a:rPr lang="zh-CN" altLang="en-US" dirty="0" smtClean="0"/>
+              <a:t>下同</a:t>
+            </a:r>
+            <a:r>
+              <a:rPr lang="en-US" altLang="zh-CN" dirty="0"/>
+              <a:t>) </a:t>
+            </a:r>
+            <a:r>
+              <a:rPr lang="zh-CN" altLang="en-US" dirty="0" smtClean="0"/>
+              <a:t>，那么任务就不可能被调用，认识任务的方式一般都是人为在启动操作系统之前传递给操作系统的。</a:t>
+            </a:r>
+            <a:r>
+              <a:rPr lang="en-US" altLang="zh-CN" dirty="0" smtClean="0"/>
+              <a:t>(</a:t>
+            </a:r>
+            <a:r>
+              <a:rPr lang="en-US" altLang="zh-CN" dirty="0" err="1" smtClean="0"/>
+              <a:t>ucos</a:t>
+            </a:r>
+            <a:r>
+              <a:rPr lang="zh-CN" altLang="en-US" dirty="0" smtClean="0"/>
+              <a:t>中的</a:t>
+            </a:r>
+            <a:r>
+              <a:rPr lang="en-US" altLang="zh-CN" dirty="0" err="1" smtClean="0"/>
+              <a:t>TaskCreate</a:t>
+            </a:r>
+            <a:r>
+              <a:rPr lang="en-US" altLang="zh-CN" dirty="0" smtClean="0"/>
+              <a:t>)</a:t>
+            </a:r>
+            <a:r>
+              <a:rPr lang="zh-CN" altLang="en-US" dirty="0" smtClean="0"/>
+              <a:t>，所以任务没有被认识之前的必须有一个状态，叫做</a:t>
+            </a:r>
+            <a:r>
+              <a:rPr lang="zh-CN" altLang="en-US" b="1" dirty="0" smtClean="0">
+                <a:solidFill>
+                  <a:schemeClr val="accent1"/>
+                </a:solidFill>
+              </a:rPr>
+              <a:t>睡眠状态</a:t>
+            </a:r>
+            <a:r>
+              <a:rPr lang="zh-CN" altLang="en-US" dirty="0" smtClean="0"/>
+              <a:t>，还没起来和操作系统打招呼呢。</a:t>
+            </a:r>
+            <a:endParaRPr lang="en-US" altLang="zh-CN" dirty="0" smtClean="0"/>
+          </a:p>
+          <a:p>
+            <a:pPr marL="285750" indent="-285750">
+              <a:lnSpc>
+                <a:spcPct val="150000"/>
+              </a:lnSpc>
+              <a:buFont typeface="Arial" panose="020B0604020202020204" pitchFamily="34" charset="0"/>
+              <a:buChar char="•"/>
+            </a:pPr>
+            <a:r>
+              <a:rPr lang="zh-CN" altLang="en-US" dirty="0" smtClean="0"/>
+              <a:t>对于认识的任务，操作系统</a:t>
+            </a:r>
+            <a:r>
+              <a:rPr lang="zh-CN" altLang="en-US" dirty="0"/>
+              <a:t>不可能同时调用几个</a:t>
+            </a:r>
+            <a:r>
+              <a:rPr lang="zh-CN" altLang="en-US" dirty="0" smtClean="0"/>
+              <a:t>任务，</a:t>
+            </a:r>
+            <a:r>
+              <a:rPr lang="zh-CN" altLang="en-US" dirty="0"/>
+              <a:t>所以任务必须有</a:t>
+            </a:r>
+            <a:r>
+              <a:rPr lang="zh-CN" altLang="en-US" b="1" dirty="0" smtClean="0">
+                <a:solidFill>
+                  <a:schemeClr val="accent1"/>
+                </a:solidFill>
+              </a:rPr>
+              <a:t>等待</a:t>
+            </a:r>
+            <a:r>
+              <a:rPr lang="en-US" altLang="zh-CN" b="1" dirty="0" smtClean="0">
+                <a:solidFill>
+                  <a:schemeClr val="accent1"/>
+                </a:solidFill>
+              </a:rPr>
+              <a:t>CPU</a:t>
+            </a:r>
+            <a:r>
+              <a:rPr lang="zh-CN" altLang="en-US" b="1" dirty="0" smtClean="0">
+                <a:solidFill>
+                  <a:schemeClr val="accent1"/>
+                </a:solidFill>
+              </a:rPr>
+              <a:t>状态。</a:t>
+            </a:r>
+            <a:endParaRPr lang="en-US" altLang="zh-CN" b="1" dirty="0" smtClean="0">
+              <a:solidFill>
+                <a:schemeClr val="accent1"/>
+              </a:solidFill>
+            </a:endParaRPr>
+          </a:p>
+          <a:p>
+            <a:pPr marL="285750" indent="-285750">
+              <a:lnSpc>
+                <a:spcPct val="150000"/>
+              </a:lnSpc>
+              <a:buFont typeface="Arial" panose="020B0604020202020204" pitchFamily="34" charset="0"/>
+              <a:buChar char="•"/>
+            </a:pPr>
+            <a:r>
+              <a:rPr lang="zh-CN" altLang="en-US" dirty="0"/>
+              <a:t>任务有的时候需要调用系统的资源，但是如果其他任务之前也正在调用该资源，那么可能会违反可重入的代码原则，不同情况下代码的输出结果不同，就会出现致命的错误，所以无法得到资源的任务不能运行时，只能退出运行状态等待资源。这种</a:t>
+            </a:r>
+            <a:r>
+              <a:rPr lang="zh-CN" altLang="en-US" dirty="0" smtClean="0"/>
+              <a:t>状态叫</a:t>
+            </a:r>
+            <a:r>
+              <a:rPr lang="zh-CN" altLang="en-US" b="1" dirty="0" smtClean="0">
+                <a:solidFill>
+                  <a:schemeClr val="accent1"/>
+                </a:solidFill>
+              </a:rPr>
+              <a:t>等待资源和</a:t>
+            </a:r>
+            <a:r>
+              <a:rPr lang="en-US" altLang="zh-CN" b="1" dirty="0" smtClean="0">
+                <a:solidFill>
+                  <a:schemeClr val="accent1"/>
+                </a:solidFill>
+              </a:rPr>
+              <a:t>CPU</a:t>
+            </a:r>
+            <a:r>
+              <a:rPr lang="zh-CN" altLang="en-US" b="1" dirty="0" smtClean="0">
+                <a:solidFill>
+                  <a:schemeClr val="accent1"/>
+                </a:solidFill>
+              </a:rPr>
+              <a:t>状态</a:t>
+            </a:r>
+            <a:endParaRPr lang="en-US" altLang="zh-CN" b="1" dirty="0">
+              <a:solidFill>
+                <a:schemeClr val="accent1"/>
+              </a:solidFill>
+            </a:endParaRPr>
+          </a:p>
+          <a:p>
+            <a:pPr marL="285750" indent="-285750">
+              <a:lnSpc>
+                <a:spcPct val="150000"/>
+              </a:lnSpc>
+              <a:buFont typeface="Arial" panose="020B0604020202020204" pitchFamily="34" charset="0"/>
+              <a:buChar char="•"/>
+            </a:pPr>
+            <a:r>
+              <a:rPr lang="zh-CN" altLang="en-US" dirty="0" smtClean="0"/>
+              <a:t>任务正在执行时，也是一个状态，可以称为</a:t>
+            </a:r>
+            <a:r>
+              <a:rPr lang="zh-CN" altLang="en-US" b="1" dirty="0" smtClean="0">
+                <a:solidFill>
+                  <a:schemeClr val="accent1"/>
+                </a:solidFill>
+              </a:rPr>
+              <a:t>运行状态</a:t>
+            </a:r>
+            <a:r>
+              <a:rPr lang="zh-CN" altLang="en-US" dirty="0" smtClean="0"/>
+              <a:t>。</a:t>
+            </a:r>
+            <a:endParaRPr lang="en-US" altLang="zh-CN" dirty="0" smtClean="0"/>
+          </a:p>
+          <a:p>
+            <a:pPr marL="285750" indent="-285750">
+              <a:lnSpc>
+                <a:spcPct val="150000"/>
+              </a:lnSpc>
+              <a:buFont typeface="Arial" panose="020B0604020202020204" pitchFamily="34" charset="0"/>
+              <a:buChar char="•"/>
+            </a:pPr>
+            <a:r>
+              <a:rPr lang="zh-CN" altLang="en-US" dirty="0" smtClean="0"/>
+              <a:t>为了防止单个任务一直占据</a:t>
+            </a:r>
+            <a:r>
+              <a:rPr lang="en-US" altLang="zh-CN" dirty="0" smtClean="0"/>
+              <a:t>CPU</a:t>
+            </a:r>
+            <a:r>
+              <a:rPr lang="zh-CN" altLang="en-US" dirty="0" smtClean="0"/>
+              <a:t>，或者为了等待一定的时间，我们需要</a:t>
+            </a:r>
+            <a:r>
+              <a:rPr lang="en-US" altLang="zh-CN" dirty="0" smtClean="0"/>
+              <a:t>delay</a:t>
+            </a:r>
+            <a:r>
+              <a:rPr lang="zh-CN" altLang="en-US" dirty="0" smtClean="0"/>
+              <a:t>一些时间，此时任务处于</a:t>
+            </a:r>
+            <a:r>
+              <a:rPr lang="zh-CN" altLang="en-US" b="1" dirty="0" smtClean="0">
+                <a:solidFill>
+                  <a:srgbClr val="00B0F0"/>
+                </a:solidFill>
+              </a:rPr>
+              <a:t>延迟状态</a:t>
+            </a:r>
+            <a:endParaRPr lang="en-US" altLang="zh-CN" b="1" dirty="0" smtClean="0">
+              <a:solidFill>
+                <a:srgbClr val="00B0F0"/>
+              </a:solidFill>
+            </a:endParaRPr>
+          </a:p>
+        </p:txBody>
+      </p:sp>
+      <p:sp>
+        <p:nvSpPr>
+          <p:cNvPr id="5" name="标题 1"/>
+          <p:cNvSpPr txBox="1">
+            <a:spLocks/>
+          </p:cNvSpPr>
+          <p:nvPr/>
+        </p:nvSpPr>
+        <p:spPr>
+          <a:xfrm rot="21186925">
+            <a:off x="7538530" y="459470"/>
+            <a:ext cx="3311160" cy="483475"/>
+          </a:xfrm>
+          <a:prstGeom prst="rect">
+            <a:avLst/>
+          </a:prstGeom>
+        </p:spPr>
+        <p:txBody>
+          <a:bodyPr vert="horz" lIns="91440" tIns="45720" rIns="91440" bIns="45720" rtlCol="0" anchor="ctr">
+            <a:normAutofit fontScale="90000" lnSpcReduction="10000"/>
+          </a:bodyPr>
+          <a:lstStyle>
+            <a:lvl1pPr algn="l" defTabSz="914400" rtl="0" eaLnBrk="1" latinLnBrk="0" hangingPunct="1">
+              <a:lnSpc>
+                <a:spcPct val="90000"/>
+              </a:lnSpc>
+              <a:spcBef>
+                <a:spcPct val="0"/>
+              </a:spcBef>
+              <a:buNone/>
+              <a:defRPr sz="4400" kern="1200">
+                <a:solidFill>
+                  <a:schemeClr val="tx1"/>
+                </a:solidFill>
+                <a:latin typeface="+mj-lt"/>
+                <a:ea typeface="+mj-ea"/>
+                <a:cs typeface="+mj-cs"/>
+              </a:defRPr>
+            </a:lvl1pPr>
+          </a:lstStyle>
+          <a:p>
+            <a:r>
+              <a:rPr lang="zh-CN" altLang="en-US" sz="3600" b="1" dirty="0" smtClean="0">
+                <a:solidFill>
+                  <a:srgbClr val="00B050"/>
+                </a:solidFill>
+                <a:latin typeface="华文行楷" panose="02010800040101010101" pitchFamily="2" charset="-122"/>
+                <a:ea typeface="华文行楷" panose="02010800040101010101" pitchFamily="2" charset="-122"/>
+              </a:rPr>
+              <a:t>假如你是设计师？</a:t>
+            </a:r>
+            <a:endParaRPr lang="zh-CN" altLang="en-US" sz="3600" b="1" dirty="0">
+              <a:solidFill>
+                <a:srgbClr val="00B050"/>
+              </a:solidFill>
+              <a:latin typeface="华文行楷" panose="02010800040101010101" pitchFamily="2" charset="-122"/>
+              <a:ea typeface="华文行楷" panose="02010800040101010101" pitchFamily="2" charset="-122"/>
+            </a:endParaRPr>
+          </a:p>
+        </p:txBody>
+      </p:sp>
+    </p:spTree>
+    <p:extLst>
+      <p:ext uri="{BB962C8B-B14F-4D97-AF65-F5344CB8AC3E}">
+        <p14:creationId xmlns:p14="http://schemas.microsoft.com/office/powerpoint/2010/main" val="2095362777"/>
+      </p:ext>
+    </p:extLst>
+  </p:cSld>
+  <p:clrMapOvr>
+    <a:masterClrMapping/>
+  </p:clrMapOvr>
+  <p:timing>
+    <p:tnLst>
+      <p:par>
+        <p:cTn id="1" dur="indefinite" restart="never" nodeType="tmRoot"/>
+      </p:par>
+    </p:tnLst>
+  </p:timing>
+</p:sld>
+</file>
+
+<file path=ppt/slides/slide4.xml><?xml version="1.0" encoding="utf-8"?>
+<p:sld xmlns:a="http://schemas.openxmlformats.org/drawingml/2006/main" xmlns:r="http://schemas.openxmlformats.org/officeDocument/2006/relationships" xmlns:p="http://schemas.openxmlformats.org/presentationml/2006/main">
+  <p:cSld>
+    <p:spTree>
+      <p:nvGrpSpPr>
+        <p:cNvPr id="1" name=""/>
+        <p:cNvGrpSpPr/>
+        <p:nvPr/>
+      </p:nvGrpSpPr>
+      <p:grpSpPr>
+        <a:xfrm>
+          <a:off x="0" y="0"/>
+          <a:ext cx="0" cy="0"/>
+          <a:chOff x="0" y="0"/>
+          <a:chExt cx="0" cy="0"/>
+        </a:xfrm>
+      </p:grpSpPr>
+      <p:sp>
+        <p:nvSpPr>
+          <p:cNvPr id="2" name="标题 1"/>
+          <p:cNvSpPr>
+            <a:spLocks noGrp="1"/>
+          </p:cNvSpPr>
+          <p:nvPr>
+            <p:ph type="title"/>
+          </p:nvPr>
+        </p:nvSpPr>
+        <p:spPr>
+          <a:xfrm>
+            <a:off x="291663" y="262759"/>
+            <a:ext cx="4763813" cy="483475"/>
+          </a:xfrm>
+        </p:spPr>
+        <p:txBody>
+          <a:bodyPr>
+            <a:normAutofit fontScale="90000"/>
+          </a:bodyPr>
+          <a:lstStyle/>
+          <a:p>
+            <a:r>
+              <a:rPr lang="zh-CN" altLang="en-US" sz="3600" dirty="0" smtClean="0"/>
               <a:t>任务控制块结构体分析</a:t>
             </a:r>
             <a:endParaRPr lang="zh-CN" altLang="en-US" sz="3600" dirty="0"/>
@@ -15240,7 +19258,199 @@
 </p:sld>
 </file>
 
-<file path=ppt/slides/slide4.xml><?xml version="1.0" encoding="utf-8"?>
+<file path=ppt/slides/slide5.xml><?xml version="1.0" encoding="utf-8"?>
+<p:sld xmlns:a="http://schemas.openxmlformats.org/drawingml/2006/main" xmlns:r="http://schemas.openxmlformats.org/officeDocument/2006/relationships" xmlns:p="http://schemas.openxmlformats.org/presentationml/2006/main">
+  <p:cSld>
+    <p:spTree>
+      <p:nvGrpSpPr>
+        <p:cNvPr id="1" name=""/>
+        <p:cNvGrpSpPr/>
+        <p:nvPr/>
+      </p:nvGrpSpPr>
+      <p:grpSpPr>
+        <a:xfrm>
+          <a:off x="0" y="0"/>
+          <a:ext cx="0" cy="0"/>
+          <a:chOff x="0" y="0"/>
+          <a:chExt cx="0" cy="0"/>
+        </a:xfrm>
+      </p:grpSpPr>
+      <p:sp>
+        <p:nvSpPr>
+          <p:cNvPr id="2" name="标题 1"/>
+          <p:cNvSpPr>
+            <a:spLocks noGrp="1"/>
+          </p:cNvSpPr>
+          <p:nvPr>
+            <p:ph type="title"/>
+          </p:nvPr>
+        </p:nvSpPr>
+        <p:spPr>
+          <a:xfrm>
+            <a:off x="838200" y="365126"/>
+            <a:ext cx="10515600" cy="938158"/>
+          </a:xfrm>
+        </p:spPr>
+        <p:txBody>
+          <a:bodyPr/>
+          <a:lstStyle/>
+          <a:p>
+            <a:r>
+              <a:rPr lang="zh-CN" altLang="en-US" dirty="0" smtClean="0"/>
+              <a:t>关于任务的操作</a:t>
+            </a:r>
+            <a:endParaRPr lang="zh-CN" altLang="en-US" dirty="0"/>
+          </a:p>
+        </p:txBody>
+      </p:sp>
+      <p:sp>
+        <p:nvSpPr>
+          <p:cNvPr id="4" name="文本框 3"/>
+          <p:cNvSpPr txBox="1"/>
+          <p:nvPr/>
+        </p:nvSpPr>
+        <p:spPr>
+          <a:xfrm>
+            <a:off x="935421" y="1639614"/>
+            <a:ext cx="10962289" cy="1754326"/>
+          </a:xfrm>
+          <a:prstGeom prst="rect">
+            <a:avLst/>
+          </a:prstGeom>
+          <a:noFill/>
+        </p:spPr>
+        <p:txBody>
+          <a:bodyPr wrap="square" rtlCol="0">
+            <a:spAutoFit/>
+          </a:bodyPr>
+          <a:lstStyle/>
+          <a:p>
+            <a:pPr>
+              <a:lnSpc>
+                <a:spcPct val="150000"/>
+              </a:lnSpc>
+            </a:pPr>
+            <a:r>
+              <a:rPr lang="zh-CN" altLang="en-US" dirty="0" smtClean="0"/>
+              <a:t>改变优先级：</a:t>
+            </a:r>
+            <a:r>
+              <a:rPr lang="en-US" altLang="zh-CN" dirty="0" smtClean="0"/>
+              <a:t>	</a:t>
+            </a:r>
+            <a:r>
+              <a:rPr lang="zh-CN" altLang="en-US" dirty="0" smtClean="0"/>
+              <a:t>情景</a:t>
+            </a:r>
+            <a:r>
+              <a:rPr lang="en-US" altLang="zh-CN" dirty="0" smtClean="0"/>
+              <a:t>1 </a:t>
+            </a:r>
+            <a:r>
+              <a:rPr lang="zh-CN" altLang="en-US" dirty="0" smtClean="0"/>
+              <a:t>该任务正在等待人事件，位于等待列表中</a:t>
+            </a:r>
+            <a:endParaRPr lang="en-US" altLang="zh-CN" dirty="0" smtClean="0"/>
+          </a:p>
+          <a:p>
+            <a:pPr>
+              <a:lnSpc>
+                <a:spcPct val="150000"/>
+              </a:lnSpc>
+            </a:pPr>
+            <a:r>
+              <a:rPr lang="en-US" altLang="zh-CN" dirty="0"/>
+              <a:t>	</a:t>
+            </a:r>
+            <a:r>
+              <a:rPr lang="en-US" altLang="zh-CN" dirty="0" smtClean="0"/>
+              <a:t>	</a:t>
+            </a:r>
+            <a:r>
+              <a:rPr lang="zh-CN" altLang="en-US" dirty="0" smtClean="0"/>
+              <a:t>情景</a:t>
+            </a:r>
+            <a:r>
+              <a:rPr lang="en-US" altLang="zh-CN" dirty="0" smtClean="0"/>
+              <a:t>2 </a:t>
+            </a:r>
+            <a:r>
+              <a:rPr lang="zh-CN" altLang="en-US" dirty="0" smtClean="0"/>
+              <a:t>该任务获取互斥信号量并变成了临时优先级</a:t>
+            </a:r>
+            <a:endParaRPr lang="en-US" altLang="zh-CN" dirty="0" smtClean="0"/>
+          </a:p>
+          <a:p>
+            <a:pPr>
+              <a:lnSpc>
+                <a:spcPct val="150000"/>
+              </a:lnSpc>
+            </a:pPr>
+            <a:r>
+              <a:rPr lang="en-US" altLang="zh-CN" dirty="0"/>
+              <a:t>	</a:t>
+            </a:r>
+            <a:r>
+              <a:rPr lang="en-US" altLang="zh-CN" dirty="0" smtClean="0"/>
+              <a:t>	</a:t>
+            </a:r>
+            <a:r>
+              <a:rPr lang="zh-CN" altLang="en-US" dirty="0" smtClean="0"/>
+              <a:t>情景</a:t>
+            </a:r>
+            <a:r>
+              <a:rPr lang="en-US" altLang="zh-CN" dirty="0" smtClean="0"/>
+              <a:t>3 </a:t>
+            </a:r>
+            <a:r>
+              <a:rPr lang="zh-CN" altLang="en-US" dirty="0" smtClean="0"/>
+              <a:t>该任务正在运行中</a:t>
+            </a:r>
+            <a:endParaRPr lang="en-US" altLang="zh-CN" dirty="0" smtClean="0"/>
+          </a:p>
+          <a:p>
+            <a:pPr>
+              <a:lnSpc>
+                <a:spcPct val="150000"/>
+              </a:lnSpc>
+            </a:pPr>
+            <a:r>
+              <a:rPr lang="en-US" altLang="zh-CN" dirty="0"/>
+              <a:t>	</a:t>
+            </a:r>
+            <a:r>
+              <a:rPr lang="en-US" altLang="zh-CN" dirty="0" smtClean="0"/>
+              <a:t>	</a:t>
+            </a:r>
+            <a:r>
+              <a:rPr lang="zh-CN" altLang="en-US" dirty="0" smtClean="0"/>
+              <a:t>情景</a:t>
+            </a:r>
+            <a:r>
+              <a:rPr lang="en-US" altLang="zh-CN" dirty="0" smtClean="0"/>
+              <a:t>4 </a:t>
+            </a:r>
+            <a:r>
+              <a:rPr lang="zh-CN" altLang="en-US" dirty="0" smtClean="0"/>
+              <a:t>该任务在就绪表中</a:t>
+            </a:r>
+          </a:p>
+        </p:txBody>
+      </p:sp>
+    </p:spTree>
+    <p:extLst>
+      <p:ext uri="{BB962C8B-B14F-4D97-AF65-F5344CB8AC3E}">
+        <p14:creationId xmlns:p14="http://schemas.microsoft.com/office/powerpoint/2010/main" val="3214085120"/>
+      </p:ext>
+    </p:extLst>
+  </p:cSld>
+  <p:clrMapOvr>
+    <a:masterClrMapping/>
+  </p:clrMapOvr>
+</p:sld>
+</file>
+
+<file path=ppt/slides/slide6.xml><?xml version="1.0" encoding="utf-8"?>
 <p:sld xmlns:a="http://schemas.openxmlformats.org/drawingml/2006/main" xmlns:r="http://schemas.openxmlformats.org/officeDocument/2006/relationships" xmlns:p="http://schemas.openxmlformats.org/presentationml/2006/main">
   <p:cSld>
     <p:spTree>
@@ -16392,7 +20602,7 @@
 </p:sld>
 </file>
 
-<file path=ppt/slides/slide5.xml><?xml version="1.0" encoding="utf-8"?>
+<file path=ppt/slides/slide7.xml><?xml version="1.0" encoding="utf-8"?>
 <p:sld xmlns:a="http://schemas.openxmlformats.org/drawingml/2006/main" xmlns:r="http://schemas.openxmlformats.org/officeDocument/2006/relationships" xmlns:p="http://schemas.openxmlformats.org/presentationml/2006/main">
   <p:cSld>
     <p:spTree>
@@ -18172,7 +22382,7 @@
 </p:sld>
 </file>
 
-<file path=ppt/slides/slide6.xml><?xml version="1.0" encoding="utf-8"?>
+<file path=ppt/slides/slide8.xml><?xml version="1.0" encoding="utf-8"?>
 <p:sld xmlns:a="http://schemas.openxmlformats.org/drawingml/2006/main" xmlns:r="http://schemas.openxmlformats.org/officeDocument/2006/relationships" xmlns:p="http://schemas.openxmlformats.org/presentationml/2006/main">
   <p:cSld>
     <p:spTree>
@@ -18204,7 +22414,7 @@
           <a:bodyPr/>
           <a:lstStyle/>
           <a:p>
-            <a:endParaRPr lang="zh-CN" altLang="en-US"/>
+            <a:endParaRPr lang="zh-CN" altLang="en-US" dirty="0"/>
           </a:p>
         </p:txBody>
       </p:sp>
@@ -19051,7 +23261,7 @@
 </p:sld>
 </file>
 
-<file path=ppt/slides/slide7.xml><?xml version="1.0" encoding="utf-8"?>
+<file path=ppt/slides/slide9.xml><?xml version="1.0" encoding="utf-8"?>
 <p:sld xmlns:a="http://schemas.openxmlformats.org/drawingml/2006/main" xmlns:r="http://schemas.openxmlformats.org/officeDocument/2006/relationships" xmlns:p="http://schemas.openxmlformats.org/presentationml/2006/main">
   <p:cSld>
     <p:spTree>
@@ -19078,36 +23288,29 @@
             <p:ph type="title"/>
           </p:nvPr>
         </p:nvSpPr>
-        <p:spPr>
-          <a:xfrm>
-            <a:off x="3142593" y="145886"/>
-            <a:ext cx="6810704" cy="726473"/>
-          </a:xfrm>
-        </p:spPr>
+        <p:spPr/>
         <p:txBody>
-          <a:bodyPr>
-            <a:normAutofit/>
-          </a:bodyPr>
+          <a:bodyPr/>
           <a:lstStyle/>
           <a:p>
             <a:r>
-              <a:rPr lang="zh-CN" altLang="en-US" sz="2400" b="1" i="1" dirty="0" smtClean="0"/>
-              <a:t>信号量结构</a:t>
-            </a:r>
-            <a:endParaRPr lang="zh-CN" altLang="en-US" sz="2400" dirty="0"/>
+              <a:rPr lang="zh-CN" altLang="en-US" dirty="0" smtClean="0"/>
+              <a:t>信号事件</a:t>
+            </a:r>
+            <a:endParaRPr lang="zh-CN" altLang="en-US" dirty="0"/>
           </a:p>
         </p:txBody>
       </p:sp>
       <p:sp>
         <p:nvSpPr>
-          <p:cNvPr id="4" name="文本框 3"/>
+          <p:cNvPr id="5" name="文本框 4"/>
           <p:cNvSpPr txBox="1"/>
           <p:nvPr/>
         </p:nvSpPr>
         <p:spPr>
           <a:xfrm>
-            <a:off x="3069021" y="1019504"/>
-            <a:ext cx="8965325" cy="923330"/>
+            <a:off x="838200" y="1813977"/>
+            <a:ext cx="10342179" cy="2400657"/>
           </a:xfrm>
           <a:prstGeom prst="rect">
             <a:avLst/>
@@ -19120,66 +23323,60 @@
           </a:bodyPr>
           <a:lstStyle/>
           <a:p>
-            <a:pPr marL="285750" indent="-285750">
+            <a:pPr>
               <a:lnSpc>
                 <a:spcPct val="150000"/>
+              </a:lnSpc>
+            </a:pPr>
+            <a:r>
+              <a:rPr lang="zh-CN" altLang="en-US" sz="2000" dirty="0" smtClean="0"/>
+              <a:t>为使得信号量事件能够被所有的任务获取，必须将其定义在全局变量。为此有两种方案</a:t>
+            </a:r>
+            <a:endParaRPr lang="en-US" altLang="zh-CN" sz="2000" dirty="0" smtClean="0"/>
+          </a:p>
+          <a:p>
+            <a:pPr marL="342900" indent="-342900">
+              <a:lnSpc>
+                <a:spcPct val="200000"/>
               </a:lnSpc>
               <a:buFont typeface="Arial" panose="020B0604020202020204" pitchFamily="34" charset="0"/>
               <a:buChar char="•"/>
             </a:pPr>
             <a:r>
-              <a:rPr lang="zh-CN" altLang="en-US" dirty="0" smtClean="0"/>
-              <a:t>信号的数量</a:t>
-            </a:r>
-            <a:r>
-              <a:rPr lang="en-US" altLang="zh-CN" dirty="0" smtClean="0"/>
-              <a:t>(0/1/2/3/…)</a:t>
-            </a:r>
-          </a:p>
-          <a:p>
-            <a:pPr marL="285750" indent="-285750">
+              <a:rPr lang="zh-CN" altLang="en-US" sz="2000" dirty="0" smtClean="0"/>
+              <a:t>提前分配事件信号量的数目，在全局定义数组。使用时</a:t>
+            </a:r>
+            <a:r>
+              <a:rPr lang="en-US" altLang="zh-CN" sz="2000" dirty="0" smtClean="0"/>
+              <a:t>create</a:t>
+            </a:r>
+            <a:r>
+              <a:rPr lang="zh-CN" altLang="en-US" sz="2000" dirty="0" smtClean="0"/>
+              <a:t>返回事件结构体，你需要一个全局结构体去接收。</a:t>
+            </a:r>
+            <a:endParaRPr lang="en-US" altLang="zh-CN" sz="2000" dirty="0" smtClean="0"/>
+          </a:p>
+          <a:p>
+            <a:pPr marL="342900" indent="-342900">
               <a:lnSpc>
-                <a:spcPct val="150000"/>
+                <a:spcPct val="200000"/>
               </a:lnSpc>
               <a:buFont typeface="Arial" panose="020B0604020202020204" pitchFamily="34" charset="0"/>
               <a:buChar char="•"/>
             </a:pPr>
             <a:r>
-              <a:rPr lang="zh-CN" altLang="en-US" dirty="0" smtClean="0"/>
-              <a:t>等待它的任务 </a:t>
-            </a:r>
-            <a:r>
-              <a:rPr lang="en-US" altLang="zh-CN" dirty="0" smtClean="0"/>
-              <a:t>—— TCB</a:t>
-            </a:r>
-            <a:r>
-              <a:rPr lang="zh-CN" altLang="en-US" dirty="0" smtClean="0"/>
-              <a:t>链表或者其他代替</a:t>
-            </a:r>
-            <a:r>
-              <a:rPr lang="en-US" altLang="zh-CN" dirty="0" smtClean="0"/>
-              <a:t>TCB</a:t>
-            </a:r>
-            <a:r>
-              <a:rPr lang="zh-CN" altLang="en-US" dirty="0" smtClean="0"/>
-              <a:t>的形式</a:t>
-            </a:r>
-            <a:r>
-              <a:rPr lang="en-US" altLang="zh-CN" dirty="0" smtClean="0"/>
-              <a:t>(UCOS</a:t>
-            </a:r>
-            <a:r>
-              <a:rPr lang="zh-CN" altLang="en-US" dirty="0" smtClean="0"/>
-              <a:t>使用的是</a:t>
-            </a:r>
-            <a:r>
-              <a:rPr lang="zh-CN" altLang="en-US" dirty="0"/>
-              <a:t>任务等待表</a:t>
-            </a:r>
-            <a:r>
-              <a:rPr lang="en-US" altLang="zh-CN" dirty="0" smtClean="0"/>
-              <a:t>)</a:t>
-            </a:r>
+              <a:rPr lang="zh-CN" altLang="en-US" sz="2000" dirty="0" smtClean="0"/>
+              <a:t>你需要多少事件就在全局定义，然后将指针传入对应的</a:t>
+            </a:r>
+            <a:r>
+              <a:rPr lang="en-US" altLang="zh-CN" sz="2000" dirty="0" smtClean="0"/>
+              <a:t>create</a:t>
+            </a:r>
+            <a:r>
+              <a:rPr lang="zh-CN" altLang="en-US" sz="2000" dirty="0" smtClean="0"/>
+              <a:t>函数。返回错误信息。</a:t>
+            </a:r>
+            <a:endParaRPr lang="en-US" altLang="zh-CN" sz="2000" dirty="0" smtClean="0"/>
           </a:p>
         </p:txBody>
       </p:sp>
@@ -19191,8 +23388,8 @@
         </p:nvSpPr>
         <p:spPr>
           <a:xfrm>
-            <a:off x="220717" y="0"/>
-            <a:ext cx="3426372" cy="838884"/>
+            <a:off x="1609617" y="5506948"/>
+            <a:ext cx="9657472" cy="465640"/>
           </a:xfrm>
           <a:prstGeom prst="rect">
             <a:avLst/>
@@ -19211,646 +23408,20 @@
               </a:lnSpc>
             </a:pPr>
             <a:r>
-              <a:rPr lang="zh-CN" altLang="en-US" sz="3600" b="1" dirty="0" smtClean="0"/>
-              <a:t>任务同步</a:t>
-            </a:r>
-          </a:p>
-        </p:txBody>
-      </p:sp>
-      <p:sp>
-        <p:nvSpPr>
-          <p:cNvPr id="7" name="文本框 6"/>
-          <p:cNvSpPr txBox="1"/>
-          <p:nvPr/>
-        </p:nvSpPr>
-        <p:spPr>
-          <a:xfrm>
-            <a:off x="3069021" y="2217053"/>
-            <a:ext cx="8965325" cy="923330"/>
-          </a:xfrm>
-          <a:prstGeom prst="rect">
-            <a:avLst/>
-          </a:prstGeom>
-          <a:noFill/>
-        </p:spPr>
-        <p:txBody>
-          <a:bodyPr wrap="square" rtlCol="0">
-            <a:spAutoFit/>
-          </a:bodyPr>
-          <a:lstStyle/>
-          <a:p>
-            <a:pPr>
-              <a:lnSpc>
-                <a:spcPct val="150000"/>
-              </a:lnSpc>
-            </a:pPr>
-            <a:r>
               <a:rPr lang="zh-CN" altLang="en-US" dirty="0" smtClean="0">
                 <a:solidFill>
-                  <a:srgbClr val="C00000"/>
-                </a:solidFill>
-              </a:rPr>
-              <a:t>操作：新建信号量，删除信号量，获取信号量，释放信号</a:t>
-            </a:r>
-            <a:r>
-              <a:rPr lang="zh-CN" altLang="en-US" smtClean="0">
-                <a:solidFill>
-                  <a:srgbClr val="C00000"/>
-                </a:solidFill>
-              </a:rPr>
-              <a:t>量，重设信号量</a:t>
-            </a:r>
-            <a:r>
-              <a:rPr lang="zh-CN" altLang="en-US" dirty="0" smtClean="0">
-                <a:solidFill>
-                  <a:srgbClr val="C00000"/>
-                </a:solidFill>
-              </a:rPr>
-              <a:t>，中止等待信号量，信号状态查询</a:t>
-            </a:r>
-            <a:endParaRPr lang="en-US" altLang="zh-CN" dirty="0" smtClean="0">
-              <a:solidFill>
-                <a:srgbClr val="C00000"/>
-              </a:solidFill>
-            </a:endParaRPr>
+                  <a:srgbClr val="FF0000"/>
+                </a:solidFill>
+              </a:rPr>
+              <a:t>与此对应，任务控制块结构必须，增加一个属性，来表述任务等待的事件是什么</a:t>
+            </a:r>
           </a:p>
         </p:txBody>
       </p:sp>
     </p:spTree>
     <p:extLst>
       <p:ext uri="{BB962C8B-B14F-4D97-AF65-F5344CB8AC3E}">
-        <p14:creationId xmlns:p14="http://schemas.microsoft.com/office/powerpoint/2010/main" val="1677184369"/>
-      </p:ext>
-    </p:extLst>
-  </p:cSld>
-  <p:clrMapOvr>
-    <a:masterClrMapping/>
-  </p:clrMapOvr>
-</p:sld>
-</file>
-
-<file path=ppt/slides/slide8.xml><?xml version="1.0" encoding="utf-8"?>
-<p:sld xmlns:a="http://schemas.openxmlformats.org/drawingml/2006/main" xmlns:r="http://schemas.openxmlformats.org/officeDocument/2006/relationships" xmlns:p="http://schemas.openxmlformats.org/presentationml/2006/main">
-  <p:cSld>
-    <p:spTree>
-      <p:nvGrpSpPr>
-        <p:cNvPr id="1" name=""/>
-        <p:cNvGrpSpPr/>
-        <p:nvPr/>
-      </p:nvGrpSpPr>
-      <p:grpSpPr>
-        <a:xfrm>
-          <a:off x="0" y="0"/>
-          <a:ext cx="0" cy="0"/>
-          <a:chOff x="0" y="0"/>
-          <a:chExt cx="0" cy="0"/>
-        </a:xfrm>
-      </p:grpSpPr>
-      <p:sp>
-        <p:nvSpPr>
-          <p:cNvPr id="5" name="标题 1"/>
-          <p:cNvSpPr txBox="1">
-            <a:spLocks/>
-          </p:cNvSpPr>
-          <p:nvPr/>
-        </p:nvSpPr>
-        <p:spPr>
-          <a:xfrm>
-            <a:off x="3563006" y="239378"/>
-            <a:ext cx="3153104" cy="726473"/>
-          </a:xfrm>
-          <a:prstGeom prst="rect">
-            <a:avLst/>
-          </a:prstGeom>
-        </p:spPr>
-        <p:txBody>
-          <a:bodyPr vert="horz" lIns="91440" tIns="45720" rIns="91440" bIns="45720" rtlCol="0" anchor="ctr">
-            <a:normAutofit/>
-          </a:bodyPr>
-          <a:lstStyle>
-            <a:lvl1pPr algn="l" defTabSz="914400" rtl="0" eaLnBrk="1" latinLnBrk="0" hangingPunct="1">
-              <a:lnSpc>
-                <a:spcPct val="90000"/>
-              </a:lnSpc>
-              <a:spcBef>
-                <a:spcPct val="0"/>
-              </a:spcBef>
-              <a:buNone/>
-              <a:defRPr sz="4400" kern="1200">
-                <a:solidFill>
-                  <a:schemeClr val="tx1"/>
-                </a:solidFill>
-                <a:latin typeface="+mj-lt"/>
-                <a:ea typeface="+mj-ea"/>
-                <a:cs typeface="+mj-cs"/>
-              </a:defRPr>
-            </a:lvl1pPr>
-          </a:lstStyle>
-          <a:p>
-            <a:r>
-              <a:rPr lang="zh-CN" altLang="en-US" sz="2400" b="1" i="1" dirty="0" smtClean="0"/>
-              <a:t>互斥信号量结构</a:t>
-            </a:r>
-            <a:endParaRPr lang="zh-CN" altLang="en-US" sz="2400" dirty="0"/>
-          </a:p>
-        </p:txBody>
-      </p:sp>
-      <p:sp>
-        <p:nvSpPr>
-          <p:cNvPr id="6" name="文本框 5"/>
-          <p:cNvSpPr txBox="1"/>
-          <p:nvPr/>
-        </p:nvSpPr>
-        <p:spPr>
-          <a:xfrm>
-            <a:off x="3489435" y="1112996"/>
-            <a:ext cx="6050942" cy="1338828"/>
-          </a:xfrm>
-          <a:prstGeom prst="rect">
-            <a:avLst/>
-          </a:prstGeom>
-          <a:noFill/>
-        </p:spPr>
-        <p:txBody>
-          <a:bodyPr wrap="square" rtlCol="0">
-            <a:spAutoFit/>
-          </a:bodyPr>
-          <a:lstStyle/>
-          <a:p>
-            <a:pPr marL="285750" indent="-285750">
-              <a:lnSpc>
-                <a:spcPct val="150000"/>
-              </a:lnSpc>
-              <a:buFont typeface="Arial" panose="020B0604020202020204" pitchFamily="34" charset="0"/>
-              <a:buChar char="•"/>
-            </a:pPr>
-            <a:r>
-              <a:rPr lang="zh-CN" altLang="en-US" dirty="0" smtClean="0"/>
-              <a:t>信号是否可用</a:t>
-            </a:r>
-            <a:r>
-              <a:rPr lang="en-US" altLang="zh-CN" dirty="0" smtClean="0"/>
-              <a:t>(0/1)</a:t>
-            </a:r>
-          </a:p>
-          <a:p>
-            <a:pPr marL="285750" indent="-285750">
-              <a:lnSpc>
-                <a:spcPct val="150000"/>
-              </a:lnSpc>
-              <a:buFont typeface="Arial" panose="020B0604020202020204" pitchFamily="34" charset="0"/>
-              <a:buChar char="•"/>
-            </a:pPr>
-            <a:r>
-              <a:rPr lang="zh-CN" altLang="en-US" dirty="0"/>
-              <a:t>占有</a:t>
-            </a:r>
-            <a:r>
-              <a:rPr lang="zh-CN" altLang="en-US" dirty="0" smtClean="0"/>
-              <a:t>它</a:t>
-            </a:r>
-            <a:r>
-              <a:rPr lang="zh-CN" altLang="en-US" dirty="0" smtClean="0"/>
-              <a:t>的任务 </a:t>
-            </a:r>
-            <a:r>
-              <a:rPr lang="en-US" altLang="zh-CN" dirty="0" smtClean="0"/>
-              <a:t>—— </a:t>
-            </a:r>
-            <a:r>
-              <a:rPr lang="en-US" altLang="zh-CN" dirty="0" smtClean="0"/>
-              <a:t>TCB</a:t>
-            </a:r>
-            <a:r>
-              <a:rPr lang="zh-CN" altLang="en-US" dirty="0" smtClean="0"/>
-              <a:t>指针</a:t>
-            </a:r>
-            <a:endParaRPr lang="en-US" altLang="zh-CN" dirty="0" smtClean="0"/>
-          </a:p>
-          <a:p>
-            <a:pPr marL="285750" indent="-285750">
-              <a:lnSpc>
-                <a:spcPct val="150000"/>
-              </a:lnSpc>
-              <a:buFont typeface="Arial" panose="020B0604020202020204" pitchFamily="34" charset="0"/>
-              <a:buChar char="•"/>
-            </a:pPr>
-            <a:r>
-              <a:rPr lang="zh-CN" altLang="en-US" dirty="0" smtClean="0"/>
-              <a:t>防止</a:t>
-            </a:r>
-            <a:r>
-              <a:rPr lang="zh-CN" altLang="en-US" dirty="0" smtClean="0"/>
-              <a:t>任务优先级反转的临时优先级值</a:t>
-            </a:r>
-            <a:endParaRPr lang="en-US" altLang="zh-CN" dirty="0" smtClean="0"/>
-          </a:p>
-        </p:txBody>
-      </p:sp>
-      <p:sp>
-        <p:nvSpPr>
-          <p:cNvPr id="3" name="文本框 2"/>
-          <p:cNvSpPr txBox="1"/>
-          <p:nvPr/>
-        </p:nvSpPr>
-        <p:spPr>
-          <a:xfrm>
-            <a:off x="220717" y="0"/>
-            <a:ext cx="2133600" cy="923330"/>
-          </a:xfrm>
-          <a:prstGeom prst="rect">
-            <a:avLst/>
-          </a:prstGeom>
-          <a:noFill/>
-        </p:spPr>
-        <p:txBody>
-          <a:bodyPr wrap="square" rtlCol="0">
-            <a:spAutoFit/>
-          </a:bodyPr>
-          <a:lstStyle/>
-          <a:p>
-            <a:pPr>
-              <a:lnSpc>
-                <a:spcPct val="150000"/>
-              </a:lnSpc>
-            </a:pPr>
-            <a:r>
-              <a:rPr lang="zh-CN" altLang="en-US" sz="3600" b="1" dirty="0" smtClean="0"/>
-              <a:t>任务同步</a:t>
-            </a:r>
-          </a:p>
-        </p:txBody>
-      </p:sp>
-      <p:sp>
-        <p:nvSpPr>
-          <p:cNvPr id="8" name="文本框 7"/>
-          <p:cNvSpPr txBox="1"/>
-          <p:nvPr/>
-        </p:nvSpPr>
-        <p:spPr>
-          <a:xfrm>
-            <a:off x="3563006" y="3027660"/>
-            <a:ext cx="5239991" cy="1754326"/>
-          </a:xfrm>
-          <a:prstGeom prst="rect">
-            <a:avLst/>
-          </a:prstGeom>
-          <a:noFill/>
-        </p:spPr>
-        <p:txBody>
-          <a:bodyPr wrap="square" rtlCol="0">
-            <a:spAutoFit/>
-          </a:bodyPr>
-          <a:lstStyle/>
-          <a:p>
-            <a:pPr>
-              <a:lnSpc>
-                <a:spcPct val="150000"/>
-              </a:lnSpc>
-            </a:pPr>
-            <a:r>
-              <a:rPr lang="zh-CN" altLang="en-US" dirty="0" smtClean="0"/>
-              <a:t>操作</a:t>
-            </a:r>
-            <a:r>
-              <a:rPr lang="zh-CN" altLang="en-US" dirty="0" smtClean="0"/>
-              <a:t>：</a:t>
-            </a:r>
-            <a:endParaRPr lang="en-US" altLang="zh-CN" dirty="0" smtClean="0"/>
-          </a:p>
-          <a:p>
-            <a:pPr>
-              <a:lnSpc>
-                <a:spcPct val="150000"/>
-              </a:lnSpc>
-            </a:pPr>
-            <a:r>
-              <a:rPr lang="zh-CN" altLang="en-US" dirty="0" smtClean="0"/>
-              <a:t>获取</a:t>
-            </a:r>
-            <a:r>
-              <a:rPr lang="zh-CN" altLang="en-US" dirty="0"/>
-              <a:t>互斥</a:t>
-            </a:r>
-            <a:r>
-              <a:rPr lang="zh-CN" altLang="en-US" dirty="0" smtClean="0"/>
-              <a:t>信号量</a:t>
-            </a:r>
-            <a:endParaRPr lang="en-US" altLang="zh-CN" dirty="0" smtClean="0"/>
-          </a:p>
-          <a:p>
-            <a:pPr>
-              <a:lnSpc>
-                <a:spcPct val="150000"/>
-              </a:lnSpc>
-            </a:pPr>
-            <a:r>
-              <a:rPr lang="zh-CN" altLang="en-US" dirty="0" smtClean="0"/>
-              <a:t>释放</a:t>
-            </a:r>
-            <a:r>
-              <a:rPr lang="zh-CN" altLang="en-US" dirty="0" smtClean="0"/>
-              <a:t>互斥</a:t>
-            </a:r>
-            <a:r>
-              <a:rPr lang="zh-CN" altLang="en-US" dirty="0" smtClean="0"/>
-              <a:t>信号量</a:t>
-            </a:r>
-            <a:endParaRPr lang="en-US" altLang="zh-CN" dirty="0" smtClean="0"/>
-          </a:p>
-          <a:p>
-            <a:pPr>
-              <a:lnSpc>
-                <a:spcPct val="150000"/>
-              </a:lnSpc>
-            </a:pPr>
-            <a:endParaRPr lang="en-US" altLang="zh-CN" dirty="0" smtClean="0"/>
-          </a:p>
-        </p:txBody>
-      </p:sp>
-    </p:spTree>
-    <p:extLst>
-      <p:ext uri="{BB962C8B-B14F-4D97-AF65-F5344CB8AC3E}">
-        <p14:creationId xmlns:p14="http://schemas.microsoft.com/office/powerpoint/2010/main" val="4199144925"/>
-      </p:ext>
-    </p:extLst>
-  </p:cSld>
-  <p:clrMapOvr>
-    <a:masterClrMapping/>
-  </p:clrMapOvr>
-</p:sld>
-</file>
-
-<file path=ppt/slides/slide9.xml><?xml version="1.0" encoding="utf-8"?>
-<p:sld xmlns:a="http://schemas.openxmlformats.org/drawingml/2006/main" xmlns:r="http://schemas.openxmlformats.org/officeDocument/2006/relationships" xmlns:p="http://schemas.openxmlformats.org/presentationml/2006/main">
-  <p:cSld>
-    <p:spTree>
-      <p:nvGrpSpPr>
-        <p:cNvPr id="1" name=""/>
-        <p:cNvGrpSpPr/>
-        <p:nvPr/>
-      </p:nvGrpSpPr>
-      <p:grpSpPr>
-        <a:xfrm>
-          <a:off x="0" y="0"/>
-          <a:ext cx="0" cy="0"/>
-          <a:chOff x="0" y="0"/>
-          <a:chExt cx="0" cy="0"/>
-        </a:xfrm>
-      </p:grpSpPr>
-      <p:pic>
-        <p:nvPicPr>
-          <p:cNvPr id="5" name="图片 4"/>
-          <p:cNvPicPr>
-            <a:picLocks noChangeAspect="1"/>
-          </p:cNvPicPr>
-          <p:nvPr/>
-        </p:nvPicPr>
-        <p:blipFill>
-          <a:blip r:embed="rId2"/>
-          <a:stretch>
-            <a:fillRect/>
-          </a:stretch>
-        </p:blipFill>
-        <p:spPr>
-          <a:xfrm>
-            <a:off x="5323491" y="50020"/>
-            <a:ext cx="6637282" cy="1602636"/>
-          </a:xfrm>
-          <a:prstGeom prst="rect">
-            <a:avLst/>
-          </a:prstGeom>
-        </p:spPr>
-      </p:pic>
-      <p:sp>
-        <p:nvSpPr>
-          <p:cNvPr id="2" name="标题 1"/>
-          <p:cNvSpPr>
-            <a:spLocks noGrp="1"/>
-          </p:cNvSpPr>
-          <p:nvPr>
-            <p:ph type="title"/>
-          </p:nvPr>
-        </p:nvSpPr>
-        <p:spPr>
-          <a:xfrm>
-            <a:off x="800537" y="190992"/>
-            <a:ext cx="3825766" cy="726473"/>
-          </a:xfrm>
-        </p:spPr>
-        <p:txBody>
-          <a:bodyPr>
-            <a:normAutofit/>
-          </a:bodyPr>
-          <a:lstStyle/>
-          <a:p>
-            <a:r>
-              <a:rPr lang="zh-CN" altLang="en-US" sz="2800" b="1" i="1" dirty="0" smtClean="0"/>
-              <a:t>信号量集结构</a:t>
-            </a:r>
-            <a:endParaRPr lang="zh-CN" altLang="en-US" sz="2800" dirty="0"/>
-          </a:p>
-        </p:txBody>
-      </p:sp>
-      <p:sp>
-        <p:nvSpPr>
-          <p:cNvPr id="4" name="文本框 3"/>
-          <p:cNvSpPr txBox="1"/>
-          <p:nvPr/>
-        </p:nvSpPr>
-        <p:spPr>
-          <a:xfrm>
-            <a:off x="578070" y="998483"/>
-            <a:ext cx="6453352" cy="923330"/>
-          </a:xfrm>
-          <a:prstGeom prst="rect">
-            <a:avLst/>
-          </a:prstGeom>
-          <a:noFill/>
-        </p:spPr>
-        <p:txBody>
-          <a:bodyPr wrap="square" rtlCol="0">
-            <a:spAutoFit/>
-          </a:bodyPr>
-          <a:lstStyle/>
-          <a:p>
-            <a:pPr marL="285750" indent="-285750">
-              <a:lnSpc>
-                <a:spcPct val="150000"/>
-              </a:lnSpc>
-              <a:buFont typeface="Arial" panose="020B0604020202020204" pitchFamily="34" charset="0"/>
-              <a:buChar char="•"/>
-            </a:pPr>
-            <a:r>
-              <a:rPr lang="zh-CN" altLang="en-US" dirty="0" smtClean="0"/>
-              <a:t>信号量集的数量 </a:t>
-            </a:r>
-            <a:r>
-              <a:rPr lang="en-US" altLang="zh-CN" dirty="0" smtClean="0"/>
-              <a:t>(8/16/32</a:t>
-            </a:r>
-            <a:r>
-              <a:rPr lang="zh-CN" altLang="en-US" dirty="0" smtClean="0"/>
-              <a:t>位变量</a:t>
-            </a:r>
-            <a:r>
-              <a:rPr lang="en-US" altLang="zh-CN" dirty="0" smtClean="0"/>
-              <a:t>)</a:t>
-            </a:r>
-          </a:p>
-          <a:p>
-            <a:pPr marL="285750" indent="-285750">
-              <a:lnSpc>
-                <a:spcPct val="150000"/>
-              </a:lnSpc>
-              <a:buFont typeface="Arial" panose="020B0604020202020204" pitchFamily="34" charset="0"/>
-              <a:buChar char="•"/>
-            </a:pPr>
-            <a:r>
-              <a:rPr lang="zh-CN" altLang="en-US" dirty="0" smtClean="0"/>
-              <a:t>等待它的任务 </a:t>
-            </a:r>
-            <a:r>
-              <a:rPr lang="en-US" altLang="zh-CN" dirty="0" smtClean="0"/>
-              <a:t>—— TCB</a:t>
-            </a:r>
-            <a:r>
-              <a:rPr lang="zh-CN" altLang="en-US" dirty="0" smtClean="0"/>
-              <a:t>链表或者其他代替</a:t>
-            </a:r>
-            <a:r>
-              <a:rPr lang="en-US" altLang="zh-CN" dirty="0" smtClean="0"/>
-              <a:t>TCB</a:t>
-            </a:r>
-            <a:r>
-              <a:rPr lang="zh-CN" altLang="en-US" dirty="0" smtClean="0"/>
-              <a:t>的形式</a:t>
-            </a:r>
-            <a:endParaRPr lang="en-US" altLang="zh-CN" dirty="0" smtClean="0"/>
-          </a:p>
-        </p:txBody>
-      </p:sp>
-      <p:grpSp>
-        <p:nvGrpSpPr>
-          <p:cNvPr id="9" name="组合 8"/>
-          <p:cNvGrpSpPr/>
-          <p:nvPr/>
-        </p:nvGrpSpPr>
-        <p:grpSpPr>
-          <a:xfrm>
-            <a:off x="333610" y="1858236"/>
-            <a:ext cx="11256821" cy="4878895"/>
-            <a:chOff x="333610" y="1858236"/>
-            <a:chExt cx="11256821" cy="4878895"/>
-          </a:xfrm>
-        </p:grpSpPr>
-        <p:pic>
-          <p:nvPicPr>
-            <p:cNvPr id="3" name="图片 2"/>
-            <p:cNvPicPr>
-              <a:picLocks noChangeAspect="1"/>
-            </p:cNvPicPr>
-            <p:nvPr/>
-          </p:nvPicPr>
-          <p:blipFill>
-            <a:blip r:embed="rId3"/>
-            <a:stretch>
-              <a:fillRect/>
-            </a:stretch>
-          </p:blipFill>
-          <p:spPr>
-            <a:xfrm>
-              <a:off x="333610" y="1921813"/>
-              <a:ext cx="11256821" cy="4815318"/>
-            </a:xfrm>
-            <a:prstGeom prst="rect">
-              <a:avLst/>
-            </a:prstGeom>
-          </p:spPr>
-        </p:pic>
-        <p:sp>
-          <p:nvSpPr>
-            <p:cNvPr id="7" name="左箭头 6"/>
-            <p:cNvSpPr/>
-            <p:nvPr/>
-          </p:nvSpPr>
-          <p:spPr>
-            <a:xfrm rot="16200000">
-              <a:off x="4851316" y="2237911"/>
-              <a:ext cx="408322" cy="536027"/>
-            </a:xfrm>
-            <a:prstGeom prst="leftArrow">
-              <a:avLst/>
-            </a:prstGeom>
-          </p:spPr>
-          <p:style>
-            <a:lnRef idx="2">
-              <a:schemeClr val="accent1">
-                <a:shade val="50000"/>
-              </a:schemeClr>
-            </a:lnRef>
-            <a:fillRef idx="1">
-              <a:schemeClr val="accent1"/>
-            </a:fillRef>
-            <a:effectRef idx="0">
-              <a:schemeClr val="accent1"/>
-            </a:effectRef>
-            <a:fontRef idx="minor">
-              <a:schemeClr val="lt1"/>
-            </a:fontRef>
-          </p:style>
-          <p:txBody>
-            <a:bodyPr rtlCol="0" anchor="ctr"/>
-            <a:lstStyle/>
-            <a:p>
-              <a:pPr algn="ctr"/>
-              <a:endParaRPr lang="zh-CN" altLang="en-US"/>
-            </a:p>
-          </p:txBody>
-        </p:sp>
-        <p:sp>
-          <p:nvSpPr>
-            <p:cNvPr id="8" name="文本框 7"/>
-            <p:cNvSpPr txBox="1"/>
-            <p:nvPr/>
-          </p:nvSpPr>
-          <p:spPr>
-            <a:xfrm>
-              <a:off x="4626303" y="1858236"/>
-              <a:ext cx="1016000" cy="507831"/>
-            </a:xfrm>
-            <a:prstGeom prst="rect">
-              <a:avLst/>
-            </a:prstGeom>
-            <a:noFill/>
-          </p:spPr>
-          <p:txBody>
-            <a:bodyPr wrap="square" rtlCol="0">
-              <a:spAutoFit/>
-            </a:bodyPr>
-            <a:lstStyle/>
-            <a:p>
-              <a:pPr>
-                <a:lnSpc>
-                  <a:spcPct val="150000"/>
-                </a:lnSpc>
-              </a:pPr>
-              <a:r>
-                <a:rPr lang="zh-CN" altLang="en-US" b="1" dirty="0" smtClean="0">
-                  <a:solidFill>
-                    <a:srgbClr val="FFC000"/>
-                  </a:solidFill>
-                </a:rPr>
-                <a:t>新加入</a:t>
-              </a:r>
-            </a:p>
-          </p:txBody>
-        </p:sp>
-      </p:grpSp>
-    </p:spTree>
-    <p:extLst>
-      <p:ext uri="{BB962C8B-B14F-4D97-AF65-F5344CB8AC3E}">
-        <p14:creationId xmlns:p14="http://schemas.microsoft.com/office/powerpoint/2010/main" val="4054714176"/>
+        <p14:creationId xmlns:p14="http://schemas.microsoft.com/office/powerpoint/2010/main" val="3619754029"/>
       </p:ext>
     </p:extLst>
   </p:cSld>

--- a/image/1.UCOS分析与深入解读.pptx
+++ b/image/1.UCOS分析与深入解读.pptx
@@ -20,9 +20,11 @@
     <p:sldId id="267" r:id="rId14"/>
     <p:sldId id="272" r:id="rId15"/>
     <p:sldId id="274" r:id="rId16"/>
-    <p:sldId id="258" r:id="rId17"/>
-    <p:sldId id="259" r:id="rId18"/>
-    <p:sldId id="265" r:id="rId19"/>
+    <p:sldId id="276" r:id="rId17"/>
+    <p:sldId id="277" r:id="rId18"/>
+    <p:sldId id="258" r:id="rId19"/>
+    <p:sldId id="259" r:id="rId20"/>
+    <p:sldId id="265" r:id="rId21"/>
   </p:sldIdLst>
   <p:sldSz cx="12192000" cy="6858000"/>
   <p:notesSz cx="6858000" cy="9144000"/>
@@ -124,10 +126,18 @@
   <p:extLst>
     <p:ext uri="{521415D9-36F7-43E2-AB2F-B90AF26B5E84}">
       <p14:sectionLst xmlns:p14="http://schemas.microsoft.com/office/powerpoint/2010/main">
-        <p14:section name="默认节" id="{FC001583-F62D-4787-845B-BB17C46A8D47}">
+        <p14:section name="结构体管理" id="{FC001583-F62D-4787-845B-BB17C46A8D47}">
           <p14:sldIdLst>
             <p14:sldId id="275"/>
+          </p14:sldIdLst>
+        </p14:section>
+        <p14:section name="线程" id="{B711BC81-F30F-4099-ADED-2721E78A27E3}">
+          <p14:sldIdLst>
             <p14:sldId id="256"/>
+          </p14:sldIdLst>
+        </p14:section>
+        <p14:section name="任务的状态" id="{A1DC3D7D-62AA-4264-A13E-81B379F1588B}">
+          <p14:sldIdLst>
             <p14:sldId id="262"/>
             <p14:sldId id="263"/>
             <p14:sldId id="270"/>
@@ -149,6 +159,12 @@
             <p14:sldId id="267"/>
             <p14:sldId id="272"/>
             <p14:sldId id="274"/>
+          </p14:sldIdLst>
+        </p14:section>
+        <p14:section name="UcosII" id="{CB21CF01-D6D3-40B4-8EFD-6C309E74FEC4}">
+          <p14:sldIdLst>
+            <p14:sldId id="276"/>
+            <p14:sldId id="277"/>
             <p14:sldId id="258"/>
             <p14:sldId id="259"/>
             <p14:sldId id="265"/>
@@ -911,6 +927,753 @@
 </file>
 
 <file path=ppt/diagrams/colors2.xml><?xml version="1.0" encoding="utf-8"?>
+<dgm:colorsDef xmlns:dgm="http://schemas.openxmlformats.org/drawingml/2006/diagram" xmlns:a="http://schemas.openxmlformats.org/drawingml/2006/main" uniqueId="urn:microsoft.com/office/officeart/2005/8/colors/accent1_2">
+  <dgm:title val=""/>
+  <dgm:desc val=""/>
+  <dgm:catLst>
+    <dgm:cat type="accent1" pri="11200"/>
+  </dgm:catLst>
+  <dgm:styleLbl name="node0">
+    <dgm:fillClrLst meth="repeat">
+      <a:schemeClr val="accent1"/>
+    </dgm:fillClrLst>
+    <dgm:linClrLst meth="repeat">
+      <a:schemeClr val="lt1"/>
+    </dgm:linClrLst>
+    <dgm:effectClrLst/>
+    <dgm:txLinClrLst/>
+    <dgm:txFillClrLst/>
+    <dgm:txEffectClrLst/>
+  </dgm:styleLbl>
+  <dgm:styleLbl name="alignNode1">
+    <dgm:fillClrLst meth="repeat">
+      <a:schemeClr val="accent1"/>
+    </dgm:fillClrLst>
+    <dgm:linClrLst meth="repeat">
+      <a:schemeClr val="accent1"/>
+    </dgm:linClrLst>
+    <dgm:effectClrLst/>
+    <dgm:txLinClrLst/>
+    <dgm:txFillClrLst/>
+    <dgm:txEffectClrLst/>
+  </dgm:styleLbl>
+  <dgm:styleLbl name="node1">
+    <dgm:fillClrLst meth="repeat">
+      <a:schemeClr val="accent1"/>
+    </dgm:fillClrLst>
+    <dgm:linClrLst meth="repeat">
+      <a:schemeClr val="lt1"/>
+    </dgm:linClrLst>
+    <dgm:effectClrLst/>
+    <dgm:txLinClrLst/>
+    <dgm:txFillClrLst/>
+    <dgm:txEffectClrLst/>
+  </dgm:styleLbl>
+  <dgm:styleLbl name="lnNode1">
+    <dgm:fillClrLst meth="repeat">
+      <a:schemeClr val="accent1"/>
+    </dgm:fillClrLst>
+    <dgm:linClrLst meth="repeat">
+      <a:schemeClr val="lt1"/>
+    </dgm:linClrLst>
+    <dgm:effectClrLst/>
+    <dgm:txLinClrLst/>
+    <dgm:txFillClrLst/>
+    <dgm:txEffectClrLst/>
+  </dgm:styleLbl>
+  <dgm:styleLbl name="vennNode1">
+    <dgm:fillClrLst meth="repeat">
+      <a:schemeClr val="accent1">
+        <a:alpha val="50000"/>
+      </a:schemeClr>
+    </dgm:fillClrLst>
+    <dgm:linClrLst meth="repeat">
+      <a:schemeClr val="lt1"/>
+    </dgm:linClrLst>
+    <dgm:effectClrLst/>
+    <dgm:txLinClrLst/>
+    <dgm:txFillClrLst/>
+    <dgm:txEffectClrLst/>
+  </dgm:styleLbl>
+  <dgm:styleLbl name="node2">
+    <dgm:fillClrLst meth="repeat">
+      <a:schemeClr val="accent1"/>
+    </dgm:fillClrLst>
+    <dgm:linClrLst meth="repeat">
+      <a:schemeClr val="lt1"/>
+    </dgm:linClrLst>
+    <dgm:effectClrLst/>
+    <dgm:txLinClrLst/>
+    <dgm:txFillClrLst/>
+    <dgm:txEffectClrLst/>
+  </dgm:styleLbl>
+  <dgm:styleLbl name="node3">
+    <dgm:fillClrLst meth="repeat">
+      <a:schemeClr val="accent1"/>
+    </dgm:fillClrLst>
+    <dgm:linClrLst meth="repeat">
+      <a:schemeClr val="lt1"/>
+    </dgm:linClrLst>
+    <dgm:effectClrLst/>
+    <dgm:txLinClrLst/>
+    <dgm:txFillClrLst/>
+    <dgm:txEffectClrLst/>
+  </dgm:styleLbl>
+  <dgm:styleLbl name="node4">
+    <dgm:fillClrLst meth="repeat">
+      <a:schemeClr val="accent1"/>
+    </dgm:fillClrLst>
+    <dgm:linClrLst meth="repeat">
+      <a:schemeClr val="lt1"/>
+    </dgm:linClrLst>
+    <dgm:effectClrLst/>
+    <dgm:txLinClrLst/>
+    <dgm:txFillClrLst/>
+    <dgm:txEffectClrLst/>
+  </dgm:styleLbl>
+  <dgm:styleLbl name="fgImgPlace1">
+    <dgm:fillClrLst meth="repeat">
+      <a:schemeClr val="accent1">
+        <a:tint val="50000"/>
+      </a:schemeClr>
+    </dgm:fillClrLst>
+    <dgm:linClrLst meth="repeat">
+      <a:schemeClr val="lt1"/>
+    </dgm:linClrLst>
+    <dgm:effectClrLst/>
+    <dgm:txLinClrLst/>
+    <dgm:txFillClrLst meth="repeat">
+      <a:schemeClr val="lt1"/>
+    </dgm:txFillClrLst>
+    <dgm:txEffectClrLst/>
+  </dgm:styleLbl>
+  <dgm:styleLbl name="alignImgPlace1">
+    <dgm:fillClrLst meth="repeat">
+      <a:schemeClr val="accent1">
+        <a:tint val="50000"/>
+      </a:schemeClr>
+    </dgm:fillClrLst>
+    <dgm:linClrLst meth="repeat">
+      <a:schemeClr val="lt1"/>
+    </dgm:linClrLst>
+    <dgm:effectClrLst/>
+    <dgm:txLinClrLst/>
+    <dgm:txFillClrLst meth="repeat">
+      <a:schemeClr val="lt1"/>
+    </dgm:txFillClrLst>
+    <dgm:txEffectClrLst/>
+  </dgm:styleLbl>
+  <dgm:styleLbl name="bgImgPlace1">
+    <dgm:fillClrLst meth="repeat">
+      <a:schemeClr val="accent1">
+        <a:tint val="50000"/>
+      </a:schemeClr>
+    </dgm:fillClrLst>
+    <dgm:linClrLst meth="repeat">
+      <a:schemeClr val="lt1"/>
+    </dgm:linClrLst>
+    <dgm:effectClrLst/>
+    <dgm:txLinClrLst/>
+    <dgm:txFillClrLst meth="repeat">
+      <a:schemeClr val="lt1"/>
+    </dgm:txFillClrLst>
+    <dgm:txEffectClrLst/>
+  </dgm:styleLbl>
+  <dgm:styleLbl name="sibTrans2D1">
+    <dgm:fillClrLst meth="repeat">
+      <a:schemeClr val="accent1">
+        <a:tint val="60000"/>
+      </a:schemeClr>
+    </dgm:fillClrLst>
+    <dgm:linClrLst meth="repeat">
+      <a:schemeClr val="accent1">
+        <a:tint val="60000"/>
+      </a:schemeClr>
+    </dgm:linClrLst>
+    <dgm:effectClrLst/>
+    <dgm:txLinClrLst/>
+    <dgm:txFillClrLst/>
+    <dgm:txEffectClrLst/>
+  </dgm:styleLbl>
+  <dgm:styleLbl name="fgSibTrans2D1">
+    <dgm:fillClrLst meth="repeat">
+      <a:schemeClr val="accent1">
+        <a:tint val="60000"/>
+      </a:schemeClr>
+    </dgm:fillClrLst>
+    <dgm:linClrLst meth="repeat">
+      <a:schemeClr val="accent1">
+        <a:tint val="60000"/>
+      </a:schemeClr>
+    </dgm:linClrLst>
+    <dgm:effectClrLst/>
+    <dgm:txLinClrLst/>
+    <dgm:txFillClrLst/>
+    <dgm:txEffectClrLst/>
+  </dgm:styleLbl>
+  <dgm:styleLbl name="bgSibTrans2D1">
+    <dgm:fillClrLst meth="repeat">
+      <a:schemeClr val="accent1">
+        <a:tint val="60000"/>
+      </a:schemeClr>
+    </dgm:fillClrLst>
+    <dgm:linClrLst meth="repeat">
+      <a:schemeClr val="accent1">
+        <a:tint val="60000"/>
+      </a:schemeClr>
+    </dgm:linClrLst>
+    <dgm:effectClrLst/>
+    <dgm:txLinClrLst/>
+    <dgm:txFillClrLst/>
+    <dgm:txEffectClrLst/>
+  </dgm:styleLbl>
+  <dgm:styleLbl name="sibTrans1D1">
+    <dgm:fillClrLst meth="repeat">
+      <a:schemeClr val="accent1"/>
+    </dgm:fillClrLst>
+    <dgm:linClrLst meth="repeat">
+      <a:schemeClr val="accent1"/>
+    </dgm:linClrLst>
+    <dgm:effectClrLst/>
+    <dgm:txLinClrLst/>
+    <dgm:txFillClrLst meth="repeat">
+      <a:schemeClr val="tx1"/>
+    </dgm:txFillClrLst>
+    <dgm:txEffectClrLst/>
+  </dgm:styleLbl>
+  <dgm:styleLbl name="callout">
+    <dgm:fillClrLst meth="repeat">
+      <a:schemeClr val="accent1"/>
+    </dgm:fillClrLst>
+    <dgm:linClrLst meth="repeat">
+      <a:schemeClr val="accent1">
+        <a:tint val="50000"/>
+      </a:schemeClr>
+    </dgm:linClrLst>
+    <dgm:effectClrLst/>
+    <dgm:txLinClrLst/>
+    <dgm:txFillClrLst meth="repeat">
+      <a:schemeClr val="tx1"/>
+    </dgm:txFillClrLst>
+    <dgm:txEffectClrLst/>
+  </dgm:styleLbl>
+  <dgm:styleLbl name="asst0">
+    <dgm:fillClrLst meth="repeat">
+      <a:schemeClr val="accent1"/>
+    </dgm:fillClrLst>
+    <dgm:linClrLst meth="repeat">
+      <a:schemeClr val="lt1"/>
+    </dgm:linClrLst>
+    <dgm:effectClrLst/>
+    <dgm:txLinClrLst/>
+    <dgm:txFillClrLst/>
+    <dgm:txEffectClrLst/>
+  </dgm:styleLbl>
+  <dgm:styleLbl name="asst1">
+    <dgm:fillClrLst meth="repeat">
+      <a:schemeClr val="accent1"/>
+    </dgm:fillClrLst>
+    <dgm:linClrLst meth="repeat">
+      <a:schemeClr val="lt1"/>
+    </dgm:linClrLst>
+    <dgm:effectClrLst/>
+    <dgm:txLinClrLst/>
+    <dgm:txFillClrLst/>
+    <dgm:txEffectClrLst/>
+  </dgm:styleLbl>
+  <dgm:styleLbl name="asst2">
+    <dgm:fillClrLst meth="repeat">
+      <a:schemeClr val="accent1"/>
+    </dgm:fillClrLst>
+    <dgm:linClrLst meth="repeat">
+      <a:schemeClr val="lt1"/>
+    </dgm:linClrLst>
+    <dgm:effectClrLst/>
+    <dgm:txLinClrLst/>
+    <dgm:txFillClrLst/>
+    <dgm:txEffectClrLst/>
+  </dgm:styleLbl>
+  <dgm:styleLbl name="asst3">
+    <dgm:fillClrLst meth="repeat">
+      <a:schemeClr val="accent1"/>
+    </dgm:fillClrLst>
+    <dgm:linClrLst meth="repeat">
+      <a:schemeClr val="lt1"/>
+    </dgm:linClrLst>
+    <dgm:effectClrLst/>
+    <dgm:txLinClrLst/>
+    <dgm:txFillClrLst/>
+    <dgm:txEffectClrLst/>
+  </dgm:styleLbl>
+  <dgm:styleLbl name="asst4">
+    <dgm:fillClrLst meth="repeat">
+      <a:schemeClr val="accent1"/>
+    </dgm:fillClrLst>
+    <dgm:linClrLst meth="repeat">
+      <a:schemeClr val="lt1"/>
+    </dgm:linClrLst>
+    <dgm:effectClrLst/>
+    <dgm:txLinClrLst/>
+    <dgm:txFillClrLst/>
+    <dgm:txEffectClrLst/>
+  </dgm:styleLbl>
+  <dgm:styleLbl name="parChTrans2D1">
+    <dgm:fillClrLst meth="repeat">
+      <a:schemeClr val="accent1">
+        <a:tint val="60000"/>
+      </a:schemeClr>
+    </dgm:fillClrLst>
+    <dgm:linClrLst meth="repeat">
+      <a:schemeClr val="accent1">
+        <a:tint val="60000"/>
+      </a:schemeClr>
+    </dgm:linClrLst>
+    <dgm:effectClrLst/>
+    <dgm:txLinClrLst/>
+    <dgm:txFillClrLst meth="repeat">
+      <a:schemeClr val="lt1"/>
+    </dgm:txFillClrLst>
+    <dgm:txEffectClrLst/>
+  </dgm:styleLbl>
+  <dgm:styleLbl name="parChTrans2D2">
+    <dgm:fillClrLst meth="repeat">
+      <a:schemeClr val="accent1"/>
+    </dgm:fillClrLst>
+    <dgm:linClrLst meth="repeat">
+      <a:schemeClr val="accent1"/>
+    </dgm:linClrLst>
+    <dgm:effectClrLst/>
+    <dgm:txLinClrLst/>
+    <dgm:txFillClrLst meth="repeat">
+      <a:schemeClr val="lt1"/>
+    </dgm:txFillClrLst>
+    <dgm:txEffectClrLst/>
+  </dgm:styleLbl>
+  <dgm:styleLbl name="parChTrans2D3">
+    <dgm:fillClrLst meth="repeat">
+      <a:schemeClr val="accent1"/>
+    </dgm:fillClrLst>
+    <dgm:linClrLst meth="repeat">
+      <a:schemeClr val="accent1"/>
+    </dgm:linClrLst>
+    <dgm:effectClrLst/>
+    <dgm:txLinClrLst/>
+    <dgm:txFillClrLst meth="repeat">
+      <a:schemeClr val="lt1"/>
+    </dgm:txFillClrLst>
+    <dgm:txEffectClrLst/>
+  </dgm:styleLbl>
+  <dgm:styleLbl name="parChTrans2D4">
+    <dgm:fillClrLst meth="repeat">
+      <a:schemeClr val="accent1"/>
+    </dgm:fillClrLst>
+    <dgm:linClrLst meth="repeat">
+      <a:schemeClr val="accent1"/>
+    </dgm:linClrLst>
+    <dgm:effectClrLst/>
+    <dgm:txLinClrLst/>
+    <dgm:txFillClrLst meth="repeat">
+      <a:schemeClr val="lt1"/>
+    </dgm:txFillClrLst>
+    <dgm:txEffectClrLst/>
+  </dgm:styleLbl>
+  <dgm:styleLbl name="parChTrans1D1">
+    <dgm:fillClrLst meth="repeat">
+      <a:schemeClr val="accent1"/>
+    </dgm:fillClrLst>
+    <dgm:linClrLst meth="repeat">
+      <a:schemeClr val="accent1">
+        <a:shade val="60000"/>
+      </a:schemeClr>
+    </dgm:linClrLst>
+    <dgm:effectClrLst/>
+    <dgm:txLinClrLst/>
+    <dgm:txFillClrLst meth="repeat">
+      <a:schemeClr val="tx1"/>
+    </dgm:txFillClrLst>
+    <dgm:txEffectClrLst/>
+  </dgm:styleLbl>
+  <dgm:styleLbl name="parChTrans1D2">
+    <dgm:fillClrLst meth="repeat">
+      <a:schemeClr val="accent1"/>
+    </dgm:fillClrLst>
+    <dgm:linClrLst meth="repeat">
+      <a:schemeClr val="accent1">
+        <a:shade val="60000"/>
+      </a:schemeClr>
+    </dgm:linClrLst>
+    <dgm:effectClrLst/>
+    <dgm:txLinClrLst/>
+    <dgm:txFillClrLst meth="repeat">
+      <a:schemeClr val="tx1"/>
+    </dgm:txFillClrLst>
+    <dgm:txEffectClrLst/>
+  </dgm:styleLbl>
+  <dgm:styleLbl name="parChTrans1D3">
+    <dgm:fillClrLst meth="repeat">
+      <a:schemeClr val="accent1"/>
+    </dgm:fillClrLst>
+    <dgm:linClrLst meth="repeat">
+      <a:schemeClr val="accent1">
+        <a:shade val="80000"/>
+      </a:schemeClr>
+    </dgm:linClrLst>
+    <dgm:effectClrLst/>
+    <dgm:txLinClrLst/>
+    <dgm:txFillClrLst meth="repeat">
+      <a:schemeClr val="tx1"/>
+    </dgm:txFillClrLst>
+    <dgm:txEffectClrLst/>
+  </dgm:styleLbl>
+  <dgm:styleLbl name="parChTrans1D4">
+    <dgm:fillClrLst meth="repeat">
+      <a:schemeClr val="accent1"/>
+    </dgm:fillClrLst>
+    <dgm:linClrLst meth="repeat">
+      <a:schemeClr val="accent1">
+        <a:shade val="80000"/>
+      </a:schemeClr>
+    </dgm:linClrLst>
+    <dgm:effectClrLst/>
+    <dgm:txLinClrLst/>
+    <dgm:txFillClrLst meth="repeat">
+      <a:schemeClr val="tx1"/>
+    </dgm:txFillClrLst>
+    <dgm:txEffectClrLst/>
+  </dgm:styleLbl>
+  <dgm:styleLbl name="fgAcc1">
+    <dgm:fillClrLst meth="repeat">
+      <a:schemeClr val="lt1">
+        <a:alpha val="90000"/>
+      </a:schemeClr>
+    </dgm:fillClrLst>
+    <dgm:linClrLst meth="repeat">
+      <a:schemeClr val="accent1"/>
+    </dgm:linClrLst>
+    <dgm:effectClrLst/>
+    <dgm:txLinClrLst/>
+    <dgm:txFillClrLst meth="repeat">
+      <a:schemeClr val="dk1"/>
+    </dgm:txFillClrLst>
+    <dgm:txEffectClrLst/>
+  </dgm:styleLbl>
+  <dgm:styleLbl name="conFgAcc1">
+    <dgm:fillClrLst meth="repeat">
+      <a:schemeClr val="lt1">
+        <a:alpha val="90000"/>
+      </a:schemeClr>
+    </dgm:fillClrLst>
+    <dgm:linClrLst meth="repeat">
+      <a:schemeClr val="accent1"/>
+    </dgm:linClrLst>
+    <dgm:effectClrLst/>
+    <dgm:txLinClrLst/>
+    <dgm:txFillClrLst meth="repeat">
+      <a:schemeClr val="dk1"/>
+    </dgm:txFillClrLst>
+    <dgm:txEffectClrLst/>
+  </dgm:styleLbl>
+  <dgm:styleLbl name="alignAcc1">
+    <dgm:fillClrLst meth="repeat">
+      <a:schemeClr val="lt1">
+        <a:alpha val="90000"/>
+      </a:schemeClr>
+    </dgm:fillClrLst>
+    <dgm:linClrLst meth="repeat">
+      <a:schemeClr val="accent1"/>
+    </dgm:linClrLst>
+    <dgm:effectClrLst/>
+    <dgm:txLinClrLst/>
+    <dgm:txFillClrLst meth="repeat">
+      <a:schemeClr val="dk1"/>
+    </dgm:txFillClrLst>
+    <dgm:txEffectClrLst/>
+  </dgm:styleLbl>
+  <dgm:styleLbl name="trAlignAcc1">
+    <dgm:fillClrLst meth="repeat">
+      <a:schemeClr val="lt1">
+        <a:alpha val="40000"/>
+      </a:schemeClr>
+    </dgm:fillClrLst>
+    <dgm:linClrLst meth="repeat">
+      <a:schemeClr val="accent1"/>
+    </dgm:linClrLst>
+    <dgm:effectClrLst/>
+    <dgm:txLinClrLst/>
+    <dgm:txFillClrLst meth="repeat">
+      <a:schemeClr val="dk1"/>
+    </dgm:txFillClrLst>
+    <dgm:txEffectClrLst/>
+  </dgm:styleLbl>
+  <dgm:styleLbl name="bgAcc1">
+    <dgm:fillClrLst meth="repeat">
+      <a:schemeClr val="lt1">
+        <a:alpha val="90000"/>
+      </a:schemeClr>
+    </dgm:fillClrLst>
+    <dgm:linClrLst meth="repeat">
+      <a:schemeClr val="accent1"/>
+    </dgm:linClrLst>
+    <dgm:effectClrLst/>
+    <dgm:txLinClrLst/>
+    <dgm:txFillClrLst meth="repeat">
+      <a:schemeClr val="dk1"/>
+    </dgm:txFillClrLst>
+    <dgm:txEffectClrLst/>
+  </dgm:styleLbl>
+  <dgm:styleLbl name="solidFgAcc1">
+    <dgm:fillClrLst meth="repeat">
+      <a:schemeClr val="lt1"/>
+    </dgm:fillClrLst>
+    <dgm:linClrLst meth="repeat">
+      <a:schemeClr val="accent1"/>
+    </dgm:linClrLst>
+    <dgm:effectClrLst/>
+    <dgm:txLinClrLst/>
+    <dgm:txFillClrLst meth="repeat">
+      <a:schemeClr val="dk1"/>
+    </dgm:txFillClrLst>
+    <dgm:txEffectClrLst/>
+  </dgm:styleLbl>
+  <dgm:styleLbl name="solidAlignAcc1">
+    <dgm:fillClrLst meth="repeat">
+      <a:schemeClr val="lt1"/>
+    </dgm:fillClrLst>
+    <dgm:linClrLst meth="repeat">
+      <a:schemeClr val="accent1"/>
+    </dgm:linClrLst>
+    <dgm:effectClrLst/>
+    <dgm:txLinClrLst/>
+    <dgm:txFillClrLst meth="repeat">
+      <a:schemeClr val="dk1"/>
+    </dgm:txFillClrLst>
+    <dgm:txEffectClrLst/>
+  </dgm:styleLbl>
+  <dgm:styleLbl name="solidBgAcc1">
+    <dgm:fillClrLst meth="repeat">
+      <a:schemeClr val="lt1"/>
+    </dgm:fillClrLst>
+    <dgm:linClrLst meth="repeat">
+      <a:schemeClr val="accent1"/>
+    </dgm:linClrLst>
+    <dgm:effectClrLst/>
+    <dgm:txLinClrLst/>
+    <dgm:txFillClrLst meth="repeat">
+      <a:schemeClr val="dk1"/>
+    </dgm:txFillClrLst>
+    <dgm:txEffectClrLst/>
+  </dgm:styleLbl>
+  <dgm:styleLbl name="fgAccFollowNode1">
+    <dgm:fillClrLst meth="repeat">
+      <a:schemeClr val="accent1">
+        <a:alpha val="90000"/>
+        <a:tint val="40000"/>
+      </a:schemeClr>
+    </dgm:fillClrLst>
+    <dgm:linClrLst meth="repeat">
+      <a:schemeClr val="accent1">
+        <a:alpha val="90000"/>
+        <a:tint val="40000"/>
+      </a:schemeClr>
+    </dgm:linClrLst>
+    <dgm:effectClrLst/>
+    <dgm:txLinClrLst/>
+    <dgm:txFillClrLst meth="repeat">
+      <a:schemeClr val="dk1"/>
+    </dgm:txFillClrLst>
+    <dgm:txEffectClrLst/>
+  </dgm:styleLbl>
+  <dgm:styleLbl name="alignAccFollowNode1">
+    <dgm:fillClrLst meth="repeat">
+      <a:schemeClr val="accent1">
+        <a:alpha val="90000"/>
+        <a:tint val="40000"/>
+      </a:schemeClr>
+    </dgm:fillClrLst>
+    <dgm:linClrLst meth="repeat">
+      <a:schemeClr val="accent1">
+        <a:alpha val="90000"/>
+        <a:tint val="40000"/>
+      </a:schemeClr>
+    </dgm:linClrLst>
+    <dgm:effectClrLst/>
+    <dgm:txLinClrLst/>
+    <dgm:txFillClrLst meth="repeat">
+      <a:schemeClr val="dk1"/>
+    </dgm:txFillClrLst>
+    <dgm:txEffectClrLst/>
+  </dgm:styleLbl>
+  <dgm:styleLbl name="bgAccFollowNode1">
+    <dgm:fillClrLst meth="repeat">
+      <a:schemeClr val="accent1">
+        <a:alpha val="90000"/>
+        <a:tint val="40000"/>
+      </a:schemeClr>
+    </dgm:fillClrLst>
+    <dgm:linClrLst meth="repeat">
+      <a:schemeClr val="accent1">
+        <a:alpha val="90000"/>
+        <a:tint val="40000"/>
+      </a:schemeClr>
+    </dgm:linClrLst>
+    <dgm:effectClrLst/>
+    <dgm:txLinClrLst/>
+    <dgm:txFillClrLst meth="repeat">
+      <a:schemeClr val="dk1"/>
+    </dgm:txFillClrLst>
+    <dgm:txEffectClrLst/>
+  </dgm:styleLbl>
+  <dgm:styleLbl name="fgAcc0">
+    <dgm:fillClrLst meth="repeat">
+      <a:schemeClr val="lt1">
+        <a:alpha val="90000"/>
+      </a:schemeClr>
+    </dgm:fillClrLst>
+    <dgm:linClrLst meth="repeat">
+      <a:schemeClr val="accent1"/>
+    </dgm:linClrLst>
+    <dgm:effectClrLst/>
+    <dgm:txLinClrLst/>
+    <dgm:txFillClrLst meth="repeat">
+      <a:schemeClr val="dk1"/>
+    </dgm:txFillClrLst>
+    <dgm:txEffectClrLst/>
+  </dgm:styleLbl>
+  <dgm:styleLbl name="fgAcc2">
+    <dgm:fillClrLst meth="repeat">
+      <a:schemeClr val="lt1">
+        <a:alpha val="90000"/>
+      </a:schemeClr>
+    </dgm:fillClrLst>
+    <dgm:linClrLst meth="repeat">
+      <a:schemeClr val="accent1"/>
+    </dgm:linClrLst>
+    <dgm:effectClrLst/>
+    <dgm:txLinClrLst/>
+    <dgm:txFillClrLst meth="repeat">
+      <a:schemeClr val="dk1"/>
+    </dgm:txFillClrLst>
+    <dgm:txEffectClrLst/>
+  </dgm:styleLbl>
+  <dgm:styleLbl name="fgAcc3">
+    <dgm:fillClrLst meth="repeat">
+      <a:schemeClr val="lt1">
+        <a:alpha val="90000"/>
+      </a:schemeClr>
+    </dgm:fillClrLst>
+    <dgm:linClrLst meth="repeat">
+      <a:schemeClr val="accent1"/>
+    </dgm:linClrLst>
+    <dgm:effectClrLst/>
+    <dgm:txLinClrLst/>
+    <dgm:txFillClrLst meth="repeat">
+      <a:schemeClr val="dk1"/>
+    </dgm:txFillClrLst>
+    <dgm:txEffectClrLst/>
+  </dgm:styleLbl>
+  <dgm:styleLbl name="fgAcc4">
+    <dgm:fillClrLst meth="repeat">
+      <a:schemeClr val="lt1">
+        <a:alpha val="90000"/>
+      </a:schemeClr>
+    </dgm:fillClrLst>
+    <dgm:linClrLst meth="repeat">
+      <a:schemeClr val="accent1"/>
+    </dgm:linClrLst>
+    <dgm:effectClrLst/>
+    <dgm:txLinClrLst/>
+    <dgm:txFillClrLst meth="repeat">
+      <a:schemeClr val="dk1"/>
+    </dgm:txFillClrLst>
+    <dgm:txEffectClrLst/>
+  </dgm:styleLbl>
+  <dgm:styleLbl name="bgShp">
+    <dgm:fillClrLst meth="repeat">
+      <a:schemeClr val="accent1">
+        <a:tint val="40000"/>
+      </a:schemeClr>
+    </dgm:fillClrLst>
+    <dgm:linClrLst meth="repeat">
+      <a:schemeClr val="accent1"/>
+    </dgm:linClrLst>
+    <dgm:effectClrLst/>
+    <dgm:txLinClrLst/>
+    <dgm:txFillClrLst meth="repeat">
+      <a:schemeClr val="dk1"/>
+    </dgm:txFillClrLst>
+    <dgm:txEffectClrLst/>
+  </dgm:styleLbl>
+  <dgm:styleLbl name="dkBgShp">
+    <dgm:fillClrLst meth="repeat">
+      <a:schemeClr val="accent1">
+        <a:shade val="80000"/>
+      </a:schemeClr>
+    </dgm:fillClrLst>
+    <dgm:linClrLst meth="repeat">
+      <a:schemeClr val="accent1"/>
+    </dgm:linClrLst>
+    <dgm:effectClrLst/>
+    <dgm:txLinClrLst/>
+    <dgm:txFillClrLst meth="repeat">
+      <a:schemeClr val="lt1"/>
+    </dgm:txFillClrLst>
+    <dgm:txEffectClrLst/>
+  </dgm:styleLbl>
+  <dgm:styleLbl name="trBgShp">
+    <dgm:fillClrLst meth="repeat">
+      <a:schemeClr val="accent1">
+        <a:tint val="50000"/>
+        <a:alpha val="40000"/>
+      </a:schemeClr>
+    </dgm:fillClrLst>
+    <dgm:linClrLst meth="repeat">
+      <a:schemeClr val="accent1"/>
+    </dgm:linClrLst>
+    <dgm:effectClrLst/>
+    <dgm:txLinClrLst/>
+    <dgm:txFillClrLst meth="repeat">
+      <a:schemeClr val="lt1"/>
+    </dgm:txFillClrLst>
+    <dgm:txEffectClrLst/>
+  </dgm:styleLbl>
+  <dgm:styleLbl name="fgShp">
+    <dgm:fillClrLst meth="repeat">
+      <a:schemeClr val="accent1">
+        <a:tint val="60000"/>
+      </a:schemeClr>
+    </dgm:fillClrLst>
+    <dgm:linClrLst meth="repeat">
+      <a:schemeClr val="lt1"/>
+    </dgm:linClrLst>
+    <dgm:effectClrLst/>
+    <dgm:txLinClrLst/>
+    <dgm:txFillClrLst meth="repeat">
+      <a:schemeClr val="dk1"/>
+    </dgm:txFillClrLst>
+    <dgm:txEffectClrLst/>
+  </dgm:styleLbl>
+  <dgm:styleLbl name="revTx">
+    <dgm:fillClrLst meth="repeat">
+      <a:schemeClr val="lt1">
+        <a:alpha val="0"/>
+      </a:schemeClr>
+    </dgm:fillClrLst>
+    <dgm:linClrLst meth="repeat">
+      <a:schemeClr val="dk1">
+        <a:alpha val="0"/>
+      </a:schemeClr>
+    </dgm:linClrLst>
+    <dgm:effectClrLst/>
+    <dgm:txLinClrLst/>
+    <dgm:txFillClrLst meth="repeat">
+      <a:schemeClr val="tx1"/>
+    </dgm:txFillClrLst>
+    <dgm:txEffectClrLst/>
+  </dgm:styleLbl>
+</dgm:colorsDef>
+</file>
+
+<file path=ppt/diagrams/colors3.xml><?xml version="1.0" encoding="utf-8"?>
 <dgm:colorsDef xmlns:dgm="http://schemas.openxmlformats.org/drawingml/2006/diagram" xmlns:a="http://schemas.openxmlformats.org/drawingml/2006/main" uniqueId="urn:microsoft.com/office/officeart/2005/8/colors/accent1_2">
   <dgm:title val=""/>
   <dgm:desc val=""/>
@@ -2524,6 +3287,405 @@
 </dgm:dataModel>
 </file>
 
+<file path=ppt/diagrams/data3.xml><?xml version="1.0" encoding="utf-8"?>
+<dgm:dataModel xmlns:dgm="http://schemas.openxmlformats.org/drawingml/2006/diagram" xmlns:a="http://schemas.openxmlformats.org/drawingml/2006/main">
+  <dgm:ptLst>
+    <dgm:pt modelId="{7267EBB4-57FD-41DB-8345-E94BA081705C}" type="doc">
+      <dgm:prSet loTypeId="urn:microsoft.com/office/officeart/2005/8/layout/cycle6" loCatId="relationship" qsTypeId="urn:microsoft.com/office/officeart/2005/8/quickstyle/simple1" qsCatId="simple" csTypeId="urn:microsoft.com/office/officeart/2005/8/colors/accent1_2" csCatId="accent1" phldr="1"/>
+      <dgm:spPr/>
+      <dgm:t>
+        <a:bodyPr/>
+        <a:lstStyle/>
+        <a:p>
+          <a:endParaRPr lang="zh-CN" altLang="en-US"/>
+        </a:p>
+      </dgm:t>
+    </dgm:pt>
+    <dgm:pt modelId="{8A08B96D-8AF1-49FA-80D1-ED3ABC53BE1B}">
+      <dgm:prSet phldrT="[文本]"/>
+      <dgm:spPr>
+        <a:solidFill>
+          <a:schemeClr val="accent2">
+            <a:lumMod val="75000"/>
+          </a:schemeClr>
+        </a:solidFill>
+        <a:ln>
+          <a:solidFill>
+            <a:schemeClr val="accent2">
+              <a:lumMod val="75000"/>
+            </a:schemeClr>
+          </a:solidFill>
+        </a:ln>
+      </dgm:spPr>
+      <dgm:t>
+        <a:bodyPr/>
+        <a:lstStyle/>
+        <a:p>
+          <a:r>
+            <a:rPr lang="zh-CN" altLang="en-US" dirty="0" smtClean="0"/>
+            <a:t>就绪</a:t>
+          </a:r>
+          <a:r>
+            <a:rPr lang="en-US" altLang="zh-CN" dirty="0" smtClean="0"/>
+            <a:t>/</a:t>
+          </a:r>
+          <a:r>
+            <a:rPr lang="zh-CN" altLang="en-US" dirty="0" smtClean="0"/>
+            <a:t>运行</a:t>
+          </a:r>
+          <a:endParaRPr lang="zh-CN" altLang="en-US" dirty="0"/>
+        </a:p>
+      </dgm:t>
+    </dgm:pt>
+    <dgm:pt modelId="{C8549A04-C6AF-43CC-BA8F-F866658E4206}" type="parTrans" cxnId="{E42DB371-61C0-414C-9476-A8B114154231}">
+      <dgm:prSet/>
+      <dgm:spPr/>
+      <dgm:t>
+        <a:bodyPr/>
+        <a:lstStyle/>
+        <a:p>
+          <a:endParaRPr lang="zh-CN" altLang="en-US"/>
+        </a:p>
+      </dgm:t>
+    </dgm:pt>
+    <dgm:pt modelId="{1AA65F8F-55DF-4A1B-B955-CE499B2B3C64}" type="sibTrans" cxnId="{E42DB371-61C0-414C-9476-A8B114154231}">
+      <dgm:prSet/>
+      <dgm:spPr>
+        <a:ln>
+          <a:noFill/>
+        </a:ln>
+      </dgm:spPr>
+      <dgm:t>
+        <a:bodyPr/>
+        <a:lstStyle/>
+        <a:p>
+          <a:endParaRPr lang="zh-CN" altLang="en-US"/>
+        </a:p>
+      </dgm:t>
+    </dgm:pt>
+    <dgm:pt modelId="{00420D34-2693-415F-9B3B-CAEC3EB6D10A}">
+      <dgm:prSet phldrT="[文本]"/>
+      <dgm:spPr>
+        <a:solidFill>
+          <a:srgbClr val="92D050"/>
+        </a:solidFill>
+        <a:ln>
+          <a:solidFill>
+            <a:srgbClr val="92D050"/>
+          </a:solidFill>
+        </a:ln>
+      </dgm:spPr>
+      <dgm:t>
+        <a:bodyPr/>
+        <a:lstStyle/>
+        <a:p>
+          <a:r>
+            <a:rPr lang="zh-CN" altLang="en-US" dirty="0" smtClean="0"/>
+            <a:t>等待状态</a:t>
+          </a:r>
+          <a:endParaRPr lang="zh-CN" altLang="en-US" dirty="0"/>
+        </a:p>
+      </dgm:t>
+    </dgm:pt>
+    <dgm:pt modelId="{35411B1D-15A7-4F17-A9BC-7D25BB7B67DB}" type="parTrans" cxnId="{CD8C5471-6A95-46CB-9FAD-DBCFC68CB922}">
+      <dgm:prSet/>
+      <dgm:spPr/>
+      <dgm:t>
+        <a:bodyPr/>
+        <a:lstStyle/>
+        <a:p>
+          <a:endParaRPr lang="zh-CN" altLang="en-US"/>
+        </a:p>
+      </dgm:t>
+    </dgm:pt>
+    <dgm:pt modelId="{58AA80AA-4172-4038-8E4A-E9B0AAF5DA3A}" type="sibTrans" cxnId="{CD8C5471-6A95-46CB-9FAD-DBCFC68CB922}">
+      <dgm:prSet/>
+      <dgm:spPr>
+        <a:ln>
+          <a:noFill/>
+        </a:ln>
+      </dgm:spPr>
+      <dgm:t>
+        <a:bodyPr/>
+        <a:lstStyle/>
+        <a:p>
+          <a:endParaRPr lang="zh-CN" altLang="en-US"/>
+        </a:p>
+      </dgm:t>
+    </dgm:pt>
+    <dgm:pt modelId="{AE79317A-14CB-4428-ABA2-06B65A3FA431}">
+      <dgm:prSet/>
+      <dgm:spPr>
+        <a:solidFill>
+          <a:srgbClr val="7030A0"/>
+        </a:solidFill>
+      </dgm:spPr>
+      <dgm:t>
+        <a:bodyPr/>
+        <a:lstStyle/>
+        <a:p>
+          <a:r>
+            <a:rPr lang="zh-CN" altLang="en-US" dirty="0" smtClean="0"/>
+            <a:t>睡眠状态</a:t>
+          </a:r>
+          <a:endParaRPr lang="zh-CN" altLang="en-US" dirty="0"/>
+        </a:p>
+      </dgm:t>
+    </dgm:pt>
+    <dgm:pt modelId="{32C963B5-7F78-4FB0-931B-02FF3CF89348}" type="parTrans" cxnId="{A0230D89-2EF8-4344-A06C-356728A036C0}">
+      <dgm:prSet/>
+      <dgm:spPr/>
+      <dgm:t>
+        <a:bodyPr/>
+        <a:lstStyle/>
+        <a:p>
+          <a:endParaRPr lang="zh-CN" altLang="en-US"/>
+        </a:p>
+      </dgm:t>
+    </dgm:pt>
+    <dgm:pt modelId="{5644D834-B8DE-4D8B-87DA-D67D8AB06E9F}" type="sibTrans" cxnId="{A0230D89-2EF8-4344-A06C-356728A036C0}">
+      <dgm:prSet/>
+      <dgm:spPr>
+        <a:ln>
+          <a:noFill/>
+        </a:ln>
+      </dgm:spPr>
+      <dgm:t>
+        <a:bodyPr/>
+        <a:lstStyle/>
+        <a:p>
+          <a:endParaRPr lang="zh-CN" altLang="en-US"/>
+        </a:p>
+      </dgm:t>
+    </dgm:pt>
+    <dgm:pt modelId="{9CA38BED-1327-474D-A935-6CE07CE9CC2E}">
+      <dgm:prSet phldrT="[文本]"/>
+      <dgm:spPr>
+        <a:solidFill>
+          <a:schemeClr val="bg1">
+            <a:lumMod val="50000"/>
+          </a:schemeClr>
+        </a:solidFill>
+        <a:ln>
+          <a:solidFill>
+            <a:schemeClr val="bg1">
+              <a:lumMod val="50000"/>
+            </a:schemeClr>
+          </a:solidFill>
+        </a:ln>
+      </dgm:spPr>
+      <dgm:t>
+        <a:bodyPr/>
+        <a:lstStyle/>
+        <a:p>
+          <a:r>
+            <a:rPr lang="zh-CN" altLang="en-US" dirty="0" smtClean="0"/>
+            <a:t>中断服务状态</a:t>
+          </a:r>
+          <a:endParaRPr lang="zh-CN" altLang="en-US" dirty="0"/>
+        </a:p>
+      </dgm:t>
+    </dgm:pt>
+    <dgm:pt modelId="{206225D1-FDE8-4E93-878C-CC609FBEECA6}" type="sibTrans" cxnId="{A702A407-6403-4982-8871-F64847036359}">
+      <dgm:prSet/>
+      <dgm:spPr>
+        <a:ln>
+          <a:noFill/>
+        </a:ln>
+      </dgm:spPr>
+      <dgm:t>
+        <a:bodyPr/>
+        <a:lstStyle/>
+        <a:p>
+          <a:endParaRPr lang="zh-CN" altLang="en-US"/>
+        </a:p>
+      </dgm:t>
+    </dgm:pt>
+    <dgm:pt modelId="{FB725EE4-43B2-400F-8F2F-0D51EA369BE0}" type="parTrans" cxnId="{A702A407-6403-4982-8871-F64847036359}">
+      <dgm:prSet/>
+      <dgm:spPr/>
+      <dgm:t>
+        <a:bodyPr/>
+        <a:lstStyle/>
+        <a:p>
+          <a:endParaRPr lang="zh-CN" altLang="en-US"/>
+        </a:p>
+      </dgm:t>
+    </dgm:pt>
+    <dgm:pt modelId="{1088A015-5DE4-4145-A3C0-5E7B0C128846}" type="pres">
+      <dgm:prSet presAssocID="{7267EBB4-57FD-41DB-8345-E94BA081705C}" presName="cycle" presStyleCnt="0">
+        <dgm:presLayoutVars>
+          <dgm:dir/>
+          <dgm:resizeHandles val="exact"/>
+        </dgm:presLayoutVars>
+      </dgm:prSet>
+      <dgm:spPr/>
+      <dgm:t>
+        <a:bodyPr/>
+        <a:lstStyle/>
+        <a:p>
+          <a:endParaRPr lang="zh-CN" altLang="en-US"/>
+        </a:p>
+      </dgm:t>
+    </dgm:pt>
+    <dgm:pt modelId="{A4F25419-009F-4669-AA2E-87BAB36873E8}" type="pres">
+      <dgm:prSet presAssocID="{8A08B96D-8AF1-49FA-80D1-ED3ABC53BE1B}" presName="node" presStyleLbl="node1" presStyleIdx="0" presStyleCnt="4">
+        <dgm:presLayoutVars>
+          <dgm:bulletEnabled val="1"/>
+        </dgm:presLayoutVars>
+      </dgm:prSet>
+      <dgm:spPr/>
+      <dgm:t>
+        <a:bodyPr/>
+        <a:lstStyle/>
+        <a:p>
+          <a:endParaRPr lang="zh-CN" altLang="en-US"/>
+        </a:p>
+      </dgm:t>
+    </dgm:pt>
+    <dgm:pt modelId="{A315DA26-1B60-4DD5-8186-6A50A5E64220}" type="pres">
+      <dgm:prSet presAssocID="{8A08B96D-8AF1-49FA-80D1-ED3ABC53BE1B}" presName="spNode" presStyleCnt="0"/>
+      <dgm:spPr/>
+    </dgm:pt>
+    <dgm:pt modelId="{0590F21B-99F9-4AE9-ADC6-71C64C4D79AA}" type="pres">
+      <dgm:prSet presAssocID="{1AA65F8F-55DF-4A1B-B955-CE499B2B3C64}" presName="sibTrans" presStyleLbl="sibTrans1D1" presStyleIdx="0" presStyleCnt="4"/>
+      <dgm:spPr/>
+      <dgm:t>
+        <a:bodyPr/>
+        <a:lstStyle/>
+        <a:p>
+          <a:endParaRPr lang="zh-CN" altLang="en-US"/>
+        </a:p>
+      </dgm:t>
+    </dgm:pt>
+    <dgm:pt modelId="{21E5C9ED-0D06-4E67-BD95-59C569785CA8}" type="pres">
+      <dgm:prSet presAssocID="{AE79317A-14CB-4428-ABA2-06B65A3FA431}" presName="node" presStyleLbl="node1" presStyleIdx="1" presStyleCnt="4">
+        <dgm:presLayoutVars>
+          <dgm:bulletEnabled val="1"/>
+        </dgm:presLayoutVars>
+      </dgm:prSet>
+      <dgm:spPr/>
+      <dgm:t>
+        <a:bodyPr/>
+        <a:lstStyle/>
+        <a:p>
+          <a:endParaRPr lang="zh-CN" altLang="en-US"/>
+        </a:p>
+      </dgm:t>
+    </dgm:pt>
+    <dgm:pt modelId="{5D81602E-2721-4365-A680-BE9AC64E19C9}" type="pres">
+      <dgm:prSet presAssocID="{AE79317A-14CB-4428-ABA2-06B65A3FA431}" presName="spNode" presStyleCnt="0"/>
+      <dgm:spPr/>
+    </dgm:pt>
+    <dgm:pt modelId="{F1737A49-203D-4945-B996-2596B3168EEB}" type="pres">
+      <dgm:prSet presAssocID="{5644D834-B8DE-4D8B-87DA-D67D8AB06E9F}" presName="sibTrans" presStyleLbl="sibTrans1D1" presStyleIdx="1" presStyleCnt="4"/>
+      <dgm:spPr/>
+      <dgm:t>
+        <a:bodyPr/>
+        <a:lstStyle/>
+        <a:p>
+          <a:endParaRPr lang="zh-CN" altLang="en-US"/>
+        </a:p>
+      </dgm:t>
+    </dgm:pt>
+    <dgm:pt modelId="{E7EEB575-EC6A-4AAD-990B-552531636FBC}" type="pres">
+      <dgm:prSet presAssocID="{9CA38BED-1327-474D-A935-6CE07CE9CC2E}" presName="node" presStyleLbl="node1" presStyleIdx="2" presStyleCnt="4">
+        <dgm:presLayoutVars>
+          <dgm:bulletEnabled val="1"/>
+        </dgm:presLayoutVars>
+      </dgm:prSet>
+      <dgm:spPr/>
+      <dgm:t>
+        <a:bodyPr/>
+        <a:lstStyle/>
+        <a:p>
+          <a:endParaRPr lang="zh-CN" altLang="en-US"/>
+        </a:p>
+      </dgm:t>
+    </dgm:pt>
+    <dgm:pt modelId="{1D3E401E-6A5E-41DE-8C05-7E04B14DD71A}" type="pres">
+      <dgm:prSet presAssocID="{9CA38BED-1327-474D-A935-6CE07CE9CC2E}" presName="spNode" presStyleCnt="0"/>
+      <dgm:spPr/>
+    </dgm:pt>
+    <dgm:pt modelId="{7680DAD7-D526-4DE1-BF2F-0F2C356D86D4}" type="pres">
+      <dgm:prSet presAssocID="{206225D1-FDE8-4E93-878C-CC609FBEECA6}" presName="sibTrans" presStyleLbl="sibTrans1D1" presStyleIdx="2" presStyleCnt="4"/>
+      <dgm:spPr/>
+      <dgm:t>
+        <a:bodyPr/>
+        <a:lstStyle/>
+        <a:p>
+          <a:endParaRPr lang="zh-CN" altLang="en-US"/>
+        </a:p>
+      </dgm:t>
+    </dgm:pt>
+    <dgm:pt modelId="{232DFB48-F824-4124-B8BF-A59C5DEEDA5A}" type="pres">
+      <dgm:prSet presAssocID="{00420D34-2693-415F-9B3B-CAEC3EB6D10A}" presName="node" presStyleLbl="node1" presStyleIdx="3" presStyleCnt="4">
+        <dgm:presLayoutVars>
+          <dgm:bulletEnabled val="1"/>
+        </dgm:presLayoutVars>
+      </dgm:prSet>
+      <dgm:spPr/>
+      <dgm:t>
+        <a:bodyPr/>
+        <a:lstStyle/>
+        <a:p>
+          <a:endParaRPr lang="zh-CN" altLang="en-US"/>
+        </a:p>
+      </dgm:t>
+    </dgm:pt>
+    <dgm:pt modelId="{1026CA50-5725-4FAB-B672-65FBB1651A2F}" type="pres">
+      <dgm:prSet presAssocID="{00420D34-2693-415F-9B3B-CAEC3EB6D10A}" presName="spNode" presStyleCnt="0"/>
+      <dgm:spPr/>
+    </dgm:pt>
+    <dgm:pt modelId="{79806251-160E-4CE4-A246-68D098E0B66A}" type="pres">
+      <dgm:prSet presAssocID="{58AA80AA-4172-4038-8E4A-E9B0AAF5DA3A}" presName="sibTrans" presStyleLbl="sibTrans1D1" presStyleIdx="3" presStyleCnt="4"/>
+      <dgm:spPr/>
+      <dgm:t>
+        <a:bodyPr/>
+        <a:lstStyle/>
+        <a:p>
+          <a:endParaRPr lang="zh-CN" altLang="en-US"/>
+        </a:p>
+      </dgm:t>
+    </dgm:pt>
+  </dgm:ptLst>
+  <dgm:cxnLst>
+    <dgm:cxn modelId="{A0230D89-2EF8-4344-A06C-356728A036C0}" srcId="{7267EBB4-57FD-41DB-8345-E94BA081705C}" destId="{AE79317A-14CB-4428-ABA2-06B65A3FA431}" srcOrd="1" destOrd="0" parTransId="{32C963B5-7F78-4FB0-931B-02FF3CF89348}" sibTransId="{5644D834-B8DE-4D8B-87DA-D67D8AB06E9F}"/>
+    <dgm:cxn modelId="{E42DB371-61C0-414C-9476-A8B114154231}" srcId="{7267EBB4-57FD-41DB-8345-E94BA081705C}" destId="{8A08B96D-8AF1-49FA-80D1-ED3ABC53BE1B}" srcOrd="0" destOrd="0" parTransId="{C8549A04-C6AF-43CC-BA8F-F866658E4206}" sibTransId="{1AA65F8F-55DF-4A1B-B955-CE499B2B3C64}"/>
+    <dgm:cxn modelId="{E6505E7B-ADD6-497B-90F4-24B2938EF019}" type="presOf" srcId="{8A08B96D-8AF1-49FA-80D1-ED3ABC53BE1B}" destId="{A4F25419-009F-4669-AA2E-87BAB36873E8}" srcOrd="0" destOrd="0" presId="urn:microsoft.com/office/officeart/2005/8/layout/cycle6"/>
+    <dgm:cxn modelId="{1857D94A-3BC1-42EB-BF0C-47E233F70CC7}" type="presOf" srcId="{5644D834-B8DE-4D8B-87DA-D67D8AB06E9F}" destId="{F1737A49-203D-4945-B996-2596B3168EEB}" srcOrd="0" destOrd="0" presId="urn:microsoft.com/office/officeart/2005/8/layout/cycle6"/>
+    <dgm:cxn modelId="{F4745F67-F817-4A8E-BF14-3B49EC2AA903}" type="presOf" srcId="{58AA80AA-4172-4038-8E4A-E9B0AAF5DA3A}" destId="{79806251-160E-4CE4-A246-68D098E0B66A}" srcOrd="0" destOrd="0" presId="urn:microsoft.com/office/officeart/2005/8/layout/cycle6"/>
+    <dgm:cxn modelId="{D280DBCE-815F-44CD-BAF6-F4E2555E9C4B}" type="presOf" srcId="{AE79317A-14CB-4428-ABA2-06B65A3FA431}" destId="{21E5C9ED-0D06-4E67-BD95-59C569785CA8}" srcOrd="0" destOrd="0" presId="urn:microsoft.com/office/officeart/2005/8/layout/cycle6"/>
+    <dgm:cxn modelId="{6FD87311-E443-4217-95F7-76037763CCF9}" type="presOf" srcId="{7267EBB4-57FD-41DB-8345-E94BA081705C}" destId="{1088A015-5DE4-4145-A3C0-5E7B0C128846}" srcOrd="0" destOrd="0" presId="urn:microsoft.com/office/officeart/2005/8/layout/cycle6"/>
+    <dgm:cxn modelId="{A610167E-6F0C-471D-8BD1-3FEB2045A702}" type="presOf" srcId="{206225D1-FDE8-4E93-878C-CC609FBEECA6}" destId="{7680DAD7-D526-4DE1-BF2F-0F2C356D86D4}" srcOrd="0" destOrd="0" presId="urn:microsoft.com/office/officeart/2005/8/layout/cycle6"/>
+    <dgm:cxn modelId="{68F1A5B3-9176-4792-B509-BA88FC5C7F94}" type="presOf" srcId="{1AA65F8F-55DF-4A1B-B955-CE499B2B3C64}" destId="{0590F21B-99F9-4AE9-ADC6-71C64C4D79AA}" srcOrd="0" destOrd="0" presId="urn:microsoft.com/office/officeart/2005/8/layout/cycle6"/>
+    <dgm:cxn modelId="{CD8C5471-6A95-46CB-9FAD-DBCFC68CB922}" srcId="{7267EBB4-57FD-41DB-8345-E94BA081705C}" destId="{00420D34-2693-415F-9B3B-CAEC3EB6D10A}" srcOrd="3" destOrd="0" parTransId="{35411B1D-15A7-4F17-A9BC-7D25BB7B67DB}" sibTransId="{58AA80AA-4172-4038-8E4A-E9B0AAF5DA3A}"/>
+    <dgm:cxn modelId="{A702A407-6403-4982-8871-F64847036359}" srcId="{7267EBB4-57FD-41DB-8345-E94BA081705C}" destId="{9CA38BED-1327-474D-A935-6CE07CE9CC2E}" srcOrd="2" destOrd="0" parTransId="{FB725EE4-43B2-400F-8F2F-0D51EA369BE0}" sibTransId="{206225D1-FDE8-4E93-878C-CC609FBEECA6}"/>
+    <dgm:cxn modelId="{9D5EF89F-8FF6-463D-9DCA-1AE4717A5D5B}" type="presOf" srcId="{00420D34-2693-415F-9B3B-CAEC3EB6D10A}" destId="{232DFB48-F824-4124-B8BF-A59C5DEEDA5A}" srcOrd="0" destOrd="0" presId="urn:microsoft.com/office/officeart/2005/8/layout/cycle6"/>
+    <dgm:cxn modelId="{5D0DF563-14A1-4D71-9E37-6F5220F11FAF}" type="presOf" srcId="{9CA38BED-1327-474D-A935-6CE07CE9CC2E}" destId="{E7EEB575-EC6A-4AAD-990B-552531636FBC}" srcOrd="0" destOrd="0" presId="urn:microsoft.com/office/officeart/2005/8/layout/cycle6"/>
+    <dgm:cxn modelId="{C258BE38-A90A-4BA1-A7A3-942CEF8ECBE8}" type="presParOf" srcId="{1088A015-5DE4-4145-A3C0-5E7B0C128846}" destId="{A4F25419-009F-4669-AA2E-87BAB36873E8}" srcOrd="0" destOrd="0" presId="urn:microsoft.com/office/officeart/2005/8/layout/cycle6"/>
+    <dgm:cxn modelId="{6392701A-CE61-4947-AF51-49788CB91C49}" type="presParOf" srcId="{1088A015-5DE4-4145-A3C0-5E7B0C128846}" destId="{A315DA26-1B60-4DD5-8186-6A50A5E64220}" srcOrd="1" destOrd="0" presId="urn:microsoft.com/office/officeart/2005/8/layout/cycle6"/>
+    <dgm:cxn modelId="{C2C57730-AEFE-4EEA-8996-12E07011C5CB}" type="presParOf" srcId="{1088A015-5DE4-4145-A3C0-5E7B0C128846}" destId="{0590F21B-99F9-4AE9-ADC6-71C64C4D79AA}" srcOrd="2" destOrd="0" presId="urn:microsoft.com/office/officeart/2005/8/layout/cycle6"/>
+    <dgm:cxn modelId="{483510E8-5EA1-4583-9571-E8F902572DDB}" type="presParOf" srcId="{1088A015-5DE4-4145-A3C0-5E7B0C128846}" destId="{21E5C9ED-0D06-4E67-BD95-59C569785CA8}" srcOrd="3" destOrd="0" presId="urn:microsoft.com/office/officeart/2005/8/layout/cycle6"/>
+    <dgm:cxn modelId="{D18EAB65-F7B9-4E5D-A80E-8364AFA812DB}" type="presParOf" srcId="{1088A015-5DE4-4145-A3C0-5E7B0C128846}" destId="{5D81602E-2721-4365-A680-BE9AC64E19C9}" srcOrd="4" destOrd="0" presId="urn:microsoft.com/office/officeart/2005/8/layout/cycle6"/>
+    <dgm:cxn modelId="{7C4C96E8-C859-4918-B661-2B56C1296367}" type="presParOf" srcId="{1088A015-5DE4-4145-A3C0-5E7B0C128846}" destId="{F1737A49-203D-4945-B996-2596B3168EEB}" srcOrd="5" destOrd="0" presId="urn:microsoft.com/office/officeart/2005/8/layout/cycle6"/>
+    <dgm:cxn modelId="{FA0D02E3-2060-490C-8053-CC0D087EB0DB}" type="presParOf" srcId="{1088A015-5DE4-4145-A3C0-5E7B0C128846}" destId="{E7EEB575-EC6A-4AAD-990B-552531636FBC}" srcOrd="6" destOrd="0" presId="urn:microsoft.com/office/officeart/2005/8/layout/cycle6"/>
+    <dgm:cxn modelId="{3A4CB67A-2A84-4DED-9D4D-6382DABFFFBF}" type="presParOf" srcId="{1088A015-5DE4-4145-A3C0-5E7B0C128846}" destId="{1D3E401E-6A5E-41DE-8C05-7E04B14DD71A}" srcOrd="7" destOrd="0" presId="urn:microsoft.com/office/officeart/2005/8/layout/cycle6"/>
+    <dgm:cxn modelId="{6C7E5E68-1D8D-4D3D-8662-330B53B79393}" type="presParOf" srcId="{1088A015-5DE4-4145-A3C0-5E7B0C128846}" destId="{7680DAD7-D526-4DE1-BF2F-0F2C356D86D4}" srcOrd="8" destOrd="0" presId="urn:microsoft.com/office/officeart/2005/8/layout/cycle6"/>
+    <dgm:cxn modelId="{ED5486DD-C01D-4887-A1C2-352864FBF457}" type="presParOf" srcId="{1088A015-5DE4-4145-A3C0-5E7B0C128846}" destId="{232DFB48-F824-4124-B8BF-A59C5DEEDA5A}" srcOrd="9" destOrd="0" presId="urn:microsoft.com/office/officeart/2005/8/layout/cycle6"/>
+    <dgm:cxn modelId="{38C0419A-5785-414B-8E57-0F43177B1A81}" type="presParOf" srcId="{1088A015-5DE4-4145-A3C0-5E7B0C128846}" destId="{1026CA50-5725-4FAB-B672-65FBB1651A2F}" srcOrd="10" destOrd="0" presId="urn:microsoft.com/office/officeart/2005/8/layout/cycle6"/>
+    <dgm:cxn modelId="{A914E9B4-78CF-48C6-A312-D4C89B9C11AF}" type="presParOf" srcId="{1088A015-5DE4-4145-A3C0-5E7B0C128846}" destId="{79806251-160E-4CE4-A246-68D098E0B66A}" srcOrd="11" destOrd="0" presId="urn:microsoft.com/office/officeart/2005/8/layout/cycle6"/>
+  </dgm:cxnLst>
+  <dgm:bg/>
+  <dgm:whole/>
+  <dgm:extLst>
+    <a:ext uri="http://schemas.microsoft.com/office/drawing/2008/diagram">
+      <dsp:dataModelExt xmlns:dsp="http://schemas.microsoft.com/office/drawing/2008/diagram" relId="rId6" minVer="http://schemas.openxmlformats.org/drawingml/2006/diagram"/>
+    </a:ext>
+  </dgm:extLst>
+</dgm:dataModel>
+</file>
+
 <file path=ppt/diagrams/drawing1.xml><?xml version="1.0" encoding="utf-8"?>
 <dsp:drawing xmlns:dgm="http://schemas.openxmlformats.org/drawingml/2006/diagram" xmlns:dsp="http://schemas.microsoft.com/office/drawing/2008/diagram" xmlns:a="http://schemas.openxmlformats.org/drawingml/2006/main">
   <dsp:spTree>
@@ -3618,6 +4780,495 @@
 </dsp:drawing>
 </file>
 
+<file path=ppt/diagrams/drawing3.xml><?xml version="1.0" encoding="utf-8"?>
+<dsp:drawing xmlns:dgm="http://schemas.openxmlformats.org/drawingml/2006/diagram" xmlns:dsp="http://schemas.microsoft.com/office/drawing/2008/diagram" xmlns:a="http://schemas.openxmlformats.org/drawingml/2006/main">
+  <dsp:spTree>
+    <dsp:nvGrpSpPr>
+      <dsp:cNvPr id="0" name=""/>
+      <dsp:cNvGrpSpPr/>
+    </dsp:nvGrpSpPr>
+    <dsp:grpSpPr/>
+    <dsp:sp modelId="{A4F25419-009F-4669-AA2E-87BAB36873E8}">
+      <dsp:nvSpPr>
+        <dsp:cNvPr id="0" name=""/>
+        <dsp:cNvSpPr/>
+      </dsp:nvSpPr>
+      <dsp:spPr>
+        <a:xfrm>
+          <a:off x="4236020" y="472"/>
+          <a:ext cx="2043558" cy="1328313"/>
+        </a:xfrm>
+        <a:prstGeom prst="roundRect">
+          <a:avLst/>
+        </a:prstGeom>
+        <a:solidFill>
+          <a:schemeClr val="accent2">
+            <a:lumMod val="75000"/>
+          </a:schemeClr>
+        </a:solidFill>
+        <a:ln w="12700" cap="flat" cmpd="sng" algn="ctr">
+          <a:solidFill>
+            <a:schemeClr val="accent2">
+              <a:lumMod val="75000"/>
+            </a:schemeClr>
+          </a:solidFill>
+          <a:prstDash val="solid"/>
+          <a:miter lim="800000"/>
+        </a:ln>
+        <a:effectLst/>
+      </dsp:spPr>
+      <dsp:style>
+        <a:lnRef idx="2">
+          <a:scrgbClr r="0" g="0" b="0"/>
+        </a:lnRef>
+        <a:fillRef idx="1">
+          <a:scrgbClr r="0" g="0" b="0"/>
+        </a:fillRef>
+        <a:effectRef idx="0">
+          <a:scrgbClr r="0" g="0" b="0"/>
+        </a:effectRef>
+        <a:fontRef idx="minor">
+          <a:schemeClr val="lt1"/>
+        </a:fontRef>
+      </dsp:style>
+      <dsp:txBody>
+        <a:bodyPr spcFirstLastPara="0" vert="horz" wrap="square" lIns="114300" tIns="114300" rIns="114300" bIns="114300" numCol="1" spcCol="1270" anchor="ctr" anchorCtr="0">
+          <a:noAutofit/>
+        </a:bodyPr>
+        <a:lstStyle/>
+        <a:p>
+          <a:pPr lvl="0" algn="ctr" defTabSz="1333500">
+            <a:lnSpc>
+              <a:spcPct val="90000"/>
+            </a:lnSpc>
+            <a:spcBef>
+              <a:spcPct val="0"/>
+            </a:spcBef>
+            <a:spcAft>
+              <a:spcPct val="35000"/>
+            </a:spcAft>
+          </a:pPr>
+          <a:r>
+            <a:rPr lang="zh-CN" altLang="en-US" sz="3000" kern="1200" dirty="0" smtClean="0"/>
+            <a:t>就绪</a:t>
+          </a:r>
+          <a:r>
+            <a:rPr lang="en-US" altLang="zh-CN" sz="3000" kern="1200" dirty="0" smtClean="0"/>
+            <a:t>/</a:t>
+          </a:r>
+          <a:r>
+            <a:rPr lang="zh-CN" altLang="en-US" sz="3000" kern="1200" dirty="0" smtClean="0"/>
+            <a:t>运行</a:t>
+          </a:r>
+          <a:endParaRPr lang="zh-CN" altLang="en-US" sz="3000" kern="1200" dirty="0"/>
+        </a:p>
+      </dsp:txBody>
+      <dsp:txXfrm>
+        <a:off x="4300863" y="65315"/>
+        <a:ext cx="1913872" cy="1198627"/>
+      </dsp:txXfrm>
+    </dsp:sp>
+    <dsp:sp modelId="{0590F21B-99F9-4AE9-ADC6-71C64C4D79AA}">
+      <dsp:nvSpPr>
+        <dsp:cNvPr id="0" name=""/>
+        <dsp:cNvSpPr/>
+      </dsp:nvSpPr>
+      <dsp:spPr>
+        <a:xfrm>
+          <a:off x="3065175" y="664629"/>
+          <a:ext cx="4385249" cy="4385249"/>
+        </a:xfrm>
+        <a:custGeom>
+          <a:avLst/>
+          <a:gdLst/>
+          <a:ahLst/>
+          <a:cxnLst/>
+          <a:rect l="0" t="0" r="0" b="0"/>
+          <a:pathLst>
+            <a:path>
+              <a:moveTo>
+                <a:pt x="3229095" y="260441"/>
+              </a:moveTo>
+              <a:arcTo wR="2192624" hR="2192624" stAng="17892612" swAng="2623374"/>
+            </a:path>
+          </a:pathLst>
+        </a:custGeom>
+        <a:noFill/>
+        <a:ln w="6350" cap="flat" cmpd="sng" algn="ctr">
+          <a:noFill/>
+          <a:prstDash val="solid"/>
+          <a:miter lim="800000"/>
+        </a:ln>
+        <a:effectLst/>
+      </dsp:spPr>
+      <dsp:style>
+        <a:lnRef idx="1">
+          <a:scrgbClr r="0" g="0" b="0"/>
+        </a:lnRef>
+        <a:fillRef idx="0">
+          <a:scrgbClr r="0" g="0" b="0"/>
+        </a:fillRef>
+        <a:effectRef idx="0">
+          <a:scrgbClr r="0" g="0" b="0"/>
+        </a:effectRef>
+        <a:fontRef idx="minor"/>
+      </dsp:style>
+    </dsp:sp>
+    <dsp:sp modelId="{21E5C9ED-0D06-4E67-BD95-59C569785CA8}">
+      <dsp:nvSpPr>
+        <dsp:cNvPr id="0" name=""/>
+        <dsp:cNvSpPr/>
+      </dsp:nvSpPr>
+      <dsp:spPr>
+        <a:xfrm>
+          <a:off x="6428645" y="2193097"/>
+          <a:ext cx="2043558" cy="1328313"/>
+        </a:xfrm>
+        <a:prstGeom prst="roundRect">
+          <a:avLst/>
+        </a:prstGeom>
+        <a:solidFill>
+          <a:srgbClr val="7030A0"/>
+        </a:solidFill>
+        <a:ln w="12700" cap="flat" cmpd="sng" algn="ctr">
+          <a:solidFill>
+            <a:schemeClr val="lt1">
+              <a:hueOff val="0"/>
+              <a:satOff val="0"/>
+              <a:lumOff val="0"/>
+              <a:alphaOff val="0"/>
+            </a:schemeClr>
+          </a:solidFill>
+          <a:prstDash val="solid"/>
+          <a:miter lim="800000"/>
+        </a:ln>
+        <a:effectLst/>
+      </dsp:spPr>
+      <dsp:style>
+        <a:lnRef idx="2">
+          <a:scrgbClr r="0" g="0" b="0"/>
+        </a:lnRef>
+        <a:fillRef idx="1">
+          <a:scrgbClr r="0" g="0" b="0"/>
+        </a:fillRef>
+        <a:effectRef idx="0">
+          <a:scrgbClr r="0" g="0" b="0"/>
+        </a:effectRef>
+        <a:fontRef idx="minor">
+          <a:schemeClr val="lt1"/>
+        </a:fontRef>
+      </dsp:style>
+      <dsp:txBody>
+        <a:bodyPr spcFirstLastPara="0" vert="horz" wrap="square" lIns="114300" tIns="114300" rIns="114300" bIns="114300" numCol="1" spcCol="1270" anchor="ctr" anchorCtr="0">
+          <a:noAutofit/>
+        </a:bodyPr>
+        <a:lstStyle/>
+        <a:p>
+          <a:pPr lvl="0" algn="ctr" defTabSz="1333500">
+            <a:lnSpc>
+              <a:spcPct val="90000"/>
+            </a:lnSpc>
+            <a:spcBef>
+              <a:spcPct val="0"/>
+            </a:spcBef>
+            <a:spcAft>
+              <a:spcPct val="35000"/>
+            </a:spcAft>
+          </a:pPr>
+          <a:r>
+            <a:rPr lang="zh-CN" altLang="en-US" sz="3000" kern="1200" dirty="0" smtClean="0"/>
+            <a:t>睡眠状态</a:t>
+          </a:r>
+          <a:endParaRPr lang="zh-CN" altLang="en-US" sz="3000" kern="1200" dirty="0"/>
+        </a:p>
+      </dsp:txBody>
+      <dsp:txXfrm>
+        <a:off x="6493488" y="2257940"/>
+        <a:ext cx="1913872" cy="1198627"/>
+      </dsp:txXfrm>
+    </dsp:sp>
+    <dsp:sp modelId="{F1737A49-203D-4945-B996-2596B3168EEB}">
+      <dsp:nvSpPr>
+        <dsp:cNvPr id="0" name=""/>
+        <dsp:cNvSpPr/>
+      </dsp:nvSpPr>
+      <dsp:spPr>
+        <a:xfrm>
+          <a:off x="3065175" y="664629"/>
+          <a:ext cx="4385249" cy="4385249"/>
+        </a:xfrm>
+        <a:custGeom>
+          <a:avLst/>
+          <a:gdLst/>
+          <a:ahLst/>
+          <a:cxnLst/>
+          <a:rect l="0" t="0" r="0" b="0"/>
+          <a:pathLst>
+            <a:path>
+              <a:moveTo>
+                <a:pt x="4277142" y="2872618"/>
+              </a:moveTo>
+              <a:arcTo wR="2192624" hR="2192624" stAng="1084015" swAng="2623374"/>
+            </a:path>
+          </a:pathLst>
+        </a:custGeom>
+        <a:noFill/>
+        <a:ln w="6350" cap="flat" cmpd="sng" algn="ctr">
+          <a:noFill/>
+          <a:prstDash val="solid"/>
+          <a:miter lim="800000"/>
+        </a:ln>
+        <a:effectLst/>
+      </dsp:spPr>
+      <dsp:style>
+        <a:lnRef idx="1">
+          <a:scrgbClr r="0" g="0" b="0"/>
+        </a:lnRef>
+        <a:fillRef idx="0">
+          <a:scrgbClr r="0" g="0" b="0"/>
+        </a:fillRef>
+        <a:effectRef idx="0">
+          <a:scrgbClr r="0" g="0" b="0"/>
+        </a:effectRef>
+        <a:fontRef idx="minor"/>
+      </dsp:style>
+    </dsp:sp>
+    <dsp:sp modelId="{E7EEB575-EC6A-4AAD-990B-552531636FBC}">
+      <dsp:nvSpPr>
+        <dsp:cNvPr id="0" name=""/>
+        <dsp:cNvSpPr/>
+      </dsp:nvSpPr>
+      <dsp:spPr>
+        <a:xfrm>
+          <a:off x="4236020" y="4385722"/>
+          <a:ext cx="2043558" cy="1328313"/>
+        </a:xfrm>
+        <a:prstGeom prst="roundRect">
+          <a:avLst/>
+        </a:prstGeom>
+        <a:solidFill>
+          <a:schemeClr val="bg1">
+            <a:lumMod val="50000"/>
+          </a:schemeClr>
+        </a:solidFill>
+        <a:ln w="12700" cap="flat" cmpd="sng" algn="ctr">
+          <a:solidFill>
+            <a:schemeClr val="bg1">
+              <a:lumMod val="50000"/>
+            </a:schemeClr>
+          </a:solidFill>
+          <a:prstDash val="solid"/>
+          <a:miter lim="800000"/>
+        </a:ln>
+        <a:effectLst/>
+      </dsp:spPr>
+      <dsp:style>
+        <a:lnRef idx="2">
+          <a:scrgbClr r="0" g="0" b="0"/>
+        </a:lnRef>
+        <a:fillRef idx="1">
+          <a:scrgbClr r="0" g="0" b="0"/>
+        </a:fillRef>
+        <a:effectRef idx="0">
+          <a:scrgbClr r="0" g="0" b="0"/>
+        </a:effectRef>
+        <a:fontRef idx="minor">
+          <a:schemeClr val="lt1"/>
+        </a:fontRef>
+      </dsp:style>
+      <dsp:txBody>
+        <a:bodyPr spcFirstLastPara="0" vert="horz" wrap="square" lIns="114300" tIns="114300" rIns="114300" bIns="114300" numCol="1" spcCol="1270" anchor="ctr" anchorCtr="0">
+          <a:noAutofit/>
+        </a:bodyPr>
+        <a:lstStyle/>
+        <a:p>
+          <a:pPr lvl="0" algn="ctr" defTabSz="1333500">
+            <a:lnSpc>
+              <a:spcPct val="90000"/>
+            </a:lnSpc>
+            <a:spcBef>
+              <a:spcPct val="0"/>
+            </a:spcBef>
+            <a:spcAft>
+              <a:spcPct val="35000"/>
+            </a:spcAft>
+          </a:pPr>
+          <a:r>
+            <a:rPr lang="zh-CN" altLang="en-US" sz="3000" kern="1200" dirty="0" smtClean="0"/>
+            <a:t>中断服务状态</a:t>
+          </a:r>
+          <a:endParaRPr lang="zh-CN" altLang="en-US" sz="3000" kern="1200" dirty="0"/>
+        </a:p>
+      </dsp:txBody>
+      <dsp:txXfrm>
+        <a:off x="4300863" y="4450565"/>
+        <a:ext cx="1913872" cy="1198627"/>
+      </dsp:txXfrm>
+    </dsp:sp>
+    <dsp:sp modelId="{7680DAD7-D526-4DE1-BF2F-0F2C356D86D4}">
+      <dsp:nvSpPr>
+        <dsp:cNvPr id="0" name=""/>
+        <dsp:cNvSpPr/>
+      </dsp:nvSpPr>
+      <dsp:spPr>
+        <a:xfrm>
+          <a:off x="3065175" y="664629"/>
+          <a:ext cx="4385249" cy="4385249"/>
+        </a:xfrm>
+        <a:custGeom>
+          <a:avLst/>
+          <a:gdLst/>
+          <a:ahLst/>
+          <a:cxnLst/>
+          <a:rect l="0" t="0" r="0" b="0"/>
+          <a:pathLst>
+            <a:path>
+              <a:moveTo>
+                <a:pt x="1156154" y="4124808"/>
+              </a:moveTo>
+              <a:arcTo wR="2192624" hR="2192624" stAng="7092612" swAng="2623374"/>
+            </a:path>
+          </a:pathLst>
+        </a:custGeom>
+        <a:noFill/>
+        <a:ln w="6350" cap="flat" cmpd="sng" algn="ctr">
+          <a:noFill/>
+          <a:prstDash val="solid"/>
+          <a:miter lim="800000"/>
+        </a:ln>
+        <a:effectLst/>
+      </dsp:spPr>
+      <dsp:style>
+        <a:lnRef idx="1">
+          <a:scrgbClr r="0" g="0" b="0"/>
+        </a:lnRef>
+        <a:fillRef idx="0">
+          <a:scrgbClr r="0" g="0" b="0"/>
+        </a:fillRef>
+        <a:effectRef idx="0">
+          <a:scrgbClr r="0" g="0" b="0"/>
+        </a:effectRef>
+        <a:fontRef idx="minor"/>
+      </dsp:style>
+    </dsp:sp>
+    <dsp:sp modelId="{232DFB48-F824-4124-B8BF-A59C5DEEDA5A}">
+      <dsp:nvSpPr>
+        <dsp:cNvPr id="0" name=""/>
+        <dsp:cNvSpPr/>
+      </dsp:nvSpPr>
+      <dsp:spPr>
+        <a:xfrm>
+          <a:off x="2043395" y="2193097"/>
+          <a:ext cx="2043558" cy="1328313"/>
+        </a:xfrm>
+        <a:prstGeom prst="roundRect">
+          <a:avLst/>
+        </a:prstGeom>
+        <a:solidFill>
+          <a:srgbClr val="92D050"/>
+        </a:solidFill>
+        <a:ln w="12700" cap="flat" cmpd="sng" algn="ctr">
+          <a:solidFill>
+            <a:srgbClr val="92D050"/>
+          </a:solidFill>
+          <a:prstDash val="solid"/>
+          <a:miter lim="800000"/>
+        </a:ln>
+        <a:effectLst/>
+      </dsp:spPr>
+      <dsp:style>
+        <a:lnRef idx="2">
+          <a:scrgbClr r="0" g="0" b="0"/>
+        </a:lnRef>
+        <a:fillRef idx="1">
+          <a:scrgbClr r="0" g="0" b="0"/>
+        </a:fillRef>
+        <a:effectRef idx="0">
+          <a:scrgbClr r="0" g="0" b="0"/>
+        </a:effectRef>
+        <a:fontRef idx="minor">
+          <a:schemeClr val="lt1"/>
+        </a:fontRef>
+      </dsp:style>
+      <dsp:txBody>
+        <a:bodyPr spcFirstLastPara="0" vert="horz" wrap="square" lIns="114300" tIns="114300" rIns="114300" bIns="114300" numCol="1" spcCol="1270" anchor="ctr" anchorCtr="0">
+          <a:noAutofit/>
+        </a:bodyPr>
+        <a:lstStyle/>
+        <a:p>
+          <a:pPr lvl="0" algn="ctr" defTabSz="1333500">
+            <a:lnSpc>
+              <a:spcPct val="90000"/>
+            </a:lnSpc>
+            <a:spcBef>
+              <a:spcPct val="0"/>
+            </a:spcBef>
+            <a:spcAft>
+              <a:spcPct val="35000"/>
+            </a:spcAft>
+          </a:pPr>
+          <a:r>
+            <a:rPr lang="zh-CN" altLang="en-US" sz="3000" kern="1200" dirty="0" smtClean="0"/>
+            <a:t>等待状态</a:t>
+          </a:r>
+          <a:endParaRPr lang="zh-CN" altLang="en-US" sz="3000" kern="1200" dirty="0"/>
+        </a:p>
+      </dsp:txBody>
+      <dsp:txXfrm>
+        <a:off x="2108238" y="2257940"/>
+        <a:ext cx="1913872" cy="1198627"/>
+      </dsp:txXfrm>
+    </dsp:sp>
+    <dsp:sp modelId="{79806251-160E-4CE4-A246-68D098E0B66A}">
+      <dsp:nvSpPr>
+        <dsp:cNvPr id="0" name=""/>
+        <dsp:cNvSpPr/>
+      </dsp:nvSpPr>
+      <dsp:spPr>
+        <a:xfrm>
+          <a:off x="3065175" y="664629"/>
+          <a:ext cx="4385249" cy="4385249"/>
+        </a:xfrm>
+        <a:custGeom>
+          <a:avLst/>
+          <a:gdLst/>
+          <a:ahLst/>
+          <a:cxnLst/>
+          <a:rect l="0" t="0" r="0" b="0"/>
+          <a:pathLst>
+            <a:path>
+              <a:moveTo>
+                <a:pt x="108107" y="1512631"/>
+              </a:moveTo>
+              <a:arcTo wR="2192624" hR="2192624" stAng="11884015" swAng="2623374"/>
+            </a:path>
+          </a:pathLst>
+        </a:custGeom>
+        <a:noFill/>
+        <a:ln w="6350" cap="flat" cmpd="sng" algn="ctr">
+          <a:noFill/>
+          <a:prstDash val="solid"/>
+          <a:miter lim="800000"/>
+        </a:ln>
+        <a:effectLst/>
+      </dsp:spPr>
+      <dsp:style>
+        <a:lnRef idx="1">
+          <a:scrgbClr r="0" g="0" b="0"/>
+        </a:lnRef>
+        <a:fillRef idx="0">
+          <a:scrgbClr r="0" g="0" b="0"/>
+        </a:fillRef>
+        <a:effectRef idx="0">
+          <a:scrgbClr r="0" g="0" b="0"/>
+        </a:effectRef>
+        <a:fontRef idx="minor"/>
+      </dsp:style>
+    </dsp:sp>
+  </dsp:spTree>
+</dsp:drawing>
+</file>
+
 <file path=ppt/diagrams/layout1.xml><?xml version="1.0" encoding="utf-8"?>
 <dgm:layoutDef xmlns:dgm="http://schemas.openxmlformats.org/drawingml/2006/diagram" xmlns:a="http://schemas.openxmlformats.org/drawingml/2006/main" uniqueId="urn:microsoft.com/office/officeart/2005/8/layout/cycle6">
   <dgm:title val=""/>
@@ -4036,6 +5687,215 @@
 </dgm:layoutDef>
 </file>
 
+<file path=ppt/diagrams/layout3.xml><?xml version="1.0" encoding="utf-8"?>
+<dgm:layoutDef xmlns:dgm="http://schemas.openxmlformats.org/drawingml/2006/diagram" xmlns:a="http://schemas.openxmlformats.org/drawingml/2006/main" uniqueId="urn:microsoft.com/office/officeart/2005/8/layout/cycle6">
+  <dgm:title val=""/>
+  <dgm:desc val=""/>
+  <dgm:catLst>
+    <dgm:cat type="cycle" pri="4000"/>
+    <dgm:cat type="relationship" pri="24000"/>
+  </dgm:catLst>
+  <dgm:sampData>
+    <dgm:dataModel>
+      <dgm:ptLst>
+        <dgm:pt modelId="0" type="doc"/>
+        <dgm:pt modelId="1">
+          <dgm:prSet phldr="1"/>
+        </dgm:pt>
+        <dgm:pt modelId="2">
+          <dgm:prSet phldr="1"/>
+        </dgm:pt>
+        <dgm:pt modelId="3">
+          <dgm:prSet phldr="1"/>
+        </dgm:pt>
+        <dgm:pt modelId="4">
+          <dgm:prSet phldr="1"/>
+        </dgm:pt>
+        <dgm:pt modelId="5">
+          <dgm:prSet phldr="1"/>
+        </dgm:pt>
+      </dgm:ptLst>
+      <dgm:cxnLst>
+        <dgm:cxn modelId="6" srcId="0" destId="1" srcOrd="0" destOrd="0"/>
+        <dgm:cxn modelId="7" srcId="0" destId="2" srcOrd="1" destOrd="0"/>
+        <dgm:cxn modelId="8" srcId="0" destId="3" srcOrd="2" destOrd="0"/>
+        <dgm:cxn modelId="9" srcId="0" destId="4" srcOrd="3" destOrd="0"/>
+        <dgm:cxn modelId="10" srcId="0" destId="5" srcOrd="4" destOrd="0"/>
+      </dgm:cxnLst>
+      <dgm:bg/>
+      <dgm:whole/>
+    </dgm:dataModel>
+  </dgm:sampData>
+  <dgm:styleData>
+    <dgm:dataModel>
+      <dgm:ptLst>
+        <dgm:pt modelId="0" type="doc"/>
+        <dgm:pt modelId="1"/>
+        <dgm:pt modelId="2"/>
+        <dgm:pt modelId="3"/>
+      </dgm:ptLst>
+      <dgm:cxnLst>
+        <dgm:cxn modelId="4" srcId="0" destId="1" srcOrd="0" destOrd="0"/>
+        <dgm:cxn modelId="5" srcId="0" destId="2" srcOrd="1" destOrd="0"/>
+        <dgm:cxn modelId="6" srcId="0" destId="3" srcOrd="2" destOrd="0"/>
+      </dgm:cxnLst>
+      <dgm:bg/>
+      <dgm:whole/>
+    </dgm:dataModel>
+  </dgm:styleData>
+  <dgm:clrData>
+    <dgm:dataModel>
+      <dgm:ptLst>
+        <dgm:pt modelId="0" type="doc"/>
+        <dgm:pt modelId="1"/>
+        <dgm:pt modelId="2"/>
+        <dgm:pt modelId="3"/>
+        <dgm:pt modelId="4"/>
+        <dgm:pt modelId="5"/>
+        <dgm:pt modelId="6"/>
+      </dgm:ptLst>
+      <dgm:cxnLst>
+        <dgm:cxn modelId="7" srcId="0" destId="1" srcOrd="0" destOrd="0"/>
+        <dgm:cxn modelId="8" srcId="0" destId="2" srcOrd="1" destOrd="0"/>
+        <dgm:cxn modelId="9" srcId="0" destId="3" srcOrd="2" destOrd="0"/>
+        <dgm:cxn modelId="10" srcId="0" destId="4" srcOrd="3" destOrd="0"/>
+        <dgm:cxn modelId="11" srcId="0" destId="5" srcOrd="4" destOrd="0"/>
+        <dgm:cxn modelId="12" srcId="0" destId="6" srcOrd="5" destOrd="0"/>
+      </dgm:cxnLst>
+      <dgm:bg/>
+      <dgm:whole/>
+    </dgm:dataModel>
+  </dgm:clrData>
+  <dgm:layoutNode name="cycle">
+    <dgm:varLst>
+      <dgm:dir/>
+      <dgm:resizeHandles val="exact"/>
+    </dgm:varLst>
+    <dgm:choose name="Name0">
+      <dgm:if name="Name1" func="var" arg="dir" op="equ" val="norm">
+        <dgm:choose name="Name2">
+          <dgm:if name="Name3" axis="ch" ptType="node" func="cnt" op="gt" val="2">
+            <dgm:alg type="cycle">
+              <dgm:param type="stAng" val="0"/>
+              <dgm:param type="spanAng" val="360"/>
+            </dgm:alg>
+          </dgm:if>
+          <dgm:else name="Name4">
+            <dgm:alg type="cycle">
+              <dgm:param type="stAng" val="-90"/>
+              <dgm:param type="spanAng" val="360"/>
+            </dgm:alg>
+          </dgm:else>
+        </dgm:choose>
+      </dgm:if>
+      <dgm:else name="Name5">
+        <dgm:choose name="Name6">
+          <dgm:if name="Name7" axis="ch" ptType="node" func="cnt" op="gt" val="2">
+            <dgm:alg type="cycle">
+              <dgm:param type="stAng" val="0"/>
+              <dgm:param type="spanAng" val="-360"/>
+            </dgm:alg>
+          </dgm:if>
+          <dgm:else name="Name8">
+            <dgm:alg type="cycle">
+              <dgm:param type="stAng" val="90"/>
+              <dgm:param type="spanAng" val="-360"/>
+            </dgm:alg>
+          </dgm:else>
+        </dgm:choose>
+      </dgm:else>
+    </dgm:choose>
+    <dgm:shape xmlns:r="http://schemas.openxmlformats.org/officeDocument/2006/relationships" r:blip="">
+      <dgm:adjLst/>
+    </dgm:shape>
+    <dgm:presOf/>
+    <dgm:choose name="Name9">
+      <dgm:if name="Name10" func="var" arg="dir" op="equ" val="norm">
+        <dgm:constrLst>
+          <dgm:constr type="w" for="ch" forName="node" refType="w"/>
+          <dgm:constr type="w" for="ch" ptType="sibTrans" refType="w" refFor="ch" refForName="node" op="equ" fact="0.3"/>
+          <dgm:constr type="diam" for="ch" ptType="sibTrans" refType="diam" op="equ"/>
+          <dgm:constr type="sibSp" refType="w" refFor="ch" refForName="node" op="equ" fact="0.15"/>
+          <dgm:constr type="w" for="ch" forName="spNode" refType="sibSp" fact="1.6"/>
+          <dgm:constr type="primFontSz" for="ch" forName="node" op="equ" val="65"/>
+        </dgm:constrLst>
+      </dgm:if>
+      <dgm:else name="Name11">
+        <dgm:constrLst>
+          <dgm:constr type="w" for="ch" forName="node" refType="w"/>
+          <dgm:constr type="w" for="ch" ptType="sibTrans" refType="w" refFor="ch" refForName="node" op="equ" fact="0.3"/>
+          <dgm:constr type="diam" for="ch" ptType="sibTrans" refType="diam" op="equ" fact="-1"/>
+          <dgm:constr type="sibSp" refType="w" refFor="ch" refForName="node" op="equ" fact="0.15"/>
+          <dgm:constr type="w" for="ch" forName="spNode" refType="sibSp" fact="1.6"/>
+          <dgm:constr type="primFontSz" for="ch" forName="node" op="equ" val="65"/>
+        </dgm:constrLst>
+      </dgm:else>
+    </dgm:choose>
+    <dgm:ruleLst/>
+    <dgm:forEach name="Name12" axis="ch" ptType="node">
+      <dgm:layoutNode name="node">
+        <dgm:varLst>
+          <dgm:bulletEnabled val="1"/>
+        </dgm:varLst>
+        <dgm:alg type="tx"/>
+        <dgm:shape xmlns:r="http://schemas.openxmlformats.org/officeDocument/2006/relationships" type="roundRect" r:blip="">
+          <dgm:adjLst/>
+        </dgm:shape>
+        <dgm:presOf axis="desOrSelf" ptType="node"/>
+        <dgm:constrLst>
+          <dgm:constr type="h" refType="w" fact="0.65"/>
+          <dgm:constr type="tMarg" refType="primFontSz" fact="0.3"/>
+          <dgm:constr type="bMarg" refType="primFontSz" fact="0.3"/>
+          <dgm:constr type="lMarg" refType="primFontSz" fact="0.3"/>
+          <dgm:constr type="rMarg" refType="primFontSz" fact="0.3"/>
+        </dgm:constrLst>
+        <dgm:ruleLst>
+          <dgm:rule type="primFontSz" val="5" fact="NaN" max="NaN"/>
+        </dgm:ruleLst>
+      </dgm:layoutNode>
+      <dgm:choose name="Name13">
+        <dgm:if name="Name14" axis="par ch" ptType="doc node" func="cnt" op="gt" val="1">
+          <dgm:layoutNode name="spNode">
+            <dgm:alg type="sp"/>
+            <dgm:shape xmlns:r="http://schemas.openxmlformats.org/officeDocument/2006/relationships" r:blip="">
+              <dgm:adjLst/>
+            </dgm:shape>
+            <dgm:presOf/>
+            <dgm:constrLst>
+              <dgm:constr type="h" refType="w"/>
+            </dgm:constrLst>
+            <dgm:ruleLst/>
+          </dgm:layoutNode>
+          <dgm:forEach name="Name15" axis="followSib" ptType="sibTrans" hideLastTrans="0" cnt="1">
+            <dgm:layoutNode name="sibTrans">
+              <dgm:alg type="conn">
+                <dgm:param type="dim" val="1D"/>
+                <dgm:param type="connRout" val="curve"/>
+                <dgm:param type="begPts" val="radial"/>
+                <dgm:param type="endPts" val="radial"/>
+                <dgm:param type="endSty" val="noArr"/>
+              </dgm:alg>
+              <dgm:shape xmlns:r="http://schemas.openxmlformats.org/officeDocument/2006/relationships" type="conn" r:blip="">
+                <dgm:adjLst/>
+              </dgm:shape>
+              <dgm:presOf axis="self"/>
+              <dgm:constrLst>
+                <dgm:constr type="h" refType="w" fact="0.65"/>
+                <dgm:constr type="connDist"/>
+                <dgm:constr type="begPad" refType="connDist" fact="0.01"/>
+                <dgm:constr type="endPad" refType="connDist" fact="0.01"/>
+              </dgm:constrLst>
+              <dgm:ruleLst/>
+            </dgm:layoutNode>
+          </dgm:forEach>
+        </dgm:if>
+        <dgm:else name="Name16"/>
+      </dgm:choose>
+    </dgm:forEach>
+  </dgm:layoutNode>
+</dgm:layoutDef>
+</file>
+
 <file path=ppt/diagrams/quickStyle1.xml><?xml version="1.0" encoding="utf-8"?>
 <dgm:styleDef xmlns:dgm="http://schemas.openxmlformats.org/drawingml/2006/diagram" xmlns:a="http://schemas.openxmlformats.org/drawingml/2006/main" uniqueId="urn:microsoft.com/office/officeart/2005/8/quickstyle/simple1">
   <dgm:title val=""/>
@@ -5071,6 +6931,1040 @@
 </file>
 
 <file path=ppt/diagrams/quickStyle2.xml><?xml version="1.0" encoding="utf-8"?>
+<dgm:styleDef xmlns:dgm="http://schemas.openxmlformats.org/drawingml/2006/diagram" xmlns:a="http://schemas.openxmlformats.org/drawingml/2006/main" uniqueId="urn:microsoft.com/office/officeart/2005/8/quickstyle/simple1">
+  <dgm:title val=""/>
+  <dgm:desc val=""/>
+  <dgm:catLst>
+    <dgm:cat type="simple" pri="10100"/>
+  </dgm:catLst>
+  <dgm:scene3d>
+    <a:camera prst="orthographicFront"/>
+    <a:lightRig rig="threePt" dir="t"/>
+  </dgm:scene3d>
+  <dgm:styleLbl name="node0">
+    <dgm:scene3d>
+      <a:camera prst="orthographicFront"/>
+      <a:lightRig rig="threePt" dir="t"/>
+    </dgm:scene3d>
+    <dgm:sp3d/>
+    <dgm:txPr/>
+    <dgm:style>
+      <a:lnRef idx="2">
+        <a:scrgbClr r="0" g="0" b="0"/>
+      </a:lnRef>
+      <a:fillRef idx="1">
+        <a:scrgbClr r="0" g="0" b="0"/>
+      </a:fillRef>
+      <a:effectRef idx="0">
+        <a:scrgbClr r="0" g="0" b="0"/>
+      </a:effectRef>
+      <a:fontRef idx="minor">
+        <a:schemeClr val="lt1"/>
+      </a:fontRef>
+    </dgm:style>
+  </dgm:styleLbl>
+  <dgm:styleLbl name="lnNode1">
+    <dgm:scene3d>
+      <a:camera prst="orthographicFront"/>
+      <a:lightRig rig="threePt" dir="t"/>
+    </dgm:scene3d>
+    <dgm:sp3d/>
+    <dgm:txPr/>
+    <dgm:style>
+      <a:lnRef idx="2">
+        <a:scrgbClr r="0" g="0" b="0"/>
+      </a:lnRef>
+      <a:fillRef idx="1">
+        <a:scrgbClr r="0" g="0" b="0"/>
+      </a:fillRef>
+      <a:effectRef idx="0">
+        <a:scrgbClr r="0" g="0" b="0"/>
+      </a:effectRef>
+      <a:fontRef idx="minor">
+        <a:schemeClr val="lt1"/>
+      </a:fontRef>
+    </dgm:style>
+  </dgm:styleLbl>
+  <dgm:styleLbl name="vennNode1">
+    <dgm:scene3d>
+      <a:camera prst="orthographicFront"/>
+      <a:lightRig rig="threePt" dir="t"/>
+    </dgm:scene3d>
+    <dgm:sp3d/>
+    <dgm:txPr/>
+    <dgm:style>
+      <a:lnRef idx="2">
+        <a:scrgbClr r="0" g="0" b="0"/>
+      </a:lnRef>
+      <a:fillRef idx="1">
+        <a:scrgbClr r="0" g="0" b="0"/>
+      </a:fillRef>
+      <a:effectRef idx="0">
+        <a:scrgbClr r="0" g="0" b="0"/>
+      </a:effectRef>
+      <a:fontRef idx="minor">
+        <a:schemeClr val="tx1"/>
+      </a:fontRef>
+    </dgm:style>
+  </dgm:styleLbl>
+  <dgm:styleLbl name="alignNode1">
+    <dgm:scene3d>
+      <a:camera prst="orthographicFront"/>
+      <a:lightRig rig="threePt" dir="t"/>
+    </dgm:scene3d>
+    <dgm:sp3d/>
+    <dgm:txPr/>
+    <dgm:style>
+      <a:lnRef idx="2">
+        <a:scrgbClr r="0" g="0" b="0"/>
+      </a:lnRef>
+      <a:fillRef idx="1">
+        <a:scrgbClr r="0" g="0" b="0"/>
+      </a:fillRef>
+      <a:effectRef idx="0">
+        <a:scrgbClr r="0" g="0" b="0"/>
+      </a:effectRef>
+      <a:fontRef idx="minor">
+        <a:schemeClr val="lt1"/>
+      </a:fontRef>
+    </dgm:style>
+  </dgm:styleLbl>
+  <dgm:styleLbl name="node1">
+    <dgm:scene3d>
+      <a:camera prst="orthographicFront"/>
+      <a:lightRig rig="threePt" dir="t"/>
+    </dgm:scene3d>
+    <dgm:sp3d/>
+    <dgm:txPr/>
+    <dgm:style>
+      <a:lnRef idx="2">
+        <a:scrgbClr r="0" g="0" b="0"/>
+      </a:lnRef>
+      <a:fillRef idx="1">
+        <a:scrgbClr r="0" g="0" b="0"/>
+      </a:fillRef>
+      <a:effectRef idx="0">
+        <a:scrgbClr r="0" g="0" b="0"/>
+      </a:effectRef>
+      <a:fontRef idx="minor">
+        <a:schemeClr val="lt1"/>
+      </a:fontRef>
+    </dgm:style>
+  </dgm:styleLbl>
+  <dgm:styleLbl name="node2">
+    <dgm:scene3d>
+      <a:camera prst="orthographicFront"/>
+      <a:lightRig rig="threePt" dir="t"/>
+    </dgm:scene3d>
+    <dgm:sp3d/>
+    <dgm:txPr/>
+    <dgm:style>
+      <a:lnRef idx="2">
+        <a:scrgbClr r="0" g="0" b="0"/>
+      </a:lnRef>
+      <a:fillRef idx="1">
+        <a:scrgbClr r="0" g="0" b="0"/>
+      </a:fillRef>
+      <a:effectRef idx="0">
+        <a:scrgbClr r="0" g="0" b="0"/>
+      </a:effectRef>
+      <a:fontRef idx="minor">
+        <a:schemeClr val="lt1"/>
+      </a:fontRef>
+    </dgm:style>
+  </dgm:styleLbl>
+  <dgm:styleLbl name="node3">
+    <dgm:scene3d>
+      <a:camera prst="orthographicFront"/>
+      <a:lightRig rig="threePt" dir="t"/>
+    </dgm:scene3d>
+    <dgm:sp3d/>
+    <dgm:txPr/>
+    <dgm:style>
+      <a:lnRef idx="2">
+        <a:scrgbClr r="0" g="0" b="0"/>
+      </a:lnRef>
+      <a:fillRef idx="1">
+        <a:scrgbClr r="0" g="0" b="0"/>
+      </a:fillRef>
+      <a:effectRef idx="0">
+        <a:scrgbClr r="0" g="0" b="0"/>
+      </a:effectRef>
+      <a:fontRef idx="minor">
+        <a:schemeClr val="lt1"/>
+      </a:fontRef>
+    </dgm:style>
+  </dgm:styleLbl>
+  <dgm:styleLbl name="node4">
+    <dgm:scene3d>
+      <a:camera prst="orthographicFront"/>
+      <a:lightRig rig="threePt" dir="t"/>
+    </dgm:scene3d>
+    <dgm:sp3d/>
+    <dgm:txPr/>
+    <dgm:style>
+      <a:lnRef idx="2">
+        <a:scrgbClr r="0" g="0" b="0"/>
+      </a:lnRef>
+      <a:fillRef idx="1">
+        <a:scrgbClr r="0" g="0" b="0"/>
+      </a:fillRef>
+      <a:effectRef idx="0">
+        <a:scrgbClr r="0" g="0" b="0"/>
+      </a:effectRef>
+      <a:fontRef idx="minor">
+        <a:schemeClr val="lt1"/>
+      </a:fontRef>
+    </dgm:style>
+  </dgm:styleLbl>
+  <dgm:styleLbl name="fgImgPlace1">
+    <dgm:scene3d>
+      <a:camera prst="orthographicFront"/>
+      <a:lightRig rig="threePt" dir="t"/>
+    </dgm:scene3d>
+    <dgm:sp3d/>
+    <dgm:txPr/>
+    <dgm:style>
+      <a:lnRef idx="2">
+        <a:scrgbClr r="0" g="0" b="0"/>
+      </a:lnRef>
+      <a:fillRef idx="1">
+        <a:scrgbClr r="0" g="0" b="0"/>
+      </a:fillRef>
+      <a:effectRef idx="0">
+        <a:scrgbClr r="0" g="0" b="0"/>
+      </a:effectRef>
+      <a:fontRef idx="minor"/>
+    </dgm:style>
+  </dgm:styleLbl>
+  <dgm:styleLbl name="alignImgPlace1">
+    <dgm:scene3d>
+      <a:camera prst="orthographicFront"/>
+      <a:lightRig rig="threePt" dir="t"/>
+    </dgm:scene3d>
+    <dgm:sp3d/>
+    <dgm:txPr/>
+    <dgm:style>
+      <a:lnRef idx="2">
+        <a:scrgbClr r="0" g="0" b="0"/>
+      </a:lnRef>
+      <a:fillRef idx="1">
+        <a:scrgbClr r="0" g="0" b="0"/>
+      </a:fillRef>
+      <a:effectRef idx="0">
+        <a:scrgbClr r="0" g="0" b="0"/>
+      </a:effectRef>
+      <a:fontRef idx="minor"/>
+    </dgm:style>
+  </dgm:styleLbl>
+  <dgm:styleLbl name="bgImgPlace1">
+    <dgm:scene3d>
+      <a:camera prst="orthographicFront"/>
+      <a:lightRig rig="threePt" dir="t"/>
+    </dgm:scene3d>
+    <dgm:sp3d/>
+    <dgm:txPr/>
+    <dgm:style>
+      <a:lnRef idx="2">
+        <a:scrgbClr r="0" g="0" b="0"/>
+      </a:lnRef>
+      <a:fillRef idx="1">
+        <a:scrgbClr r="0" g="0" b="0"/>
+      </a:fillRef>
+      <a:effectRef idx="0">
+        <a:scrgbClr r="0" g="0" b="0"/>
+      </a:effectRef>
+      <a:fontRef idx="minor"/>
+    </dgm:style>
+  </dgm:styleLbl>
+  <dgm:styleLbl name="sibTrans2D1">
+    <dgm:scene3d>
+      <a:camera prst="orthographicFront"/>
+      <a:lightRig rig="threePt" dir="t"/>
+    </dgm:scene3d>
+    <dgm:sp3d/>
+    <dgm:txPr/>
+    <dgm:style>
+      <a:lnRef idx="0">
+        <a:scrgbClr r="0" g="0" b="0"/>
+      </a:lnRef>
+      <a:fillRef idx="1">
+        <a:scrgbClr r="0" g="0" b="0"/>
+      </a:fillRef>
+      <a:effectRef idx="0">
+        <a:scrgbClr r="0" g="0" b="0"/>
+      </a:effectRef>
+      <a:fontRef idx="minor">
+        <a:schemeClr val="lt1"/>
+      </a:fontRef>
+    </dgm:style>
+  </dgm:styleLbl>
+  <dgm:styleLbl name="fgSibTrans2D1">
+    <dgm:scene3d>
+      <a:camera prst="orthographicFront"/>
+      <a:lightRig rig="threePt" dir="t"/>
+    </dgm:scene3d>
+    <dgm:sp3d/>
+    <dgm:txPr/>
+    <dgm:style>
+      <a:lnRef idx="0">
+        <a:scrgbClr r="0" g="0" b="0"/>
+      </a:lnRef>
+      <a:fillRef idx="1">
+        <a:scrgbClr r="0" g="0" b="0"/>
+      </a:fillRef>
+      <a:effectRef idx="0">
+        <a:scrgbClr r="0" g="0" b="0"/>
+      </a:effectRef>
+      <a:fontRef idx="minor">
+        <a:schemeClr val="lt1"/>
+      </a:fontRef>
+    </dgm:style>
+  </dgm:styleLbl>
+  <dgm:styleLbl name="bgSibTrans2D1">
+    <dgm:scene3d>
+      <a:camera prst="orthographicFront"/>
+      <a:lightRig rig="threePt" dir="t"/>
+    </dgm:scene3d>
+    <dgm:sp3d/>
+    <dgm:txPr/>
+    <dgm:style>
+      <a:lnRef idx="0">
+        <a:scrgbClr r="0" g="0" b="0"/>
+      </a:lnRef>
+      <a:fillRef idx="1">
+        <a:scrgbClr r="0" g="0" b="0"/>
+      </a:fillRef>
+      <a:effectRef idx="0">
+        <a:scrgbClr r="0" g="0" b="0"/>
+      </a:effectRef>
+      <a:fontRef idx="minor">
+        <a:schemeClr val="lt1"/>
+      </a:fontRef>
+    </dgm:style>
+  </dgm:styleLbl>
+  <dgm:styleLbl name="sibTrans1D1">
+    <dgm:scene3d>
+      <a:camera prst="orthographicFront"/>
+      <a:lightRig rig="threePt" dir="t"/>
+    </dgm:scene3d>
+    <dgm:sp3d/>
+    <dgm:txPr/>
+    <dgm:style>
+      <a:lnRef idx="1">
+        <a:scrgbClr r="0" g="0" b="0"/>
+      </a:lnRef>
+      <a:fillRef idx="0">
+        <a:scrgbClr r="0" g="0" b="0"/>
+      </a:fillRef>
+      <a:effectRef idx="0">
+        <a:scrgbClr r="0" g="0" b="0"/>
+      </a:effectRef>
+      <a:fontRef idx="minor"/>
+    </dgm:style>
+  </dgm:styleLbl>
+  <dgm:styleLbl name="callout">
+    <dgm:scene3d>
+      <a:camera prst="orthographicFront"/>
+      <a:lightRig rig="threePt" dir="t"/>
+    </dgm:scene3d>
+    <dgm:sp3d/>
+    <dgm:txPr/>
+    <dgm:style>
+      <a:lnRef idx="2">
+        <a:scrgbClr r="0" g="0" b="0"/>
+      </a:lnRef>
+      <a:fillRef idx="1">
+        <a:scrgbClr r="0" g="0" b="0"/>
+      </a:fillRef>
+      <a:effectRef idx="0">
+        <a:scrgbClr r="0" g="0" b="0"/>
+      </a:effectRef>
+      <a:fontRef idx="minor"/>
+    </dgm:style>
+  </dgm:styleLbl>
+  <dgm:styleLbl name="asst0">
+    <dgm:scene3d>
+      <a:camera prst="orthographicFront"/>
+      <a:lightRig rig="threePt" dir="t"/>
+    </dgm:scene3d>
+    <dgm:sp3d/>
+    <dgm:txPr/>
+    <dgm:style>
+      <a:lnRef idx="2">
+        <a:scrgbClr r="0" g="0" b="0"/>
+      </a:lnRef>
+      <a:fillRef idx="1">
+        <a:scrgbClr r="0" g="0" b="0"/>
+      </a:fillRef>
+      <a:effectRef idx="0">
+        <a:scrgbClr r="0" g="0" b="0"/>
+      </a:effectRef>
+      <a:fontRef idx="minor">
+        <a:schemeClr val="lt1"/>
+      </a:fontRef>
+    </dgm:style>
+  </dgm:styleLbl>
+  <dgm:styleLbl name="asst1">
+    <dgm:scene3d>
+      <a:camera prst="orthographicFront"/>
+      <a:lightRig rig="threePt" dir="t"/>
+    </dgm:scene3d>
+    <dgm:sp3d/>
+    <dgm:txPr/>
+    <dgm:style>
+      <a:lnRef idx="2">
+        <a:scrgbClr r="0" g="0" b="0"/>
+      </a:lnRef>
+      <a:fillRef idx="1">
+        <a:scrgbClr r="0" g="0" b="0"/>
+      </a:fillRef>
+      <a:effectRef idx="0">
+        <a:scrgbClr r="0" g="0" b="0"/>
+      </a:effectRef>
+      <a:fontRef idx="minor">
+        <a:schemeClr val="lt1"/>
+      </a:fontRef>
+    </dgm:style>
+  </dgm:styleLbl>
+  <dgm:styleLbl name="asst2">
+    <dgm:scene3d>
+      <a:camera prst="orthographicFront"/>
+      <a:lightRig rig="threePt" dir="t"/>
+    </dgm:scene3d>
+    <dgm:sp3d/>
+    <dgm:txPr/>
+    <dgm:style>
+      <a:lnRef idx="2">
+        <a:scrgbClr r="0" g="0" b="0"/>
+      </a:lnRef>
+      <a:fillRef idx="1">
+        <a:scrgbClr r="0" g="0" b="0"/>
+      </a:fillRef>
+      <a:effectRef idx="0">
+        <a:scrgbClr r="0" g="0" b="0"/>
+      </a:effectRef>
+      <a:fontRef idx="minor">
+        <a:schemeClr val="lt1"/>
+      </a:fontRef>
+    </dgm:style>
+  </dgm:styleLbl>
+  <dgm:styleLbl name="asst3">
+    <dgm:scene3d>
+      <a:camera prst="orthographicFront"/>
+      <a:lightRig rig="threePt" dir="t"/>
+    </dgm:scene3d>
+    <dgm:sp3d/>
+    <dgm:txPr/>
+    <dgm:style>
+      <a:lnRef idx="2">
+        <a:scrgbClr r="0" g="0" b="0"/>
+      </a:lnRef>
+      <a:fillRef idx="1">
+        <a:scrgbClr r="0" g="0" b="0"/>
+      </a:fillRef>
+      <a:effectRef idx="0">
+        <a:scrgbClr r="0" g="0" b="0"/>
+      </a:effectRef>
+      <a:fontRef idx="minor">
+        <a:schemeClr val="lt1"/>
+      </a:fontRef>
+    </dgm:style>
+  </dgm:styleLbl>
+  <dgm:styleLbl name="asst4">
+    <dgm:scene3d>
+      <a:camera prst="orthographicFront"/>
+      <a:lightRig rig="threePt" dir="t"/>
+    </dgm:scene3d>
+    <dgm:sp3d/>
+    <dgm:txPr/>
+    <dgm:style>
+      <a:lnRef idx="2">
+        <a:scrgbClr r="0" g="0" b="0"/>
+      </a:lnRef>
+      <a:fillRef idx="1">
+        <a:scrgbClr r="0" g="0" b="0"/>
+      </a:fillRef>
+      <a:effectRef idx="0">
+        <a:scrgbClr r="0" g="0" b="0"/>
+      </a:effectRef>
+      <a:fontRef idx="minor">
+        <a:schemeClr val="lt1"/>
+      </a:fontRef>
+    </dgm:style>
+  </dgm:styleLbl>
+  <dgm:styleLbl name="parChTrans2D1">
+    <dgm:scene3d>
+      <a:camera prst="orthographicFront"/>
+      <a:lightRig rig="threePt" dir="t"/>
+    </dgm:scene3d>
+    <dgm:sp3d/>
+    <dgm:txPr/>
+    <dgm:style>
+      <a:lnRef idx="2">
+        <a:scrgbClr r="0" g="0" b="0"/>
+      </a:lnRef>
+      <a:fillRef idx="1">
+        <a:scrgbClr r="0" g="0" b="0"/>
+      </a:fillRef>
+      <a:effectRef idx="0">
+        <a:scrgbClr r="0" g="0" b="0"/>
+      </a:effectRef>
+      <a:fontRef idx="minor">
+        <a:schemeClr val="lt1"/>
+      </a:fontRef>
+    </dgm:style>
+  </dgm:styleLbl>
+  <dgm:styleLbl name="parChTrans2D2">
+    <dgm:scene3d>
+      <a:camera prst="orthographicFront"/>
+      <a:lightRig rig="threePt" dir="t"/>
+    </dgm:scene3d>
+    <dgm:sp3d/>
+    <dgm:txPr/>
+    <dgm:style>
+      <a:lnRef idx="2">
+        <a:scrgbClr r="0" g="0" b="0"/>
+      </a:lnRef>
+      <a:fillRef idx="1">
+        <a:scrgbClr r="0" g="0" b="0"/>
+      </a:fillRef>
+      <a:effectRef idx="0">
+        <a:scrgbClr r="0" g="0" b="0"/>
+      </a:effectRef>
+      <a:fontRef idx="minor">
+        <a:schemeClr val="lt1"/>
+      </a:fontRef>
+    </dgm:style>
+  </dgm:styleLbl>
+  <dgm:styleLbl name="parChTrans2D3">
+    <dgm:scene3d>
+      <a:camera prst="orthographicFront"/>
+      <a:lightRig rig="threePt" dir="t"/>
+    </dgm:scene3d>
+    <dgm:sp3d/>
+    <dgm:txPr/>
+    <dgm:style>
+      <a:lnRef idx="2">
+        <a:scrgbClr r="0" g="0" b="0"/>
+      </a:lnRef>
+      <a:fillRef idx="1">
+        <a:scrgbClr r="0" g="0" b="0"/>
+      </a:fillRef>
+      <a:effectRef idx="0">
+        <a:scrgbClr r="0" g="0" b="0"/>
+      </a:effectRef>
+      <a:fontRef idx="minor">
+        <a:schemeClr val="lt1"/>
+      </a:fontRef>
+    </dgm:style>
+  </dgm:styleLbl>
+  <dgm:styleLbl name="parChTrans2D4">
+    <dgm:scene3d>
+      <a:camera prst="orthographicFront"/>
+      <a:lightRig rig="threePt" dir="t"/>
+    </dgm:scene3d>
+    <dgm:sp3d/>
+    <dgm:txPr/>
+    <dgm:style>
+      <a:lnRef idx="2">
+        <a:scrgbClr r="0" g="0" b="0"/>
+      </a:lnRef>
+      <a:fillRef idx="1">
+        <a:scrgbClr r="0" g="0" b="0"/>
+      </a:fillRef>
+      <a:effectRef idx="0">
+        <a:scrgbClr r="0" g="0" b="0"/>
+      </a:effectRef>
+      <a:fontRef idx="minor">
+        <a:schemeClr val="lt1"/>
+      </a:fontRef>
+    </dgm:style>
+  </dgm:styleLbl>
+  <dgm:styleLbl name="parChTrans1D1">
+    <dgm:scene3d>
+      <a:camera prst="orthographicFront"/>
+      <a:lightRig rig="threePt" dir="t"/>
+    </dgm:scene3d>
+    <dgm:sp3d/>
+    <dgm:txPr/>
+    <dgm:style>
+      <a:lnRef idx="2">
+        <a:scrgbClr r="0" g="0" b="0"/>
+      </a:lnRef>
+      <a:fillRef idx="0">
+        <a:scrgbClr r="0" g="0" b="0"/>
+      </a:fillRef>
+      <a:effectRef idx="0">
+        <a:scrgbClr r="0" g="0" b="0"/>
+      </a:effectRef>
+      <a:fontRef idx="minor"/>
+    </dgm:style>
+  </dgm:styleLbl>
+  <dgm:styleLbl name="parChTrans1D2">
+    <dgm:scene3d>
+      <a:camera prst="orthographicFront"/>
+      <a:lightRig rig="threePt" dir="t"/>
+    </dgm:scene3d>
+    <dgm:sp3d/>
+    <dgm:txPr/>
+    <dgm:style>
+      <a:lnRef idx="2">
+        <a:scrgbClr r="0" g="0" b="0"/>
+      </a:lnRef>
+      <a:fillRef idx="0">
+        <a:scrgbClr r="0" g="0" b="0"/>
+      </a:fillRef>
+      <a:effectRef idx="0">
+        <a:scrgbClr r="0" g="0" b="0"/>
+      </a:effectRef>
+      <a:fontRef idx="minor"/>
+    </dgm:style>
+  </dgm:styleLbl>
+  <dgm:styleLbl name="parChTrans1D3">
+    <dgm:scene3d>
+      <a:camera prst="orthographicFront"/>
+      <a:lightRig rig="threePt" dir="t"/>
+    </dgm:scene3d>
+    <dgm:sp3d/>
+    <dgm:txPr/>
+    <dgm:style>
+      <a:lnRef idx="2">
+        <a:scrgbClr r="0" g="0" b="0"/>
+      </a:lnRef>
+      <a:fillRef idx="0">
+        <a:scrgbClr r="0" g="0" b="0"/>
+      </a:fillRef>
+      <a:effectRef idx="0">
+        <a:scrgbClr r="0" g="0" b="0"/>
+      </a:effectRef>
+      <a:fontRef idx="minor"/>
+    </dgm:style>
+  </dgm:styleLbl>
+  <dgm:styleLbl name="parChTrans1D4">
+    <dgm:scene3d>
+      <a:camera prst="orthographicFront"/>
+      <a:lightRig rig="threePt" dir="t"/>
+    </dgm:scene3d>
+    <dgm:sp3d/>
+    <dgm:txPr/>
+    <dgm:style>
+      <a:lnRef idx="2">
+        <a:scrgbClr r="0" g="0" b="0"/>
+      </a:lnRef>
+      <a:fillRef idx="0">
+        <a:scrgbClr r="0" g="0" b="0"/>
+      </a:fillRef>
+      <a:effectRef idx="0">
+        <a:scrgbClr r="0" g="0" b="0"/>
+      </a:effectRef>
+      <a:fontRef idx="minor"/>
+    </dgm:style>
+  </dgm:styleLbl>
+  <dgm:styleLbl name="fgAcc1">
+    <dgm:scene3d>
+      <a:camera prst="orthographicFront"/>
+      <a:lightRig rig="threePt" dir="t"/>
+    </dgm:scene3d>
+    <dgm:sp3d/>
+    <dgm:txPr/>
+    <dgm:style>
+      <a:lnRef idx="2">
+        <a:scrgbClr r="0" g="0" b="0"/>
+      </a:lnRef>
+      <a:fillRef idx="1">
+        <a:scrgbClr r="0" g="0" b="0"/>
+      </a:fillRef>
+      <a:effectRef idx="0">
+        <a:scrgbClr r="0" g="0" b="0"/>
+      </a:effectRef>
+      <a:fontRef idx="minor"/>
+    </dgm:style>
+  </dgm:styleLbl>
+  <dgm:styleLbl name="conFgAcc1">
+    <dgm:scene3d>
+      <a:camera prst="orthographicFront"/>
+      <a:lightRig rig="threePt" dir="t"/>
+    </dgm:scene3d>
+    <dgm:sp3d/>
+    <dgm:txPr/>
+    <dgm:style>
+      <a:lnRef idx="2">
+        <a:scrgbClr r="0" g="0" b="0"/>
+      </a:lnRef>
+      <a:fillRef idx="1">
+        <a:scrgbClr r="0" g="0" b="0"/>
+      </a:fillRef>
+      <a:effectRef idx="0">
+        <a:scrgbClr r="0" g="0" b="0"/>
+      </a:effectRef>
+      <a:fontRef idx="minor"/>
+    </dgm:style>
+  </dgm:styleLbl>
+  <dgm:styleLbl name="alignAcc1">
+    <dgm:scene3d>
+      <a:camera prst="orthographicFront"/>
+      <a:lightRig rig="threePt" dir="t"/>
+    </dgm:scene3d>
+    <dgm:sp3d/>
+    <dgm:txPr/>
+    <dgm:style>
+      <a:lnRef idx="2">
+        <a:scrgbClr r="0" g="0" b="0"/>
+      </a:lnRef>
+      <a:fillRef idx="1">
+        <a:scrgbClr r="0" g="0" b="0"/>
+      </a:fillRef>
+      <a:effectRef idx="0">
+        <a:scrgbClr r="0" g="0" b="0"/>
+      </a:effectRef>
+      <a:fontRef idx="minor"/>
+    </dgm:style>
+  </dgm:styleLbl>
+  <dgm:styleLbl name="trAlignAcc1">
+    <dgm:scene3d>
+      <a:camera prst="orthographicFront"/>
+      <a:lightRig rig="threePt" dir="t"/>
+    </dgm:scene3d>
+    <dgm:sp3d/>
+    <dgm:txPr/>
+    <dgm:style>
+      <a:lnRef idx="1">
+        <a:scrgbClr r="0" g="0" b="0"/>
+      </a:lnRef>
+      <a:fillRef idx="1">
+        <a:scrgbClr r="0" g="0" b="0"/>
+      </a:fillRef>
+      <a:effectRef idx="0">
+        <a:scrgbClr r="0" g="0" b="0"/>
+      </a:effectRef>
+      <a:fontRef idx="minor"/>
+    </dgm:style>
+  </dgm:styleLbl>
+  <dgm:styleLbl name="bgAcc1">
+    <dgm:scene3d>
+      <a:camera prst="orthographicFront"/>
+      <a:lightRig rig="threePt" dir="t"/>
+    </dgm:scene3d>
+    <dgm:sp3d/>
+    <dgm:txPr/>
+    <dgm:style>
+      <a:lnRef idx="2">
+        <a:scrgbClr r="0" g="0" b="0"/>
+      </a:lnRef>
+      <a:fillRef idx="1">
+        <a:scrgbClr r="0" g="0" b="0"/>
+      </a:fillRef>
+      <a:effectRef idx="0">
+        <a:scrgbClr r="0" g="0" b="0"/>
+      </a:effectRef>
+      <a:fontRef idx="minor"/>
+    </dgm:style>
+  </dgm:styleLbl>
+  <dgm:styleLbl name="solidFgAcc1">
+    <dgm:scene3d>
+      <a:camera prst="orthographicFront"/>
+      <a:lightRig rig="threePt" dir="t"/>
+    </dgm:scene3d>
+    <dgm:sp3d/>
+    <dgm:txPr/>
+    <dgm:style>
+      <a:lnRef idx="2">
+        <a:scrgbClr r="0" g="0" b="0"/>
+      </a:lnRef>
+      <a:fillRef idx="1">
+        <a:scrgbClr r="0" g="0" b="0"/>
+      </a:fillRef>
+      <a:effectRef idx="0">
+        <a:scrgbClr r="0" g="0" b="0"/>
+      </a:effectRef>
+      <a:fontRef idx="minor"/>
+    </dgm:style>
+  </dgm:styleLbl>
+  <dgm:styleLbl name="solidAlignAcc1">
+    <dgm:scene3d>
+      <a:camera prst="orthographicFront"/>
+      <a:lightRig rig="threePt" dir="t"/>
+    </dgm:scene3d>
+    <dgm:sp3d/>
+    <dgm:txPr/>
+    <dgm:style>
+      <a:lnRef idx="2">
+        <a:scrgbClr r="0" g="0" b="0"/>
+      </a:lnRef>
+      <a:fillRef idx="1">
+        <a:scrgbClr r="0" g="0" b="0"/>
+      </a:fillRef>
+      <a:effectRef idx="0">
+        <a:scrgbClr r="0" g="0" b="0"/>
+      </a:effectRef>
+      <a:fontRef idx="minor"/>
+    </dgm:style>
+  </dgm:styleLbl>
+  <dgm:styleLbl name="solidBgAcc1">
+    <dgm:scene3d>
+      <a:camera prst="orthographicFront"/>
+      <a:lightRig rig="threePt" dir="t"/>
+    </dgm:scene3d>
+    <dgm:sp3d/>
+    <dgm:txPr/>
+    <dgm:style>
+      <a:lnRef idx="2">
+        <a:scrgbClr r="0" g="0" b="0"/>
+      </a:lnRef>
+      <a:fillRef idx="1">
+        <a:scrgbClr r="0" g="0" b="0"/>
+      </a:fillRef>
+      <a:effectRef idx="0">
+        <a:scrgbClr r="0" g="0" b="0"/>
+      </a:effectRef>
+      <a:fontRef idx="minor"/>
+    </dgm:style>
+  </dgm:styleLbl>
+  <dgm:styleLbl name="fgAccFollowNode1">
+    <dgm:scene3d>
+      <a:camera prst="orthographicFront"/>
+      <a:lightRig rig="threePt" dir="t"/>
+    </dgm:scene3d>
+    <dgm:sp3d/>
+    <dgm:txPr/>
+    <dgm:style>
+      <a:lnRef idx="2">
+        <a:scrgbClr r="0" g="0" b="0"/>
+      </a:lnRef>
+      <a:fillRef idx="1">
+        <a:scrgbClr r="0" g="0" b="0"/>
+      </a:fillRef>
+      <a:effectRef idx="0">
+        <a:scrgbClr r="0" g="0" b="0"/>
+      </a:effectRef>
+      <a:fontRef idx="minor"/>
+    </dgm:style>
+  </dgm:styleLbl>
+  <dgm:styleLbl name="alignAccFollowNode1">
+    <dgm:scene3d>
+      <a:camera prst="orthographicFront"/>
+      <a:lightRig rig="threePt" dir="t"/>
+    </dgm:scene3d>
+    <dgm:sp3d/>
+    <dgm:txPr/>
+    <dgm:style>
+      <a:lnRef idx="2">
+        <a:scrgbClr r="0" g="0" b="0"/>
+      </a:lnRef>
+      <a:fillRef idx="1">
+        <a:scrgbClr r="0" g="0" b="0"/>
+      </a:fillRef>
+      <a:effectRef idx="0">
+        <a:scrgbClr r="0" g="0" b="0"/>
+      </a:effectRef>
+      <a:fontRef idx="minor"/>
+    </dgm:style>
+  </dgm:styleLbl>
+  <dgm:styleLbl name="bgAccFollowNode1">
+    <dgm:scene3d>
+      <a:camera prst="orthographicFront"/>
+      <a:lightRig rig="threePt" dir="t"/>
+    </dgm:scene3d>
+    <dgm:sp3d/>
+    <dgm:txPr/>
+    <dgm:style>
+      <a:lnRef idx="2">
+        <a:scrgbClr r="0" g="0" b="0"/>
+      </a:lnRef>
+      <a:fillRef idx="1">
+        <a:scrgbClr r="0" g="0" b="0"/>
+      </a:fillRef>
+      <a:effectRef idx="0">
+        <a:scrgbClr r="0" g="0" b="0"/>
+      </a:effectRef>
+      <a:fontRef idx="minor"/>
+    </dgm:style>
+  </dgm:styleLbl>
+  <dgm:styleLbl name="fgAcc0">
+    <dgm:scene3d>
+      <a:camera prst="orthographicFront"/>
+      <a:lightRig rig="threePt" dir="t"/>
+    </dgm:scene3d>
+    <dgm:sp3d/>
+    <dgm:txPr/>
+    <dgm:style>
+      <a:lnRef idx="2">
+        <a:scrgbClr r="0" g="0" b="0"/>
+      </a:lnRef>
+      <a:fillRef idx="1">
+        <a:scrgbClr r="0" g="0" b="0"/>
+      </a:fillRef>
+      <a:effectRef idx="0">
+        <a:scrgbClr r="0" g="0" b="0"/>
+      </a:effectRef>
+      <a:fontRef idx="minor"/>
+    </dgm:style>
+  </dgm:styleLbl>
+  <dgm:styleLbl name="fgAcc2">
+    <dgm:scene3d>
+      <a:camera prst="orthographicFront"/>
+      <a:lightRig rig="threePt" dir="t"/>
+    </dgm:scene3d>
+    <dgm:sp3d/>
+    <dgm:txPr/>
+    <dgm:style>
+      <a:lnRef idx="2">
+        <a:scrgbClr r="0" g="0" b="0"/>
+      </a:lnRef>
+      <a:fillRef idx="1">
+        <a:scrgbClr r="0" g="0" b="0"/>
+      </a:fillRef>
+      <a:effectRef idx="0">
+        <a:scrgbClr r="0" g="0" b="0"/>
+      </a:effectRef>
+      <a:fontRef idx="minor"/>
+    </dgm:style>
+  </dgm:styleLbl>
+  <dgm:styleLbl name="fgAcc3">
+    <dgm:scene3d>
+      <a:camera prst="orthographicFront"/>
+      <a:lightRig rig="threePt" dir="t"/>
+    </dgm:scene3d>
+    <dgm:sp3d/>
+    <dgm:txPr/>
+    <dgm:style>
+      <a:lnRef idx="2">
+        <a:scrgbClr r="0" g="0" b="0"/>
+      </a:lnRef>
+      <a:fillRef idx="1">
+        <a:scrgbClr r="0" g="0" b="0"/>
+      </a:fillRef>
+      <a:effectRef idx="0">
+        <a:scrgbClr r="0" g="0" b="0"/>
+      </a:effectRef>
+      <a:fontRef idx="minor"/>
+    </dgm:style>
+  </dgm:styleLbl>
+  <dgm:styleLbl name="fgAcc4">
+    <dgm:scene3d>
+      <a:camera prst="orthographicFront"/>
+      <a:lightRig rig="threePt" dir="t"/>
+    </dgm:scene3d>
+    <dgm:sp3d/>
+    <dgm:txPr/>
+    <dgm:style>
+      <a:lnRef idx="2">
+        <a:scrgbClr r="0" g="0" b="0"/>
+      </a:lnRef>
+      <a:fillRef idx="1">
+        <a:scrgbClr r="0" g="0" b="0"/>
+      </a:fillRef>
+      <a:effectRef idx="0">
+        <a:scrgbClr r="0" g="0" b="0"/>
+      </a:effectRef>
+      <a:fontRef idx="minor"/>
+    </dgm:style>
+  </dgm:styleLbl>
+  <dgm:styleLbl name="bgShp">
+    <dgm:scene3d>
+      <a:camera prst="orthographicFront"/>
+      <a:lightRig rig="threePt" dir="t"/>
+    </dgm:scene3d>
+    <dgm:sp3d/>
+    <dgm:txPr/>
+    <dgm:style>
+      <a:lnRef idx="0">
+        <a:scrgbClr r="0" g="0" b="0"/>
+      </a:lnRef>
+      <a:fillRef idx="1">
+        <a:scrgbClr r="0" g="0" b="0"/>
+      </a:fillRef>
+      <a:effectRef idx="0">
+        <a:scrgbClr r="0" g="0" b="0"/>
+      </a:effectRef>
+      <a:fontRef idx="minor"/>
+    </dgm:style>
+  </dgm:styleLbl>
+  <dgm:styleLbl name="dkBgShp">
+    <dgm:scene3d>
+      <a:camera prst="orthographicFront"/>
+      <a:lightRig rig="threePt" dir="t"/>
+    </dgm:scene3d>
+    <dgm:sp3d/>
+    <dgm:txPr/>
+    <dgm:style>
+      <a:lnRef idx="0">
+        <a:scrgbClr r="0" g="0" b="0"/>
+      </a:lnRef>
+      <a:fillRef idx="1">
+        <a:scrgbClr r="0" g="0" b="0"/>
+      </a:fillRef>
+      <a:effectRef idx="0">
+        <a:scrgbClr r="0" g="0" b="0"/>
+      </a:effectRef>
+      <a:fontRef idx="minor"/>
+    </dgm:style>
+  </dgm:styleLbl>
+  <dgm:styleLbl name="trBgShp">
+    <dgm:scene3d>
+      <a:camera prst="orthographicFront"/>
+      <a:lightRig rig="threePt" dir="t"/>
+    </dgm:scene3d>
+    <dgm:sp3d/>
+    <dgm:txPr/>
+    <dgm:style>
+      <a:lnRef idx="0">
+        <a:scrgbClr r="0" g="0" b="0"/>
+      </a:lnRef>
+      <a:fillRef idx="1">
+        <a:scrgbClr r="0" g="0" b="0"/>
+      </a:fillRef>
+      <a:effectRef idx="0">
+        <a:scrgbClr r="0" g="0" b="0"/>
+      </a:effectRef>
+      <a:fontRef idx="minor"/>
+    </dgm:style>
+  </dgm:styleLbl>
+  <dgm:styleLbl name="fgShp">
+    <dgm:scene3d>
+      <a:camera prst="orthographicFront"/>
+      <a:lightRig rig="threePt" dir="t"/>
+    </dgm:scene3d>
+    <dgm:sp3d/>
+    <dgm:txPr/>
+    <dgm:style>
+      <a:lnRef idx="2">
+        <a:scrgbClr r="0" g="0" b="0"/>
+      </a:lnRef>
+      <a:fillRef idx="1">
+        <a:scrgbClr r="0" g="0" b="0"/>
+      </a:fillRef>
+      <a:effectRef idx="0">
+        <a:scrgbClr r="0" g="0" b="0"/>
+      </a:effectRef>
+      <a:fontRef idx="minor"/>
+    </dgm:style>
+  </dgm:styleLbl>
+  <dgm:styleLbl name="revTx">
+    <dgm:scene3d>
+      <a:camera prst="orthographicFront"/>
+      <a:lightRig rig="threePt" dir="t"/>
+    </dgm:scene3d>
+    <dgm:sp3d/>
+    <dgm:txPr/>
+    <dgm:style>
+      <a:lnRef idx="0">
+        <a:scrgbClr r="0" g="0" b="0"/>
+      </a:lnRef>
+      <a:fillRef idx="0">
+        <a:scrgbClr r="0" g="0" b="0"/>
+      </a:fillRef>
+      <a:effectRef idx="0">
+        <a:scrgbClr r="0" g="0" b="0"/>
+      </a:effectRef>
+      <a:fontRef idx="minor"/>
+    </dgm:style>
+  </dgm:styleLbl>
+</dgm:styleDef>
+</file>
+
+<file path=ppt/diagrams/quickStyle3.xml><?xml version="1.0" encoding="utf-8"?>
 <dgm:styleDef xmlns:dgm="http://schemas.openxmlformats.org/drawingml/2006/diagram" xmlns:a="http://schemas.openxmlformats.org/drawingml/2006/main" uniqueId="urn:microsoft.com/office/officeart/2005/8/quickstyle/simple1">
   <dgm:title val=""/>
   <dgm:desc val=""/>
@@ -6235,7 +9129,7 @@
           <a:p>
             <a:fld id="{16754228-772C-4F87-B467-91EA4980387A}" type="datetimeFigureOut">
               <a:rPr lang="zh-CN" altLang="en-US" smtClean="0"/>
-              <a:t>2019/8/9</a:t>
+              <a:t>2019/12/28</a:t>
             </a:fld>
             <a:endParaRPr lang="zh-CN" altLang="en-US"/>
           </a:p>
@@ -6405,7 +9299,7 @@
           <a:p>
             <a:fld id="{16754228-772C-4F87-B467-91EA4980387A}" type="datetimeFigureOut">
               <a:rPr lang="zh-CN" altLang="en-US" smtClean="0"/>
-              <a:t>2019/8/9</a:t>
+              <a:t>2019/12/28</a:t>
             </a:fld>
             <a:endParaRPr lang="zh-CN" altLang="en-US"/>
           </a:p>
@@ -6585,7 +9479,7 @@
           <a:p>
             <a:fld id="{16754228-772C-4F87-B467-91EA4980387A}" type="datetimeFigureOut">
               <a:rPr lang="zh-CN" altLang="en-US" smtClean="0"/>
-              <a:t>2019/8/9</a:t>
+              <a:t>2019/12/28</a:t>
             </a:fld>
             <a:endParaRPr lang="zh-CN" altLang="en-US"/>
           </a:p>
@@ -6755,7 +9649,7 @@
           <a:p>
             <a:fld id="{16754228-772C-4F87-B467-91EA4980387A}" type="datetimeFigureOut">
               <a:rPr lang="zh-CN" altLang="en-US" smtClean="0"/>
-              <a:t>2019/8/9</a:t>
+              <a:t>2019/12/28</a:t>
             </a:fld>
             <a:endParaRPr lang="zh-CN" altLang="en-US"/>
           </a:p>
@@ -7001,7 +9895,7 @@
           <a:p>
             <a:fld id="{16754228-772C-4F87-B467-91EA4980387A}" type="datetimeFigureOut">
               <a:rPr lang="zh-CN" altLang="en-US" smtClean="0"/>
-              <a:t>2019/8/9</a:t>
+              <a:t>2019/12/28</a:t>
             </a:fld>
             <a:endParaRPr lang="zh-CN" altLang="en-US"/>
           </a:p>
@@ -7233,7 +10127,7 @@
           <a:p>
             <a:fld id="{16754228-772C-4F87-B467-91EA4980387A}" type="datetimeFigureOut">
               <a:rPr lang="zh-CN" altLang="en-US" smtClean="0"/>
-              <a:t>2019/8/9</a:t>
+              <a:t>2019/12/28</a:t>
             </a:fld>
             <a:endParaRPr lang="zh-CN" altLang="en-US"/>
           </a:p>
@@ -7600,7 +10494,7 @@
           <a:p>
             <a:fld id="{16754228-772C-4F87-B467-91EA4980387A}" type="datetimeFigureOut">
               <a:rPr lang="zh-CN" altLang="en-US" smtClean="0"/>
-              <a:t>2019/8/9</a:t>
+              <a:t>2019/12/28</a:t>
             </a:fld>
             <a:endParaRPr lang="zh-CN" altLang="en-US"/>
           </a:p>
@@ -7718,7 +10612,7 @@
           <a:p>
             <a:fld id="{16754228-772C-4F87-B467-91EA4980387A}" type="datetimeFigureOut">
               <a:rPr lang="zh-CN" altLang="en-US" smtClean="0"/>
-              <a:t>2019/8/9</a:t>
+              <a:t>2019/12/28</a:t>
             </a:fld>
             <a:endParaRPr lang="zh-CN" altLang="en-US"/>
           </a:p>
@@ -7813,7 +10707,7 @@
           <a:p>
             <a:fld id="{16754228-772C-4F87-B467-91EA4980387A}" type="datetimeFigureOut">
               <a:rPr lang="zh-CN" altLang="en-US" smtClean="0"/>
-              <a:t>2019/8/9</a:t>
+              <a:t>2019/12/28</a:t>
             </a:fld>
             <a:endParaRPr lang="zh-CN" altLang="en-US"/>
           </a:p>
@@ -8090,7 +10984,7 @@
           <a:p>
             <a:fld id="{16754228-772C-4F87-B467-91EA4980387A}" type="datetimeFigureOut">
               <a:rPr lang="zh-CN" altLang="en-US" smtClean="0"/>
-              <a:t>2019/8/9</a:t>
+              <a:t>2019/12/28</a:t>
             </a:fld>
             <a:endParaRPr lang="zh-CN" altLang="en-US"/>
           </a:p>
@@ -8343,7 +11237,7 @@
           <a:p>
             <a:fld id="{16754228-772C-4F87-B467-91EA4980387A}" type="datetimeFigureOut">
               <a:rPr lang="zh-CN" altLang="en-US" smtClean="0"/>
-              <a:t>2019/8/9</a:t>
+              <a:t>2019/12/28</a:t>
             </a:fld>
             <a:endParaRPr lang="zh-CN" altLang="en-US"/>
           </a:p>
@@ -8556,7 +11450,7 @@
           <a:p>
             <a:fld id="{16754228-772C-4F87-B467-91EA4980387A}" type="datetimeFigureOut">
               <a:rPr lang="zh-CN" altLang="en-US" smtClean="0"/>
-              <a:t>2019/8/9</a:t>
+              <a:t>2019/12/28</a:t>
             </a:fld>
             <a:endParaRPr lang="zh-CN" altLang="en-US"/>
           </a:p>
@@ -8990,7 +11884,11 @@
             </a:pPr>
             <a:r>
               <a:rPr lang="zh-CN" altLang="en-US" dirty="0" smtClean="0"/>
-              <a:t>大量的结构体的管理方式</a:t>
+              <a:t>大量结构体</a:t>
+            </a:r>
+            <a:r>
+              <a:rPr lang="zh-CN" altLang="en-US" dirty="0" smtClean="0"/>
+              <a:t>的管理方式</a:t>
             </a:r>
             <a:r>
               <a:rPr lang="en-US" altLang="zh-CN" dirty="0" smtClean="0"/>
@@ -8998,7 +11896,15 @@
             </a:r>
             <a:r>
               <a:rPr lang="zh-CN" altLang="en-US" dirty="0" smtClean="0"/>
-              <a:t>我们不可能用一个全局变量表示一个结构体</a:t>
+              <a:t>我们</a:t>
+            </a:r>
+            <a:r>
+              <a:rPr lang="zh-CN" altLang="en-US" dirty="0" smtClean="0"/>
+              <a:t>不可能仅用</a:t>
+            </a:r>
+            <a:r>
+              <a:rPr lang="zh-CN" altLang="en-US" dirty="0" smtClean="0"/>
+              <a:t>一个全局变量表示一个结构体</a:t>
             </a:r>
             <a:endParaRPr lang="en-US" altLang="zh-CN" dirty="0" smtClean="0"/>
           </a:p>
@@ -9018,9 +11924,16 @@
             </a:pPr>
             <a:r>
               <a:rPr lang="zh-CN" altLang="en-US" dirty="0" smtClean="0"/>
-              <a:t>我们必须另一种合理的方式，能够获取所有的结构体。</a:t>
-            </a:r>
-            <a:endParaRPr lang="zh-CN" altLang="en-US" dirty="0" smtClean="0"/>
+              <a:t>我们</a:t>
+            </a:r>
+            <a:r>
+              <a:rPr lang="zh-CN" altLang="en-US" dirty="0" smtClean="0"/>
+              <a:t>必须选择另</a:t>
+            </a:r>
+            <a:r>
+              <a:rPr lang="zh-CN" altLang="en-US" dirty="0" smtClean="0"/>
+              <a:t>一种合理的方式，能够获取所有的结构体。</a:t>
+            </a:r>
           </a:p>
         </p:txBody>
       </p:sp>
@@ -9063,7 +11976,6 @@
               <a:rPr lang="zh-CN" altLang="en-US" dirty="0" smtClean="0"/>
               <a:t>：可以方便的将结构体串联起来，依次的获取所有的结构体。但是修改这个链表有些限制，必须从头部开始获取或者添加结构体</a:t>
             </a:r>
-            <a:endParaRPr lang="zh-CN" altLang="en-US" dirty="0" smtClean="0"/>
           </a:p>
         </p:txBody>
       </p:sp>
@@ -9100,21 +12012,12 @@
                   <a:srgbClr val="FF0000"/>
                 </a:solidFill>
               </a:rPr>
-              <a:t>双</a:t>
-            </a:r>
-            <a:r>
-              <a:rPr lang="zh-CN" altLang="en-US" b="1" dirty="0" smtClean="0">
-                <a:solidFill>
-                  <a:srgbClr val="FF0000"/>
-                </a:solidFill>
-              </a:rPr>
-              <a:t>向链表</a:t>
+              <a:t>双向链表</a:t>
             </a:r>
             <a:r>
               <a:rPr lang="zh-CN" altLang="en-US" dirty="0" smtClean="0"/>
               <a:t>：可以在任何地方开始插入结构体，或者获取一个结构体，同时保证链表的稳定。</a:t>
             </a:r>
-            <a:endParaRPr lang="zh-CN" altLang="en-US" dirty="0" smtClean="0"/>
           </a:p>
         </p:txBody>
       </p:sp>
@@ -9126,7 +12029,7 @@
         </p:nvSpPr>
         <p:spPr>
           <a:xfrm>
-            <a:off x="636998" y="4130211"/>
+            <a:off x="590763" y="4219354"/>
             <a:ext cx="10921429" cy="2169825"/>
           </a:xfrm>
           <a:prstGeom prst="rect">
@@ -9209,7 +12112,6 @@
               <a:rPr lang="zh-CN" altLang="en-US" dirty="0" smtClean="0"/>
               <a:t>了</a:t>
             </a:r>
-            <a:endParaRPr lang="zh-CN" altLang="en-US" dirty="0" smtClean="0"/>
           </a:p>
         </p:txBody>
       </p:sp>
@@ -13244,6 +16146,2455 @@
       </p:grpSpPr>
       <p:sp>
         <p:nvSpPr>
+          <p:cNvPr id="4" name="Rectangle 1"/>
+          <p:cNvSpPr>
+            <a:spLocks noGrp="1" noChangeArrowheads="1"/>
+          </p:cNvSpPr>
+          <p:nvPr>
+            <p:ph idx="1"/>
+          </p:nvPr>
+        </p:nvSpPr>
+        <p:spPr bwMode="auto">
+          <a:xfrm>
+            <a:off x="406399" y="615750"/>
+            <a:ext cx="11347451" cy="3716402"/>
+          </a:xfrm>
+          <a:prstGeom prst="rect">
+            <a:avLst/>
+          </a:prstGeom>
+          <a:noFill/>
+          <a:ln>
+            <a:noFill/>
+          </a:ln>
+          <a:effectLst/>
+          <a:extLst>
+            <a:ext uri="{909E8E84-426E-40DD-AFC4-6F175D3DCCD1}">
+              <a14:hiddenFill xmlns:a14="http://schemas.microsoft.com/office/drawing/2010/main">
+                <a:solidFill>
+                  <a:schemeClr val="accent1"/>
+                </a:solidFill>
+              </a14:hiddenFill>
+            </a:ext>
+            <a:ext uri="{91240B29-F687-4F45-9708-019B960494DF}">
+              <a14:hiddenLine xmlns:a14="http://schemas.microsoft.com/office/drawing/2010/main" w="9525">
+                <a:solidFill>
+                  <a:schemeClr val="tx1"/>
+                </a:solidFill>
+                <a:miter lim="800000"/>
+                <a:headEnd/>
+                <a:tailEnd/>
+              </a14:hiddenLine>
+            </a:ext>
+            <a:ext uri="{AF507438-7753-43E0-B8FC-AC1667EBCBE1}">
+              <a14:hiddenEffects xmlns:a14="http://schemas.microsoft.com/office/drawing/2010/main">
+                <a:effectLst>
+                  <a:outerShdw dist="35921" dir="2700000" algn="ctr" rotWithShape="0">
+                    <a:schemeClr val="bg2"/>
+                  </a:outerShdw>
+                </a:effectLst>
+              </a14:hiddenEffects>
+            </a:ext>
+          </a:extLst>
+        </p:spPr>
+        <p:txBody>
+          <a:bodyPr vert="horz" wrap="square" lIns="91440" tIns="45720" rIns="91440" bIns="45720" numCol="1" anchor="ctr" anchorCtr="0" compatLnSpc="1">
+            <a:prstTxWarp prst="textNoShape">
+              <a:avLst/>
+            </a:prstTxWarp>
+            <a:spAutoFit/>
+          </a:bodyPr>
+          <a:lstStyle/>
+          <a:p>
+            <a:pPr marL="0" lvl="0" indent="0" eaLnBrk="0" fontAlgn="base" hangingPunct="0">
+              <a:lnSpc>
+                <a:spcPct val="150000"/>
+              </a:lnSpc>
+              <a:spcBef>
+                <a:spcPct val="0"/>
+              </a:spcBef>
+              <a:spcAft>
+                <a:spcPct val="0"/>
+              </a:spcAft>
+              <a:buNone/>
+            </a:pPr>
+            <a:r>
+              <a:rPr kumimoji="0" lang="zh-CN" altLang="zh-CN" sz="2400" b="1" i="0" u="none" strike="noStrike" cap="none" normalizeH="0" baseline="0" dirty="0" smtClean="0">
+                <a:ln>
+                  <a:noFill/>
+                </a:ln>
+                <a:solidFill>
+                  <a:srgbClr val="333333"/>
+                </a:solidFill>
+                <a:effectLst/>
+                <a:latin typeface="微软雅黑" panose="020B0503020204020204" pitchFamily="34" charset="-122"/>
+                <a:ea typeface="微软雅黑" panose="020B0503020204020204" pitchFamily="34" charset="-122"/>
+              </a:rPr>
+              <a:t>ucosii.h</a:t>
+            </a:r>
+            <a:r>
+              <a:rPr kumimoji="0" lang="en-US" altLang="zh-CN" sz="2400" b="1" i="0" u="none" strike="noStrike" cap="none" normalizeH="0" baseline="0" dirty="0" smtClean="0">
+                <a:ln>
+                  <a:noFill/>
+                </a:ln>
+                <a:solidFill>
+                  <a:srgbClr val="333333"/>
+                </a:solidFill>
+                <a:effectLst/>
+                <a:latin typeface="微软雅黑" panose="020B0503020204020204" pitchFamily="34" charset="-122"/>
+                <a:ea typeface="微软雅黑" panose="020B0503020204020204" pitchFamily="34" charset="-122"/>
+              </a:rPr>
+              <a:t> - </a:t>
+            </a:r>
+            <a:r>
+              <a:rPr lang="zh-CN" altLang="en-US" sz="2000" dirty="0" smtClean="0">
+                <a:solidFill>
+                  <a:srgbClr val="333333"/>
+                </a:solidFill>
+                <a:latin typeface="微软雅黑" panose="020B0503020204020204" pitchFamily="34" charset="-122"/>
+                <a:ea typeface="微软雅黑" panose="020B0503020204020204" pitchFamily="34" charset="-122"/>
+              </a:rPr>
+              <a:t>系统头文件</a:t>
+            </a:r>
+            <a:r>
+              <a:rPr lang="zh-CN" altLang="en-US" sz="2000" dirty="0">
+                <a:solidFill>
+                  <a:srgbClr val="333333"/>
+                </a:solidFill>
+                <a:latin typeface="微软雅黑" panose="020B0503020204020204" pitchFamily="34" charset="-122"/>
+                <a:ea typeface="微软雅黑" panose="020B0503020204020204" pitchFamily="34" charset="-122"/>
+              </a:rPr>
+              <a:t>。</a:t>
+            </a:r>
+            <a:r>
+              <a:rPr lang="zh-CN" altLang="en-US" sz="2000" dirty="0" smtClean="0">
+                <a:solidFill>
+                  <a:srgbClr val="333333"/>
+                </a:solidFill>
+                <a:latin typeface="微软雅黑" panose="020B0503020204020204" pitchFamily="34" charset="-122"/>
+                <a:ea typeface="微软雅黑" panose="020B0503020204020204" pitchFamily="34" charset="-122"/>
+              </a:rPr>
+              <a:t>定义版本号，状态宏，错误宏，重要任务</a:t>
+            </a:r>
+            <a:r>
+              <a:rPr lang="en-US" altLang="zh-CN" sz="2000" dirty="0" smtClean="0">
+                <a:solidFill>
+                  <a:srgbClr val="333333"/>
+                </a:solidFill>
+                <a:latin typeface="微软雅黑" panose="020B0503020204020204" pitchFamily="34" charset="-122"/>
+                <a:ea typeface="微软雅黑" panose="020B0503020204020204" pitchFamily="34" charset="-122"/>
+              </a:rPr>
+              <a:t>/</a:t>
+            </a:r>
+            <a:r>
+              <a:rPr lang="zh-CN" altLang="en-US" sz="2000" dirty="0">
+                <a:solidFill>
+                  <a:srgbClr val="333333"/>
+                </a:solidFill>
+                <a:latin typeface="微软雅黑" panose="020B0503020204020204" pitchFamily="34" charset="-122"/>
+                <a:ea typeface="微软雅黑" panose="020B0503020204020204" pitchFamily="34" charset="-122"/>
+              </a:rPr>
+              <a:t>事件</a:t>
+            </a:r>
+            <a:r>
+              <a:rPr lang="zh-CN" altLang="en-US" sz="2000" dirty="0" smtClean="0">
+                <a:solidFill>
+                  <a:srgbClr val="333333"/>
+                </a:solidFill>
+                <a:latin typeface="微软雅黑" panose="020B0503020204020204" pitchFamily="34" charset="-122"/>
+                <a:ea typeface="微软雅黑" panose="020B0503020204020204" pitchFamily="34" charset="-122"/>
+              </a:rPr>
+              <a:t>控制结构体</a:t>
+            </a:r>
+            <a:endParaRPr kumimoji="0" lang="en-US" altLang="zh-CN" sz="2000" i="0" u="none" strike="noStrike" cap="none" normalizeH="0" baseline="0" dirty="0" smtClean="0">
+              <a:ln>
+                <a:noFill/>
+              </a:ln>
+              <a:solidFill>
+                <a:srgbClr val="333333"/>
+              </a:solidFill>
+              <a:effectLst/>
+              <a:latin typeface="微软雅黑" panose="020B0503020204020204" pitchFamily="34" charset="-122"/>
+              <a:ea typeface="微软雅黑" panose="020B0503020204020204" pitchFamily="34" charset="-122"/>
+            </a:endParaRPr>
+          </a:p>
+          <a:p>
+            <a:pPr marL="0" lvl="0" indent="0" eaLnBrk="0" fontAlgn="base" hangingPunct="0">
+              <a:lnSpc>
+                <a:spcPct val="150000"/>
+              </a:lnSpc>
+              <a:spcBef>
+                <a:spcPct val="0"/>
+              </a:spcBef>
+              <a:spcAft>
+                <a:spcPct val="0"/>
+              </a:spcAft>
+              <a:buNone/>
+            </a:pPr>
+            <a:r>
+              <a:rPr lang="en-US" altLang="zh-CN" sz="2400" b="1" dirty="0" smtClean="0">
+                <a:solidFill>
+                  <a:srgbClr val="333333"/>
+                </a:solidFill>
+                <a:latin typeface="微软雅黑" panose="020B0503020204020204" pitchFamily="34" charset="-122"/>
+                <a:ea typeface="微软雅黑" panose="020B0503020204020204" pitchFamily="34" charset="-122"/>
+              </a:rPr>
+              <a:t>os_cfg.h - </a:t>
+            </a:r>
+            <a:r>
+              <a:rPr lang="zh-CN" altLang="en-US" sz="2000" dirty="0" smtClean="0">
+                <a:solidFill>
+                  <a:srgbClr val="333333"/>
+                </a:solidFill>
+                <a:latin typeface="微软雅黑" panose="020B0503020204020204" pitchFamily="34" charset="-122"/>
+                <a:ea typeface="微软雅黑" panose="020B0503020204020204" pitchFamily="34" charset="-122"/>
+              </a:rPr>
+              <a:t>系统配置</a:t>
+            </a:r>
+            <a:r>
+              <a:rPr lang="zh-CN" altLang="en-US" sz="2000" dirty="0">
+                <a:solidFill>
+                  <a:srgbClr val="333333"/>
+                </a:solidFill>
+                <a:latin typeface="微软雅黑" panose="020B0503020204020204" pitchFamily="34" charset="-122"/>
+                <a:ea typeface="微软雅黑" panose="020B0503020204020204" pitchFamily="34" charset="-122"/>
+              </a:rPr>
+              <a:t>头文件</a:t>
+            </a:r>
+            <a:r>
+              <a:rPr lang="zh-CN" altLang="en-US" sz="2000" dirty="0" smtClean="0">
+                <a:solidFill>
+                  <a:srgbClr val="333333"/>
+                </a:solidFill>
+                <a:latin typeface="微软雅黑" panose="020B0503020204020204" pitchFamily="34" charset="-122"/>
+                <a:ea typeface="微软雅黑" panose="020B0503020204020204" pitchFamily="34" charset="-122"/>
+              </a:rPr>
+              <a:t>。各种控制结构的数量，任务最大数量，以减少单片机不必要的</a:t>
+            </a:r>
+            <a:r>
+              <a:rPr lang="en-US" altLang="zh-CN" sz="2000" dirty="0" smtClean="0">
+                <a:solidFill>
+                  <a:srgbClr val="333333"/>
+                </a:solidFill>
+                <a:latin typeface="微软雅黑" panose="020B0503020204020204" pitchFamily="34" charset="-122"/>
+                <a:ea typeface="微软雅黑" panose="020B0503020204020204" pitchFamily="34" charset="-122"/>
+              </a:rPr>
+              <a:t>ROM/RAM</a:t>
+            </a:r>
+            <a:r>
+              <a:rPr lang="zh-CN" altLang="en-US" sz="2000" dirty="0" smtClean="0">
+                <a:solidFill>
+                  <a:srgbClr val="333333"/>
+                </a:solidFill>
+                <a:latin typeface="微软雅黑" panose="020B0503020204020204" pitchFamily="34" charset="-122"/>
+                <a:ea typeface="微软雅黑" panose="020B0503020204020204" pitchFamily="34" charset="-122"/>
+              </a:rPr>
+              <a:t>消耗。</a:t>
+            </a:r>
+            <a:endParaRPr lang="en-US" altLang="zh-CN" sz="2000" dirty="0" smtClean="0">
+              <a:solidFill>
+                <a:srgbClr val="333333"/>
+              </a:solidFill>
+              <a:latin typeface="微软雅黑" panose="020B0503020204020204" pitchFamily="34" charset="-122"/>
+              <a:ea typeface="微软雅黑" panose="020B0503020204020204" pitchFamily="34" charset="-122"/>
+            </a:endParaRPr>
+          </a:p>
+          <a:p>
+            <a:pPr marL="0" indent="0" eaLnBrk="0" fontAlgn="base" hangingPunct="0">
+              <a:lnSpc>
+                <a:spcPct val="150000"/>
+              </a:lnSpc>
+              <a:spcBef>
+                <a:spcPct val="0"/>
+              </a:spcBef>
+              <a:spcAft>
+                <a:spcPct val="0"/>
+              </a:spcAft>
+              <a:buNone/>
+            </a:pPr>
+            <a:r>
+              <a:rPr lang="en-US" altLang="zh-CN" sz="2400" b="1" dirty="0" smtClean="0">
+                <a:solidFill>
+                  <a:srgbClr val="333333"/>
+                </a:solidFill>
+                <a:latin typeface="微软雅黑" panose="020B0503020204020204" pitchFamily="34" charset="-122"/>
+                <a:ea typeface="微软雅黑" panose="020B0503020204020204" pitchFamily="34" charset="-122"/>
+              </a:rPr>
+              <a:t>os_cpu.h – </a:t>
+            </a:r>
+            <a:r>
+              <a:rPr lang="zh-CN" altLang="en-US" sz="2000" dirty="0" smtClean="0">
+                <a:solidFill>
+                  <a:srgbClr val="333333"/>
+                </a:solidFill>
+                <a:latin typeface="微软雅黑" panose="020B0503020204020204" pitchFamily="34" charset="-122"/>
+                <a:ea typeface="微软雅黑" panose="020B0503020204020204" pitchFamily="34" charset="-122"/>
+              </a:rPr>
+              <a:t>底层头文件。</a:t>
+            </a:r>
+            <a:r>
+              <a:rPr lang="zh-CN" altLang="en-US" sz="2000" dirty="0">
+                <a:solidFill>
+                  <a:srgbClr val="333333"/>
+                </a:solidFill>
+                <a:latin typeface="微软雅黑" panose="020B0503020204020204" pitchFamily="34" charset="-122"/>
+                <a:ea typeface="微软雅黑" panose="020B0503020204020204" pitchFamily="34" charset="-122"/>
+              </a:rPr>
+              <a:t>定义单片机的变量</a:t>
+            </a:r>
+            <a:r>
+              <a:rPr lang="zh-CN" altLang="en-US" sz="2000" dirty="0" smtClean="0">
+                <a:solidFill>
+                  <a:srgbClr val="333333"/>
+                </a:solidFill>
+                <a:latin typeface="微软雅黑" panose="020B0503020204020204" pitchFamily="34" charset="-122"/>
+                <a:ea typeface="微软雅黑" panose="020B0503020204020204" pitchFamily="34" charset="-122"/>
+              </a:rPr>
+              <a:t>类型；不可</a:t>
+            </a:r>
+            <a:r>
+              <a:rPr lang="zh-CN" altLang="en-US" sz="2000" dirty="0">
+                <a:solidFill>
+                  <a:srgbClr val="333333"/>
+                </a:solidFill>
+                <a:latin typeface="微软雅黑" panose="020B0503020204020204" pitchFamily="34" charset="-122"/>
+                <a:ea typeface="微软雅黑" panose="020B0503020204020204" pitchFamily="34" charset="-122"/>
+              </a:rPr>
+              <a:t>中断代码存储</a:t>
+            </a:r>
+            <a:r>
+              <a:rPr lang="en-US" altLang="zh-CN" sz="2000" dirty="0">
+                <a:solidFill>
+                  <a:srgbClr val="333333"/>
+                </a:solidFill>
+                <a:latin typeface="微软雅黑" panose="020B0503020204020204" pitchFamily="34" charset="-122"/>
+                <a:ea typeface="微软雅黑" panose="020B0503020204020204" pitchFamily="34" charset="-122"/>
+              </a:rPr>
+              <a:t>SR</a:t>
+            </a:r>
+            <a:r>
+              <a:rPr lang="zh-CN" altLang="en-US" sz="2000" dirty="0">
+                <a:solidFill>
+                  <a:srgbClr val="333333"/>
+                </a:solidFill>
+                <a:latin typeface="微软雅黑" panose="020B0503020204020204" pitchFamily="34" charset="-122"/>
+                <a:ea typeface="微软雅黑" panose="020B0503020204020204" pitchFamily="34" charset="-122"/>
+              </a:rPr>
+              <a:t>寄存器的</a:t>
+            </a:r>
+            <a:r>
+              <a:rPr lang="zh-CN" altLang="en-US" sz="2000" dirty="0" smtClean="0">
+                <a:solidFill>
+                  <a:srgbClr val="333333"/>
+                </a:solidFill>
+                <a:latin typeface="微软雅黑" panose="020B0503020204020204" pitchFamily="34" charset="-122"/>
+                <a:ea typeface="微软雅黑" panose="020B0503020204020204" pitchFamily="34" charset="-122"/>
+              </a:rPr>
+              <a:t>宏；定义</a:t>
+            </a:r>
+            <a:r>
+              <a:rPr lang="zh-CN" altLang="en-US" sz="2000" dirty="0">
+                <a:solidFill>
+                  <a:srgbClr val="333333"/>
+                </a:solidFill>
+                <a:latin typeface="微软雅黑" panose="020B0503020204020204" pitchFamily="34" charset="-122"/>
+                <a:ea typeface="微软雅黑" panose="020B0503020204020204" pitchFamily="34" charset="-122"/>
+              </a:rPr>
+              <a:t>栈的生长</a:t>
+            </a:r>
+            <a:r>
+              <a:rPr lang="zh-CN" altLang="en-US" sz="2000" dirty="0" smtClean="0">
+                <a:solidFill>
+                  <a:srgbClr val="333333"/>
+                </a:solidFill>
+                <a:latin typeface="微软雅黑" panose="020B0503020204020204" pitchFamily="34" charset="-122"/>
+                <a:ea typeface="微软雅黑" panose="020B0503020204020204" pitchFamily="34" charset="-122"/>
+              </a:rPr>
+              <a:t>方向；声明</a:t>
+            </a:r>
+            <a:r>
+              <a:rPr lang="zh-CN" altLang="en-US" sz="2000" dirty="0">
+                <a:solidFill>
+                  <a:srgbClr val="333333"/>
+                </a:solidFill>
+                <a:latin typeface="微软雅黑" panose="020B0503020204020204" pitchFamily="34" charset="-122"/>
+                <a:ea typeface="微软雅黑" panose="020B0503020204020204" pitchFamily="34" charset="-122"/>
+              </a:rPr>
+              <a:t>与汇编代码相关的函数</a:t>
+            </a:r>
+            <a:r>
+              <a:rPr lang="en-US" altLang="zh-CN" sz="2000" dirty="0">
+                <a:solidFill>
+                  <a:srgbClr val="333333"/>
+                </a:solidFill>
+                <a:latin typeface="微软雅黑" panose="020B0503020204020204" pitchFamily="34" charset="-122"/>
+                <a:ea typeface="微软雅黑" panose="020B0503020204020204" pitchFamily="34" charset="-122"/>
+              </a:rPr>
+              <a:t>(</a:t>
+            </a:r>
+            <a:r>
+              <a:rPr lang="zh-CN" altLang="en-US" sz="2000" dirty="0">
+                <a:solidFill>
+                  <a:srgbClr val="333333"/>
+                </a:solidFill>
+                <a:latin typeface="微软雅黑" panose="020B0503020204020204" pitchFamily="34" charset="-122"/>
+                <a:ea typeface="微软雅黑" panose="020B0503020204020204" pitchFamily="34" charset="-122"/>
+              </a:rPr>
+              <a:t>任务调度、</a:t>
+            </a:r>
+            <a:r>
+              <a:rPr lang="en-US" altLang="zh-CN" sz="2000" dirty="0" err="1">
+                <a:solidFill>
+                  <a:srgbClr val="333333"/>
+                </a:solidFill>
+                <a:latin typeface="微软雅黑" panose="020B0503020204020204" pitchFamily="34" charset="-122"/>
+                <a:ea typeface="微软雅黑" panose="020B0503020204020204" pitchFamily="34" charset="-122"/>
+              </a:rPr>
+              <a:t>PendSV</a:t>
+            </a:r>
+            <a:r>
+              <a:rPr lang="zh-CN" altLang="en-US" sz="2000" dirty="0">
+                <a:solidFill>
+                  <a:srgbClr val="333333"/>
+                </a:solidFill>
+                <a:latin typeface="微软雅黑" panose="020B0503020204020204" pitchFamily="34" charset="-122"/>
+                <a:ea typeface="微软雅黑" panose="020B0503020204020204" pitchFamily="34" charset="-122"/>
+              </a:rPr>
+              <a:t>中断服务函数，</a:t>
+            </a:r>
+            <a:r>
+              <a:rPr lang="en-US" altLang="zh-CN" sz="2000" dirty="0" err="1">
+                <a:solidFill>
+                  <a:srgbClr val="333333"/>
+                </a:solidFill>
+                <a:latin typeface="微软雅黑" panose="020B0503020204020204" pitchFamily="34" charset="-122"/>
+                <a:ea typeface="微软雅黑" panose="020B0503020204020204" pitchFamily="34" charset="-122"/>
+              </a:rPr>
+              <a:t>OSStartHighRdy</a:t>
+            </a:r>
+            <a:r>
+              <a:rPr lang="en-US" altLang="zh-CN" sz="2000" dirty="0">
+                <a:solidFill>
+                  <a:srgbClr val="333333"/>
+                </a:solidFill>
+                <a:latin typeface="微软雅黑" panose="020B0503020204020204" pitchFamily="34" charset="-122"/>
+                <a:ea typeface="微软雅黑" panose="020B0503020204020204" pitchFamily="34" charset="-122"/>
+              </a:rPr>
+              <a:t>)</a:t>
+            </a:r>
+            <a:r>
+              <a:rPr lang="zh-CN" altLang="en-US" sz="2000" dirty="0">
+                <a:solidFill>
+                  <a:srgbClr val="333333"/>
+                </a:solidFill>
+                <a:latin typeface="微软雅黑" panose="020B0503020204020204" pitchFamily="34" charset="-122"/>
+                <a:ea typeface="微软雅黑" panose="020B0503020204020204" pitchFamily="34" charset="-122"/>
+              </a:rPr>
+              <a:t>。</a:t>
+            </a:r>
+            <a:endParaRPr lang="en-US" altLang="zh-CN" sz="2000" dirty="0">
+              <a:solidFill>
+                <a:srgbClr val="333333"/>
+              </a:solidFill>
+              <a:latin typeface="微软雅黑" panose="020B0503020204020204" pitchFamily="34" charset="-122"/>
+              <a:ea typeface="微软雅黑" panose="020B0503020204020204" pitchFamily="34" charset="-122"/>
+            </a:endParaRPr>
+          </a:p>
+          <a:p>
+            <a:pPr marL="0" lvl="0" indent="0" eaLnBrk="0" fontAlgn="base" hangingPunct="0">
+              <a:lnSpc>
+                <a:spcPct val="150000"/>
+              </a:lnSpc>
+              <a:spcBef>
+                <a:spcPct val="0"/>
+              </a:spcBef>
+              <a:spcAft>
+                <a:spcPct val="0"/>
+              </a:spcAft>
+              <a:buNone/>
+            </a:pPr>
+            <a:r>
+              <a:rPr lang="en-US" altLang="zh-CN" sz="2400" b="1" dirty="0" smtClean="0">
+                <a:solidFill>
+                  <a:srgbClr val="333333"/>
+                </a:solidFill>
+                <a:latin typeface="微软雅黑" panose="020B0503020204020204" pitchFamily="34" charset="-122"/>
+                <a:ea typeface="微软雅黑" panose="020B0503020204020204" pitchFamily="34" charset="-122"/>
+              </a:rPr>
+              <a:t>a</a:t>
+            </a:r>
+            <a:r>
+              <a:rPr kumimoji="0" lang="en-US" altLang="zh-CN" sz="2400" b="1" i="0" u="none" strike="noStrike" cap="none" normalizeH="0" baseline="0" dirty="0" smtClean="0">
+                <a:ln>
+                  <a:noFill/>
+                </a:ln>
+                <a:solidFill>
+                  <a:srgbClr val="333333"/>
+                </a:solidFill>
+                <a:effectLst/>
+                <a:latin typeface="微软雅黑" panose="020B0503020204020204" pitchFamily="34" charset="-122"/>
+                <a:ea typeface="微软雅黑" panose="020B0503020204020204" pitchFamily="34" charset="-122"/>
+              </a:rPr>
+              <a:t>pp_cfg.h – </a:t>
+            </a:r>
+            <a:r>
+              <a:rPr kumimoji="0" lang="en-US" altLang="zh-CN" sz="2000" i="0" u="none" strike="noStrike" cap="none" normalizeH="0" baseline="0" dirty="0" smtClean="0">
+                <a:ln>
+                  <a:noFill/>
+                </a:ln>
+                <a:solidFill>
+                  <a:srgbClr val="333333"/>
+                </a:solidFill>
+                <a:effectLst/>
+                <a:latin typeface="微软雅黑" panose="020B0503020204020204" pitchFamily="34" charset="-122"/>
+                <a:ea typeface="微软雅黑" panose="020B0503020204020204" pitchFamily="34" charset="-122"/>
+              </a:rPr>
+              <a:t>app</a:t>
+            </a:r>
+            <a:r>
+              <a:rPr kumimoji="0" lang="zh-CN" altLang="en-US" sz="2000" i="0" u="none" strike="noStrike" cap="none" normalizeH="0" baseline="0" dirty="0" smtClean="0">
+                <a:ln>
+                  <a:noFill/>
+                </a:ln>
+                <a:solidFill>
+                  <a:srgbClr val="333333"/>
+                </a:solidFill>
+                <a:effectLst/>
+                <a:latin typeface="微软雅黑" panose="020B0503020204020204" pitchFamily="34" charset="-122"/>
+                <a:ea typeface="微软雅黑" panose="020B0503020204020204" pitchFamily="34" charset="-122"/>
+              </a:rPr>
+              <a:t>配置文件，用于声明任务和任务栈。</a:t>
+            </a:r>
+            <a:endParaRPr kumimoji="0" lang="en-US" altLang="zh-CN" sz="2000" i="0" u="none" strike="noStrike" cap="none" normalizeH="0" baseline="0" dirty="0" smtClean="0">
+              <a:ln>
+                <a:noFill/>
+              </a:ln>
+              <a:solidFill>
+                <a:srgbClr val="333333"/>
+              </a:solidFill>
+              <a:effectLst/>
+              <a:latin typeface="微软雅黑" panose="020B0503020204020204" pitchFamily="34" charset="-122"/>
+              <a:ea typeface="微软雅黑" panose="020B0503020204020204" pitchFamily="34" charset="-122"/>
+            </a:endParaRPr>
+          </a:p>
+          <a:p>
+            <a:pPr marL="0" lvl="0" indent="0" eaLnBrk="0" fontAlgn="base" hangingPunct="0">
+              <a:lnSpc>
+                <a:spcPct val="150000"/>
+              </a:lnSpc>
+              <a:spcBef>
+                <a:spcPct val="0"/>
+              </a:spcBef>
+              <a:spcAft>
+                <a:spcPct val="0"/>
+              </a:spcAft>
+              <a:buNone/>
+            </a:pPr>
+            <a:endParaRPr kumimoji="0" lang="zh-CN" altLang="zh-CN" sz="2000" i="0" u="none" strike="noStrike" cap="none" normalizeH="0" baseline="0" dirty="0" smtClean="0">
+              <a:ln>
+                <a:noFill/>
+              </a:ln>
+              <a:solidFill>
+                <a:srgbClr val="333333"/>
+              </a:solidFill>
+              <a:effectLst/>
+              <a:latin typeface="微软雅黑" panose="020B0503020204020204" pitchFamily="34" charset="-122"/>
+              <a:ea typeface="微软雅黑" panose="020B0503020204020204" pitchFamily="34" charset="-122"/>
+            </a:endParaRPr>
+          </a:p>
+          <a:p>
+            <a:pPr marL="0" marR="0" lvl="0" indent="0" algn="l" defTabSz="914400" rtl="0" eaLnBrk="0" fontAlgn="base" latinLnBrk="0" hangingPunct="0">
+              <a:lnSpc>
+                <a:spcPct val="150000"/>
+              </a:lnSpc>
+              <a:spcBef>
+                <a:spcPct val="0"/>
+              </a:spcBef>
+              <a:spcAft>
+                <a:spcPct val="0"/>
+              </a:spcAft>
+              <a:buClrTx/>
+              <a:buSzTx/>
+              <a:buFontTx/>
+              <a:buNone/>
+              <a:tabLst/>
+            </a:pPr>
+            <a:endParaRPr kumimoji="0" lang="zh-CN" altLang="zh-CN" sz="100" b="0" i="0" u="none" strike="noStrike" cap="none" normalizeH="0" baseline="0" dirty="0" smtClean="0">
+              <a:ln>
+                <a:noFill/>
+              </a:ln>
+              <a:solidFill>
+                <a:schemeClr val="tx1"/>
+              </a:solidFill>
+              <a:effectLst/>
+              <a:latin typeface="Arial" panose="020B0604020202020204" pitchFamily="34" charset="0"/>
+            </a:endParaRPr>
+          </a:p>
+        </p:txBody>
+      </p:sp>
+    </p:spTree>
+    <p:extLst>
+      <p:ext uri="{BB962C8B-B14F-4D97-AF65-F5344CB8AC3E}">
+        <p14:creationId xmlns:p14="http://schemas.microsoft.com/office/powerpoint/2010/main" val="3373343060"/>
+      </p:ext>
+    </p:extLst>
+  </p:cSld>
+  <p:clrMapOvr>
+    <a:masterClrMapping/>
+  </p:clrMapOvr>
+</p:sld>
+</file>
+
+<file path=ppt/slides/slide17.xml><?xml version="1.0" encoding="utf-8"?>
+<p:sld xmlns:a="http://schemas.openxmlformats.org/drawingml/2006/main" xmlns:r="http://schemas.openxmlformats.org/officeDocument/2006/relationships" xmlns:p="http://schemas.openxmlformats.org/presentationml/2006/main">
+  <p:cSld>
+    <p:spTree>
+      <p:nvGrpSpPr>
+        <p:cNvPr id="1" name=""/>
+        <p:cNvGrpSpPr/>
+        <p:nvPr/>
+      </p:nvGrpSpPr>
+      <p:grpSpPr>
+        <a:xfrm>
+          <a:off x="0" y="0"/>
+          <a:ext cx="0" cy="0"/>
+          <a:chOff x="0" y="0"/>
+          <a:chExt cx="0" cy="0"/>
+        </a:xfrm>
+      </p:grpSpPr>
+      <p:graphicFrame>
+        <p:nvGraphicFramePr>
+          <p:cNvPr id="4" name="内容占位符 3"/>
+          <p:cNvGraphicFramePr>
+            <a:graphicFrameLocks noGrp="1"/>
+          </p:cNvGraphicFramePr>
+          <p:nvPr>
+            <p:ph idx="1"/>
+            <p:extLst/>
+          </p:nvPr>
+        </p:nvGraphicFramePr>
+        <p:xfrm>
+          <a:off x="964324" y="409903"/>
+          <a:ext cx="10515600" cy="5714508"/>
+        </p:xfrm>
+        <a:graphic>
+          <a:graphicData uri="http://schemas.openxmlformats.org/drawingml/2006/diagram">
+            <dgm:relIds xmlns:dgm="http://schemas.openxmlformats.org/drawingml/2006/diagram" xmlns:r="http://schemas.openxmlformats.org/officeDocument/2006/relationships" r:dm="rId2" r:lo="rId3" r:qs="rId4" r:cs="rId5"/>
+          </a:graphicData>
+        </a:graphic>
+      </p:graphicFrame>
+      <p:sp>
+        <p:nvSpPr>
+          <p:cNvPr id="8" name="矩形 7"/>
+          <p:cNvSpPr/>
+          <p:nvPr/>
+        </p:nvSpPr>
+        <p:spPr>
+          <a:xfrm>
+            <a:off x="9169926" y="2426613"/>
+            <a:ext cx="3015727" cy="646331"/>
+          </a:xfrm>
+          <a:prstGeom prst="rect">
+            <a:avLst/>
+          </a:prstGeom>
+        </p:spPr>
+        <p:txBody>
+          <a:bodyPr wrap="square">
+            <a:spAutoFit/>
+          </a:bodyPr>
+          <a:lstStyle/>
+          <a:p>
+            <a:r>
+              <a:rPr lang="zh-CN" altLang="en-US" dirty="0" smtClean="0"/>
+              <a:t>任务以代码的形式驻留在程序空间（</a:t>
+            </a:r>
+            <a:r>
+              <a:rPr lang="en-US" altLang="zh-CN" dirty="0" smtClean="0"/>
+              <a:t>ROM</a:t>
+            </a:r>
+            <a:r>
+              <a:rPr lang="zh-CN" altLang="en-US" dirty="0" smtClean="0"/>
+              <a:t>或</a:t>
+            </a:r>
+            <a:r>
+              <a:rPr lang="en-US" altLang="zh-CN" dirty="0" smtClean="0"/>
+              <a:t>RAM)</a:t>
+            </a:r>
+            <a:endParaRPr lang="en-US" altLang="zh-CN" dirty="0"/>
+          </a:p>
+        </p:txBody>
+      </p:sp>
+      <p:sp>
+        <p:nvSpPr>
+          <p:cNvPr id="11" name="矩形 10"/>
+          <p:cNvSpPr/>
+          <p:nvPr/>
+        </p:nvSpPr>
+        <p:spPr>
+          <a:xfrm>
+            <a:off x="8430326" y="749214"/>
+            <a:ext cx="2286203" cy="369332"/>
+          </a:xfrm>
+          <a:prstGeom prst="rect">
+            <a:avLst/>
+          </a:prstGeom>
+        </p:spPr>
+        <p:txBody>
+          <a:bodyPr wrap="none">
+            <a:spAutoFit/>
+          </a:bodyPr>
+          <a:lstStyle/>
+          <a:p>
+            <a:r>
+              <a:rPr lang="zh-CN" altLang="en-US" dirty="0" smtClean="0"/>
+              <a:t>获得了 </a:t>
+            </a:r>
+            <a:r>
+              <a:rPr lang="en-US" altLang="zh-CN" dirty="0" smtClean="0"/>
+              <a:t>CPU</a:t>
+            </a:r>
+            <a:r>
+              <a:rPr lang="zh-CN" altLang="en-US" dirty="0" smtClean="0"/>
+              <a:t>的使用权</a:t>
+            </a:r>
+            <a:endParaRPr lang="zh-CN" altLang="en-US" dirty="0"/>
+          </a:p>
+        </p:txBody>
+      </p:sp>
+      <p:sp>
+        <p:nvSpPr>
+          <p:cNvPr id="12" name="矩形 11"/>
+          <p:cNvSpPr/>
+          <p:nvPr/>
+        </p:nvSpPr>
+        <p:spPr>
+          <a:xfrm>
+            <a:off x="2913726" y="3418073"/>
+            <a:ext cx="2547167" cy="646331"/>
+          </a:xfrm>
+          <a:prstGeom prst="rect">
+            <a:avLst/>
+          </a:prstGeom>
+        </p:spPr>
+        <p:txBody>
+          <a:bodyPr wrap="square">
+            <a:spAutoFit/>
+          </a:bodyPr>
+          <a:lstStyle/>
+          <a:p>
+            <a:r>
+              <a:rPr lang="zh-CN" altLang="en-US" dirty="0" smtClean="0"/>
+              <a:t>资源无法获取，</a:t>
+            </a:r>
+            <a:r>
+              <a:rPr lang="en-US" altLang="zh-CN" dirty="0" smtClean="0"/>
+              <a:t>delay</a:t>
+            </a:r>
+          </a:p>
+          <a:p>
+            <a:r>
+              <a:rPr lang="en-US" altLang="zh-CN" dirty="0" smtClean="0"/>
+              <a:t>Pending or Suspended</a:t>
+            </a:r>
+            <a:endParaRPr lang="zh-CN" altLang="en-US" dirty="0"/>
+          </a:p>
+        </p:txBody>
+      </p:sp>
+      <p:sp>
+        <p:nvSpPr>
+          <p:cNvPr id="13" name="矩形 12"/>
+          <p:cNvSpPr/>
+          <p:nvPr/>
+        </p:nvSpPr>
+        <p:spPr>
+          <a:xfrm>
+            <a:off x="4619813" y="6173461"/>
+            <a:ext cx="3416320" cy="369332"/>
+          </a:xfrm>
+          <a:prstGeom prst="rect">
+            <a:avLst/>
+          </a:prstGeom>
+        </p:spPr>
+        <p:txBody>
+          <a:bodyPr wrap="none">
+            <a:spAutoFit/>
+          </a:bodyPr>
+          <a:lstStyle/>
+          <a:p>
+            <a:r>
+              <a:rPr lang="zh-CN" altLang="en-US" dirty="0" smtClean="0"/>
+              <a:t>中止运行而去执行中断服务程序</a:t>
+            </a:r>
+            <a:endParaRPr lang="zh-CN" altLang="en-US" dirty="0"/>
+          </a:p>
+        </p:txBody>
+      </p:sp>
+      <p:cxnSp>
+        <p:nvCxnSpPr>
+          <p:cNvPr id="15" name="直接箭头连接符 14"/>
+          <p:cNvCxnSpPr/>
+          <p:nvPr/>
+        </p:nvCxnSpPr>
+        <p:spPr>
+          <a:xfrm>
+            <a:off x="7308397" y="1514990"/>
+            <a:ext cx="999626" cy="1003967"/>
+          </a:xfrm>
+          <a:prstGeom prst="straightConnector1">
+            <a:avLst/>
+          </a:prstGeom>
+          <a:ln w="76200">
+            <a:solidFill>
+              <a:schemeClr val="accent2">
+                <a:lumMod val="75000"/>
+              </a:schemeClr>
+            </a:solidFill>
+            <a:tailEnd type="triangle"/>
+          </a:ln>
+        </p:spPr>
+        <p:style>
+          <a:lnRef idx="1">
+            <a:schemeClr val="accent1"/>
+          </a:lnRef>
+          <a:fillRef idx="0">
+            <a:schemeClr val="accent1"/>
+          </a:fillRef>
+          <a:effectRef idx="0">
+            <a:schemeClr val="accent1"/>
+          </a:effectRef>
+          <a:fontRef idx="minor">
+            <a:schemeClr val="tx1"/>
+          </a:fontRef>
+        </p:style>
+      </p:cxnSp>
+      <p:cxnSp>
+        <p:nvCxnSpPr>
+          <p:cNvPr id="18" name="直接箭头连接符 17"/>
+          <p:cNvCxnSpPr/>
+          <p:nvPr/>
+        </p:nvCxnSpPr>
+        <p:spPr>
+          <a:xfrm flipH="1">
+            <a:off x="3816006" y="1395191"/>
+            <a:ext cx="1199489" cy="1108151"/>
+          </a:xfrm>
+          <a:prstGeom prst="straightConnector1">
+            <a:avLst/>
+          </a:prstGeom>
+          <a:ln w="76200">
+            <a:solidFill>
+              <a:schemeClr val="accent2">
+                <a:lumMod val="75000"/>
+              </a:schemeClr>
+            </a:solidFill>
+            <a:tailEnd type="triangle"/>
+          </a:ln>
+        </p:spPr>
+        <p:style>
+          <a:lnRef idx="1">
+            <a:schemeClr val="accent1"/>
+          </a:lnRef>
+          <a:fillRef idx="0">
+            <a:schemeClr val="accent1"/>
+          </a:fillRef>
+          <a:effectRef idx="0">
+            <a:schemeClr val="accent1"/>
+          </a:effectRef>
+          <a:fontRef idx="minor">
+            <a:schemeClr val="tx1"/>
+          </a:fontRef>
+        </p:style>
+      </p:cxnSp>
+      <p:cxnSp>
+        <p:nvCxnSpPr>
+          <p:cNvPr id="20" name="直接箭头连接符 19"/>
+          <p:cNvCxnSpPr/>
+          <p:nvPr/>
+        </p:nvCxnSpPr>
+        <p:spPr>
+          <a:xfrm flipH="1" flipV="1">
+            <a:off x="7397177" y="1307818"/>
+            <a:ext cx="1161826" cy="1118795"/>
+          </a:xfrm>
+          <a:prstGeom prst="straightConnector1">
+            <a:avLst/>
+          </a:prstGeom>
+          <a:ln w="76200">
+            <a:solidFill>
+              <a:srgbClr val="7030A0"/>
+            </a:solidFill>
+            <a:tailEnd type="triangle"/>
+          </a:ln>
+        </p:spPr>
+        <p:style>
+          <a:lnRef idx="1">
+            <a:schemeClr val="accent1"/>
+          </a:lnRef>
+          <a:fillRef idx="0">
+            <a:schemeClr val="accent1"/>
+          </a:fillRef>
+          <a:effectRef idx="0">
+            <a:schemeClr val="accent1"/>
+          </a:effectRef>
+          <a:fontRef idx="minor">
+            <a:schemeClr val="tx1"/>
+          </a:fontRef>
+        </p:style>
+      </p:cxnSp>
+      <p:cxnSp>
+        <p:nvCxnSpPr>
+          <p:cNvPr id="25" name="直接箭头连接符 24"/>
+          <p:cNvCxnSpPr/>
+          <p:nvPr/>
+        </p:nvCxnSpPr>
+        <p:spPr>
+          <a:xfrm>
+            <a:off x="3649863" y="4084112"/>
+            <a:ext cx="1402756" cy="1328639"/>
+          </a:xfrm>
+          <a:prstGeom prst="straightConnector1">
+            <a:avLst/>
+          </a:prstGeom>
+          <a:ln w="76200">
+            <a:tailEnd type="triangle"/>
+          </a:ln>
+        </p:spPr>
+        <p:style>
+          <a:lnRef idx="1">
+            <a:schemeClr val="accent1"/>
+          </a:lnRef>
+          <a:fillRef idx="0">
+            <a:schemeClr val="accent1"/>
+          </a:fillRef>
+          <a:effectRef idx="0">
+            <a:schemeClr val="accent1"/>
+          </a:effectRef>
+          <a:fontRef idx="minor">
+            <a:schemeClr val="tx1"/>
+          </a:fontRef>
+        </p:style>
+      </p:cxnSp>
+      <p:cxnSp>
+        <p:nvCxnSpPr>
+          <p:cNvPr id="28" name="直接箭头连接符 27"/>
+          <p:cNvCxnSpPr/>
+          <p:nvPr/>
+        </p:nvCxnSpPr>
+        <p:spPr>
+          <a:xfrm flipV="1">
+            <a:off x="5118728" y="3260880"/>
+            <a:ext cx="2189669" cy="55101"/>
+          </a:xfrm>
+          <a:prstGeom prst="straightConnector1">
+            <a:avLst/>
+          </a:prstGeom>
+          <a:ln w="76200">
+            <a:tailEnd type="triangle"/>
+          </a:ln>
+        </p:spPr>
+        <p:style>
+          <a:lnRef idx="1">
+            <a:schemeClr val="accent1"/>
+          </a:lnRef>
+          <a:fillRef idx="0">
+            <a:schemeClr val="accent1"/>
+          </a:fillRef>
+          <a:effectRef idx="0">
+            <a:schemeClr val="accent1"/>
+          </a:effectRef>
+          <a:fontRef idx="minor">
+            <a:schemeClr val="tx1"/>
+          </a:fontRef>
+        </p:style>
+      </p:cxnSp>
+      <p:cxnSp>
+        <p:nvCxnSpPr>
+          <p:cNvPr id="31" name="直接箭头连接符 30"/>
+          <p:cNvCxnSpPr/>
+          <p:nvPr/>
+        </p:nvCxnSpPr>
+        <p:spPr>
+          <a:xfrm flipV="1">
+            <a:off x="3796846" y="1136244"/>
+            <a:ext cx="1194099" cy="1118795"/>
+          </a:xfrm>
+          <a:prstGeom prst="straightConnector1">
+            <a:avLst/>
+          </a:prstGeom>
+          <a:ln w="76200">
+            <a:tailEnd type="triangle"/>
+          </a:ln>
+        </p:spPr>
+        <p:style>
+          <a:lnRef idx="1">
+            <a:schemeClr val="accent1"/>
+          </a:lnRef>
+          <a:fillRef idx="0">
+            <a:schemeClr val="accent1"/>
+          </a:fillRef>
+          <a:effectRef idx="0">
+            <a:schemeClr val="accent1"/>
+          </a:effectRef>
+          <a:fontRef idx="minor">
+            <a:schemeClr val="tx1"/>
+          </a:fontRef>
+        </p:style>
+      </p:cxnSp>
+      <p:cxnSp>
+        <p:nvCxnSpPr>
+          <p:cNvPr id="33" name="直接箭头连接符 32"/>
+          <p:cNvCxnSpPr/>
+          <p:nvPr/>
+        </p:nvCxnSpPr>
+        <p:spPr>
+          <a:xfrm flipH="1" flipV="1">
+            <a:off x="3816006" y="3978064"/>
+            <a:ext cx="1352676" cy="1289362"/>
+          </a:xfrm>
+          <a:prstGeom prst="straightConnector1">
+            <a:avLst/>
+          </a:prstGeom>
+          <a:ln w="76200">
+            <a:solidFill>
+              <a:schemeClr val="bg1">
+                <a:lumMod val="50000"/>
+              </a:schemeClr>
+            </a:solidFill>
+            <a:tailEnd type="triangle"/>
+          </a:ln>
+        </p:spPr>
+        <p:style>
+          <a:lnRef idx="1">
+            <a:schemeClr val="accent1"/>
+          </a:lnRef>
+          <a:fillRef idx="0">
+            <a:schemeClr val="accent1"/>
+          </a:fillRef>
+          <a:effectRef idx="0">
+            <a:schemeClr val="accent1"/>
+          </a:effectRef>
+          <a:fontRef idx="minor">
+            <a:schemeClr val="tx1"/>
+          </a:fontRef>
+        </p:style>
+      </p:cxnSp>
+      <p:cxnSp>
+        <p:nvCxnSpPr>
+          <p:cNvPr id="37" name="直接箭头连接符 36"/>
+          <p:cNvCxnSpPr/>
+          <p:nvPr/>
+        </p:nvCxnSpPr>
+        <p:spPr>
+          <a:xfrm flipV="1">
+            <a:off x="7386908" y="3977328"/>
+            <a:ext cx="1057905" cy="1435423"/>
+          </a:xfrm>
+          <a:prstGeom prst="straightConnector1">
+            <a:avLst/>
+          </a:prstGeom>
+          <a:ln w="76200">
+            <a:solidFill>
+              <a:srgbClr val="92D050"/>
+            </a:solidFill>
+            <a:tailEnd type="triangle"/>
+          </a:ln>
+        </p:spPr>
+        <p:style>
+          <a:lnRef idx="1">
+            <a:schemeClr val="accent1"/>
+          </a:lnRef>
+          <a:fillRef idx="0">
+            <a:schemeClr val="accent1"/>
+          </a:fillRef>
+          <a:effectRef idx="0">
+            <a:schemeClr val="accent1"/>
+          </a:effectRef>
+          <a:fontRef idx="minor">
+            <a:schemeClr val="tx1"/>
+          </a:fontRef>
+        </p:style>
+      </p:cxnSp>
+      <p:sp>
+        <p:nvSpPr>
+          <p:cNvPr id="40" name="矩形 39"/>
+          <p:cNvSpPr/>
+          <p:nvPr/>
+        </p:nvSpPr>
+        <p:spPr>
+          <a:xfrm rot="20705349">
+            <a:off x="5172943" y="1983469"/>
+            <a:ext cx="1569660" cy="369332"/>
+          </a:xfrm>
+          <a:prstGeom prst="rect">
+            <a:avLst/>
+          </a:prstGeom>
+        </p:spPr>
+        <p:txBody>
+          <a:bodyPr wrap="none">
+            <a:spAutoFit/>
+          </a:bodyPr>
+          <a:lstStyle/>
+          <a:p>
+            <a:r>
+              <a:rPr lang="zh-CN" altLang="en-US" dirty="0" smtClean="0">
+                <a:solidFill>
+                  <a:srgbClr val="92D050"/>
+                </a:solidFill>
+              </a:rPr>
+              <a:t>就绪表中登记</a:t>
+            </a:r>
+            <a:endParaRPr lang="zh-CN" altLang="en-US" dirty="0">
+              <a:solidFill>
+                <a:srgbClr val="92D050"/>
+              </a:solidFill>
+            </a:endParaRPr>
+          </a:p>
+        </p:txBody>
+      </p:sp>
+      <p:sp>
+        <p:nvSpPr>
+          <p:cNvPr id="41" name="矩形 40"/>
+          <p:cNvSpPr/>
+          <p:nvPr/>
+        </p:nvSpPr>
+        <p:spPr>
+          <a:xfrm rot="19415735">
+            <a:off x="7162788" y="4341492"/>
+            <a:ext cx="1037463" cy="369332"/>
+          </a:xfrm>
+          <a:prstGeom prst="rect">
+            <a:avLst/>
+          </a:prstGeom>
+        </p:spPr>
+        <p:txBody>
+          <a:bodyPr wrap="none">
+            <a:spAutoFit/>
+          </a:bodyPr>
+          <a:lstStyle/>
+          <a:p>
+            <a:r>
+              <a:rPr lang="zh-CN" altLang="en-US" dirty="0" smtClean="0">
+                <a:solidFill>
+                  <a:srgbClr val="92D050"/>
+                </a:solidFill>
+              </a:rPr>
+              <a:t>删除</a:t>
+            </a:r>
+            <a:r>
+              <a:rPr lang="en-US" altLang="zh-CN" dirty="0" smtClean="0">
+                <a:solidFill>
+                  <a:srgbClr val="92D050"/>
+                </a:solidFill>
+              </a:rPr>
+              <a:t>TCB</a:t>
+            </a:r>
+            <a:endParaRPr lang="zh-CN" altLang="en-US" dirty="0">
+              <a:solidFill>
+                <a:srgbClr val="92D050"/>
+              </a:solidFill>
+            </a:endParaRPr>
+          </a:p>
+        </p:txBody>
+      </p:sp>
+      <p:sp>
+        <p:nvSpPr>
+          <p:cNvPr id="44" name="矩形 43"/>
+          <p:cNvSpPr/>
+          <p:nvPr/>
+        </p:nvSpPr>
+        <p:spPr>
+          <a:xfrm>
+            <a:off x="5694830" y="2854183"/>
+            <a:ext cx="1037463" cy="369332"/>
+          </a:xfrm>
+          <a:prstGeom prst="rect">
+            <a:avLst/>
+          </a:prstGeom>
+        </p:spPr>
+        <p:txBody>
+          <a:bodyPr wrap="none">
+            <a:spAutoFit/>
+          </a:bodyPr>
+          <a:lstStyle/>
+          <a:p>
+            <a:r>
+              <a:rPr lang="zh-CN" altLang="en-US" dirty="0" smtClean="0">
+                <a:solidFill>
+                  <a:schemeClr val="accent1"/>
+                </a:solidFill>
+              </a:rPr>
+              <a:t>删除TCB</a:t>
+            </a:r>
+            <a:endParaRPr lang="zh-CN" altLang="en-US" dirty="0">
+              <a:solidFill>
+                <a:schemeClr val="accent1"/>
+              </a:solidFill>
+            </a:endParaRPr>
+          </a:p>
+        </p:txBody>
+      </p:sp>
+      <p:sp>
+        <p:nvSpPr>
+          <p:cNvPr id="45" name="矩形 44"/>
+          <p:cNvSpPr/>
+          <p:nvPr/>
+        </p:nvSpPr>
+        <p:spPr>
+          <a:xfrm rot="1219818">
+            <a:off x="4281182" y="4152639"/>
+            <a:ext cx="646331" cy="369332"/>
+          </a:xfrm>
+          <a:prstGeom prst="rect">
+            <a:avLst/>
+          </a:prstGeom>
+        </p:spPr>
+        <p:txBody>
+          <a:bodyPr wrap="none">
+            <a:spAutoFit/>
+          </a:bodyPr>
+          <a:lstStyle/>
+          <a:p>
+            <a:r>
+              <a:rPr lang="zh-CN" altLang="en-US" dirty="0">
+                <a:solidFill>
+                  <a:schemeClr val="accent1"/>
+                </a:solidFill>
+              </a:rPr>
+              <a:t>中断</a:t>
+            </a:r>
+          </a:p>
+        </p:txBody>
+      </p:sp>
+      <p:sp>
+        <p:nvSpPr>
+          <p:cNvPr id="47" name="矩形 46"/>
+          <p:cNvSpPr/>
+          <p:nvPr/>
+        </p:nvSpPr>
+        <p:spPr>
+          <a:xfrm rot="19585983">
+            <a:off x="3181776" y="1004263"/>
+            <a:ext cx="1569660" cy="646331"/>
+          </a:xfrm>
+          <a:prstGeom prst="rect">
+            <a:avLst/>
+          </a:prstGeom>
+        </p:spPr>
+        <p:txBody>
+          <a:bodyPr wrap="none">
+            <a:spAutoFit/>
+          </a:bodyPr>
+          <a:lstStyle/>
+          <a:p>
+            <a:pPr algn="ctr"/>
+            <a:r>
+              <a:rPr lang="en-US" altLang="zh-CN" dirty="0" smtClean="0">
+                <a:solidFill>
+                  <a:schemeClr val="accent1"/>
+                </a:solidFill>
+              </a:rPr>
+              <a:t>2.</a:t>
+            </a:r>
+            <a:r>
+              <a:rPr lang="zh-CN" altLang="en-US" dirty="0" smtClean="0">
+                <a:solidFill>
+                  <a:schemeClr val="accent1"/>
+                </a:solidFill>
+              </a:rPr>
+              <a:t>任务切换</a:t>
+            </a:r>
+            <a:endParaRPr lang="en-US" altLang="zh-CN" dirty="0" smtClean="0">
+              <a:solidFill>
+                <a:schemeClr val="accent1"/>
+              </a:solidFill>
+            </a:endParaRPr>
+          </a:p>
+          <a:p>
+            <a:r>
+              <a:rPr lang="zh-CN" altLang="en-US" dirty="0" smtClean="0">
+                <a:solidFill>
+                  <a:schemeClr val="accent1"/>
+                </a:solidFill>
+              </a:rPr>
+              <a:t>就绪表不注销</a:t>
+            </a:r>
+            <a:endParaRPr lang="zh-CN" altLang="en-US" dirty="0">
+              <a:solidFill>
+                <a:schemeClr val="accent1"/>
+              </a:solidFill>
+            </a:endParaRPr>
+          </a:p>
+        </p:txBody>
+      </p:sp>
+      <p:sp>
+        <p:nvSpPr>
+          <p:cNvPr id="48" name="矩形 47"/>
+          <p:cNvSpPr/>
+          <p:nvPr/>
+        </p:nvSpPr>
+        <p:spPr>
+          <a:xfrm rot="19585983">
+            <a:off x="4360961" y="1832308"/>
+            <a:ext cx="1107996" cy="369332"/>
+          </a:xfrm>
+          <a:prstGeom prst="rect">
+            <a:avLst/>
+          </a:prstGeom>
+        </p:spPr>
+        <p:txBody>
+          <a:bodyPr wrap="none">
+            <a:spAutoFit/>
+          </a:bodyPr>
+          <a:lstStyle/>
+          <a:p>
+            <a:r>
+              <a:rPr lang="zh-CN" altLang="en-US" dirty="0" smtClean="0">
+                <a:solidFill>
+                  <a:schemeClr val="accent4">
+                    <a:lumMod val="75000"/>
+                  </a:schemeClr>
+                </a:solidFill>
+              </a:rPr>
+              <a:t>任务切换</a:t>
+            </a:r>
+            <a:endParaRPr lang="zh-CN" altLang="en-US" dirty="0">
+              <a:solidFill>
+                <a:schemeClr val="accent4">
+                  <a:lumMod val="75000"/>
+                </a:schemeClr>
+              </a:solidFill>
+            </a:endParaRPr>
+          </a:p>
+        </p:txBody>
+      </p:sp>
+      <p:sp>
+        <p:nvSpPr>
+          <p:cNvPr id="27" name="矩形 26"/>
+          <p:cNvSpPr/>
+          <p:nvPr/>
+        </p:nvSpPr>
+        <p:spPr>
+          <a:xfrm rot="19478203">
+            <a:off x="3072349" y="749214"/>
+            <a:ext cx="883575" cy="369332"/>
+          </a:xfrm>
+          <a:prstGeom prst="rect">
+            <a:avLst/>
+          </a:prstGeom>
+        </p:spPr>
+        <p:txBody>
+          <a:bodyPr wrap="none">
+            <a:spAutoFit/>
+          </a:bodyPr>
+          <a:lstStyle/>
+          <a:p>
+            <a:r>
+              <a:rPr lang="en-US" altLang="zh-CN" dirty="0" smtClean="0">
+                <a:solidFill>
+                  <a:schemeClr val="accent1"/>
+                </a:solidFill>
+              </a:rPr>
+              <a:t>1.delay</a:t>
+            </a:r>
+            <a:endParaRPr lang="zh-CN" altLang="en-US" dirty="0">
+              <a:solidFill>
+                <a:schemeClr val="accent1"/>
+              </a:solidFill>
+            </a:endParaRPr>
+          </a:p>
+        </p:txBody>
+      </p:sp>
+      <p:grpSp>
+        <p:nvGrpSpPr>
+          <p:cNvPr id="5" name="组合 4"/>
+          <p:cNvGrpSpPr/>
+          <p:nvPr/>
+        </p:nvGrpSpPr>
+        <p:grpSpPr>
+          <a:xfrm>
+            <a:off x="419621" y="182777"/>
+            <a:ext cx="1874197" cy="882869"/>
+            <a:chOff x="582952" y="210207"/>
+            <a:chExt cx="1874197" cy="882869"/>
+          </a:xfrm>
+        </p:grpSpPr>
+        <p:sp>
+          <p:nvSpPr>
+            <p:cNvPr id="3" name="圆角矩形 2"/>
+            <p:cNvSpPr/>
+            <p:nvPr/>
+          </p:nvSpPr>
+          <p:spPr>
+            <a:xfrm>
+              <a:off x="582952" y="210207"/>
+              <a:ext cx="1829202" cy="882869"/>
+            </a:xfrm>
+            <a:prstGeom prst="roundRect">
+              <a:avLst/>
+            </a:prstGeom>
+            <a:solidFill>
+              <a:srgbClr val="00B0F0"/>
+            </a:solidFill>
+            <a:ln>
+              <a:noFill/>
+            </a:ln>
+          </p:spPr>
+          <p:style>
+            <a:lnRef idx="2">
+              <a:schemeClr val="accent1">
+                <a:shade val="50000"/>
+              </a:schemeClr>
+            </a:lnRef>
+            <a:fillRef idx="1">
+              <a:schemeClr val="accent1"/>
+            </a:fillRef>
+            <a:effectRef idx="0">
+              <a:schemeClr val="accent1"/>
+            </a:effectRef>
+            <a:fontRef idx="minor">
+              <a:schemeClr val="lt1"/>
+            </a:fontRef>
+          </p:style>
+          <p:txBody>
+            <a:bodyPr rtlCol="0" anchor="ctr"/>
+            <a:lstStyle/>
+            <a:p>
+              <a:pPr algn="ctr"/>
+              <a:endParaRPr lang="zh-CN" altLang="en-US"/>
+            </a:p>
+          </p:txBody>
+        </p:sp>
+        <p:sp>
+          <p:nvSpPr>
+            <p:cNvPr id="2" name="文本框 1"/>
+            <p:cNvSpPr txBox="1"/>
+            <p:nvPr/>
+          </p:nvSpPr>
+          <p:spPr>
+            <a:xfrm>
+              <a:off x="687513" y="362602"/>
+              <a:ext cx="1769636" cy="523220"/>
+            </a:xfrm>
+            <a:prstGeom prst="rect">
+              <a:avLst/>
+            </a:prstGeom>
+            <a:noFill/>
+          </p:spPr>
+          <p:txBody>
+            <a:bodyPr wrap="square" rtlCol="0">
+              <a:spAutoFit/>
+            </a:bodyPr>
+            <a:lstStyle/>
+            <a:p>
+              <a:r>
+                <a:rPr lang="zh-CN" altLang="en-US" sz="2800" b="1" dirty="0" smtClean="0">
+                  <a:solidFill>
+                    <a:schemeClr val="bg1"/>
+                  </a:solidFill>
+                </a:rPr>
+                <a:t>任务创建</a:t>
+              </a:r>
+              <a:endParaRPr lang="zh-CN" altLang="en-US" sz="2800" b="1" dirty="0">
+                <a:solidFill>
+                  <a:schemeClr val="bg1"/>
+                </a:solidFill>
+              </a:endParaRPr>
+            </a:p>
+          </p:txBody>
+        </p:sp>
+      </p:grpSp>
+      <p:sp>
+        <p:nvSpPr>
+          <p:cNvPr id="6" name="文本框 5"/>
+          <p:cNvSpPr txBox="1"/>
+          <p:nvPr/>
+        </p:nvSpPr>
+        <p:spPr>
+          <a:xfrm>
+            <a:off x="9652559" y="3436812"/>
+            <a:ext cx="1629104" cy="369332"/>
+          </a:xfrm>
+          <a:prstGeom prst="rect">
+            <a:avLst/>
+          </a:prstGeom>
+          <a:noFill/>
+        </p:spPr>
+        <p:txBody>
+          <a:bodyPr wrap="square" rtlCol="0">
+            <a:spAutoFit/>
+          </a:bodyPr>
+          <a:lstStyle/>
+          <a:p>
+            <a:r>
+              <a:rPr lang="zh-CN" altLang="en-US" b="1" i="1" dirty="0" smtClean="0"/>
+              <a:t>无</a:t>
+            </a:r>
+            <a:r>
+              <a:rPr lang="en-US" altLang="zh-CN" b="1" i="1" dirty="0" smtClean="0"/>
+              <a:t>TCB</a:t>
+            </a:r>
+            <a:r>
+              <a:rPr lang="zh-CN" altLang="en-US" b="1" i="1" dirty="0" smtClean="0"/>
+              <a:t>任务</a:t>
+            </a:r>
+            <a:endParaRPr lang="zh-CN" altLang="en-US" b="1" i="1" dirty="0"/>
+          </a:p>
+        </p:txBody>
+      </p:sp>
+      <p:sp>
+        <p:nvSpPr>
+          <p:cNvPr id="29" name="文本框 28"/>
+          <p:cNvSpPr txBox="1"/>
+          <p:nvPr/>
+        </p:nvSpPr>
+        <p:spPr>
+          <a:xfrm>
+            <a:off x="4971541" y="40059"/>
+            <a:ext cx="1012981" cy="369332"/>
+          </a:xfrm>
+          <a:prstGeom prst="rect">
+            <a:avLst/>
+          </a:prstGeom>
+          <a:noFill/>
+        </p:spPr>
+        <p:txBody>
+          <a:bodyPr wrap="square" rtlCol="0">
+            <a:spAutoFit/>
+          </a:bodyPr>
+          <a:lstStyle/>
+          <a:p>
+            <a:r>
+              <a:rPr lang="zh-CN" altLang="en-US" b="1" i="1" dirty="0" smtClean="0"/>
+              <a:t>就绪表</a:t>
+            </a:r>
+            <a:endParaRPr lang="zh-CN" altLang="en-US" b="1" i="1" dirty="0"/>
+          </a:p>
+        </p:txBody>
+      </p:sp>
+      <p:sp>
+        <p:nvSpPr>
+          <p:cNvPr id="30" name="文本框 29"/>
+          <p:cNvSpPr txBox="1"/>
+          <p:nvPr/>
+        </p:nvSpPr>
+        <p:spPr>
+          <a:xfrm>
+            <a:off x="6170543" y="33849"/>
+            <a:ext cx="1637667" cy="369332"/>
+          </a:xfrm>
+          <a:prstGeom prst="rect">
+            <a:avLst/>
+          </a:prstGeom>
+          <a:noFill/>
+        </p:spPr>
+        <p:txBody>
+          <a:bodyPr wrap="square" rtlCol="0">
+            <a:spAutoFit/>
+          </a:bodyPr>
+          <a:lstStyle/>
+          <a:p>
+            <a:r>
+              <a:rPr lang="zh-CN" altLang="en-US" b="1" i="1" dirty="0" smtClean="0"/>
+              <a:t>当前运行任务</a:t>
+            </a:r>
+            <a:endParaRPr lang="zh-CN" altLang="en-US" b="1" i="1" dirty="0"/>
+          </a:p>
+        </p:txBody>
+      </p:sp>
+      <p:grpSp>
+        <p:nvGrpSpPr>
+          <p:cNvPr id="22" name="组合 21"/>
+          <p:cNvGrpSpPr/>
+          <p:nvPr/>
+        </p:nvGrpSpPr>
+        <p:grpSpPr>
+          <a:xfrm>
+            <a:off x="48071" y="1239764"/>
+            <a:ext cx="3152392" cy="1419004"/>
+            <a:chOff x="-25184" y="2776240"/>
+            <a:chExt cx="3152392" cy="1419004"/>
+          </a:xfrm>
+        </p:grpSpPr>
+        <p:grpSp>
+          <p:nvGrpSpPr>
+            <p:cNvPr id="21" name="组合 20"/>
+            <p:cNvGrpSpPr/>
+            <p:nvPr/>
+          </p:nvGrpSpPr>
+          <p:grpSpPr>
+            <a:xfrm>
+              <a:off x="-25184" y="2854183"/>
+              <a:ext cx="1475937" cy="1341061"/>
+              <a:chOff x="-25184" y="2854183"/>
+              <a:chExt cx="1475937" cy="1341061"/>
+            </a:xfrm>
+          </p:grpSpPr>
+          <p:sp>
+            <p:nvSpPr>
+              <p:cNvPr id="19" name="左大括号 18"/>
+              <p:cNvSpPr/>
+              <p:nvPr/>
+            </p:nvSpPr>
+            <p:spPr>
+              <a:xfrm>
+                <a:off x="1074516" y="2854183"/>
+                <a:ext cx="376237" cy="1341061"/>
+              </a:xfrm>
+              <a:prstGeom prst="leftBrace">
+                <a:avLst>
+                  <a:gd name="adj1" fmla="val 8333"/>
+                  <a:gd name="adj2" fmla="val 49645"/>
+                </a:avLst>
+              </a:prstGeom>
+              <a:ln w="38100">
+                <a:headEnd type="none" w="med" len="med"/>
+                <a:tailEnd type="none" w="med" len="med"/>
+              </a:ln>
+            </p:spPr>
+            <p:style>
+              <a:lnRef idx="1">
+                <a:schemeClr val="accent1"/>
+              </a:lnRef>
+              <a:fillRef idx="0">
+                <a:schemeClr val="accent1"/>
+              </a:fillRef>
+              <a:effectRef idx="0">
+                <a:schemeClr val="accent1"/>
+              </a:effectRef>
+              <a:fontRef idx="minor">
+                <a:schemeClr val="tx1"/>
+              </a:fontRef>
+            </p:style>
+            <p:txBody>
+              <a:bodyPr rtlCol="0" anchor="ctr"/>
+              <a:lstStyle/>
+              <a:p>
+                <a:pPr algn="ctr"/>
+                <a:endParaRPr lang="zh-CN" altLang="en-US"/>
+              </a:p>
+            </p:txBody>
+          </p:sp>
+          <p:sp>
+            <p:nvSpPr>
+              <p:cNvPr id="32" name="文本框 31"/>
+              <p:cNvSpPr txBox="1"/>
+              <p:nvPr/>
+            </p:nvSpPr>
+            <p:spPr>
+              <a:xfrm>
+                <a:off x="-25184" y="3315981"/>
+                <a:ext cx="1220749" cy="338554"/>
+              </a:xfrm>
+              <a:prstGeom prst="rect">
+                <a:avLst/>
+              </a:prstGeom>
+              <a:noFill/>
+            </p:spPr>
+            <p:txBody>
+              <a:bodyPr wrap="square" rtlCol="0">
+                <a:spAutoFit/>
+              </a:bodyPr>
+              <a:lstStyle/>
+              <a:p>
+                <a:r>
+                  <a:rPr lang="zh-CN" altLang="en-US" sz="1600" b="1" i="1" dirty="0" smtClean="0"/>
+                  <a:t>等待信号量</a:t>
+                </a:r>
+                <a:endParaRPr lang="zh-CN" altLang="en-US" sz="1600" b="1" i="1" dirty="0"/>
+              </a:p>
+            </p:txBody>
+          </p:sp>
+        </p:grpSp>
+        <p:sp>
+          <p:nvSpPr>
+            <p:cNvPr id="38" name="文本框 37"/>
+            <p:cNvSpPr txBox="1"/>
+            <p:nvPr/>
+          </p:nvSpPr>
+          <p:spPr>
+            <a:xfrm>
+              <a:off x="1498104" y="2776240"/>
+              <a:ext cx="1629104" cy="369332"/>
+            </a:xfrm>
+            <a:prstGeom prst="rect">
+              <a:avLst/>
+            </a:prstGeom>
+            <a:noFill/>
+          </p:spPr>
+          <p:txBody>
+            <a:bodyPr wrap="square" rtlCol="0">
+              <a:spAutoFit/>
+            </a:bodyPr>
+            <a:lstStyle/>
+            <a:p>
+              <a:r>
+                <a:rPr lang="zh-CN" altLang="en-US" i="1" dirty="0" smtClean="0"/>
+                <a:t>任务</a:t>
+              </a:r>
+              <a:r>
+                <a:rPr lang="en-US" altLang="zh-CN" i="1" dirty="0" smtClean="0"/>
+                <a:t>1</a:t>
+              </a:r>
+              <a:endParaRPr lang="zh-CN" altLang="en-US" i="1" dirty="0"/>
+            </a:p>
+          </p:txBody>
+        </p:sp>
+        <p:sp>
+          <p:nvSpPr>
+            <p:cNvPr id="39" name="文本框 38"/>
+            <p:cNvSpPr txBox="1"/>
+            <p:nvPr/>
+          </p:nvSpPr>
+          <p:spPr>
+            <a:xfrm>
+              <a:off x="1498104" y="3220303"/>
+              <a:ext cx="1629104" cy="369332"/>
+            </a:xfrm>
+            <a:prstGeom prst="rect">
+              <a:avLst/>
+            </a:prstGeom>
+            <a:noFill/>
+          </p:spPr>
+          <p:txBody>
+            <a:bodyPr wrap="square" rtlCol="0">
+              <a:spAutoFit/>
+            </a:bodyPr>
+            <a:lstStyle/>
+            <a:p>
+              <a:r>
+                <a:rPr lang="zh-CN" altLang="en-US" i="1" dirty="0" smtClean="0"/>
+                <a:t>任务</a:t>
+              </a:r>
+              <a:r>
+                <a:rPr lang="en-US" altLang="zh-CN" i="1" dirty="0" smtClean="0"/>
+                <a:t>2</a:t>
+              </a:r>
+              <a:endParaRPr lang="zh-CN" altLang="en-US" i="1" dirty="0"/>
+            </a:p>
+          </p:txBody>
+        </p:sp>
+        <p:sp>
+          <p:nvSpPr>
+            <p:cNvPr id="42" name="文本框 41"/>
+            <p:cNvSpPr txBox="1"/>
+            <p:nvPr/>
+          </p:nvSpPr>
+          <p:spPr>
+            <a:xfrm>
+              <a:off x="1485904" y="3682532"/>
+              <a:ext cx="954357" cy="369332"/>
+            </a:xfrm>
+            <a:prstGeom prst="rect">
+              <a:avLst/>
+            </a:prstGeom>
+            <a:noFill/>
+          </p:spPr>
+          <p:txBody>
+            <a:bodyPr wrap="square" rtlCol="0">
+              <a:spAutoFit/>
+            </a:bodyPr>
+            <a:lstStyle/>
+            <a:p>
+              <a:r>
+                <a:rPr lang="zh-CN" altLang="en-US" i="1" dirty="0" smtClean="0"/>
+                <a:t>任务</a:t>
+              </a:r>
+              <a:r>
+                <a:rPr lang="en-US" altLang="zh-CN" i="1" dirty="0"/>
+                <a:t>3</a:t>
+              </a:r>
+              <a:endParaRPr lang="zh-CN" altLang="en-US" i="1" dirty="0"/>
+            </a:p>
+          </p:txBody>
+        </p:sp>
+      </p:grpSp>
+      <p:grpSp>
+        <p:nvGrpSpPr>
+          <p:cNvPr id="43" name="组合 42"/>
+          <p:cNvGrpSpPr/>
+          <p:nvPr/>
+        </p:nvGrpSpPr>
+        <p:grpSpPr>
+          <a:xfrm>
+            <a:off x="85268" y="2972585"/>
+            <a:ext cx="3075880" cy="878296"/>
+            <a:chOff x="51328" y="2776240"/>
+            <a:chExt cx="3075880" cy="878296"/>
+          </a:xfrm>
+        </p:grpSpPr>
+        <p:grpSp>
+          <p:nvGrpSpPr>
+            <p:cNvPr id="46" name="组合 45"/>
+            <p:cNvGrpSpPr/>
+            <p:nvPr/>
+          </p:nvGrpSpPr>
+          <p:grpSpPr>
+            <a:xfrm>
+              <a:off x="51328" y="2854184"/>
+              <a:ext cx="1399425" cy="800352"/>
+              <a:chOff x="51328" y="2854184"/>
+              <a:chExt cx="1399425" cy="800352"/>
+            </a:xfrm>
+          </p:grpSpPr>
+          <p:sp>
+            <p:nvSpPr>
+              <p:cNvPr id="52" name="左大括号 51"/>
+              <p:cNvSpPr/>
+              <p:nvPr/>
+            </p:nvSpPr>
+            <p:spPr>
+              <a:xfrm>
+                <a:off x="1074516" y="2854184"/>
+                <a:ext cx="376237" cy="800352"/>
+              </a:xfrm>
+              <a:prstGeom prst="leftBrace">
+                <a:avLst>
+                  <a:gd name="adj1" fmla="val 8333"/>
+                  <a:gd name="adj2" fmla="val 49645"/>
+                </a:avLst>
+              </a:prstGeom>
+              <a:ln w="38100">
+                <a:headEnd type="none" w="med" len="med"/>
+                <a:tailEnd type="none" w="med" len="med"/>
+              </a:ln>
+            </p:spPr>
+            <p:style>
+              <a:lnRef idx="1">
+                <a:schemeClr val="accent1"/>
+              </a:lnRef>
+              <a:fillRef idx="0">
+                <a:schemeClr val="accent1"/>
+              </a:fillRef>
+              <a:effectRef idx="0">
+                <a:schemeClr val="accent1"/>
+              </a:effectRef>
+              <a:fontRef idx="minor">
+                <a:schemeClr val="tx1"/>
+              </a:fontRef>
+            </p:style>
+            <p:txBody>
+              <a:bodyPr rtlCol="0" anchor="ctr"/>
+              <a:lstStyle/>
+              <a:p>
+                <a:pPr algn="ctr"/>
+                <a:endParaRPr lang="zh-CN" altLang="en-US"/>
+              </a:p>
+            </p:txBody>
+          </p:sp>
+          <p:sp>
+            <p:nvSpPr>
+              <p:cNvPr id="53" name="文本框 52"/>
+              <p:cNvSpPr txBox="1"/>
+              <p:nvPr/>
+            </p:nvSpPr>
+            <p:spPr>
+              <a:xfrm>
+                <a:off x="51328" y="2929340"/>
+                <a:ext cx="1061658" cy="584775"/>
+              </a:xfrm>
+              <a:prstGeom prst="rect">
+                <a:avLst/>
+              </a:prstGeom>
+              <a:noFill/>
+            </p:spPr>
+            <p:txBody>
+              <a:bodyPr wrap="square" rtlCol="0">
+                <a:spAutoFit/>
+              </a:bodyPr>
+              <a:lstStyle/>
+              <a:p>
+                <a:r>
+                  <a:rPr lang="zh-CN" altLang="en-US" sz="1600" b="1" i="1" dirty="0" smtClean="0"/>
+                  <a:t>等待互斥信号量</a:t>
+                </a:r>
+                <a:endParaRPr lang="zh-CN" altLang="en-US" sz="1600" b="1" i="1" dirty="0"/>
+              </a:p>
+            </p:txBody>
+          </p:sp>
+        </p:grpSp>
+        <p:sp>
+          <p:nvSpPr>
+            <p:cNvPr id="49" name="文本框 48"/>
+            <p:cNvSpPr txBox="1"/>
+            <p:nvPr/>
+          </p:nvSpPr>
+          <p:spPr>
+            <a:xfrm>
+              <a:off x="1498104" y="2776240"/>
+              <a:ext cx="1629104" cy="369332"/>
+            </a:xfrm>
+            <a:prstGeom prst="rect">
+              <a:avLst/>
+            </a:prstGeom>
+            <a:noFill/>
+          </p:spPr>
+          <p:txBody>
+            <a:bodyPr wrap="square" rtlCol="0">
+              <a:spAutoFit/>
+            </a:bodyPr>
+            <a:lstStyle/>
+            <a:p>
+              <a:r>
+                <a:rPr lang="zh-CN" altLang="en-US" i="1" dirty="0" smtClean="0"/>
+                <a:t>任务</a:t>
+              </a:r>
+              <a:r>
+                <a:rPr lang="en-US" altLang="zh-CN" i="1" dirty="0" smtClean="0"/>
+                <a:t>1</a:t>
+              </a:r>
+            </a:p>
+          </p:txBody>
+        </p:sp>
+      </p:grpSp>
+      <p:grpSp>
+        <p:nvGrpSpPr>
+          <p:cNvPr id="54" name="组合 53"/>
+          <p:cNvGrpSpPr/>
+          <p:nvPr/>
+        </p:nvGrpSpPr>
+        <p:grpSpPr>
+          <a:xfrm>
+            <a:off x="165398" y="4023682"/>
+            <a:ext cx="3013232" cy="878296"/>
+            <a:chOff x="113976" y="2776240"/>
+            <a:chExt cx="3013232" cy="878296"/>
+          </a:xfrm>
+        </p:grpSpPr>
+        <p:grpSp>
+          <p:nvGrpSpPr>
+            <p:cNvPr id="55" name="组合 54"/>
+            <p:cNvGrpSpPr/>
+            <p:nvPr/>
+          </p:nvGrpSpPr>
+          <p:grpSpPr>
+            <a:xfrm>
+              <a:off x="113976" y="2854184"/>
+              <a:ext cx="1336777" cy="800352"/>
+              <a:chOff x="113976" y="2854184"/>
+              <a:chExt cx="1336777" cy="800352"/>
+            </a:xfrm>
+          </p:grpSpPr>
+          <p:sp>
+            <p:nvSpPr>
+              <p:cNvPr id="57" name="左大括号 56"/>
+              <p:cNvSpPr/>
+              <p:nvPr/>
+            </p:nvSpPr>
+            <p:spPr>
+              <a:xfrm>
+                <a:off x="1074516" y="2854184"/>
+                <a:ext cx="376237" cy="800352"/>
+              </a:xfrm>
+              <a:prstGeom prst="leftBrace">
+                <a:avLst>
+                  <a:gd name="adj1" fmla="val 8333"/>
+                  <a:gd name="adj2" fmla="val 49645"/>
+                </a:avLst>
+              </a:prstGeom>
+              <a:ln w="38100">
+                <a:headEnd type="none" w="med" len="med"/>
+                <a:tailEnd type="none" w="med" len="med"/>
+              </a:ln>
+            </p:spPr>
+            <p:style>
+              <a:lnRef idx="1">
+                <a:schemeClr val="accent1"/>
+              </a:lnRef>
+              <a:fillRef idx="0">
+                <a:schemeClr val="accent1"/>
+              </a:fillRef>
+              <a:effectRef idx="0">
+                <a:schemeClr val="accent1"/>
+              </a:effectRef>
+              <a:fontRef idx="minor">
+                <a:schemeClr val="tx1"/>
+              </a:fontRef>
+            </p:style>
+            <p:txBody>
+              <a:bodyPr rtlCol="0" anchor="ctr"/>
+              <a:lstStyle/>
+              <a:p>
+                <a:pPr algn="ctr"/>
+                <a:endParaRPr lang="zh-CN" altLang="en-US"/>
+              </a:p>
+            </p:txBody>
+          </p:sp>
+          <p:sp>
+            <p:nvSpPr>
+              <p:cNvPr id="58" name="文本框 57"/>
+              <p:cNvSpPr txBox="1"/>
+              <p:nvPr/>
+            </p:nvSpPr>
+            <p:spPr>
+              <a:xfrm>
+                <a:off x="113976" y="2916214"/>
+                <a:ext cx="1091527" cy="584775"/>
+              </a:xfrm>
+              <a:prstGeom prst="rect">
+                <a:avLst/>
+              </a:prstGeom>
+              <a:noFill/>
+            </p:spPr>
+            <p:txBody>
+              <a:bodyPr wrap="square" rtlCol="0">
+                <a:spAutoFit/>
+              </a:bodyPr>
+              <a:lstStyle/>
+              <a:p>
+                <a:r>
+                  <a:rPr lang="zh-CN" altLang="en-US" sz="1600" b="1" i="1" dirty="0" smtClean="0"/>
+                  <a:t>等待信号邮箱</a:t>
+                </a:r>
+                <a:endParaRPr lang="zh-CN" altLang="en-US" sz="1600" b="1" i="1" dirty="0"/>
+              </a:p>
+            </p:txBody>
+          </p:sp>
+        </p:grpSp>
+        <p:sp>
+          <p:nvSpPr>
+            <p:cNvPr id="56" name="文本框 55"/>
+            <p:cNvSpPr txBox="1"/>
+            <p:nvPr/>
+          </p:nvSpPr>
+          <p:spPr>
+            <a:xfrm>
+              <a:off x="1498104" y="2776240"/>
+              <a:ext cx="1629104" cy="369332"/>
+            </a:xfrm>
+            <a:prstGeom prst="rect">
+              <a:avLst/>
+            </a:prstGeom>
+            <a:noFill/>
+          </p:spPr>
+          <p:txBody>
+            <a:bodyPr wrap="square" rtlCol="0">
+              <a:spAutoFit/>
+            </a:bodyPr>
+            <a:lstStyle/>
+            <a:p>
+              <a:r>
+                <a:rPr lang="zh-CN" altLang="en-US" i="1" dirty="0" smtClean="0"/>
+                <a:t>任务</a:t>
+              </a:r>
+              <a:r>
+                <a:rPr lang="en-US" altLang="zh-CN" i="1" dirty="0" smtClean="0"/>
+                <a:t>1</a:t>
+              </a:r>
+            </a:p>
+          </p:txBody>
+        </p:sp>
+      </p:grpSp>
+      <p:grpSp>
+        <p:nvGrpSpPr>
+          <p:cNvPr id="59" name="组合 58"/>
+          <p:cNvGrpSpPr/>
+          <p:nvPr/>
+        </p:nvGrpSpPr>
+        <p:grpSpPr>
+          <a:xfrm>
+            <a:off x="154825" y="5035566"/>
+            <a:ext cx="3012599" cy="878296"/>
+            <a:chOff x="114609" y="2776240"/>
+            <a:chExt cx="3012599" cy="878296"/>
+          </a:xfrm>
+        </p:grpSpPr>
+        <p:grpSp>
+          <p:nvGrpSpPr>
+            <p:cNvPr id="60" name="组合 59"/>
+            <p:cNvGrpSpPr/>
+            <p:nvPr/>
+          </p:nvGrpSpPr>
+          <p:grpSpPr>
+            <a:xfrm>
+              <a:off x="114609" y="2854184"/>
+              <a:ext cx="1336144" cy="800352"/>
+              <a:chOff x="114609" y="2854184"/>
+              <a:chExt cx="1336144" cy="800352"/>
+            </a:xfrm>
+          </p:grpSpPr>
+          <p:sp>
+            <p:nvSpPr>
+              <p:cNvPr id="62" name="左大括号 61"/>
+              <p:cNvSpPr/>
+              <p:nvPr/>
+            </p:nvSpPr>
+            <p:spPr>
+              <a:xfrm>
+                <a:off x="1074516" y="2854184"/>
+                <a:ext cx="376237" cy="800352"/>
+              </a:xfrm>
+              <a:prstGeom prst="leftBrace">
+                <a:avLst>
+                  <a:gd name="adj1" fmla="val 8333"/>
+                  <a:gd name="adj2" fmla="val 49645"/>
+                </a:avLst>
+              </a:prstGeom>
+              <a:ln w="38100">
+                <a:headEnd type="none" w="med" len="med"/>
+                <a:tailEnd type="none" w="med" len="med"/>
+              </a:ln>
+            </p:spPr>
+            <p:style>
+              <a:lnRef idx="1">
+                <a:schemeClr val="accent1"/>
+              </a:lnRef>
+              <a:fillRef idx="0">
+                <a:schemeClr val="accent1"/>
+              </a:fillRef>
+              <a:effectRef idx="0">
+                <a:schemeClr val="accent1"/>
+              </a:effectRef>
+              <a:fontRef idx="minor">
+                <a:schemeClr val="tx1"/>
+              </a:fontRef>
+            </p:style>
+            <p:txBody>
+              <a:bodyPr rtlCol="0" anchor="ctr"/>
+              <a:lstStyle/>
+              <a:p>
+                <a:pPr algn="ctr"/>
+                <a:endParaRPr lang="zh-CN" altLang="en-US"/>
+              </a:p>
+            </p:txBody>
+          </p:sp>
+          <p:sp>
+            <p:nvSpPr>
+              <p:cNvPr id="63" name="文本框 62"/>
+              <p:cNvSpPr txBox="1"/>
+              <p:nvPr/>
+            </p:nvSpPr>
+            <p:spPr>
+              <a:xfrm>
+                <a:off x="114609" y="2942301"/>
+                <a:ext cx="992946" cy="584775"/>
+              </a:xfrm>
+              <a:prstGeom prst="rect">
+                <a:avLst/>
+              </a:prstGeom>
+              <a:noFill/>
+            </p:spPr>
+            <p:txBody>
+              <a:bodyPr wrap="square" rtlCol="0">
+                <a:spAutoFit/>
+              </a:bodyPr>
+              <a:lstStyle/>
+              <a:p>
+                <a:r>
+                  <a:rPr lang="zh-CN" altLang="en-US" sz="1600" b="1" i="1" dirty="0" smtClean="0"/>
+                  <a:t>等待信号队列</a:t>
+                </a:r>
+                <a:endParaRPr lang="zh-CN" altLang="en-US" sz="1600" b="1" i="1" dirty="0"/>
+              </a:p>
+            </p:txBody>
+          </p:sp>
+        </p:grpSp>
+        <p:sp>
+          <p:nvSpPr>
+            <p:cNvPr id="61" name="文本框 60"/>
+            <p:cNvSpPr txBox="1"/>
+            <p:nvPr/>
+          </p:nvSpPr>
+          <p:spPr>
+            <a:xfrm>
+              <a:off x="1498104" y="2776240"/>
+              <a:ext cx="1629104" cy="369332"/>
+            </a:xfrm>
+            <a:prstGeom prst="rect">
+              <a:avLst/>
+            </a:prstGeom>
+            <a:noFill/>
+          </p:spPr>
+          <p:txBody>
+            <a:bodyPr wrap="square" rtlCol="0">
+              <a:spAutoFit/>
+            </a:bodyPr>
+            <a:lstStyle/>
+            <a:p>
+              <a:r>
+                <a:rPr lang="zh-CN" altLang="en-US" i="1" dirty="0" smtClean="0"/>
+                <a:t>任务</a:t>
+              </a:r>
+              <a:r>
+                <a:rPr lang="en-US" altLang="zh-CN" i="1" dirty="0" smtClean="0"/>
+                <a:t>1</a:t>
+              </a:r>
+            </a:p>
+          </p:txBody>
+        </p:sp>
+      </p:grpSp>
+      <p:grpSp>
+        <p:nvGrpSpPr>
+          <p:cNvPr id="64" name="组合 63"/>
+          <p:cNvGrpSpPr/>
+          <p:nvPr/>
+        </p:nvGrpSpPr>
+        <p:grpSpPr>
+          <a:xfrm>
+            <a:off x="154825" y="5958283"/>
+            <a:ext cx="2975551" cy="878296"/>
+            <a:chOff x="151657" y="2776240"/>
+            <a:chExt cx="2975551" cy="878296"/>
+          </a:xfrm>
+        </p:grpSpPr>
+        <p:grpSp>
+          <p:nvGrpSpPr>
+            <p:cNvPr id="65" name="组合 64"/>
+            <p:cNvGrpSpPr/>
+            <p:nvPr/>
+          </p:nvGrpSpPr>
+          <p:grpSpPr>
+            <a:xfrm>
+              <a:off x="151657" y="2854184"/>
+              <a:ext cx="1299096" cy="800352"/>
+              <a:chOff x="151657" y="2854184"/>
+              <a:chExt cx="1299096" cy="800352"/>
+            </a:xfrm>
+          </p:grpSpPr>
+          <p:sp>
+            <p:nvSpPr>
+              <p:cNvPr id="67" name="左大括号 66"/>
+              <p:cNvSpPr/>
+              <p:nvPr/>
+            </p:nvSpPr>
+            <p:spPr>
+              <a:xfrm>
+                <a:off x="1074516" y="2854184"/>
+                <a:ext cx="376237" cy="800352"/>
+              </a:xfrm>
+              <a:prstGeom prst="leftBrace">
+                <a:avLst>
+                  <a:gd name="adj1" fmla="val 8333"/>
+                  <a:gd name="adj2" fmla="val 49645"/>
+                </a:avLst>
+              </a:prstGeom>
+              <a:ln w="38100">
+                <a:headEnd type="none" w="med" len="med"/>
+                <a:tailEnd type="none" w="med" len="med"/>
+              </a:ln>
+            </p:spPr>
+            <p:style>
+              <a:lnRef idx="1">
+                <a:schemeClr val="accent1"/>
+              </a:lnRef>
+              <a:fillRef idx="0">
+                <a:schemeClr val="accent1"/>
+              </a:fillRef>
+              <a:effectRef idx="0">
+                <a:schemeClr val="accent1"/>
+              </a:effectRef>
+              <a:fontRef idx="minor">
+                <a:schemeClr val="tx1"/>
+              </a:fontRef>
+            </p:style>
+            <p:txBody>
+              <a:bodyPr rtlCol="0" anchor="ctr"/>
+              <a:lstStyle/>
+              <a:p>
+                <a:pPr algn="ctr"/>
+                <a:endParaRPr lang="zh-CN" altLang="en-US"/>
+              </a:p>
+            </p:txBody>
+          </p:sp>
+          <p:sp>
+            <p:nvSpPr>
+              <p:cNvPr id="68" name="文本框 67"/>
+              <p:cNvSpPr txBox="1"/>
+              <p:nvPr/>
+            </p:nvSpPr>
+            <p:spPr>
+              <a:xfrm>
+                <a:off x="151657" y="2892627"/>
+                <a:ext cx="947394" cy="584775"/>
+              </a:xfrm>
+              <a:prstGeom prst="rect">
+                <a:avLst/>
+              </a:prstGeom>
+              <a:noFill/>
+            </p:spPr>
+            <p:txBody>
+              <a:bodyPr wrap="square" rtlCol="0">
+                <a:spAutoFit/>
+              </a:bodyPr>
+              <a:lstStyle/>
+              <a:p>
+                <a:r>
+                  <a:rPr lang="zh-CN" altLang="en-US" sz="1600" b="1" i="1" dirty="0" smtClean="0"/>
+                  <a:t>等待信号量集</a:t>
+                </a:r>
+                <a:endParaRPr lang="zh-CN" altLang="en-US" sz="1600" b="1" i="1" dirty="0"/>
+              </a:p>
+            </p:txBody>
+          </p:sp>
+        </p:grpSp>
+        <p:sp>
+          <p:nvSpPr>
+            <p:cNvPr id="66" name="文本框 65"/>
+            <p:cNvSpPr txBox="1"/>
+            <p:nvPr/>
+          </p:nvSpPr>
+          <p:spPr>
+            <a:xfrm>
+              <a:off x="1498104" y="2776240"/>
+              <a:ext cx="1629104" cy="369332"/>
+            </a:xfrm>
+            <a:prstGeom prst="rect">
+              <a:avLst/>
+            </a:prstGeom>
+            <a:noFill/>
+          </p:spPr>
+          <p:txBody>
+            <a:bodyPr wrap="square" rtlCol="0">
+              <a:spAutoFit/>
+            </a:bodyPr>
+            <a:lstStyle/>
+            <a:p>
+              <a:r>
+                <a:rPr lang="zh-CN" altLang="en-US" i="1" dirty="0" smtClean="0"/>
+                <a:t>任务</a:t>
+              </a:r>
+              <a:r>
+                <a:rPr lang="en-US" altLang="zh-CN" i="1" dirty="0" smtClean="0"/>
+                <a:t>1</a:t>
+              </a:r>
+            </a:p>
+          </p:txBody>
+        </p:sp>
+      </p:grpSp>
+      <p:sp>
+        <p:nvSpPr>
+          <p:cNvPr id="24" name="右大括号 23"/>
+          <p:cNvSpPr/>
+          <p:nvPr/>
+        </p:nvSpPr>
+        <p:spPr>
+          <a:xfrm>
+            <a:off x="2346596" y="1239764"/>
+            <a:ext cx="428135" cy="5518388"/>
+          </a:xfrm>
+          <a:prstGeom prst="rightBrace">
+            <a:avLst>
+              <a:gd name="adj1" fmla="val 8333"/>
+              <a:gd name="adj2" fmla="val 37620"/>
+            </a:avLst>
+          </a:prstGeom>
+          <a:ln w="19050">
+            <a:solidFill>
+              <a:srgbClr val="92D050"/>
+            </a:solidFill>
+            <a:headEnd type="none" w="med" len="med"/>
+            <a:tailEnd type="none" w="med" len="med"/>
+          </a:ln>
+        </p:spPr>
+        <p:style>
+          <a:lnRef idx="1">
+            <a:schemeClr val="accent1"/>
+          </a:lnRef>
+          <a:fillRef idx="0">
+            <a:schemeClr val="accent1"/>
+          </a:fillRef>
+          <a:effectRef idx="0">
+            <a:schemeClr val="accent1"/>
+          </a:effectRef>
+          <a:fontRef idx="minor">
+            <a:schemeClr val="tx1"/>
+          </a:fontRef>
+        </p:style>
+        <p:txBody>
+          <a:bodyPr rtlCol="0" anchor="ctr"/>
+          <a:lstStyle/>
+          <a:p>
+            <a:pPr algn="ctr"/>
+            <a:endParaRPr lang="zh-CN" altLang="en-US"/>
+          </a:p>
+        </p:txBody>
+      </p:sp>
+      <p:sp>
+        <p:nvSpPr>
+          <p:cNvPr id="7" name="矩形 6"/>
+          <p:cNvSpPr/>
+          <p:nvPr/>
+        </p:nvSpPr>
+        <p:spPr>
+          <a:xfrm>
+            <a:off x="5447085" y="485547"/>
+            <a:ext cx="1494320" cy="338554"/>
+          </a:xfrm>
+          <a:prstGeom prst="rect">
+            <a:avLst/>
+          </a:prstGeom>
+        </p:spPr>
+        <p:txBody>
+          <a:bodyPr wrap="none">
+            <a:spAutoFit/>
+          </a:bodyPr>
+          <a:lstStyle/>
+          <a:p>
+            <a:r>
+              <a:rPr lang="zh-CN" altLang="en-US" sz="1600" b="1" dirty="0"/>
+              <a:t>OS_STAT_RDY</a:t>
+            </a:r>
+          </a:p>
+        </p:txBody>
+      </p:sp>
+      <p:sp>
+        <p:nvSpPr>
+          <p:cNvPr id="9" name="矩形 8"/>
+          <p:cNvSpPr/>
+          <p:nvPr/>
+        </p:nvSpPr>
+        <p:spPr>
+          <a:xfrm>
+            <a:off x="3010815" y="2666256"/>
+            <a:ext cx="1999265" cy="338554"/>
+          </a:xfrm>
+          <a:prstGeom prst="rect">
+            <a:avLst/>
+          </a:prstGeom>
+        </p:spPr>
+        <p:txBody>
+          <a:bodyPr wrap="none">
+            <a:spAutoFit/>
+          </a:bodyPr>
+          <a:lstStyle/>
+          <a:p>
+            <a:r>
+              <a:rPr lang="zh-CN" altLang="en-US" sz="1600" b="1" dirty="0"/>
+              <a:t>OS_STAT_SUSPEND</a:t>
+            </a:r>
+          </a:p>
+        </p:txBody>
+      </p:sp>
+    </p:spTree>
+    <p:extLst>
+      <p:ext uri="{BB962C8B-B14F-4D97-AF65-F5344CB8AC3E}">
+        <p14:creationId xmlns:p14="http://schemas.microsoft.com/office/powerpoint/2010/main" val="3327670065"/>
+      </p:ext>
+    </p:extLst>
+  </p:cSld>
+  <p:clrMapOvr>
+    <a:masterClrMapping/>
+  </p:clrMapOvr>
+</p:sld>
+</file>
+
+<file path=ppt/slides/slide18.xml><?xml version="1.0" encoding="utf-8"?>
+<p:sld xmlns:a="http://schemas.openxmlformats.org/drawingml/2006/main" xmlns:r="http://schemas.openxmlformats.org/officeDocument/2006/relationships" xmlns:p="http://schemas.openxmlformats.org/presentationml/2006/main">
+  <p:cSld>
+    <p:spTree>
+      <p:nvGrpSpPr>
+        <p:cNvPr id="1" name=""/>
+        <p:cNvGrpSpPr/>
+        <p:nvPr/>
+      </p:nvGrpSpPr>
+      <p:grpSpPr>
+        <a:xfrm>
+          <a:off x="0" y="0"/>
+          <a:ext cx="0" cy="0"/>
+          <a:chOff x="0" y="0"/>
+          <a:chExt cx="0" cy="0"/>
+        </a:xfrm>
+      </p:grpSpPr>
+      <p:sp>
+        <p:nvSpPr>
           <p:cNvPr id="2" name="标题 1"/>
           <p:cNvSpPr>
             <a:spLocks noGrp="1"/>
@@ -13254,7 +18605,7 @@
         </p:nvSpPr>
         <p:spPr>
           <a:xfrm>
-            <a:off x="341231" y="163292"/>
+            <a:off x="0" y="-64191"/>
             <a:ext cx="3073055" cy="570079"/>
           </a:xfrm>
         </p:spPr>
@@ -13281,13 +18632,13 @@
           <p:nvPr>
             <p:extLst>
               <p:ext uri="{D42A27DB-BD31-4B8C-83A1-F6EECF244321}">
-                <p14:modId xmlns:p14="http://schemas.microsoft.com/office/powerpoint/2010/main" val="3412206731"/>
+                <p14:modId xmlns:p14="http://schemas.microsoft.com/office/powerpoint/2010/main" val="1890124712"/>
               </p:ext>
             </p:extLst>
           </p:nvPr>
         </p:nvGraphicFramePr>
         <p:xfrm>
-          <a:off x="3598043" y="1818292"/>
+          <a:off x="3699643" y="1274663"/>
           <a:ext cx="4106040" cy="3217974"/>
         </p:xfrm>
         <a:graphic>
@@ -13958,13 +19309,13 @@
           <p:nvPr>
             <p:extLst>
               <p:ext uri="{D42A27DB-BD31-4B8C-83A1-F6EECF244321}">
-                <p14:modId xmlns:p14="http://schemas.microsoft.com/office/powerpoint/2010/main" val="1012453660"/>
+                <p14:modId xmlns:p14="http://schemas.microsoft.com/office/powerpoint/2010/main" val="1221012455"/>
               </p:ext>
             </p:extLst>
           </p:nvPr>
         </p:nvGraphicFramePr>
         <p:xfrm>
-          <a:off x="8085960" y="1818292"/>
+          <a:off x="8187560" y="1274663"/>
           <a:ext cx="821208" cy="3217974"/>
         </p:xfrm>
         <a:graphic>
@@ -14131,13 +19482,13 @@
           <p:nvPr>
             <p:extLst>
               <p:ext uri="{D42A27DB-BD31-4B8C-83A1-F6EECF244321}">
-                <p14:modId xmlns:p14="http://schemas.microsoft.com/office/powerpoint/2010/main" val="1175539629"/>
+                <p14:modId xmlns:p14="http://schemas.microsoft.com/office/powerpoint/2010/main" val="3883117534"/>
               </p:ext>
             </p:extLst>
           </p:nvPr>
         </p:nvGraphicFramePr>
         <p:xfrm>
-          <a:off x="2469231" y="1840219"/>
+          <a:off x="2570831" y="1296590"/>
           <a:ext cx="821208" cy="3217974"/>
         </p:xfrm>
         <a:graphic>
@@ -14323,7 +19674,7 @@
         </p:nvSpPr>
         <p:spPr>
           <a:xfrm>
-            <a:off x="7919239" y="1448960"/>
+            <a:off x="8020839" y="905331"/>
             <a:ext cx="1378192" cy="369332"/>
           </a:xfrm>
           <a:prstGeom prst="rect">
@@ -14361,7 +19712,7 @@
         </p:nvSpPr>
         <p:spPr>
           <a:xfrm>
-            <a:off x="8929941" y="2934860"/>
+            <a:off x="9031541" y="2391231"/>
             <a:ext cx="1276097" cy="646331"/>
           </a:xfrm>
           <a:prstGeom prst="rect">
@@ -14399,7 +19750,7 @@
         </p:nvSpPr>
         <p:spPr>
           <a:xfrm>
-            <a:off x="5040021" y="5900533"/>
+            <a:off x="5141621" y="5356904"/>
             <a:ext cx="1497414" cy="369332"/>
           </a:xfrm>
           <a:prstGeom prst="rect">
@@ -14445,13 +19796,13 @@
           <p:nvPr>
             <p:extLst>
               <p:ext uri="{D42A27DB-BD31-4B8C-83A1-F6EECF244321}">
-                <p14:modId xmlns:p14="http://schemas.microsoft.com/office/powerpoint/2010/main" val="1026543622"/>
+                <p14:modId xmlns:p14="http://schemas.microsoft.com/office/powerpoint/2010/main" val="833219811"/>
               </p:ext>
             </p:extLst>
           </p:nvPr>
         </p:nvGraphicFramePr>
         <p:xfrm>
-          <a:off x="3607661" y="5364204"/>
+          <a:off x="3709261" y="4820575"/>
           <a:ext cx="4106040" cy="536329"/>
         </p:xfrm>
         <a:graphic>
@@ -14611,7 +19962,7 @@
         </p:nvSpPr>
         <p:spPr>
           <a:xfrm>
-            <a:off x="2241405" y="1470887"/>
+            <a:off x="2343005" y="927258"/>
             <a:ext cx="1309974" cy="369332"/>
           </a:xfrm>
           <a:prstGeom prst="rect">
@@ -14643,7 +19994,7 @@
         </p:nvSpPr>
         <p:spPr>
           <a:xfrm>
-            <a:off x="2241405" y="5447702"/>
+            <a:off x="2343005" y="4904073"/>
             <a:ext cx="1319592" cy="369332"/>
           </a:xfrm>
           <a:prstGeom prst="rect">
@@ -14675,7 +20026,7 @@
         </p:nvSpPr>
         <p:spPr>
           <a:xfrm>
-            <a:off x="2231787" y="1448960"/>
+            <a:off x="2333387" y="905331"/>
             <a:ext cx="1319592" cy="3828015"/>
           </a:xfrm>
           <a:prstGeom prst="roundRect">
@@ -14721,7 +20072,7 @@
         </p:nvSpPr>
         <p:spPr>
           <a:xfrm>
-            <a:off x="7816262" y="1470887"/>
+            <a:off x="7917862" y="927258"/>
             <a:ext cx="2330294" cy="3828015"/>
           </a:xfrm>
           <a:prstGeom prst="roundRect">
@@ -14767,7 +20118,7 @@
         </p:nvSpPr>
         <p:spPr>
           <a:xfrm>
-            <a:off x="2231786" y="5036266"/>
+            <a:off x="2333386" y="4492637"/>
             <a:ext cx="7914769" cy="1233599"/>
           </a:xfrm>
           <a:prstGeom prst="roundRect">
@@ -14813,7 +20164,7 @@
         </p:nvSpPr>
         <p:spPr>
           <a:xfrm>
-            <a:off x="4281300" y="1380355"/>
+            <a:off x="4331412" y="683350"/>
             <a:ext cx="2908017" cy="400110"/>
           </a:xfrm>
           <a:prstGeom prst="rect">
@@ -14850,7 +20201,7 @@
         </p:nvCxnSpPr>
         <p:spPr>
           <a:xfrm flipV="1">
-            <a:off x="1877759" y="5898293"/>
+            <a:off x="1979359" y="5354664"/>
             <a:ext cx="1002076" cy="527017"/>
           </a:xfrm>
           <a:prstGeom prst="straightConnector1">
@@ -14883,7 +20234,7 @@
         </p:nvSpPr>
         <p:spPr>
           <a:xfrm>
-            <a:off x="1096401" y="6321903"/>
+            <a:off x="1198001" y="5778274"/>
             <a:ext cx="781358" cy="369332"/>
           </a:xfrm>
           <a:prstGeom prst="rect">
@@ -14913,7 +20264,7 @@
         </p:nvSpPr>
         <p:spPr>
           <a:xfrm>
-            <a:off x="1096401" y="758990"/>
+            <a:off x="1198001" y="215361"/>
             <a:ext cx="781358" cy="369332"/>
           </a:xfrm>
           <a:prstGeom prst="rect">
@@ -14943,7 +20294,7 @@
         </p:nvCxnSpPr>
         <p:spPr>
           <a:xfrm>
-            <a:off x="1726478" y="1062354"/>
+            <a:off x="1828078" y="518725"/>
             <a:ext cx="742753" cy="293177"/>
           </a:xfrm>
           <a:prstGeom prst="straightConnector1">
@@ -14976,7 +20327,7 @@
         </p:nvCxnSpPr>
         <p:spPr>
           <a:xfrm flipH="1">
-            <a:off x="7664450" y="2095500"/>
+            <a:off x="7766050" y="1551871"/>
             <a:ext cx="396875" cy="9525"/>
           </a:xfrm>
           <a:prstGeom prst="straightConnector1">
@@ -15009,7 +20360,7 @@
         </p:nvCxnSpPr>
         <p:spPr>
           <a:xfrm flipH="1">
-            <a:off x="7664449" y="2660650"/>
+            <a:off x="7766049" y="2117021"/>
             <a:ext cx="396875" cy="9525"/>
           </a:xfrm>
           <a:prstGeom prst="straightConnector1">
@@ -15042,7 +20393,7 @@
         </p:nvCxnSpPr>
         <p:spPr>
           <a:xfrm flipH="1">
-            <a:off x="7672367" y="3187700"/>
+            <a:off x="7773967" y="2644071"/>
             <a:ext cx="396875" cy="9525"/>
           </a:xfrm>
           <a:prstGeom prst="straightConnector1">
@@ -15075,7 +20426,7 @@
         </p:nvCxnSpPr>
         <p:spPr>
           <a:xfrm flipH="1">
-            <a:off x="7672366" y="3752850"/>
+            <a:off x="7773966" y="3209221"/>
             <a:ext cx="396875" cy="9525"/>
           </a:xfrm>
           <a:prstGeom prst="straightConnector1">
@@ -15108,7 +20459,7 @@
         </p:nvCxnSpPr>
         <p:spPr>
           <a:xfrm flipH="1">
-            <a:off x="7680726" y="4225925"/>
+            <a:off x="7782326" y="3682296"/>
             <a:ext cx="396875" cy="9525"/>
           </a:xfrm>
           <a:prstGeom prst="straightConnector1">
@@ -15141,7 +20492,7 @@
         </p:nvCxnSpPr>
         <p:spPr>
           <a:xfrm flipH="1">
-            <a:off x="7680725" y="4791075"/>
+            <a:off x="7782325" y="4247446"/>
             <a:ext cx="396875" cy="9525"/>
           </a:xfrm>
           <a:prstGeom prst="straightConnector1">
@@ -15204,7 +20555,7 @@
         </p:nvSpPr>
         <p:spPr>
           <a:xfrm>
-            <a:off x="411793" y="5424619"/>
+            <a:off x="513393" y="4880990"/>
             <a:ext cx="1754198" cy="382669"/>
           </a:xfrm>
           <a:prstGeom prst="rect">
@@ -15228,6 +20579,387 @@
               <a:t>OSRdyTbl[OSTCBX]</a:t>
             </a:r>
             <a:endParaRPr lang="zh-CN" altLang="en-US" sz="1400" b="1" dirty="0" smtClean="0"/>
+          </a:p>
+        </p:txBody>
+      </p:sp>
+      <p:sp>
+        <p:nvSpPr>
+          <p:cNvPr id="22" name="文本框 21"/>
+          <p:cNvSpPr txBox="1"/>
+          <p:nvPr/>
+        </p:nvSpPr>
+        <p:spPr>
+          <a:xfrm>
+            <a:off x="10414877" y="1475830"/>
+            <a:ext cx="1524000" cy="2215991"/>
+          </a:xfrm>
+          <a:prstGeom prst="rect">
+            <a:avLst/>
+          </a:prstGeom>
+          <a:noFill/>
+        </p:spPr>
+        <p:txBody>
+          <a:bodyPr wrap="square" rtlCol="0">
+            <a:spAutoFit/>
+          </a:bodyPr>
+          <a:lstStyle/>
+          <a:p>
+            <a:pPr>
+              <a:lnSpc>
+                <a:spcPct val="150000"/>
+              </a:lnSpc>
+            </a:pPr>
+            <a:r>
+              <a:rPr lang="en-US" altLang="zh-CN" dirty="0" smtClean="0"/>
+              <a:t>Y</a:t>
+            </a:r>
+            <a:r>
+              <a:rPr lang="zh-CN" altLang="en-US" dirty="0" smtClean="0"/>
+              <a:t>轴坐标是</a:t>
+            </a:r>
+            <a:endParaRPr lang="en-US" altLang="zh-CN" dirty="0" smtClean="0"/>
+          </a:p>
+          <a:p>
+            <a:pPr>
+              <a:lnSpc>
+                <a:spcPct val="150000"/>
+              </a:lnSpc>
+            </a:pPr>
+            <a:r>
+              <a:rPr lang="zh-CN" altLang="en-US" dirty="0" smtClean="0"/>
+              <a:t>优先级</a:t>
+            </a:r>
+            <a:r>
+              <a:rPr lang="en-US" altLang="zh-CN" dirty="0" smtClean="0"/>
+              <a:t>/8</a:t>
+            </a:r>
+          </a:p>
+          <a:p>
+            <a:pPr>
+              <a:lnSpc>
+                <a:spcPct val="150000"/>
+              </a:lnSpc>
+            </a:pPr>
+            <a:r>
+              <a:rPr lang="zh-CN" altLang="en-US" sz="1400" dirty="0" smtClean="0"/>
+              <a:t>优先级</a:t>
+            </a:r>
+            <a:r>
+              <a:rPr lang="en-US" altLang="zh-CN" sz="1400" dirty="0" smtClean="0"/>
+              <a:t>2</a:t>
+            </a:r>
+            <a:r>
+              <a:rPr lang="zh-CN" altLang="en-US" sz="1400" dirty="0" smtClean="0"/>
+              <a:t>则，</a:t>
+            </a:r>
+            <a:r>
+              <a:rPr lang="en-US" altLang="zh-CN" sz="1400" dirty="0" smtClean="0"/>
+              <a:t>2/8=0</a:t>
+            </a:r>
+            <a:r>
+              <a:rPr lang="zh-CN" altLang="en-US" sz="1400" dirty="0" smtClean="0"/>
+              <a:t>，从上往下移动</a:t>
+            </a:r>
+            <a:r>
+              <a:rPr lang="en-US" altLang="zh-CN" sz="1400" dirty="0" smtClean="0"/>
+              <a:t>0</a:t>
+            </a:r>
+            <a:r>
+              <a:rPr lang="zh-CN" altLang="en-US" sz="1400" dirty="0" smtClean="0"/>
+              <a:t>位，就是出于第一行</a:t>
+            </a:r>
+            <a:endParaRPr lang="zh-CN" altLang="en-US" sz="1400" dirty="0" smtClean="0"/>
+          </a:p>
+        </p:txBody>
+      </p:sp>
+      <p:sp>
+        <p:nvSpPr>
+          <p:cNvPr id="23" name="下箭头 22"/>
+          <p:cNvSpPr/>
+          <p:nvPr/>
+        </p:nvSpPr>
+        <p:spPr>
+          <a:xfrm>
+            <a:off x="9278466" y="1296590"/>
+            <a:ext cx="237431" cy="1094641"/>
+          </a:xfrm>
+          <a:prstGeom prst="downArrow">
+            <a:avLst/>
+          </a:prstGeom>
+        </p:spPr>
+        <p:style>
+          <a:lnRef idx="2">
+            <a:schemeClr val="accent1">
+              <a:shade val="50000"/>
+            </a:schemeClr>
+          </a:lnRef>
+          <a:fillRef idx="1">
+            <a:schemeClr val="accent1"/>
+          </a:fillRef>
+          <a:effectRef idx="0">
+            <a:schemeClr val="accent1"/>
+          </a:effectRef>
+          <a:fontRef idx="minor">
+            <a:schemeClr val="lt1"/>
+          </a:fontRef>
+        </p:style>
+        <p:txBody>
+          <a:bodyPr rtlCol="0" anchor="ctr"/>
+          <a:lstStyle/>
+          <a:p>
+            <a:pPr algn="ctr"/>
+            <a:endParaRPr lang="zh-CN" altLang="en-US"/>
+          </a:p>
+        </p:txBody>
+      </p:sp>
+      <p:sp>
+        <p:nvSpPr>
+          <p:cNvPr id="31" name="文本框 30"/>
+          <p:cNvSpPr txBox="1"/>
+          <p:nvPr/>
+        </p:nvSpPr>
+        <p:spPr>
+          <a:xfrm>
+            <a:off x="8919288" y="1540196"/>
+            <a:ext cx="1524000" cy="424155"/>
+          </a:xfrm>
+          <a:prstGeom prst="rect">
+            <a:avLst/>
+          </a:prstGeom>
+          <a:noFill/>
+        </p:spPr>
+        <p:txBody>
+          <a:bodyPr wrap="square" rtlCol="0">
+            <a:spAutoFit/>
+          </a:bodyPr>
+          <a:lstStyle/>
+          <a:p>
+            <a:pPr>
+              <a:lnSpc>
+                <a:spcPct val="150000"/>
+              </a:lnSpc>
+            </a:pPr>
+            <a:r>
+              <a:rPr lang="zh-CN" altLang="en-US" sz="1400" dirty="0" smtClean="0"/>
+              <a:t>优先级变小</a:t>
+            </a:r>
+            <a:endParaRPr lang="zh-CN" altLang="en-US" sz="1400" dirty="0" smtClean="0"/>
+          </a:p>
+        </p:txBody>
+      </p:sp>
+      <p:sp>
+        <p:nvSpPr>
+          <p:cNvPr id="32" name="文本框 31"/>
+          <p:cNvSpPr txBox="1"/>
+          <p:nvPr/>
+        </p:nvSpPr>
+        <p:spPr>
+          <a:xfrm>
+            <a:off x="2981435" y="5851224"/>
+            <a:ext cx="7514896" cy="923330"/>
+          </a:xfrm>
+          <a:prstGeom prst="rect">
+            <a:avLst/>
+          </a:prstGeom>
+          <a:noFill/>
+        </p:spPr>
+        <p:txBody>
+          <a:bodyPr wrap="square" rtlCol="0">
+            <a:spAutoFit/>
+          </a:bodyPr>
+          <a:lstStyle/>
+          <a:p>
+            <a:pPr>
+              <a:lnSpc>
+                <a:spcPct val="150000"/>
+              </a:lnSpc>
+            </a:pPr>
+            <a:r>
+              <a:rPr lang="en-US" altLang="zh-CN" dirty="0" smtClean="0"/>
+              <a:t>X</a:t>
+            </a:r>
+            <a:r>
+              <a:rPr lang="zh-CN" altLang="en-US" dirty="0" smtClean="0"/>
+              <a:t>轴坐标是优先级</a:t>
+            </a:r>
+            <a:r>
+              <a:rPr lang="en-US" altLang="zh-CN" dirty="0" smtClean="0"/>
+              <a:t>%8</a:t>
+            </a:r>
+          </a:p>
+          <a:p>
+            <a:pPr>
+              <a:lnSpc>
+                <a:spcPct val="150000"/>
+              </a:lnSpc>
+            </a:pPr>
+            <a:r>
+              <a:rPr lang="zh-CN" altLang="en-US" dirty="0" smtClean="0"/>
+              <a:t>优先级</a:t>
+            </a:r>
+            <a:r>
+              <a:rPr lang="en-US" altLang="zh-CN" dirty="0" smtClean="0"/>
+              <a:t>1</a:t>
+            </a:r>
+            <a:r>
+              <a:rPr lang="zh-CN" altLang="en-US" dirty="0" smtClean="0"/>
+              <a:t>则，</a:t>
+            </a:r>
+            <a:r>
+              <a:rPr lang="en-US" altLang="zh-CN" dirty="0" smtClean="0"/>
+              <a:t>1%8=2</a:t>
+            </a:r>
+            <a:r>
+              <a:rPr lang="zh-CN" altLang="en-US" dirty="0" smtClean="0"/>
+              <a:t>，从右往左位移动</a:t>
+            </a:r>
+            <a:r>
+              <a:rPr lang="en-US" altLang="zh-CN" dirty="0" smtClean="0"/>
+              <a:t>1</a:t>
+            </a:r>
+            <a:r>
+              <a:rPr lang="zh-CN" altLang="en-US" dirty="0" smtClean="0"/>
+              <a:t>位</a:t>
+            </a:r>
+            <a:endParaRPr lang="zh-CN" altLang="en-US" dirty="0" smtClean="0"/>
+          </a:p>
+        </p:txBody>
+      </p:sp>
+      <p:cxnSp>
+        <p:nvCxnSpPr>
+          <p:cNvPr id="33" name="直接箭头连接符 32"/>
+          <p:cNvCxnSpPr/>
+          <p:nvPr/>
+        </p:nvCxnSpPr>
+        <p:spPr>
+          <a:xfrm flipH="1">
+            <a:off x="368300" y="1274663"/>
+            <a:ext cx="7454101" cy="0"/>
+          </a:xfrm>
+          <a:prstGeom prst="straightConnector1">
+            <a:avLst/>
+          </a:prstGeom>
+          <a:ln w="76200">
+            <a:solidFill>
+              <a:schemeClr val="tx1"/>
+            </a:solidFill>
+            <a:tailEnd type="triangle"/>
+          </a:ln>
+        </p:spPr>
+        <p:style>
+          <a:lnRef idx="1">
+            <a:schemeClr val="accent1"/>
+          </a:lnRef>
+          <a:fillRef idx="0">
+            <a:schemeClr val="accent1"/>
+          </a:fillRef>
+          <a:effectRef idx="0">
+            <a:schemeClr val="accent1"/>
+          </a:effectRef>
+          <a:fontRef idx="minor">
+            <a:schemeClr val="tx1"/>
+          </a:fontRef>
+        </p:style>
+      </p:cxnSp>
+      <p:cxnSp>
+        <p:nvCxnSpPr>
+          <p:cNvPr id="35" name="直接箭头连接符 34"/>
+          <p:cNvCxnSpPr/>
+          <p:nvPr/>
+        </p:nvCxnSpPr>
+        <p:spPr>
+          <a:xfrm>
+            <a:off x="7815301" y="1236836"/>
+            <a:ext cx="0" cy="5568175"/>
+          </a:xfrm>
+          <a:prstGeom prst="straightConnector1">
+            <a:avLst/>
+          </a:prstGeom>
+          <a:ln w="76200">
+            <a:solidFill>
+              <a:schemeClr val="tx1"/>
+            </a:solidFill>
+            <a:tailEnd type="triangle"/>
+          </a:ln>
+        </p:spPr>
+        <p:style>
+          <a:lnRef idx="1">
+            <a:schemeClr val="accent1"/>
+          </a:lnRef>
+          <a:fillRef idx="0">
+            <a:schemeClr val="accent1"/>
+          </a:fillRef>
+          <a:effectRef idx="0">
+            <a:schemeClr val="accent1"/>
+          </a:effectRef>
+          <a:fontRef idx="minor">
+            <a:schemeClr val="tx1"/>
+          </a:fontRef>
+        </p:style>
+      </p:cxnSp>
+      <p:sp>
+        <p:nvSpPr>
+          <p:cNvPr id="36" name="矩形 35"/>
+          <p:cNvSpPr/>
+          <p:nvPr/>
+        </p:nvSpPr>
+        <p:spPr>
+          <a:xfrm>
+            <a:off x="582621" y="883405"/>
+            <a:ext cx="1035861" cy="369332"/>
+          </a:xfrm>
+          <a:prstGeom prst="rect">
+            <a:avLst/>
+          </a:prstGeom>
+        </p:spPr>
+        <p:txBody>
+          <a:bodyPr wrap="none">
+            <a:spAutoFit/>
+          </a:bodyPr>
+          <a:lstStyle/>
+          <a:p>
+            <a:r>
+              <a:rPr lang="zh-CN" altLang="en-US" b="1" dirty="0">
+                <a:solidFill>
+                  <a:srgbClr val="FFC000"/>
+                </a:solidFill>
+              </a:rPr>
+              <a:t>OSTCBX</a:t>
+            </a:r>
+            <a:endParaRPr lang="zh-CN" altLang="en-US" dirty="0"/>
+          </a:p>
+        </p:txBody>
+      </p:sp>
+      <p:sp>
+        <p:nvSpPr>
+          <p:cNvPr id="37" name="矩形 36"/>
+          <p:cNvSpPr/>
+          <p:nvPr/>
+        </p:nvSpPr>
+        <p:spPr>
+          <a:xfrm rot="5400000">
+            <a:off x="7589406" y="6147012"/>
+            <a:ext cx="1026243" cy="369332"/>
+          </a:xfrm>
+          <a:prstGeom prst="rect">
+            <a:avLst/>
+          </a:prstGeom>
+        </p:spPr>
+        <p:txBody>
+          <a:bodyPr wrap="none">
+            <a:spAutoFit/>
+          </a:bodyPr>
+          <a:lstStyle/>
+          <a:p>
+            <a:r>
+              <a:rPr lang="en-US" altLang="zh-CN" b="1" dirty="0">
+                <a:solidFill>
+                  <a:srgbClr val="00B0F0"/>
+                </a:solidFill>
+              </a:rPr>
+              <a:t>OSTCBY</a:t>
+            </a:r>
+            <a:endParaRPr lang="zh-CN" altLang="en-US" dirty="0"/>
           </a:p>
         </p:txBody>
       </p:sp>
@@ -15244,7 +20976,7 @@
 </p:sld>
 </file>
 
-<file path=ppt/slides/slide17.xml><?xml version="1.0" encoding="utf-8"?>
+<file path=ppt/slides/slide19.xml><?xml version="1.0" encoding="utf-8"?>
 <p:sld xmlns:a="http://schemas.openxmlformats.org/drawingml/2006/main" xmlns:r="http://schemas.openxmlformats.org/officeDocument/2006/relationships" xmlns:p="http://schemas.openxmlformats.org/presentationml/2006/main">
   <p:cSld>
     <p:spTree>
@@ -17248,55 +22980,6 @@
 </p:sld>
 </file>
 
-<file path=ppt/slides/slide18.xml><?xml version="1.0" encoding="utf-8"?>
-<p:sld xmlns:a="http://schemas.openxmlformats.org/drawingml/2006/main" xmlns:r="http://schemas.openxmlformats.org/officeDocument/2006/relationships" xmlns:p="http://schemas.openxmlformats.org/presentationml/2006/main">
-  <p:cSld>
-    <p:spTree>
-      <p:nvGrpSpPr>
-        <p:cNvPr id="1" name=""/>
-        <p:cNvGrpSpPr/>
-        <p:nvPr/>
-      </p:nvGrpSpPr>
-      <p:grpSpPr>
-        <a:xfrm>
-          <a:off x="0" y="0"/>
-          <a:ext cx="0" cy="0"/>
-          <a:chOff x="0" y="0"/>
-          <a:chExt cx="0" cy="0"/>
-        </a:xfrm>
-      </p:grpSpPr>
-      <p:sp>
-        <p:nvSpPr>
-          <p:cNvPr id="2" name="标题 1"/>
-          <p:cNvSpPr>
-            <a:spLocks noGrp="1"/>
-          </p:cNvSpPr>
-          <p:nvPr>
-            <p:ph type="title"/>
-          </p:nvPr>
-        </p:nvSpPr>
-        <p:spPr/>
-        <p:txBody>
-          <a:bodyPr/>
-          <a:lstStyle/>
-          <a:p>
-            <a:endParaRPr lang="zh-CN" altLang="en-US"/>
-          </a:p>
-        </p:txBody>
-      </p:sp>
-    </p:spTree>
-    <p:extLst>
-      <p:ext uri="{BB962C8B-B14F-4D97-AF65-F5344CB8AC3E}">
-        <p14:creationId xmlns:p14="http://schemas.microsoft.com/office/powerpoint/2010/main" val="1470364520"/>
-      </p:ext>
-    </p:extLst>
-  </p:cSld>
-  <p:clrMapOvr>
-    <a:masterClrMapping/>
-  </p:clrMapOvr>
-</p:sld>
-</file>
-
 <file path=ppt/slides/slide2.xml><?xml version="1.0" encoding="utf-8"?>
 <p:sld xmlns:a="http://schemas.openxmlformats.org/drawingml/2006/main" xmlns:r="http://schemas.openxmlformats.org/officeDocument/2006/relationships" xmlns:p="http://schemas.openxmlformats.org/presentationml/2006/main">
   <p:cSld>
@@ -17741,8 +23424,8 @@
         </p:nvSpPr>
         <p:spPr>
           <a:xfrm>
-            <a:off x="6463862" y="399034"/>
-            <a:ext cx="5255172" cy="1477328"/>
+            <a:off x="6463862" y="353992"/>
+            <a:ext cx="5255172" cy="1200329"/>
           </a:xfrm>
           <a:prstGeom prst="rect">
             <a:avLst/>
@@ -17781,11 +23464,15 @@
             </a:r>
             <a:r>
               <a:rPr lang="en-US" altLang="zh-CN" dirty="0" smtClean="0"/>
-              <a:t>/MMU</a:t>
+              <a:t>/</a:t>
+            </a:r>
+            <a:r>
+              <a:rPr lang="en-US" altLang="zh-CN" dirty="0" smtClean="0"/>
+              <a:t>MMU</a:t>
             </a:r>
             <a:r>
               <a:rPr lang="zh-CN" altLang="en-US" dirty="0" smtClean="0"/>
-              <a:t>的原因。</a:t>
+              <a:t>。</a:t>
             </a:r>
             <a:endParaRPr lang="zh-CN" altLang="en-US" dirty="0"/>
           </a:p>
@@ -18401,6 +24088,55 @@
 </p:sld>
 </file>
 
+<file path=ppt/slides/slide20.xml><?xml version="1.0" encoding="utf-8"?>
+<p:sld xmlns:a="http://schemas.openxmlformats.org/drawingml/2006/main" xmlns:r="http://schemas.openxmlformats.org/officeDocument/2006/relationships" xmlns:p="http://schemas.openxmlformats.org/presentationml/2006/main">
+  <p:cSld>
+    <p:spTree>
+      <p:nvGrpSpPr>
+        <p:cNvPr id="1" name=""/>
+        <p:cNvGrpSpPr/>
+        <p:nvPr/>
+      </p:nvGrpSpPr>
+      <p:grpSpPr>
+        <a:xfrm>
+          <a:off x="0" y="0"/>
+          <a:ext cx="0" cy="0"/>
+          <a:chOff x="0" y="0"/>
+          <a:chExt cx="0" cy="0"/>
+        </a:xfrm>
+      </p:grpSpPr>
+      <p:sp>
+        <p:nvSpPr>
+          <p:cNvPr id="2" name="标题 1"/>
+          <p:cNvSpPr>
+            <a:spLocks noGrp="1"/>
+          </p:cNvSpPr>
+          <p:nvPr>
+            <p:ph type="title"/>
+          </p:nvPr>
+        </p:nvSpPr>
+        <p:spPr/>
+        <p:txBody>
+          <a:bodyPr/>
+          <a:lstStyle/>
+          <a:p>
+            <a:endParaRPr lang="zh-CN" altLang="en-US"/>
+          </a:p>
+        </p:txBody>
+      </p:sp>
+    </p:spTree>
+    <p:extLst>
+      <p:ext uri="{BB962C8B-B14F-4D97-AF65-F5344CB8AC3E}">
+        <p14:creationId xmlns:p14="http://schemas.microsoft.com/office/powerpoint/2010/main" val="1470364520"/>
+      </p:ext>
+    </p:extLst>
+  </p:cSld>
+  <p:clrMapOvr>
+    <a:masterClrMapping/>
+  </p:clrMapOvr>
+</p:sld>
+</file>
+
 <file path=ppt/slides/slide3.xml><?xml version="1.0" encoding="utf-8"?>
 <p:sld xmlns:a="http://schemas.openxmlformats.org/drawingml/2006/main" xmlns:r="http://schemas.openxmlformats.org/officeDocument/2006/relationships" xmlns:p="http://schemas.openxmlformats.org/presentationml/2006/main">
   <p:cSld>
@@ -19570,7 +25306,7 @@
         </p:nvSpPr>
         <p:spPr>
           <a:xfrm>
-            <a:off x="1381358" y="2920908"/>
+            <a:off x="1392393" y="2984564"/>
             <a:ext cx="2286203" cy="369332"/>
           </a:xfrm>
           <a:prstGeom prst="rect">
@@ -19643,7 +25379,7 @@
         </p:nvSpPr>
         <p:spPr>
           <a:xfrm>
-            <a:off x="7754984" y="5731996"/>
+            <a:off x="7754984" y="6027421"/>
             <a:ext cx="3416320" cy="369332"/>
           </a:xfrm>
           <a:prstGeom prst="rect">
@@ -22414,6 +28150,10 @@
           <a:bodyPr/>
           <a:lstStyle/>
           <a:p>
+            <a:r>
+              <a:rPr lang="en-US" altLang="zh-CN" dirty="0" smtClean="0"/>
+              <a:t> </a:t>
+            </a:r>
             <a:endParaRPr lang="zh-CN" altLang="en-US" dirty="0"/>
           </a:p>
         </p:txBody>
@@ -22446,12 +28186,8 @@
               </a:lnSpc>
             </a:pPr>
             <a:r>
-              <a:rPr lang="en-US" altLang="zh-CN" dirty="0" err="1" smtClean="0"/>
-              <a:t>Ucos</a:t>
-            </a:r>
-            <a:r>
               <a:rPr lang="en-US" altLang="zh-CN" dirty="0" smtClean="0"/>
-              <a:t>-II </a:t>
+              <a:t>Ucos-II </a:t>
             </a:r>
             <a:r>
               <a:rPr lang="zh-CN" altLang="en-US" dirty="0" smtClean="0"/>
@@ -22697,7 +28433,7 @@
         </p:nvSpPr>
         <p:spPr>
           <a:xfrm>
-            <a:off x="3791943" y="3804638"/>
+            <a:off x="3795548" y="3687973"/>
             <a:ext cx="5202621" cy="465640"/>
           </a:xfrm>
           <a:prstGeom prst="rect">
